--- a/Topics/00 - Start the Func/Functional First Programming with F#.pptx
+++ b/Topics/00 - Start the Func/Functional First Programming with F#.pptx
@@ -2,34 +2,42 @@
 <file path=ppt/presentation.xml><?xml version="1.0" encoding="utf-8"?>
 <p:presentation xmlns:a="http://schemas.openxmlformats.org/drawingml/2006/main" xmlns:r="http://schemas.openxmlformats.org/officeDocument/2006/relationships" xmlns:p="http://schemas.openxmlformats.org/presentationml/2006/main" saveSubsetFonts="1">
   <p:sldMasterIdLst>
-    <p:sldMasterId id="2147483648" r:id="rId1"/>
+    <p:sldMasterId id="2147483677" r:id="rId1"/>
   </p:sldMasterIdLst>
   <p:sldIdLst>
     <p:sldId id="256" r:id="rId2"/>
-    <p:sldId id="278" r:id="rId3"/>
-    <p:sldId id="264" r:id="rId4"/>
-    <p:sldId id="263" r:id="rId5"/>
-    <p:sldId id="265" r:id="rId6"/>
-    <p:sldId id="276" r:id="rId7"/>
-    <p:sldId id="277" r:id="rId8"/>
-    <p:sldId id="266" r:id="rId9"/>
-    <p:sldId id="279" r:id="rId10"/>
-    <p:sldId id="280" r:id="rId11"/>
-    <p:sldId id="281" r:id="rId12"/>
-    <p:sldId id="268" r:id="rId13"/>
-    <p:sldId id="282" r:id="rId14"/>
-    <p:sldId id="269" r:id="rId15"/>
-    <p:sldId id="283" r:id="rId16"/>
-    <p:sldId id="284" r:id="rId17"/>
-    <p:sldId id="270" r:id="rId18"/>
-    <p:sldId id="271" r:id="rId19"/>
-    <p:sldId id="275" r:id="rId20"/>
-    <p:sldId id="274" r:id="rId21"/>
-    <p:sldId id="273" r:id="rId22"/>
-    <p:sldId id="272" r:id="rId23"/>
-    <p:sldId id="261" r:id="rId24"/>
-    <p:sldId id="258" r:id="rId25"/>
-    <p:sldId id="260" r:id="rId26"/>
+    <p:sldId id="296" r:id="rId3"/>
+    <p:sldId id="278" r:id="rId4"/>
+    <p:sldId id="264" r:id="rId5"/>
+    <p:sldId id="263" r:id="rId6"/>
+    <p:sldId id="265" r:id="rId7"/>
+    <p:sldId id="276" r:id="rId8"/>
+    <p:sldId id="277" r:id="rId9"/>
+    <p:sldId id="297" r:id="rId10"/>
+    <p:sldId id="266" r:id="rId11"/>
+    <p:sldId id="279" r:id="rId12"/>
+    <p:sldId id="280" r:id="rId13"/>
+    <p:sldId id="281" r:id="rId14"/>
+    <p:sldId id="282" r:id="rId15"/>
+    <p:sldId id="268" r:id="rId16"/>
+    <p:sldId id="283" r:id="rId17"/>
+    <p:sldId id="284" r:id="rId18"/>
+    <p:sldId id="270" r:id="rId19"/>
+    <p:sldId id="285" r:id="rId20"/>
+    <p:sldId id="287" r:id="rId21"/>
+    <p:sldId id="288" r:id="rId22"/>
+    <p:sldId id="289" r:id="rId23"/>
+    <p:sldId id="286" r:id="rId24"/>
+    <p:sldId id="271" r:id="rId25"/>
+    <p:sldId id="290" r:id="rId26"/>
+    <p:sldId id="291" r:id="rId27"/>
+    <p:sldId id="294" r:id="rId28"/>
+    <p:sldId id="295" r:id="rId29"/>
+    <p:sldId id="292" r:id="rId30"/>
+    <p:sldId id="275" r:id="rId31"/>
+    <p:sldId id="273" r:id="rId32"/>
+    <p:sldId id="272" r:id="rId33"/>
+    <p:sldId id="261" r:id="rId34"/>
   </p:sldIdLst>
   <p:sldSz cx="12192000" cy="6858000"/>
   <p:notesSz cx="6858000" cy="9144000"/>
@@ -37,7 +45,7 @@
     <a:defPPr>
       <a:defRPr lang="en-US"/>
     </a:defPPr>
-    <a:lvl1pPr marL="0" algn="l" defTabSz="914400" rtl="0" eaLnBrk="1" latinLnBrk="0" hangingPunct="1">
+    <a:lvl1pPr marL="0" algn="l" defTabSz="457200" rtl="0" eaLnBrk="1" latinLnBrk="0" hangingPunct="1">
       <a:defRPr sz="1800" kern="1200">
         <a:solidFill>
           <a:schemeClr val="tx1"/>
@@ -47,7 +55,7 @@
         <a:cs typeface="+mn-cs"/>
       </a:defRPr>
     </a:lvl1pPr>
-    <a:lvl2pPr marL="457200" algn="l" defTabSz="914400" rtl="0" eaLnBrk="1" latinLnBrk="0" hangingPunct="1">
+    <a:lvl2pPr marL="457200" algn="l" defTabSz="457200" rtl="0" eaLnBrk="1" latinLnBrk="0" hangingPunct="1">
       <a:defRPr sz="1800" kern="1200">
         <a:solidFill>
           <a:schemeClr val="tx1"/>
@@ -57,7 +65,7 @@
         <a:cs typeface="+mn-cs"/>
       </a:defRPr>
     </a:lvl2pPr>
-    <a:lvl3pPr marL="914400" algn="l" defTabSz="914400" rtl="0" eaLnBrk="1" latinLnBrk="0" hangingPunct="1">
+    <a:lvl3pPr marL="914400" algn="l" defTabSz="457200" rtl="0" eaLnBrk="1" latinLnBrk="0" hangingPunct="1">
       <a:defRPr sz="1800" kern="1200">
         <a:solidFill>
           <a:schemeClr val="tx1"/>
@@ -67,7 +75,7 @@
         <a:cs typeface="+mn-cs"/>
       </a:defRPr>
     </a:lvl3pPr>
-    <a:lvl4pPr marL="1371600" algn="l" defTabSz="914400" rtl="0" eaLnBrk="1" latinLnBrk="0" hangingPunct="1">
+    <a:lvl4pPr marL="1371600" algn="l" defTabSz="457200" rtl="0" eaLnBrk="1" latinLnBrk="0" hangingPunct="1">
       <a:defRPr sz="1800" kern="1200">
         <a:solidFill>
           <a:schemeClr val="tx1"/>
@@ -77,7 +85,7 @@
         <a:cs typeface="+mn-cs"/>
       </a:defRPr>
     </a:lvl4pPr>
-    <a:lvl5pPr marL="1828800" algn="l" defTabSz="914400" rtl="0" eaLnBrk="1" latinLnBrk="0" hangingPunct="1">
+    <a:lvl5pPr marL="1828800" algn="l" defTabSz="457200" rtl="0" eaLnBrk="1" latinLnBrk="0" hangingPunct="1">
       <a:defRPr sz="1800" kern="1200">
         <a:solidFill>
           <a:schemeClr val="tx1"/>
@@ -87,7 +95,7 @@
         <a:cs typeface="+mn-cs"/>
       </a:defRPr>
     </a:lvl5pPr>
-    <a:lvl6pPr marL="2286000" algn="l" defTabSz="914400" rtl="0" eaLnBrk="1" latinLnBrk="0" hangingPunct="1">
+    <a:lvl6pPr marL="2286000" algn="l" defTabSz="457200" rtl="0" eaLnBrk="1" latinLnBrk="0" hangingPunct="1">
       <a:defRPr sz="1800" kern="1200">
         <a:solidFill>
           <a:schemeClr val="tx1"/>
@@ -97,7 +105,7 @@
         <a:cs typeface="+mn-cs"/>
       </a:defRPr>
     </a:lvl6pPr>
-    <a:lvl7pPr marL="2743200" algn="l" defTabSz="914400" rtl="0" eaLnBrk="1" latinLnBrk="0" hangingPunct="1">
+    <a:lvl7pPr marL="2743200" algn="l" defTabSz="457200" rtl="0" eaLnBrk="1" latinLnBrk="0" hangingPunct="1">
       <a:defRPr sz="1800" kern="1200">
         <a:solidFill>
           <a:schemeClr val="tx1"/>
@@ -107,7 +115,7 @@
         <a:cs typeface="+mn-cs"/>
       </a:defRPr>
     </a:lvl7pPr>
-    <a:lvl8pPr marL="3200400" algn="l" defTabSz="914400" rtl="0" eaLnBrk="1" latinLnBrk="0" hangingPunct="1">
+    <a:lvl8pPr marL="3200400" algn="l" defTabSz="457200" rtl="0" eaLnBrk="1" latinLnBrk="0" hangingPunct="1">
       <a:defRPr sz="1800" kern="1200">
         <a:solidFill>
           <a:schemeClr val="tx1"/>
@@ -117,7 +125,7 @@
         <a:cs typeface="+mn-cs"/>
       </a:defRPr>
     </a:lvl8pPr>
-    <a:lvl9pPr marL="3657600" algn="l" defTabSz="914400" rtl="0" eaLnBrk="1" latinLnBrk="0" hangingPunct="1">
+    <a:lvl9pPr marL="3657600" algn="l" defTabSz="457200" rtl="0" eaLnBrk="1" latinLnBrk="0" hangingPunct="1">
       <a:defRPr sz="1800" kern="1200">
         <a:solidFill>
           <a:schemeClr val="tx1"/>
@@ -141,7 +149,7 @@
 </file>
 
 <file path=ppt/slideLayouts/slideLayout1.xml><?xml version="1.0" encoding="utf-8"?>
-<p:sldLayout xmlns:a="http://schemas.openxmlformats.org/drawingml/2006/main" xmlns:r="http://schemas.openxmlformats.org/officeDocument/2006/relationships" xmlns:p="http://schemas.openxmlformats.org/presentationml/2006/main" type="title" preserve="1">
+<p:sldLayout xmlns:a="http://schemas.openxmlformats.org/drawingml/2006/main" xmlns:r="http://schemas.openxmlformats.org/officeDocument/2006/relationships" xmlns:p="http://schemas.openxmlformats.org/presentationml/2006/main" showMasterSp="0" type="title" preserve="1">
   <p:cSld name="Title Slide">
     <p:spTree>
       <p:nvGrpSpPr>
@@ -157,15 +165,562 @@
           <a:chExt cx="0" cy="0"/>
         </a:xfrm>
       </p:grpSpPr>
-      <p:sp>
-        <p:nvSpPr>
-          <p:cNvPr id="2" name="Title 1">
-            <a:extLst>
-              <a:ext uri="{FF2B5EF4-FFF2-40B4-BE49-F238E27FC236}">
-                <a16:creationId xmlns:a16="http://schemas.microsoft.com/office/drawing/2014/main" id="{E2030741-D046-441E-97CC-04983202C815}"/>
-              </a:ext>
-            </a:extLst>
-          </p:cNvPr>
+      <p:grpSp>
+        <p:nvGrpSpPr>
+          <p:cNvPr id="16" name="Group 15"/>
+          <p:cNvGrpSpPr/>
+          <p:nvPr/>
+        </p:nvGrpSpPr>
+        <p:grpSpPr>
+          <a:xfrm>
+            <a:off x="0" y="-8467"/>
+            <a:ext cx="12192000" cy="6866467"/>
+            <a:chOff x="0" y="-8467"/>
+            <a:chExt cx="12192000" cy="6866467"/>
+          </a:xfrm>
+        </p:grpSpPr>
+        <p:sp>
+          <p:nvSpPr>
+            <p:cNvPr id="15" name="Freeform 14"/>
+            <p:cNvSpPr/>
+            <p:nvPr/>
+          </p:nvSpPr>
+          <p:spPr>
+            <a:xfrm>
+              <a:off x="0" y="-7862"/>
+              <a:ext cx="863600" cy="5698067"/>
+            </a:xfrm>
+            <a:custGeom>
+              <a:avLst/>
+              <a:gdLst/>
+              <a:ahLst/>
+              <a:cxnLst/>
+              <a:rect l="l" t="t" r="r" b="b"/>
+              <a:pathLst>
+                <a:path w="863600" h="5698067">
+                  <a:moveTo>
+                    <a:pt x="0" y="8467"/>
+                  </a:moveTo>
+                  <a:lnTo>
+                    <a:pt x="863600" y="0"/>
+                  </a:lnTo>
+                  <a:lnTo>
+                    <a:pt x="863600" y="16934"/>
+                  </a:lnTo>
+                  <a:lnTo>
+                    <a:pt x="0" y="5698067"/>
+                  </a:lnTo>
+                  <a:lnTo>
+                    <a:pt x="0" y="8467"/>
+                  </a:lnTo>
+                  <a:close/>
+                </a:path>
+              </a:pathLst>
+            </a:custGeom>
+            <a:solidFill>
+              <a:schemeClr val="accent1">
+                <a:alpha val="70000"/>
+              </a:schemeClr>
+            </a:solidFill>
+            <a:ln>
+              <a:noFill/>
+            </a:ln>
+            <a:effectLst/>
+          </p:spPr>
+          <p:style>
+            <a:lnRef idx="1">
+              <a:schemeClr val="accent1"/>
+            </a:lnRef>
+            <a:fillRef idx="3">
+              <a:schemeClr val="accent1"/>
+            </a:fillRef>
+            <a:effectRef idx="2">
+              <a:schemeClr val="accent1"/>
+            </a:effectRef>
+            <a:fontRef idx="minor">
+              <a:schemeClr val="lt1"/>
+            </a:fontRef>
+          </p:style>
+        </p:sp>
+        <p:cxnSp>
+          <p:nvCxnSpPr>
+            <p:cNvPr id="19" name="Straight Connector 18"/>
+            <p:cNvCxnSpPr/>
+            <p:nvPr/>
+          </p:nvCxnSpPr>
+          <p:spPr>
+            <a:xfrm>
+              <a:off x="9371012" y="0"/>
+              <a:ext cx="1219200" cy="6858000"/>
+            </a:xfrm>
+            <a:prstGeom prst="line">
+              <a:avLst/>
+            </a:prstGeom>
+            <a:ln w="9525">
+              <a:solidFill>
+                <a:schemeClr val="accent1">
+                  <a:alpha val="70000"/>
+                </a:schemeClr>
+              </a:solidFill>
+            </a:ln>
+          </p:spPr>
+          <p:style>
+            <a:lnRef idx="2">
+              <a:schemeClr val="accent1"/>
+            </a:lnRef>
+            <a:fillRef idx="0">
+              <a:schemeClr val="accent1"/>
+            </a:fillRef>
+            <a:effectRef idx="1">
+              <a:schemeClr val="accent1"/>
+            </a:effectRef>
+            <a:fontRef idx="minor">
+              <a:schemeClr val="tx1"/>
+            </a:fontRef>
+          </p:style>
+        </p:cxnSp>
+        <p:cxnSp>
+          <p:nvCxnSpPr>
+            <p:cNvPr id="20" name="Straight Connector 19"/>
+            <p:cNvCxnSpPr/>
+            <p:nvPr/>
+          </p:nvCxnSpPr>
+          <p:spPr>
+            <a:xfrm flipH="1">
+              <a:off x="7425267" y="3681413"/>
+              <a:ext cx="4763558" cy="3176587"/>
+            </a:xfrm>
+            <a:prstGeom prst="line">
+              <a:avLst/>
+            </a:prstGeom>
+            <a:ln w="9525">
+              <a:solidFill>
+                <a:schemeClr val="accent1">
+                  <a:alpha val="70000"/>
+                </a:schemeClr>
+              </a:solidFill>
+            </a:ln>
+          </p:spPr>
+          <p:style>
+            <a:lnRef idx="2">
+              <a:schemeClr val="accent1"/>
+            </a:lnRef>
+            <a:fillRef idx="0">
+              <a:schemeClr val="accent1"/>
+            </a:fillRef>
+            <a:effectRef idx="1">
+              <a:schemeClr val="accent1"/>
+            </a:effectRef>
+            <a:fontRef idx="minor">
+              <a:schemeClr val="tx1"/>
+            </a:fontRef>
+          </p:style>
+        </p:cxnSp>
+        <p:sp>
+          <p:nvSpPr>
+            <p:cNvPr id="21" name="Rectangle 23"/>
+            <p:cNvSpPr/>
+            <p:nvPr/>
+          </p:nvSpPr>
+          <p:spPr>
+            <a:xfrm>
+              <a:off x="9181476" y="-8467"/>
+              <a:ext cx="3007349" cy="6866467"/>
+            </a:xfrm>
+            <a:custGeom>
+              <a:avLst/>
+              <a:gdLst/>
+              <a:ahLst/>
+              <a:cxnLst/>
+              <a:rect l="l" t="t" r="r" b="b"/>
+              <a:pathLst>
+                <a:path w="3007349" h="6866467">
+                  <a:moveTo>
+                    <a:pt x="2045532" y="0"/>
+                  </a:moveTo>
+                  <a:lnTo>
+                    <a:pt x="3007349" y="0"/>
+                  </a:lnTo>
+                  <a:lnTo>
+                    <a:pt x="3007349" y="6866467"/>
+                  </a:lnTo>
+                  <a:lnTo>
+                    <a:pt x="0" y="6866467"/>
+                  </a:lnTo>
+                  <a:lnTo>
+                    <a:pt x="2045532" y="0"/>
+                  </a:lnTo>
+                  <a:close/>
+                </a:path>
+              </a:pathLst>
+            </a:custGeom>
+            <a:solidFill>
+              <a:schemeClr val="accent1">
+                <a:alpha val="36000"/>
+              </a:schemeClr>
+            </a:solidFill>
+            <a:ln>
+              <a:noFill/>
+            </a:ln>
+            <a:effectLst/>
+          </p:spPr>
+          <p:style>
+            <a:lnRef idx="1">
+              <a:schemeClr val="accent1"/>
+            </a:lnRef>
+            <a:fillRef idx="3">
+              <a:schemeClr val="accent1"/>
+            </a:fillRef>
+            <a:effectRef idx="2">
+              <a:schemeClr val="accent1"/>
+            </a:effectRef>
+            <a:fontRef idx="minor">
+              <a:schemeClr val="lt1"/>
+            </a:fontRef>
+          </p:style>
+        </p:sp>
+        <p:sp>
+          <p:nvSpPr>
+            <p:cNvPr id="22" name="Rectangle 25"/>
+            <p:cNvSpPr/>
+            <p:nvPr/>
+          </p:nvSpPr>
+          <p:spPr>
+            <a:xfrm>
+              <a:off x="9603442" y="-8467"/>
+              <a:ext cx="2588558" cy="6866467"/>
+            </a:xfrm>
+            <a:custGeom>
+              <a:avLst/>
+              <a:gdLst/>
+              <a:ahLst/>
+              <a:cxnLst/>
+              <a:rect l="l" t="t" r="r" b="b"/>
+              <a:pathLst>
+                <a:path w="2573311" h="6866467">
+                  <a:moveTo>
+                    <a:pt x="0" y="0"/>
+                  </a:moveTo>
+                  <a:lnTo>
+                    <a:pt x="2573311" y="0"/>
+                  </a:lnTo>
+                  <a:lnTo>
+                    <a:pt x="2573311" y="6866467"/>
+                  </a:lnTo>
+                  <a:lnTo>
+                    <a:pt x="1202336" y="6866467"/>
+                  </a:lnTo>
+                  <a:lnTo>
+                    <a:pt x="0" y="0"/>
+                  </a:lnTo>
+                  <a:close/>
+                </a:path>
+              </a:pathLst>
+            </a:custGeom>
+            <a:solidFill>
+              <a:schemeClr val="accent1">
+                <a:alpha val="20000"/>
+              </a:schemeClr>
+            </a:solidFill>
+            <a:ln>
+              <a:noFill/>
+            </a:ln>
+            <a:effectLst/>
+          </p:spPr>
+          <p:style>
+            <a:lnRef idx="1">
+              <a:schemeClr val="accent1"/>
+            </a:lnRef>
+            <a:fillRef idx="3">
+              <a:schemeClr val="accent1"/>
+            </a:fillRef>
+            <a:effectRef idx="2">
+              <a:schemeClr val="accent1"/>
+            </a:effectRef>
+            <a:fontRef idx="minor">
+              <a:schemeClr val="lt1"/>
+            </a:fontRef>
+          </p:style>
+        </p:sp>
+        <p:sp>
+          <p:nvSpPr>
+            <p:cNvPr id="23" name="Isosceles Triangle 22"/>
+            <p:cNvSpPr/>
+            <p:nvPr/>
+          </p:nvSpPr>
+          <p:spPr>
+            <a:xfrm>
+              <a:off x="8932333" y="3048000"/>
+              <a:ext cx="3259667" cy="3810000"/>
+            </a:xfrm>
+            <a:prstGeom prst="triangle">
+              <a:avLst>
+                <a:gd name="adj" fmla="val 100000"/>
+              </a:avLst>
+            </a:prstGeom>
+            <a:solidFill>
+              <a:schemeClr val="accent1">
+                <a:lumMod val="75000"/>
+                <a:alpha val="66000"/>
+              </a:schemeClr>
+            </a:solidFill>
+            <a:ln>
+              <a:noFill/>
+            </a:ln>
+            <a:effectLst/>
+          </p:spPr>
+          <p:style>
+            <a:lnRef idx="1">
+              <a:schemeClr val="accent1"/>
+            </a:lnRef>
+            <a:fillRef idx="3">
+              <a:schemeClr val="accent1"/>
+            </a:fillRef>
+            <a:effectRef idx="2">
+              <a:schemeClr val="accent1"/>
+            </a:effectRef>
+            <a:fontRef idx="minor">
+              <a:schemeClr val="lt1"/>
+            </a:fontRef>
+          </p:style>
+        </p:sp>
+        <p:sp>
+          <p:nvSpPr>
+            <p:cNvPr id="24" name="Rectangle 27"/>
+            <p:cNvSpPr/>
+            <p:nvPr/>
+          </p:nvSpPr>
+          <p:spPr>
+            <a:xfrm>
+              <a:off x="9334500" y="-8467"/>
+              <a:ext cx="2854326" cy="6866467"/>
+            </a:xfrm>
+            <a:custGeom>
+              <a:avLst/>
+              <a:gdLst/>
+              <a:ahLst/>
+              <a:cxnLst/>
+              <a:rect l="l" t="t" r="r" b="b"/>
+              <a:pathLst>
+                <a:path w="2858013" h="6866467">
+                  <a:moveTo>
+                    <a:pt x="0" y="0"/>
+                  </a:moveTo>
+                  <a:lnTo>
+                    <a:pt x="2858013" y="0"/>
+                  </a:lnTo>
+                  <a:lnTo>
+                    <a:pt x="2858013" y="6866467"/>
+                  </a:lnTo>
+                  <a:lnTo>
+                    <a:pt x="2473942" y="6866467"/>
+                  </a:lnTo>
+                  <a:lnTo>
+                    <a:pt x="0" y="0"/>
+                  </a:lnTo>
+                  <a:close/>
+                </a:path>
+              </a:pathLst>
+            </a:custGeom>
+            <a:solidFill>
+              <a:schemeClr val="accent1">
+                <a:lumMod val="75000"/>
+                <a:alpha val="50000"/>
+              </a:schemeClr>
+            </a:solidFill>
+            <a:ln>
+              <a:noFill/>
+            </a:ln>
+            <a:effectLst/>
+          </p:spPr>
+          <p:style>
+            <a:lnRef idx="1">
+              <a:schemeClr val="accent1"/>
+            </a:lnRef>
+            <a:fillRef idx="3">
+              <a:schemeClr val="accent1"/>
+            </a:fillRef>
+            <a:effectRef idx="2">
+              <a:schemeClr val="accent1"/>
+            </a:effectRef>
+            <a:fontRef idx="minor">
+              <a:schemeClr val="lt1"/>
+            </a:fontRef>
+          </p:style>
+        </p:sp>
+        <p:sp>
+          <p:nvSpPr>
+            <p:cNvPr id="25" name="Rectangle 28"/>
+            <p:cNvSpPr/>
+            <p:nvPr/>
+          </p:nvSpPr>
+          <p:spPr>
+            <a:xfrm>
+              <a:off x="10898730" y="-8467"/>
+              <a:ext cx="1290094" cy="6866467"/>
+            </a:xfrm>
+            <a:custGeom>
+              <a:avLst/>
+              <a:gdLst/>
+              <a:ahLst/>
+              <a:cxnLst/>
+              <a:rect l="l" t="t" r="r" b="b"/>
+              <a:pathLst>
+                <a:path w="1290094" h="6858000">
+                  <a:moveTo>
+                    <a:pt x="1019735" y="0"/>
+                  </a:moveTo>
+                  <a:lnTo>
+                    <a:pt x="1290094" y="0"/>
+                  </a:lnTo>
+                  <a:lnTo>
+                    <a:pt x="1290094" y="6858000"/>
+                  </a:lnTo>
+                  <a:lnTo>
+                    <a:pt x="0" y="6858000"/>
+                  </a:lnTo>
+                  <a:lnTo>
+                    <a:pt x="1019735" y="0"/>
+                  </a:lnTo>
+                  <a:close/>
+                </a:path>
+              </a:pathLst>
+            </a:custGeom>
+            <a:solidFill>
+              <a:schemeClr val="accent2">
+                <a:alpha val="70000"/>
+              </a:schemeClr>
+            </a:solidFill>
+            <a:ln>
+              <a:noFill/>
+            </a:ln>
+            <a:effectLst/>
+          </p:spPr>
+          <p:style>
+            <a:lnRef idx="1">
+              <a:schemeClr val="accent1"/>
+            </a:lnRef>
+            <a:fillRef idx="3">
+              <a:schemeClr val="accent1"/>
+            </a:fillRef>
+            <a:effectRef idx="2">
+              <a:schemeClr val="accent1"/>
+            </a:effectRef>
+            <a:fontRef idx="minor">
+              <a:schemeClr val="lt1"/>
+            </a:fontRef>
+          </p:style>
+        </p:sp>
+        <p:sp>
+          <p:nvSpPr>
+            <p:cNvPr id="26" name="Rectangle 29"/>
+            <p:cNvSpPr/>
+            <p:nvPr/>
+          </p:nvSpPr>
+          <p:spPr>
+            <a:xfrm>
+              <a:off x="10938999" y="-8467"/>
+              <a:ext cx="1249825" cy="6866467"/>
+            </a:xfrm>
+            <a:custGeom>
+              <a:avLst/>
+              <a:gdLst/>
+              <a:ahLst/>
+              <a:cxnLst/>
+              <a:rect l="l" t="t" r="r" b="b"/>
+              <a:pathLst>
+                <a:path w="1249825" h="6858000">
+                  <a:moveTo>
+                    <a:pt x="0" y="0"/>
+                  </a:moveTo>
+                  <a:lnTo>
+                    <a:pt x="1249825" y="0"/>
+                  </a:lnTo>
+                  <a:lnTo>
+                    <a:pt x="1249825" y="6858000"/>
+                  </a:lnTo>
+                  <a:lnTo>
+                    <a:pt x="1109382" y="6858000"/>
+                  </a:lnTo>
+                  <a:lnTo>
+                    <a:pt x="0" y="0"/>
+                  </a:lnTo>
+                  <a:close/>
+                </a:path>
+              </a:pathLst>
+            </a:custGeom>
+            <a:solidFill>
+              <a:schemeClr val="accent2">
+                <a:lumMod val="75000"/>
+                <a:alpha val="80000"/>
+              </a:schemeClr>
+            </a:solidFill>
+            <a:ln>
+              <a:noFill/>
+            </a:ln>
+            <a:effectLst/>
+          </p:spPr>
+          <p:style>
+            <a:lnRef idx="1">
+              <a:schemeClr val="accent1"/>
+            </a:lnRef>
+            <a:fillRef idx="3">
+              <a:schemeClr val="accent1"/>
+            </a:fillRef>
+            <a:effectRef idx="2">
+              <a:schemeClr val="accent1"/>
+            </a:effectRef>
+            <a:fontRef idx="minor">
+              <a:schemeClr val="lt1"/>
+            </a:fontRef>
+          </p:style>
+        </p:sp>
+        <p:sp>
+          <p:nvSpPr>
+            <p:cNvPr id="27" name="Isosceles Triangle 26"/>
+            <p:cNvSpPr/>
+            <p:nvPr/>
+          </p:nvSpPr>
+          <p:spPr>
+            <a:xfrm>
+              <a:off x="10371666" y="3589867"/>
+              <a:ext cx="1817159" cy="3268133"/>
+            </a:xfrm>
+            <a:prstGeom prst="triangle">
+              <a:avLst>
+                <a:gd name="adj" fmla="val 100000"/>
+              </a:avLst>
+            </a:prstGeom>
+            <a:solidFill>
+              <a:schemeClr val="accent1">
+                <a:lumMod val="75000"/>
+                <a:alpha val="66000"/>
+              </a:schemeClr>
+            </a:solidFill>
+            <a:ln>
+              <a:noFill/>
+            </a:ln>
+            <a:effectLst/>
+          </p:spPr>
+          <p:style>
+            <a:lnRef idx="1">
+              <a:schemeClr val="accent1"/>
+            </a:lnRef>
+            <a:fillRef idx="3">
+              <a:schemeClr val="accent1"/>
+            </a:fillRef>
+            <a:effectRef idx="2">
+              <a:schemeClr val="accent1"/>
+            </a:effectRef>
+            <a:fontRef idx="minor">
+              <a:schemeClr val="lt1"/>
+            </a:fontRef>
+          </p:style>
+        </p:sp>
+      </p:grpSp>
+      <p:sp>
+        <p:nvSpPr>
+          <p:cNvPr id="2" name="Title 1"/>
           <p:cNvSpPr>
             <a:spLocks noGrp="1"/>
           </p:cNvSpPr>
@@ -175,15 +730,21 @@
         </p:nvSpPr>
         <p:spPr>
           <a:xfrm>
-            <a:off x="1524000" y="1122363"/>
-            <a:ext cx="9144000" cy="2387600"/>
+            <a:off x="1507067" y="2404534"/>
+            <a:ext cx="7766936" cy="1646302"/>
           </a:xfrm>
         </p:spPr>
         <p:txBody>
-          <a:bodyPr anchor="b"/>
+          <a:bodyPr anchor="b">
+            <a:noAutofit/>
+          </a:bodyPr>
           <a:lstStyle>
-            <a:lvl1pPr algn="ctr">
-              <a:defRPr sz="6000"/>
+            <a:lvl1pPr algn="r">
+              <a:defRPr sz="5400">
+                <a:solidFill>
+                  <a:schemeClr val="accent1"/>
+                </a:solidFill>
+              </a:defRPr>
             </a:lvl1pPr>
           </a:lstStyle>
           <a:p>
@@ -191,19 +752,13 @@
               <a:rPr lang="en-US"/>
               <a:t>Click to edit Master title style</a:t>
             </a:r>
-            <a:endParaRPr lang="en-GB"/>
-          </a:p>
-        </p:txBody>
-      </p:sp>
-      <p:sp>
-        <p:nvSpPr>
-          <p:cNvPr id="3" name="Subtitle 2">
-            <a:extLst>
-              <a:ext uri="{FF2B5EF4-FFF2-40B4-BE49-F238E27FC236}">
-                <a16:creationId xmlns:a16="http://schemas.microsoft.com/office/drawing/2014/main" id="{68A38164-9D1E-4981-9799-E1DBC0BDCB5E}"/>
-              </a:ext>
-            </a:extLst>
-          </p:cNvPr>
+            <a:endParaRPr lang="en-US" dirty="0"/>
+          </a:p>
+        </p:txBody>
+      </p:sp>
+      <p:sp>
+        <p:nvSpPr>
+          <p:cNvPr id="3" name="Subtitle 2"/>
           <p:cNvSpPr>
             <a:spLocks noGrp="1"/>
           </p:cNvSpPr>
@@ -213,48 +768,103 @@
         </p:nvSpPr>
         <p:spPr>
           <a:xfrm>
-            <a:off x="1524000" y="3602038"/>
-            <a:ext cx="9144000" cy="1655762"/>
+            <a:off x="1507067" y="4050833"/>
+            <a:ext cx="7766936" cy="1096899"/>
           </a:xfrm>
         </p:spPr>
         <p:txBody>
-          <a:bodyPr/>
+          <a:bodyPr anchor="t"/>
           <a:lstStyle>
-            <a:lvl1pPr marL="0" indent="0" algn="ctr">
-              <a:buNone/>
-              <a:defRPr sz="2400"/>
+            <a:lvl1pPr marL="0" indent="0" algn="r">
+              <a:buNone/>
+              <a:defRPr>
+                <a:solidFill>
+                  <a:schemeClr val="tx1">
+                    <a:lumMod val="50000"/>
+                    <a:lumOff val="50000"/>
+                  </a:schemeClr>
+                </a:solidFill>
+              </a:defRPr>
             </a:lvl1pPr>
             <a:lvl2pPr marL="457200" indent="0" algn="ctr">
               <a:buNone/>
-              <a:defRPr sz="2000"/>
+              <a:defRPr>
+                <a:solidFill>
+                  <a:schemeClr val="tx1">
+                    <a:tint val="75000"/>
+                  </a:schemeClr>
+                </a:solidFill>
+              </a:defRPr>
             </a:lvl2pPr>
             <a:lvl3pPr marL="914400" indent="0" algn="ctr">
               <a:buNone/>
-              <a:defRPr sz="1800"/>
+              <a:defRPr>
+                <a:solidFill>
+                  <a:schemeClr val="tx1">
+                    <a:tint val="75000"/>
+                  </a:schemeClr>
+                </a:solidFill>
+              </a:defRPr>
             </a:lvl3pPr>
             <a:lvl4pPr marL="1371600" indent="0" algn="ctr">
               <a:buNone/>
-              <a:defRPr sz="1600"/>
+              <a:defRPr>
+                <a:solidFill>
+                  <a:schemeClr val="tx1">
+                    <a:tint val="75000"/>
+                  </a:schemeClr>
+                </a:solidFill>
+              </a:defRPr>
             </a:lvl4pPr>
             <a:lvl5pPr marL="1828800" indent="0" algn="ctr">
               <a:buNone/>
-              <a:defRPr sz="1600"/>
+              <a:defRPr>
+                <a:solidFill>
+                  <a:schemeClr val="tx1">
+                    <a:tint val="75000"/>
+                  </a:schemeClr>
+                </a:solidFill>
+              </a:defRPr>
             </a:lvl5pPr>
             <a:lvl6pPr marL="2286000" indent="0" algn="ctr">
               <a:buNone/>
-              <a:defRPr sz="1600"/>
+              <a:defRPr>
+                <a:solidFill>
+                  <a:schemeClr val="tx1">
+                    <a:tint val="75000"/>
+                  </a:schemeClr>
+                </a:solidFill>
+              </a:defRPr>
             </a:lvl6pPr>
             <a:lvl7pPr marL="2743200" indent="0" algn="ctr">
               <a:buNone/>
-              <a:defRPr sz="1600"/>
+              <a:defRPr>
+                <a:solidFill>
+                  <a:schemeClr val="tx1">
+                    <a:tint val="75000"/>
+                  </a:schemeClr>
+                </a:solidFill>
+              </a:defRPr>
             </a:lvl7pPr>
             <a:lvl8pPr marL="3200400" indent="0" algn="ctr">
               <a:buNone/>
-              <a:defRPr sz="1600"/>
+              <a:defRPr>
+                <a:solidFill>
+                  <a:schemeClr val="tx1">
+                    <a:tint val="75000"/>
+                  </a:schemeClr>
+                </a:solidFill>
+              </a:defRPr>
             </a:lvl8pPr>
             <a:lvl9pPr marL="3657600" indent="0" algn="ctr">
               <a:buNone/>
-              <a:defRPr sz="1600"/>
+              <a:defRPr>
+                <a:solidFill>
+                  <a:schemeClr val="tx1">
+                    <a:tint val="75000"/>
+                  </a:schemeClr>
+                </a:solidFill>
+              </a:defRPr>
             </a:lvl9pPr>
           </a:lstStyle>
           <a:p>
@@ -262,19 +872,13 @@
               <a:rPr lang="en-US"/>
               <a:t>Click to edit Master subtitle style</a:t>
             </a:r>
-            <a:endParaRPr lang="en-GB"/>
-          </a:p>
-        </p:txBody>
-      </p:sp>
-      <p:sp>
-        <p:nvSpPr>
-          <p:cNvPr id="4" name="Date Placeholder 3">
-            <a:extLst>
-              <a:ext uri="{FF2B5EF4-FFF2-40B4-BE49-F238E27FC236}">
-                <a16:creationId xmlns:a16="http://schemas.microsoft.com/office/drawing/2014/main" id="{2CFF5081-2B01-4F3F-8215-BD8B6062F6B4}"/>
-              </a:ext>
-            </a:extLst>
-          </p:cNvPr>
+            <a:endParaRPr lang="en-US" dirty="0"/>
+          </a:p>
+        </p:txBody>
+      </p:sp>
+      <p:sp>
+        <p:nvSpPr>
+          <p:cNvPr id="4" name="Date Placeholder 3"/>
           <p:cNvSpPr>
             <a:spLocks noGrp="1"/>
           </p:cNvSpPr>
@@ -289,7 +893,7 @@
           <a:p>
             <a:fld id="{55FC8959-8F40-4E3F-B53B-91426FAA4E7B}" type="datetimeFigureOut">
               <a:rPr lang="en-GB" smtClean="0"/>
-              <a:t>11/10/2017</a:t>
+              <a:t>12/10/2017</a:t>
             </a:fld>
             <a:endParaRPr lang="en-GB"/>
           </a:p>
@@ -297,13 +901,7 @@
       </p:sp>
       <p:sp>
         <p:nvSpPr>
-          <p:cNvPr id="5" name="Footer Placeholder 4">
-            <a:extLst>
-              <a:ext uri="{FF2B5EF4-FFF2-40B4-BE49-F238E27FC236}">
-                <a16:creationId xmlns:a16="http://schemas.microsoft.com/office/drawing/2014/main" id="{F523F698-51D2-49B8-9A8F-0ABF305133EC}"/>
-              </a:ext>
-            </a:extLst>
-          </p:cNvPr>
+          <p:cNvPr id="5" name="Footer Placeholder 4"/>
           <p:cNvSpPr>
             <a:spLocks noGrp="1"/>
           </p:cNvSpPr>
@@ -322,13 +920,7 @@
       </p:sp>
       <p:sp>
         <p:nvSpPr>
-          <p:cNvPr id="6" name="Slide Number Placeholder 5">
-            <a:extLst>
-              <a:ext uri="{FF2B5EF4-FFF2-40B4-BE49-F238E27FC236}">
-                <a16:creationId xmlns:a16="http://schemas.microsoft.com/office/drawing/2014/main" id="{0306EF6F-206A-42D6-BE97-AEB85F5A1839}"/>
-              </a:ext>
-            </a:extLst>
-          </p:cNvPr>
+          <p:cNvPr id="6" name="Slide Number Placeholder 5"/>
           <p:cNvSpPr>
             <a:spLocks noGrp="1"/>
           </p:cNvSpPr>
@@ -352,7 +944,7 @@
     </p:spTree>
     <p:extLst>
       <p:ext uri="{BB962C8B-B14F-4D97-AF65-F5344CB8AC3E}">
-        <p14:creationId xmlns:p14="http://schemas.microsoft.com/office/powerpoint/2010/main" val="1295640869"/>
+        <p14:creationId xmlns:p14="http://schemas.microsoft.com/office/powerpoint/2010/main" val="3639294730"/>
       </p:ext>
     </p:extLst>
   </p:cSld>
@@ -363,6 +955,1611 @@
 </file>
 
 <file path=ppt/slideLayouts/slideLayout10.xml><?xml version="1.0" encoding="utf-8"?>
+<p:sldLayout xmlns:a="http://schemas.openxmlformats.org/drawingml/2006/main" xmlns:r="http://schemas.openxmlformats.org/officeDocument/2006/relationships" xmlns:p="http://schemas.openxmlformats.org/presentationml/2006/main" preserve="1">
+  <p:cSld name="Title and Caption">
+    <p:spTree>
+      <p:nvGrpSpPr>
+        <p:cNvPr id="1" name=""/>
+        <p:cNvGrpSpPr/>
+        <p:nvPr/>
+      </p:nvGrpSpPr>
+      <p:grpSpPr>
+        <a:xfrm>
+          <a:off x="0" y="0"/>
+          <a:ext cx="0" cy="0"/>
+          <a:chOff x="0" y="0"/>
+          <a:chExt cx="0" cy="0"/>
+        </a:xfrm>
+      </p:grpSpPr>
+      <p:sp>
+        <p:nvSpPr>
+          <p:cNvPr id="2" name="Title 1"/>
+          <p:cNvSpPr>
+            <a:spLocks noGrp="1"/>
+          </p:cNvSpPr>
+          <p:nvPr>
+            <p:ph type="title"/>
+          </p:nvPr>
+        </p:nvSpPr>
+        <p:spPr>
+          <a:xfrm>
+            <a:off x="677335" y="609600"/>
+            <a:ext cx="8596668" cy="3403600"/>
+          </a:xfrm>
+        </p:spPr>
+        <p:txBody>
+          <a:bodyPr anchor="ctr">
+            <a:normAutofit/>
+          </a:bodyPr>
+          <a:lstStyle>
+            <a:lvl1pPr algn="l">
+              <a:defRPr sz="4400" b="0" cap="none"/>
+            </a:lvl1pPr>
+          </a:lstStyle>
+          <a:p>
+            <a:r>
+              <a:rPr lang="en-US"/>
+              <a:t>Click to edit Master title style</a:t>
+            </a:r>
+            <a:endParaRPr lang="en-US" dirty="0"/>
+          </a:p>
+        </p:txBody>
+      </p:sp>
+      <p:sp>
+        <p:nvSpPr>
+          <p:cNvPr id="3" name="Text Placeholder 2"/>
+          <p:cNvSpPr>
+            <a:spLocks noGrp="1"/>
+          </p:cNvSpPr>
+          <p:nvPr>
+            <p:ph type="body" idx="1"/>
+          </p:nvPr>
+        </p:nvSpPr>
+        <p:spPr>
+          <a:xfrm>
+            <a:off x="677335" y="4470400"/>
+            <a:ext cx="8596668" cy="1570962"/>
+          </a:xfrm>
+        </p:spPr>
+        <p:txBody>
+          <a:bodyPr anchor="ctr">
+            <a:normAutofit/>
+          </a:bodyPr>
+          <a:lstStyle>
+            <a:lvl1pPr marL="0" indent="0" algn="l">
+              <a:buNone/>
+              <a:defRPr sz="1800">
+                <a:solidFill>
+                  <a:schemeClr val="tx1">
+                    <a:lumMod val="75000"/>
+                    <a:lumOff val="25000"/>
+                  </a:schemeClr>
+                </a:solidFill>
+              </a:defRPr>
+            </a:lvl1pPr>
+            <a:lvl2pPr marL="457200" indent="0">
+              <a:buNone/>
+              <a:defRPr sz="1800">
+                <a:solidFill>
+                  <a:schemeClr val="tx1">
+                    <a:tint val="75000"/>
+                  </a:schemeClr>
+                </a:solidFill>
+              </a:defRPr>
+            </a:lvl2pPr>
+            <a:lvl3pPr marL="914400" indent="0">
+              <a:buNone/>
+              <a:defRPr sz="1600">
+                <a:solidFill>
+                  <a:schemeClr val="tx1">
+                    <a:tint val="75000"/>
+                  </a:schemeClr>
+                </a:solidFill>
+              </a:defRPr>
+            </a:lvl3pPr>
+            <a:lvl4pPr marL="1371600" indent="0">
+              <a:buNone/>
+              <a:defRPr sz="1400">
+                <a:solidFill>
+                  <a:schemeClr val="tx1">
+                    <a:tint val="75000"/>
+                  </a:schemeClr>
+                </a:solidFill>
+              </a:defRPr>
+            </a:lvl4pPr>
+            <a:lvl5pPr marL="1828800" indent="0">
+              <a:buNone/>
+              <a:defRPr sz="1400">
+                <a:solidFill>
+                  <a:schemeClr val="tx1">
+                    <a:tint val="75000"/>
+                  </a:schemeClr>
+                </a:solidFill>
+              </a:defRPr>
+            </a:lvl5pPr>
+            <a:lvl6pPr marL="2286000" indent="0">
+              <a:buNone/>
+              <a:defRPr sz="1400">
+                <a:solidFill>
+                  <a:schemeClr val="tx1">
+                    <a:tint val="75000"/>
+                  </a:schemeClr>
+                </a:solidFill>
+              </a:defRPr>
+            </a:lvl6pPr>
+            <a:lvl7pPr marL="2743200" indent="0">
+              <a:buNone/>
+              <a:defRPr sz="1400">
+                <a:solidFill>
+                  <a:schemeClr val="tx1">
+                    <a:tint val="75000"/>
+                  </a:schemeClr>
+                </a:solidFill>
+              </a:defRPr>
+            </a:lvl7pPr>
+            <a:lvl8pPr marL="3200400" indent="0">
+              <a:buNone/>
+              <a:defRPr sz="1400">
+                <a:solidFill>
+                  <a:schemeClr val="tx1">
+                    <a:tint val="75000"/>
+                  </a:schemeClr>
+                </a:solidFill>
+              </a:defRPr>
+            </a:lvl8pPr>
+            <a:lvl9pPr marL="3657600" indent="0">
+              <a:buNone/>
+              <a:defRPr sz="1400">
+                <a:solidFill>
+                  <a:schemeClr val="tx1">
+                    <a:tint val="75000"/>
+                  </a:schemeClr>
+                </a:solidFill>
+              </a:defRPr>
+            </a:lvl9pPr>
+          </a:lstStyle>
+          <a:p>
+            <a:pPr lvl="0"/>
+            <a:r>
+              <a:rPr lang="en-US"/>
+              <a:t>Edit Master text styles</a:t>
+            </a:r>
+          </a:p>
+        </p:txBody>
+      </p:sp>
+      <p:sp>
+        <p:nvSpPr>
+          <p:cNvPr id="4" name="Date Placeholder 3"/>
+          <p:cNvSpPr>
+            <a:spLocks noGrp="1"/>
+          </p:cNvSpPr>
+          <p:nvPr>
+            <p:ph type="dt" sz="half" idx="10"/>
+          </p:nvPr>
+        </p:nvSpPr>
+        <p:spPr/>
+        <p:txBody>
+          <a:bodyPr/>
+          <a:lstStyle/>
+          <a:p>
+            <a:fld id="{55FC8959-8F40-4E3F-B53B-91426FAA4E7B}" type="datetimeFigureOut">
+              <a:rPr lang="en-GB" smtClean="0"/>
+              <a:t>12/10/2017</a:t>
+            </a:fld>
+            <a:endParaRPr lang="en-GB"/>
+          </a:p>
+        </p:txBody>
+      </p:sp>
+      <p:sp>
+        <p:nvSpPr>
+          <p:cNvPr id="5" name="Footer Placeholder 4"/>
+          <p:cNvSpPr>
+            <a:spLocks noGrp="1"/>
+          </p:cNvSpPr>
+          <p:nvPr>
+            <p:ph type="ftr" sz="quarter" idx="11"/>
+          </p:nvPr>
+        </p:nvSpPr>
+        <p:spPr/>
+        <p:txBody>
+          <a:bodyPr/>
+          <a:lstStyle/>
+          <a:p>
+            <a:endParaRPr lang="en-GB"/>
+          </a:p>
+        </p:txBody>
+      </p:sp>
+      <p:sp>
+        <p:nvSpPr>
+          <p:cNvPr id="6" name="Slide Number Placeholder 5"/>
+          <p:cNvSpPr>
+            <a:spLocks noGrp="1"/>
+          </p:cNvSpPr>
+          <p:nvPr>
+            <p:ph type="sldNum" sz="quarter" idx="12"/>
+          </p:nvPr>
+        </p:nvSpPr>
+        <p:spPr/>
+        <p:txBody>
+          <a:bodyPr/>
+          <a:lstStyle/>
+          <a:p>
+            <a:fld id="{A3FAC33C-C58C-4AC7-A03D-B97F45734DF0}" type="slidenum">
+              <a:rPr lang="en-GB" smtClean="0"/>
+              <a:t>‹#›</a:t>
+            </a:fld>
+            <a:endParaRPr lang="en-GB"/>
+          </a:p>
+        </p:txBody>
+      </p:sp>
+    </p:spTree>
+    <p:extLst>
+      <p:ext uri="{BB962C8B-B14F-4D97-AF65-F5344CB8AC3E}">
+        <p14:creationId xmlns:p14="http://schemas.microsoft.com/office/powerpoint/2010/main" val="1471096990"/>
+      </p:ext>
+    </p:extLst>
+  </p:cSld>
+  <p:clrMapOvr>
+    <a:masterClrMapping/>
+  </p:clrMapOvr>
+</p:sldLayout>
+</file>
+
+<file path=ppt/slideLayouts/slideLayout11.xml><?xml version="1.0" encoding="utf-8"?>
+<p:sldLayout xmlns:a="http://schemas.openxmlformats.org/drawingml/2006/main" xmlns:r="http://schemas.openxmlformats.org/officeDocument/2006/relationships" xmlns:p="http://schemas.openxmlformats.org/presentationml/2006/main" preserve="1">
+  <p:cSld name="Quote with Caption">
+    <p:spTree>
+      <p:nvGrpSpPr>
+        <p:cNvPr id="1" name=""/>
+        <p:cNvGrpSpPr/>
+        <p:nvPr/>
+      </p:nvGrpSpPr>
+      <p:grpSpPr>
+        <a:xfrm>
+          <a:off x="0" y="0"/>
+          <a:ext cx="0" cy="0"/>
+          <a:chOff x="0" y="0"/>
+          <a:chExt cx="0" cy="0"/>
+        </a:xfrm>
+      </p:grpSpPr>
+      <p:sp>
+        <p:nvSpPr>
+          <p:cNvPr id="2" name="Title 1"/>
+          <p:cNvSpPr>
+            <a:spLocks noGrp="1"/>
+          </p:cNvSpPr>
+          <p:nvPr>
+            <p:ph type="title"/>
+          </p:nvPr>
+        </p:nvSpPr>
+        <p:spPr>
+          <a:xfrm>
+            <a:off x="931334" y="609600"/>
+            <a:ext cx="8094134" cy="3022600"/>
+          </a:xfrm>
+        </p:spPr>
+        <p:txBody>
+          <a:bodyPr anchor="ctr">
+            <a:normAutofit/>
+          </a:bodyPr>
+          <a:lstStyle>
+            <a:lvl1pPr algn="l">
+              <a:defRPr sz="4400" b="0" cap="none"/>
+            </a:lvl1pPr>
+          </a:lstStyle>
+          <a:p>
+            <a:r>
+              <a:rPr lang="en-US"/>
+              <a:t>Click to edit Master title style</a:t>
+            </a:r>
+            <a:endParaRPr lang="en-US" dirty="0"/>
+          </a:p>
+        </p:txBody>
+      </p:sp>
+      <p:sp>
+        <p:nvSpPr>
+          <p:cNvPr id="23" name="Text Placeholder 9"/>
+          <p:cNvSpPr>
+            <a:spLocks noGrp="1"/>
+          </p:cNvSpPr>
+          <p:nvPr>
+            <p:ph type="body" sz="quarter" idx="13"/>
+          </p:nvPr>
+        </p:nvSpPr>
+        <p:spPr>
+          <a:xfrm>
+            <a:off x="1366139" y="3632200"/>
+            <a:ext cx="7224524" cy="381000"/>
+          </a:xfrm>
+        </p:spPr>
+        <p:txBody>
+          <a:bodyPr anchor="ctr">
+            <a:noAutofit/>
+          </a:bodyPr>
+          <a:lstStyle>
+            <a:lvl1pPr marL="0" indent="0">
+              <a:buFontTx/>
+              <a:buNone/>
+              <a:defRPr sz="1600">
+                <a:solidFill>
+                  <a:schemeClr val="tx1">
+                    <a:lumMod val="50000"/>
+                    <a:lumOff val="50000"/>
+                  </a:schemeClr>
+                </a:solidFill>
+              </a:defRPr>
+            </a:lvl1pPr>
+            <a:lvl2pPr marL="457200" indent="0">
+              <a:buFontTx/>
+              <a:buNone/>
+              <a:defRPr/>
+            </a:lvl2pPr>
+            <a:lvl3pPr marL="914400" indent="0">
+              <a:buFontTx/>
+              <a:buNone/>
+              <a:defRPr/>
+            </a:lvl3pPr>
+            <a:lvl4pPr marL="1371600" indent="0">
+              <a:buFontTx/>
+              <a:buNone/>
+              <a:defRPr/>
+            </a:lvl4pPr>
+            <a:lvl5pPr marL="1828800" indent="0">
+              <a:buFontTx/>
+              <a:buNone/>
+              <a:defRPr/>
+            </a:lvl5pPr>
+          </a:lstStyle>
+          <a:p>
+            <a:pPr lvl="0"/>
+            <a:r>
+              <a:rPr lang="en-US"/>
+              <a:t>Edit Master text styles</a:t>
+            </a:r>
+          </a:p>
+        </p:txBody>
+      </p:sp>
+      <p:sp>
+        <p:nvSpPr>
+          <p:cNvPr id="3" name="Text Placeholder 2"/>
+          <p:cNvSpPr>
+            <a:spLocks noGrp="1"/>
+          </p:cNvSpPr>
+          <p:nvPr>
+            <p:ph type="body" idx="1"/>
+          </p:nvPr>
+        </p:nvSpPr>
+        <p:spPr>
+          <a:xfrm>
+            <a:off x="677335" y="4470400"/>
+            <a:ext cx="8596668" cy="1570962"/>
+          </a:xfrm>
+        </p:spPr>
+        <p:txBody>
+          <a:bodyPr anchor="ctr">
+            <a:normAutofit/>
+          </a:bodyPr>
+          <a:lstStyle>
+            <a:lvl1pPr marL="0" indent="0" algn="l">
+              <a:buNone/>
+              <a:defRPr sz="1800">
+                <a:solidFill>
+                  <a:schemeClr val="tx1">
+                    <a:lumMod val="75000"/>
+                    <a:lumOff val="25000"/>
+                  </a:schemeClr>
+                </a:solidFill>
+              </a:defRPr>
+            </a:lvl1pPr>
+            <a:lvl2pPr marL="457200" indent="0">
+              <a:buNone/>
+              <a:defRPr sz="1800">
+                <a:solidFill>
+                  <a:schemeClr val="tx1">
+                    <a:tint val="75000"/>
+                  </a:schemeClr>
+                </a:solidFill>
+              </a:defRPr>
+            </a:lvl2pPr>
+            <a:lvl3pPr marL="914400" indent="0">
+              <a:buNone/>
+              <a:defRPr sz="1600">
+                <a:solidFill>
+                  <a:schemeClr val="tx1">
+                    <a:tint val="75000"/>
+                  </a:schemeClr>
+                </a:solidFill>
+              </a:defRPr>
+            </a:lvl3pPr>
+            <a:lvl4pPr marL="1371600" indent="0">
+              <a:buNone/>
+              <a:defRPr sz="1400">
+                <a:solidFill>
+                  <a:schemeClr val="tx1">
+                    <a:tint val="75000"/>
+                  </a:schemeClr>
+                </a:solidFill>
+              </a:defRPr>
+            </a:lvl4pPr>
+            <a:lvl5pPr marL="1828800" indent="0">
+              <a:buNone/>
+              <a:defRPr sz="1400">
+                <a:solidFill>
+                  <a:schemeClr val="tx1">
+                    <a:tint val="75000"/>
+                  </a:schemeClr>
+                </a:solidFill>
+              </a:defRPr>
+            </a:lvl5pPr>
+            <a:lvl6pPr marL="2286000" indent="0">
+              <a:buNone/>
+              <a:defRPr sz="1400">
+                <a:solidFill>
+                  <a:schemeClr val="tx1">
+                    <a:tint val="75000"/>
+                  </a:schemeClr>
+                </a:solidFill>
+              </a:defRPr>
+            </a:lvl6pPr>
+            <a:lvl7pPr marL="2743200" indent="0">
+              <a:buNone/>
+              <a:defRPr sz="1400">
+                <a:solidFill>
+                  <a:schemeClr val="tx1">
+                    <a:tint val="75000"/>
+                  </a:schemeClr>
+                </a:solidFill>
+              </a:defRPr>
+            </a:lvl7pPr>
+            <a:lvl8pPr marL="3200400" indent="0">
+              <a:buNone/>
+              <a:defRPr sz="1400">
+                <a:solidFill>
+                  <a:schemeClr val="tx1">
+                    <a:tint val="75000"/>
+                  </a:schemeClr>
+                </a:solidFill>
+              </a:defRPr>
+            </a:lvl8pPr>
+            <a:lvl9pPr marL="3657600" indent="0">
+              <a:buNone/>
+              <a:defRPr sz="1400">
+                <a:solidFill>
+                  <a:schemeClr val="tx1">
+                    <a:tint val="75000"/>
+                  </a:schemeClr>
+                </a:solidFill>
+              </a:defRPr>
+            </a:lvl9pPr>
+          </a:lstStyle>
+          <a:p>
+            <a:pPr lvl="0"/>
+            <a:r>
+              <a:rPr lang="en-US"/>
+              <a:t>Edit Master text styles</a:t>
+            </a:r>
+          </a:p>
+        </p:txBody>
+      </p:sp>
+      <p:sp>
+        <p:nvSpPr>
+          <p:cNvPr id="4" name="Date Placeholder 3"/>
+          <p:cNvSpPr>
+            <a:spLocks noGrp="1"/>
+          </p:cNvSpPr>
+          <p:nvPr>
+            <p:ph type="dt" sz="half" idx="10"/>
+          </p:nvPr>
+        </p:nvSpPr>
+        <p:spPr/>
+        <p:txBody>
+          <a:bodyPr/>
+          <a:lstStyle/>
+          <a:p>
+            <a:fld id="{55FC8959-8F40-4E3F-B53B-91426FAA4E7B}" type="datetimeFigureOut">
+              <a:rPr lang="en-GB" smtClean="0"/>
+              <a:t>12/10/2017</a:t>
+            </a:fld>
+            <a:endParaRPr lang="en-GB"/>
+          </a:p>
+        </p:txBody>
+      </p:sp>
+      <p:sp>
+        <p:nvSpPr>
+          <p:cNvPr id="5" name="Footer Placeholder 4"/>
+          <p:cNvSpPr>
+            <a:spLocks noGrp="1"/>
+          </p:cNvSpPr>
+          <p:nvPr>
+            <p:ph type="ftr" sz="quarter" idx="11"/>
+          </p:nvPr>
+        </p:nvSpPr>
+        <p:spPr/>
+        <p:txBody>
+          <a:bodyPr/>
+          <a:lstStyle/>
+          <a:p>
+            <a:endParaRPr lang="en-GB"/>
+          </a:p>
+        </p:txBody>
+      </p:sp>
+      <p:sp>
+        <p:nvSpPr>
+          <p:cNvPr id="6" name="Slide Number Placeholder 5"/>
+          <p:cNvSpPr>
+            <a:spLocks noGrp="1"/>
+          </p:cNvSpPr>
+          <p:nvPr>
+            <p:ph type="sldNum" sz="quarter" idx="12"/>
+          </p:nvPr>
+        </p:nvSpPr>
+        <p:spPr/>
+        <p:txBody>
+          <a:bodyPr/>
+          <a:lstStyle/>
+          <a:p>
+            <a:fld id="{A3FAC33C-C58C-4AC7-A03D-B97F45734DF0}" type="slidenum">
+              <a:rPr lang="en-GB" smtClean="0"/>
+              <a:t>‹#›</a:t>
+            </a:fld>
+            <a:endParaRPr lang="en-GB"/>
+          </a:p>
+        </p:txBody>
+      </p:sp>
+      <p:sp>
+        <p:nvSpPr>
+          <p:cNvPr id="24" name="TextBox 23"/>
+          <p:cNvSpPr txBox="1"/>
+          <p:nvPr/>
+        </p:nvSpPr>
+        <p:spPr>
+          <a:xfrm>
+            <a:off x="541870" y="790378"/>
+            <a:ext cx="609600" cy="584776"/>
+          </a:xfrm>
+          <a:prstGeom prst="rect">
+            <a:avLst/>
+          </a:prstGeom>
+        </p:spPr>
+        <p:txBody>
+          <a:bodyPr vert="horz" lIns="91440" tIns="45720" rIns="91440" bIns="45720" rtlCol="0" anchor="ctr">
+            <a:noAutofit/>
+          </a:bodyPr>
+          <a:lstStyle/>
+          <a:p>
+            <a:pPr lvl="0"/>
+            <a:r>
+              <a:rPr lang="en-US" sz="8000" baseline="0" dirty="0">
+                <a:ln w="3175" cmpd="sng">
+                  <a:noFill/>
+                </a:ln>
+                <a:solidFill>
+                  <a:schemeClr val="accent1">
+                    <a:lumMod val="60000"/>
+                    <a:lumOff val="40000"/>
+                  </a:schemeClr>
+                </a:solidFill>
+                <a:effectLst/>
+                <a:latin typeface="Arial"/>
+              </a:rPr>
+              <a:t>“</a:t>
+            </a:r>
+          </a:p>
+        </p:txBody>
+      </p:sp>
+      <p:sp>
+        <p:nvSpPr>
+          <p:cNvPr id="25" name="TextBox 24"/>
+          <p:cNvSpPr txBox="1"/>
+          <p:nvPr/>
+        </p:nvSpPr>
+        <p:spPr>
+          <a:xfrm>
+            <a:off x="8893011" y="2886556"/>
+            <a:ext cx="609600" cy="584776"/>
+          </a:xfrm>
+          <a:prstGeom prst="rect">
+            <a:avLst/>
+          </a:prstGeom>
+        </p:spPr>
+        <p:txBody>
+          <a:bodyPr vert="horz" lIns="91440" tIns="45720" rIns="91440" bIns="45720" rtlCol="0" anchor="ctr">
+            <a:noAutofit/>
+          </a:bodyPr>
+          <a:lstStyle/>
+          <a:p>
+            <a:pPr lvl="0"/>
+            <a:r>
+              <a:rPr lang="en-US" sz="8000" baseline="0" dirty="0">
+                <a:ln w="3175" cmpd="sng">
+                  <a:noFill/>
+                </a:ln>
+                <a:solidFill>
+                  <a:schemeClr val="accent1">
+                    <a:lumMod val="60000"/>
+                    <a:lumOff val="40000"/>
+                  </a:schemeClr>
+                </a:solidFill>
+                <a:effectLst/>
+                <a:latin typeface="Arial"/>
+              </a:rPr>
+              <a:t>”</a:t>
+            </a:r>
+          </a:p>
+        </p:txBody>
+      </p:sp>
+    </p:spTree>
+    <p:extLst>
+      <p:ext uri="{BB962C8B-B14F-4D97-AF65-F5344CB8AC3E}">
+        <p14:creationId xmlns:p14="http://schemas.microsoft.com/office/powerpoint/2010/main" val="916961039"/>
+      </p:ext>
+    </p:extLst>
+  </p:cSld>
+  <p:clrMapOvr>
+    <a:masterClrMapping/>
+  </p:clrMapOvr>
+</p:sldLayout>
+</file>
+
+<file path=ppt/slideLayouts/slideLayout12.xml><?xml version="1.0" encoding="utf-8"?>
+<p:sldLayout xmlns:a="http://schemas.openxmlformats.org/drawingml/2006/main" xmlns:r="http://schemas.openxmlformats.org/officeDocument/2006/relationships" xmlns:p="http://schemas.openxmlformats.org/presentationml/2006/main" preserve="1">
+  <p:cSld name="Name Card">
+    <p:spTree>
+      <p:nvGrpSpPr>
+        <p:cNvPr id="1" name=""/>
+        <p:cNvGrpSpPr/>
+        <p:nvPr/>
+      </p:nvGrpSpPr>
+      <p:grpSpPr>
+        <a:xfrm>
+          <a:off x="0" y="0"/>
+          <a:ext cx="0" cy="0"/>
+          <a:chOff x="0" y="0"/>
+          <a:chExt cx="0" cy="0"/>
+        </a:xfrm>
+      </p:grpSpPr>
+      <p:sp>
+        <p:nvSpPr>
+          <p:cNvPr id="2" name="Title 1"/>
+          <p:cNvSpPr>
+            <a:spLocks noGrp="1"/>
+          </p:cNvSpPr>
+          <p:nvPr>
+            <p:ph type="title"/>
+          </p:nvPr>
+        </p:nvSpPr>
+        <p:spPr>
+          <a:xfrm>
+            <a:off x="677335" y="1931988"/>
+            <a:ext cx="8596668" cy="2595460"/>
+          </a:xfrm>
+        </p:spPr>
+        <p:txBody>
+          <a:bodyPr anchor="b">
+            <a:normAutofit/>
+          </a:bodyPr>
+          <a:lstStyle>
+            <a:lvl1pPr algn="l">
+              <a:defRPr sz="4400" b="0" cap="none"/>
+            </a:lvl1pPr>
+          </a:lstStyle>
+          <a:p>
+            <a:r>
+              <a:rPr lang="en-US"/>
+              <a:t>Click to edit Master title style</a:t>
+            </a:r>
+            <a:endParaRPr lang="en-US" dirty="0"/>
+          </a:p>
+        </p:txBody>
+      </p:sp>
+      <p:sp>
+        <p:nvSpPr>
+          <p:cNvPr id="3" name="Text Placeholder 2"/>
+          <p:cNvSpPr>
+            <a:spLocks noGrp="1"/>
+          </p:cNvSpPr>
+          <p:nvPr>
+            <p:ph type="body" idx="1"/>
+          </p:nvPr>
+        </p:nvSpPr>
+        <p:spPr>
+          <a:xfrm>
+            <a:off x="677335" y="4527448"/>
+            <a:ext cx="8596668" cy="1513914"/>
+          </a:xfrm>
+        </p:spPr>
+        <p:txBody>
+          <a:bodyPr anchor="t">
+            <a:normAutofit/>
+          </a:bodyPr>
+          <a:lstStyle>
+            <a:lvl1pPr marL="0" indent="0" algn="l">
+              <a:buNone/>
+              <a:defRPr sz="1800">
+                <a:solidFill>
+                  <a:schemeClr val="tx1">
+                    <a:lumMod val="75000"/>
+                    <a:lumOff val="25000"/>
+                  </a:schemeClr>
+                </a:solidFill>
+              </a:defRPr>
+            </a:lvl1pPr>
+            <a:lvl2pPr marL="457200" indent="0">
+              <a:buNone/>
+              <a:defRPr sz="1800">
+                <a:solidFill>
+                  <a:schemeClr val="tx1">
+                    <a:tint val="75000"/>
+                  </a:schemeClr>
+                </a:solidFill>
+              </a:defRPr>
+            </a:lvl2pPr>
+            <a:lvl3pPr marL="914400" indent="0">
+              <a:buNone/>
+              <a:defRPr sz="1600">
+                <a:solidFill>
+                  <a:schemeClr val="tx1">
+                    <a:tint val="75000"/>
+                  </a:schemeClr>
+                </a:solidFill>
+              </a:defRPr>
+            </a:lvl3pPr>
+            <a:lvl4pPr marL="1371600" indent="0">
+              <a:buNone/>
+              <a:defRPr sz="1400">
+                <a:solidFill>
+                  <a:schemeClr val="tx1">
+                    <a:tint val="75000"/>
+                  </a:schemeClr>
+                </a:solidFill>
+              </a:defRPr>
+            </a:lvl4pPr>
+            <a:lvl5pPr marL="1828800" indent="0">
+              <a:buNone/>
+              <a:defRPr sz="1400">
+                <a:solidFill>
+                  <a:schemeClr val="tx1">
+                    <a:tint val="75000"/>
+                  </a:schemeClr>
+                </a:solidFill>
+              </a:defRPr>
+            </a:lvl5pPr>
+            <a:lvl6pPr marL="2286000" indent="0">
+              <a:buNone/>
+              <a:defRPr sz="1400">
+                <a:solidFill>
+                  <a:schemeClr val="tx1">
+                    <a:tint val="75000"/>
+                  </a:schemeClr>
+                </a:solidFill>
+              </a:defRPr>
+            </a:lvl6pPr>
+            <a:lvl7pPr marL="2743200" indent="0">
+              <a:buNone/>
+              <a:defRPr sz="1400">
+                <a:solidFill>
+                  <a:schemeClr val="tx1">
+                    <a:tint val="75000"/>
+                  </a:schemeClr>
+                </a:solidFill>
+              </a:defRPr>
+            </a:lvl7pPr>
+            <a:lvl8pPr marL="3200400" indent="0">
+              <a:buNone/>
+              <a:defRPr sz="1400">
+                <a:solidFill>
+                  <a:schemeClr val="tx1">
+                    <a:tint val="75000"/>
+                  </a:schemeClr>
+                </a:solidFill>
+              </a:defRPr>
+            </a:lvl8pPr>
+            <a:lvl9pPr marL="3657600" indent="0">
+              <a:buNone/>
+              <a:defRPr sz="1400">
+                <a:solidFill>
+                  <a:schemeClr val="tx1">
+                    <a:tint val="75000"/>
+                  </a:schemeClr>
+                </a:solidFill>
+              </a:defRPr>
+            </a:lvl9pPr>
+          </a:lstStyle>
+          <a:p>
+            <a:pPr lvl="0"/>
+            <a:r>
+              <a:rPr lang="en-US"/>
+              <a:t>Edit Master text styles</a:t>
+            </a:r>
+          </a:p>
+        </p:txBody>
+      </p:sp>
+      <p:sp>
+        <p:nvSpPr>
+          <p:cNvPr id="4" name="Date Placeholder 3"/>
+          <p:cNvSpPr>
+            <a:spLocks noGrp="1"/>
+          </p:cNvSpPr>
+          <p:nvPr>
+            <p:ph type="dt" sz="half" idx="10"/>
+          </p:nvPr>
+        </p:nvSpPr>
+        <p:spPr/>
+        <p:txBody>
+          <a:bodyPr/>
+          <a:lstStyle/>
+          <a:p>
+            <a:fld id="{55FC8959-8F40-4E3F-B53B-91426FAA4E7B}" type="datetimeFigureOut">
+              <a:rPr lang="en-GB" smtClean="0"/>
+              <a:t>12/10/2017</a:t>
+            </a:fld>
+            <a:endParaRPr lang="en-GB"/>
+          </a:p>
+        </p:txBody>
+      </p:sp>
+      <p:sp>
+        <p:nvSpPr>
+          <p:cNvPr id="5" name="Footer Placeholder 4"/>
+          <p:cNvSpPr>
+            <a:spLocks noGrp="1"/>
+          </p:cNvSpPr>
+          <p:nvPr>
+            <p:ph type="ftr" sz="quarter" idx="11"/>
+          </p:nvPr>
+        </p:nvSpPr>
+        <p:spPr/>
+        <p:txBody>
+          <a:bodyPr/>
+          <a:lstStyle/>
+          <a:p>
+            <a:endParaRPr lang="en-GB"/>
+          </a:p>
+        </p:txBody>
+      </p:sp>
+      <p:sp>
+        <p:nvSpPr>
+          <p:cNvPr id="6" name="Slide Number Placeholder 5"/>
+          <p:cNvSpPr>
+            <a:spLocks noGrp="1"/>
+          </p:cNvSpPr>
+          <p:nvPr>
+            <p:ph type="sldNum" sz="quarter" idx="12"/>
+          </p:nvPr>
+        </p:nvSpPr>
+        <p:spPr/>
+        <p:txBody>
+          <a:bodyPr/>
+          <a:lstStyle/>
+          <a:p>
+            <a:fld id="{A3FAC33C-C58C-4AC7-A03D-B97F45734DF0}" type="slidenum">
+              <a:rPr lang="en-GB" smtClean="0"/>
+              <a:t>‹#›</a:t>
+            </a:fld>
+            <a:endParaRPr lang="en-GB"/>
+          </a:p>
+        </p:txBody>
+      </p:sp>
+    </p:spTree>
+    <p:extLst>
+      <p:ext uri="{BB962C8B-B14F-4D97-AF65-F5344CB8AC3E}">
+        <p14:creationId xmlns:p14="http://schemas.microsoft.com/office/powerpoint/2010/main" val="1099652480"/>
+      </p:ext>
+    </p:extLst>
+  </p:cSld>
+  <p:clrMapOvr>
+    <a:masterClrMapping/>
+  </p:clrMapOvr>
+</p:sldLayout>
+</file>
+
+<file path=ppt/slideLayouts/slideLayout13.xml><?xml version="1.0" encoding="utf-8"?>
+<p:sldLayout xmlns:a="http://schemas.openxmlformats.org/drawingml/2006/main" xmlns:r="http://schemas.openxmlformats.org/officeDocument/2006/relationships" xmlns:p="http://schemas.openxmlformats.org/presentationml/2006/main" preserve="1">
+  <p:cSld name="Quote Name Card">
+    <p:spTree>
+      <p:nvGrpSpPr>
+        <p:cNvPr id="1" name=""/>
+        <p:cNvGrpSpPr/>
+        <p:nvPr/>
+      </p:nvGrpSpPr>
+      <p:grpSpPr>
+        <a:xfrm>
+          <a:off x="0" y="0"/>
+          <a:ext cx="0" cy="0"/>
+          <a:chOff x="0" y="0"/>
+          <a:chExt cx="0" cy="0"/>
+        </a:xfrm>
+      </p:grpSpPr>
+      <p:sp>
+        <p:nvSpPr>
+          <p:cNvPr id="2" name="Title 1"/>
+          <p:cNvSpPr>
+            <a:spLocks noGrp="1"/>
+          </p:cNvSpPr>
+          <p:nvPr>
+            <p:ph type="title"/>
+          </p:nvPr>
+        </p:nvSpPr>
+        <p:spPr>
+          <a:xfrm>
+            <a:off x="931334" y="609600"/>
+            <a:ext cx="8094134" cy="3022600"/>
+          </a:xfrm>
+        </p:spPr>
+        <p:txBody>
+          <a:bodyPr anchor="ctr">
+            <a:normAutofit/>
+          </a:bodyPr>
+          <a:lstStyle>
+            <a:lvl1pPr algn="l">
+              <a:defRPr sz="4400" b="0" cap="none"/>
+            </a:lvl1pPr>
+          </a:lstStyle>
+          <a:p>
+            <a:r>
+              <a:rPr lang="en-US"/>
+              <a:t>Click to edit Master title style</a:t>
+            </a:r>
+            <a:endParaRPr lang="en-US" dirty="0"/>
+          </a:p>
+        </p:txBody>
+      </p:sp>
+      <p:sp>
+        <p:nvSpPr>
+          <p:cNvPr id="23" name="Text Placeholder 9"/>
+          <p:cNvSpPr>
+            <a:spLocks noGrp="1"/>
+          </p:cNvSpPr>
+          <p:nvPr>
+            <p:ph type="body" sz="quarter" idx="13"/>
+          </p:nvPr>
+        </p:nvSpPr>
+        <p:spPr>
+          <a:xfrm>
+            <a:off x="677332" y="4013200"/>
+            <a:ext cx="8596669" cy="514248"/>
+          </a:xfrm>
+        </p:spPr>
+        <p:txBody>
+          <a:bodyPr anchor="b">
+            <a:noAutofit/>
+          </a:bodyPr>
+          <a:lstStyle>
+            <a:lvl1pPr marL="0" indent="0">
+              <a:buFontTx/>
+              <a:buNone/>
+              <a:defRPr sz="2400">
+                <a:solidFill>
+                  <a:schemeClr val="tx1">
+                    <a:lumMod val="75000"/>
+                    <a:lumOff val="25000"/>
+                  </a:schemeClr>
+                </a:solidFill>
+              </a:defRPr>
+            </a:lvl1pPr>
+            <a:lvl2pPr marL="457200" indent="0">
+              <a:buFontTx/>
+              <a:buNone/>
+              <a:defRPr/>
+            </a:lvl2pPr>
+            <a:lvl3pPr marL="914400" indent="0">
+              <a:buFontTx/>
+              <a:buNone/>
+              <a:defRPr/>
+            </a:lvl3pPr>
+            <a:lvl4pPr marL="1371600" indent="0">
+              <a:buFontTx/>
+              <a:buNone/>
+              <a:defRPr/>
+            </a:lvl4pPr>
+            <a:lvl5pPr marL="1828800" indent="0">
+              <a:buFontTx/>
+              <a:buNone/>
+              <a:defRPr/>
+            </a:lvl5pPr>
+          </a:lstStyle>
+          <a:p>
+            <a:pPr lvl="0"/>
+            <a:r>
+              <a:rPr lang="en-US"/>
+              <a:t>Edit Master text styles</a:t>
+            </a:r>
+          </a:p>
+        </p:txBody>
+      </p:sp>
+      <p:sp>
+        <p:nvSpPr>
+          <p:cNvPr id="3" name="Text Placeholder 2"/>
+          <p:cNvSpPr>
+            <a:spLocks noGrp="1"/>
+          </p:cNvSpPr>
+          <p:nvPr>
+            <p:ph type="body" idx="1"/>
+          </p:nvPr>
+        </p:nvSpPr>
+        <p:spPr>
+          <a:xfrm>
+            <a:off x="677335" y="4527448"/>
+            <a:ext cx="8596668" cy="1513914"/>
+          </a:xfrm>
+        </p:spPr>
+        <p:txBody>
+          <a:bodyPr anchor="t">
+            <a:normAutofit/>
+          </a:bodyPr>
+          <a:lstStyle>
+            <a:lvl1pPr marL="0" indent="0" algn="l">
+              <a:buNone/>
+              <a:defRPr sz="1800">
+                <a:solidFill>
+                  <a:schemeClr val="tx1">
+                    <a:lumMod val="50000"/>
+                    <a:lumOff val="50000"/>
+                  </a:schemeClr>
+                </a:solidFill>
+              </a:defRPr>
+            </a:lvl1pPr>
+            <a:lvl2pPr marL="457200" indent="0">
+              <a:buNone/>
+              <a:defRPr sz="1800">
+                <a:solidFill>
+                  <a:schemeClr val="tx1">
+                    <a:tint val="75000"/>
+                  </a:schemeClr>
+                </a:solidFill>
+              </a:defRPr>
+            </a:lvl2pPr>
+            <a:lvl3pPr marL="914400" indent="0">
+              <a:buNone/>
+              <a:defRPr sz="1600">
+                <a:solidFill>
+                  <a:schemeClr val="tx1">
+                    <a:tint val="75000"/>
+                  </a:schemeClr>
+                </a:solidFill>
+              </a:defRPr>
+            </a:lvl3pPr>
+            <a:lvl4pPr marL="1371600" indent="0">
+              <a:buNone/>
+              <a:defRPr sz="1400">
+                <a:solidFill>
+                  <a:schemeClr val="tx1">
+                    <a:tint val="75000"/>
+                  </a:schemeClr>
+                </a:solidFill>
+              </a:defRPr>
+            </a:lvl4pPr>
+            <a:lvl5pPr marL="1828800" indent="0">
+              <a:buNone/>
+              <a:defRPr sz="1400">
+                <a:solidFill>
+                  <a:schemeClr val="tx1">
+                    <a:tint val="75000"/>
+                  </a:schemeClr>
+                </a:solidFill>
+              </a:defRPr>
+            </a:lvl5pPr>
+            <a:lvl6pPr marL="2286000" indent="0">
+              <a:buNone/>
+              <a:defRPr sz="1400">
+                <a:solidFill>
+                  <a:schemeClr val="tx1">
+                    <a:tint val="75000"/>
+                  </a:schemeClr>
+                </a:solidFill>
+              </a:defRPr>
+            </a:lvl6pPr>
+            <a:lvl7pPr marL="2743200" indent="0">
+              <a:buNone/>
+              <a:defRPr sz="1400">
+                <a:solidFill>
+                  <a:schemeClr val="tx1">
+                    <a:tint val="75000"/>
+                  </a:schemeClr>
+                </a:solidFill>
+              </a:defRPr>
+            </a:lvl7pPr>
+            <a:lvl8pPr marL="3200400" indent="0">
+              <a:buNone/>
+              <a:defRPr sz="1400">
+                <a:solidFill>
+                  <a:schemeClr val="tx1">
+                    <a:tint val="75000"/>
+                  </a:schemeClr>
+                </a:solidFill>
+              </a:defRPr>
+            </a:lvl8pPr>
+            <a:lvl9pPr marL="3657600" indent="0">
+              <a:buNone/>
+              <a:defRPr sz="1400">
+                <a:solidFill>
+                  <a:schemeClr val="tx1">
+                    <a:tint val="75000"/>
+                  </a:schemeClr>
+                </a:solidFill>
+              </a:defRPr>
+            </a:lvl9pPr>
+          </a:lstStyle>
+          <a:p>
+            <a:pPr lvl="0"/>
+            <a:r>
+              <a:rPr lang="en-US"/>
+              <a:t>Edit Master text styles</a:t>
+            </a:r>
+          </a:p>
+        </p:txBody>
+      </p:sp>
+      <p:sp>
+        <p:nvSpPr>
+          <p:cNvPr id="4" name="Date Placeholder 3"/>
+          <p:cNvSpPr>
+            <a:spLocks noGrp="1"/>
+          </p:cNvSpPr>
+          <p:nvPr>
+            <p:ph type="dt" sz="half" idx="10"/>
+          </p:nvPr>
+        </p:nvSpPr>
+        <p:spPr/>
+        <p:txBody>
+          <a:bodyPr/>
+          <a:lstStyle/>
+          <a:p>
+            <a:fld id="{55FC8959-8F40-4E3F-B53B-91426FAA4E7B}" type="datetimeFigureOut">
+              <a:rPr lang="en-GB" smtClean="0"/>
+              <a:t>12/10/2017</a:t>
+            </a:fld>
+            <a:endParaRPr lang="en-GB"/>
+          </a:p>
+        </p:txBody>
+      </p:sp>
+      <p:sp>
+        <p:nvSpPr>
+          <p:cNvPr id="5" name="Footer Placeholder 4"/>
+          <p:cNvSpPr>
+            <a:spLocks noGrp="1"/>
+          </p:cNvSpPr>
+          <p:nvPr>
+            <p:ph type="ftr" sz="quarter" idx="11"/>
+          </p:nvPr>
+        </p:nvSpPr>
+        <p:spPr/>
+        <p:txBody>
+          <a:bodyPr/>
+          <a:lstStyle/>
+          <a:p>
+            <a:endParaRPr lang="en-GB"/>
+          </a:p>
+        </p:txBody>
+      </p:sp>
+      <p:sp>
+        <p:nvSpPr>
+          <p:cNvPr id="6" name="Slide Number Placeholder 5"/>
+          <p:cNvSpPr>
+            <a:spLocks noGrp="1"/>
+          </p:cNvSpPr>
+          <p:nvPr>
+            <p:ph type="sldNum" sz="quarter" idx="12"/>
+          </p:nvPr>
+        </p:nvSpPr>
+        <p:spPr/>
+        <p:txBody>
+          <a:bodyPr/>
+          <a:lstStyle/>
+          <a:p>
+            <a:fld id="{A3FAC33C-C58C-4AC7-A03D-B97F45734DF0}" type="slidenum">
+              <a:rPr lang="en-GB" smtClean="0"/>
+              <a:t>‹#›</a:t>
+            </a:fld>
+            <a:endParaRPr lang="en-GB"/>
+          </a:p>
+        </p:txBody>
+      </p:sp>
+      <p:sp>
+        <p:nvSpPr>
+          <p:cNvPr id="24" name="TextBox 23"/>
+          <p:cNvSpPr txBox="1"/>
+          <p:nvPr/>
+        </p:nvSpPr>
+        <p:spPr>
+          <a:xfrm>
+            <a:off x="541870" y="790378"/>
+            <a:ext cx="609600" cy="584776"/>
+          </a:xfrm>
+          <a:prstGeom prst="rect">
+            <a:avLst/>
+          </a:prstGeom>
+        </p:spPr>
+        <p:txBody>
+          <a:bodyPr vert="horz" lIns="91440" tIns="45720" rIns="91440" bIns="45720" rtlCol="0" anchor="ctr">
+            <a:noAutofit/>
+          </a:bodyPr>
+          <a:lstStyle/>
+          <a:p>
+            <a:pPr lvl="0"/>
+            <a:r>
+              <a:rPr lang="en-US" sz="8000" baseline="0" dirty="0">
+                <a:ln w="3175" cmpd="sng">
+                  <a:noFill/>
+                </a:ln>
+                <a:solidFill>
+                  <a:schemeClr val="accent1">
+                    <a:lumMod val="60000"/>
+                    <a:lumOff val="40000"/>
+                  </a:schemeClr>
+                </a:solidFill>
+                <a:effectLst/>
+                <a:latin typeface="Arial"/>
+              </a:rPr>
+              <a:t>“</a:t>
+            </a:r>
+          </a:p>
+        </p:txBody>
+      </p:sp>
+      <p:sp>
+        <p:nvSpPr>
+          <p:cNvPr id="25" name="TextBox 24"/>
+          <p:cNvSpPr txBox="1"/>
+          <p:nvPr/>
+        </p:nvSpPr>
+        <p:spPr>
+          <a:xfrm>
+            <a:off x="8893011" y="2886556"/>
+            <a:ext cx="609600" cy="584776"/>
+          </a:xfrm>
+          <a:prstGeom prst="rect">
+            <a:avLst/>
+          </a:prstGeom>
+        </p:spPr>
+        <p:txBody>
+          <a:bodyPr vert="horz" lIns="91440" tIns="45720" rIns="91440" bIns="45720" rtlCol="0" anchor="ctr">
+            <a:noAutofit/>
+          </a:bodyPr>
+          <a:lstStyle/>
+          <a:p>
+            <a:pPr lvl="0"/>
+            <a:r>
+              <a:rPr lang="en-US" sz="8000" baseline="0" dirty="0">
+                <a:ln w="3175" cmpd="sng">
+                  <a:noFill/>
+                </a:ln>
+                <a:solidFill>
+                  <a:schemeClr val="accent1">
+                    <a:lumMod val="60000"/>
+                    <a:lumOff val="40000"/>
+                  </a:schemeClr>
+                </a:solidFill>
+                <a:effectLst/>
+                <a:latin typeface="Arial"/>
+              </a:rPr>
+              <a:t>”</a:t>
+            </a:r>
+          </a:p>
+        </p:txBody>
+      </p:sp>
+    </p:spTree>
+    <p:extLst>
+      <p:ext uri="{BB962C8B-B14F-4D97-AF65-F5344CB8AC3E}">
+        <p14:creationId xmlns:p14="http://schemas.microsoft.com/office/powerpoint/2010/main" val="2829180463"/>
+      </p:ext>
+    </p:extLst>
+  </p:cSld>
+  <p:clrMapOvr>
+    <a:masterClrMapping/>
+  </p:clrMapOvr>
+</p:sldLayout>
+</file>
+
+<file path=ppt/slideLayouts/slideLayout14.xml><?xml version="1.0" encoding="utf-8"?>
+<p:sldLayout xmlns:a="http://schemas.openxmlformats.org/drawingml/2006/main" xmlns:r="http://schemas.openxmlformats.org/officeDocument/2006/relationships" xmlns:p="http://schemas.openxmlformats.org/presentationml/2006/main" preserve="1">
+  <p:cSld name="True or False">
+    <p:spTree>
+      <p:nvGrpSpPr>
+        <p:cNvPr id="1" name=""/>
+        <p:cNvGrpSpPr/>
+        <p:nvPr/>
+      </p:nvGrpSpPr>
+      <p:grpSpPr>
+        <a:xfrm>
+          <a:off x="0" y="0"/>
+          <a:ext cx="0" cy="0"/>
+          <a:chOff x="0" y="0"/>
+          <a:chExt cx="0" cy="0"/>
+        </a:xfrm>
+      </p:grpSpPr>
+      <p:sp>
+        <p:nvSpPr>
+          <p:cNvPr id="2" name="Title 1"/>
+          <p:cNvSpPr>
+            <a:spLocks noGrp="1"/>
+          </p:cNvSpPr>
+          <p:nvPr>
+            <p:ph type="title"/>
+          </p:nvPr>
+        </p:nvSpPr>
+        <p:spPr>
+          <a:xfrm>
+            <a:off x="685799" y="609600"/>
+            <a:ext cx="8588203" cy="3022600"/>
+          </a:xfrm>
+        </p:spPr>
+        <p:txBody>
+          <a:bodyPr anchor="ctr">
+            <a:normAutofit/>
+          </a:bodyPr>
+          <a:lstStyle>
+            <a:lvl1pPr algn="l">
+              <a:defRPr sz="4400" b="0" cap="none"/>
+            </a:lvl1pPr>
+          </a:lstStyle>
+          <a:p>
+            <a:r>
+              <a:rPr lang="en-US"/>
+              <a:t>Click to edit Master title style</a:t>
+            </a:r>
+            <a:endParaRPr lang="en-US" dirty="0"/>
+          </a:p>
+        </p:txBody>
+      </p:sp>
+      <p:sp>
+        <p:nvSpPr>
+          <p:cNvPr id="23" name="Text Placeholder 9"/>
+          <p:cNvSpPr>
+            <a:spLocks noGrp="1"/>
+          </p:cNvSpPr>
+          <p:nvPr>
+            <p:ph type="body" sz="quarter" idx="13"/>
+          </p:nvPr>
+        </p:nvSpPr>
+        <p:spPr>
+          <a:xfrm>
+            <a:off x="677332" y="4013200"/>
+            <a:ext cx="8596669" cy="514248"/>
+          </a:xfrm>
+        </p:spPr>
+        <p:txBody>
+          <a:bodyPr anchor="b">
+            <a:noAutofit/>
+          </a:bodyPr>
+          <a:lstStyle>
+            <a:lvl1pPr marL="0" indent="0">
+              <a:buFontTx/>
+              <a:buNone/>
+              <a:defRPr sz="2400">
+                <a:solidFill>
+                  <a:schemeClr val="accent1"/>
+                </a:solidFill>
+              </a:defRPr>
+            </a:lvl1pPr>
+            <a:lvl2pPr marL="457200" indent="0">
+              <a:buFontTx/>
+              <a:buNone/>
+              <a:defRPr/>
+            </a:lvl2pPr>
+            <a:lvl3pPr marL="914400" indent="0">
+              <a:buFontTx/>
+              <a:buNone/>
+              <a:defRPr/>
+            </a:lvl3pPr>
+            <a:lvl4pPr marL="1371600" indent="0">
+              <a:buFontTx/>
+              <a:buNone/>
+              <a:defRPr/>
+            </a:lvl4pPr>
+            <a:lvl5pPr marL="1828800" indent="0">
+              <a:buFontTx/>
+              <a:buNone/>
+              <a:defRPr/>
+            </a:lvl5pPr>
+          </a:lstStyle>
+          <a:p>
+            <a:pPr lvl="0"/>
+            <a:r>
+              <a:rPr lang="en-US"/>
+              <a:t>Edit Master text styles</a:t>
+            </a:r>
+          </a:p>
+        </p:txBody>
+      </p:sp>
+      <p:sp>
+        <p:nvSpPr>
+          <p:cNvPr id="3" name="Text Placeholder 2"/>
+          <p:cNvSpPr>
+            <a:spLocks noGrp="1"/>
+          </p:cNvSpPr>
+          <p:nvPr>
+            <p:ph type="body" idx="1"/>
+          </p:nvPr>
+        </p:nvSpPr>
+        <p:spPr>
+          <a:xfrm>
+            <a:off x="677335" y="4527448"/>
+            <a:ext cx="8596668" cy="1513914"/>
+          </a:xfrm>
+        </p:spPr>
+        <p:txBody>
+          <a:bodyPr anchor="t">
+            <a:normAutofit/>
+          </a:bodyPr>
+          <a:lstStyle>
+            <a:lvl1pPr marL="0" indent="0" algn="l">
+              <a:buNone/>
+              <a:defRPr sz="1800">
+                <a:solidFill>
+                  <a:schemeClr val="tx1">
+                    <a:lumMod val="50000"/>
+                    <a:lumOff val="50000"/>
+                  </a:schemeClr>
+                </a:solidFill>
+              </a:defRPr>
+            </a:lvl1pPr>
+            <a:lvl2pPr marL="457200" indent="0">
+              <a:buNone/>
+              <a:defRPr sz="1800">
+                <a:solidFill>
+                  <a:schemeClr val="tx1">
+                    <a:tint val="75000"/>
+                  </a:schemeClr>
+                </a:solidFill>
+              </a:defRPr>
+            </a:lvl2pPr>
+            <a:lvl3pPr marL="914400" indent="0">
+              <a:buNone/>
+              <a:defRPr sz="1600">
+                <a:solidFill>
+                  <a:schemeClr val="tx1">
+                    <a:tint val="75000"/>
+                  </a:schemeClr>
+                </a:solidFill>
+              </a:defRPr>
+            </a:lvl3pPr>
+            <a:lvl4pPr marL="1371600" indent="0">
+              <a:buNone/>
+              <a:defRPr sz="1400">
+                <a:solidFill>
+                  <a:schemeClr val="tx1">
+                    <a:tint val="75000"/>
+                  </a:schemeClr>
+                </a:solidFill>
+              </a:defRPr>
+            </a:lvl4pPr>
+            <a:lvl5pPr marL="1828800" indent="0">
+              <a:buNone/>
+              <a:defRPr sz="1400">
+                <a:solidFill>
+                  <a:schemeClr val="tx1">
+                    <a:tint val="75000"/>
+                  </a:schemeClr>
+                </a:solidFill>
+              </a:defRPr>
+            </a:lvl5pPr>
+            <a:lvl6pPr marL="2286000" indent="0">
+              <a:buNone/>
+              <a:defRPr sz="1400">
+                <a:solidFill>
+                  <a:schemeClr val="tx1">
+                    <a:tint val="75000"/>
+                  </a:schemeClr>
+                </a:solidFill>
+              </a:defRPr>
+            </a:lvl6pPr>
+            <a:lvl7pPr marL="2743200" indent="0">
+              <a:buNone/>
+              <a:defRPr sz="1400">
+                <a:solidFill>
+                  <a:schemeClr val="tx1">
+                    <a:tint val="75000"/>
+                  </a:schemeClr>
+                </a:solidFill>
+              </a:defRPr>
+            </a:lvl7pPr>
+            <a:lvl8pPr marL="3200400" indent="0">
+              <a:buNone/>
+              <a:defRPr sz="1400">
+                <a:solidFill>
+                  <a:schemeClr val="tx1">
+                    <a:tint val="75000"/>
+                  </a:schemeClr>
+                </a:solidFill>
+              </a:defRPr>
+            </a:lvl8pPr>
+            <a:lvl9pPr marL="3657600" indent="0">
+              <a:buNone/>
+              <a:defRPr sz="1400">
+                <a:solidFill>
+                  <a:schemeClr val="tx1">
+                    <a:tint val="75000"/>
+                  </a:schemeClr>
+                </a:solidFill>
+              </a:defRPr>
+            </a:lvl9pPr>
+          </a:lstStyle>
+          <a:p>
+            <a:pPr lvl="0"/>
+            <a:r>
+              <a:rPr lang="en-US"/>
+              <a:t>Edit Master text styles</a:t>
+            </a:r>
+          </a:p>
+        </p:txBody>
+      </p:sp>
+      <p:sp>
+        <p:nvSpPr>
+          <p:cNvPr id="4" name="Date Placeholder 3"/>
+          <p:cNvSpPr>
+            <a:spLocks noGrp="1"/>
+          </p:cNvSpPr>
+          <p:nvPr>
+            <p:ph type="dt" sz="half" idx="10"/>
+          </p:nvPr>
+        </p:nvSpPr>
+        <p:spPr/>
+        <p:txBody>
+          <a:bodyPr/>
+          <a:lstStyle/>
+          <a:p>
+            <a:fld id="{55FC8959-8F40-4E3F-B53B-91426FAA4E7B}" type="datetimeFigureOut">
+              <a:rPr lang="en-GB" smtClean="0"/>
+              <a:t>12/10/2017</a:t>
+            </a:fld>
+            <a:endParaRPr lang="en-GB"/>
+          </a:p>
+        </p:txBody>
+      </p:sp>
+      <p:sp>
+        <p:nvSpPr>
+          <p:cNvPr id="5" name="Footer Placeholder 4"/>
+          <p:cNvSpPr>
+            <a:spLocks noGrp="1"/>
+          </p:cNvSpPr>
+          <p:nvPr>
+            <p:ph type="ftr" sz="quarter" idx="11"/>
+          </p:nvPr>
+        </p:nvSpPr>
+        <p:spPr/>
+        <p:txBody>
+          <a:bodyPr/>
+          <a:lstStyle/>
+          <a:p>
+            <a:endParaRPr lang="en-GB"/>
+          </a:p>
+        </p:txBody>
+      </p:sp>
+      <p:sp>
+        <p:nvSpPr>
+          <p:cNvPr id="6" name="Slide Number Placeholder 5"/>
+          <p:cNvSpPr>
+            <a:spLocks noGrp="1"/>
+          </p:cNvSpPr>
+          <p:nvPr>
+            <p:ph type="sldNum" sz="quarter" idx="12"/>
+          </p:nvPr>
+        </p:nvSpPr>
+        <p:spPr/>
+        <p:txBody>
+          <a:bodyPr/>
+          <a:lstStyle/>
+          <a:p>
+            <a:fld id="{A3FAC33C-C58C-4AC7-A03D-B97F45734DF0}" type="slidenum">
+              <a:rPr lang="en-GB" smtClean="0"/>
+              <a:t>‹#›</a:t>
+            </a:fld>
+            <a:endParaRPr lang="en-GB"/>
+          </a:p>
+        </p:txBody>
+      </p:sp>
+    </p:spTree>
+    <p:extLst>
+      <p:ext uri="{BB962C8B-B14F-4D97-AF65-F5344CB8AC3E}">
+        <p14:creationId xmlns:p14="http://schemas.microsoft.com/office/powerpoint/2010/main" val="2125571478"/>
+      </p:ext>
+    </p:extLst>
+  </p:cSld>
+  <p:clrMapOvr>
+    <a:masterClrMapping/>
+  </p:clrMapOvr>
+</p:sldLayout>
+</file>
+
+<file path=ppt/slideLayouts/slideLayout15.xml><?xml version="1.0" encoding="utf-8"?>
 <p:sldLayout xmlns:a="http://schemas.openxmlformats.org/drawingml/2006/main" xmlns:r="http://schemas.openxmlformats.org/officeDocument/2006/relationships" xmlns:p="http://schemas.openxmlformats.org/presentationml/2006/main" type="vertTx" preserve="1">
   <p:cSld name="Title and Vertical Text">
     <p:spTree>
@@ -381,13 +2578,7 @@
       </p:grpSpPr>
       <p:sp>
         <p:nvSpPr>
-          <p:cNvPr id="2" name="Title 1">
-            <a:extLst>
-              <a:ext uri="{FF2B5EF4-FFF2-40B4-BE49-F238E27FC236}">
-                <a16:creationId xmlns:a16="http://schemas.microsoft.com/office/drawing/2014/main" id="{ECBE82C6-F152-425E-A422-E3D2D3D0B67F}"/>
-              </a:ext>
-            </a:extLst>
-          </p:cNvPr>
+          <p:cNvPr id="2" name="Title 1"/>
           <p:cNvSpPr>
             <a:spLocks noGrp="1"/>
           </p:cNvSpPr>
@@ -404,19 +2595,13 @@
               <a:rPr lang="en-US"/>
               <a:t>Click to edit Master title style</a:t>
             </a:r>
-            <a:endParaRPr lang="en-GB"/>
-          </a:p>
-        </p:txBody>
-      </p:sp>
-      <p:sp>
-        <p:nvSpPr>
-          <p:cNvPr id="3" name="Vertical Text Placeholder 2">
-            <a:extLst>
-              <a:ext uri="{FF2B5EF4-FFF2-40B4-BE49-F238E27FC236}">
-                <a16:creationId xmlns:a16="http://schemas.microsoft.com/office/drawing/2014/main" id="{EAAAE996-DC4F-4759-848D-CBA4D25098A1}"/>
-              </a:ext>
-            </a:extLst>
-          </p:cNvPr>
+            <a:endParaRPr lang="en-US" dirty="0"/>
+          </a:p>
+        </p:txBody>
+      </p:sp>
+      <p:sp>
+        <p:nvSpPr>
+          <p:cNvPr id="3" name="Vertical Text Placeholder 2"/>
           <p:cNvSpPr>
             <a:spLocks noGrp="1"/>
           </p:cNvSpPr>
@@ -462,19 +2647,13 @@
               <a:rPr lang="en-US"/>
               <a:t>Fifth level</a:t>
             </a:r>
-            <a:endParaRPr lang="en-GB"/>
-          </a:p>
-        </p:txBody>
-      </p:sp>
-      <p:sp>
-        <p:nvSpPr>
-          <p:cNvPr id="4" name="Date Placeholder 3">
-            <a:extLst>
-              <a:ext uri="{FF2B5EF4-FFF2-40B4-BE49-F238E27FC236}">
-                <a16:creationId xmlns:a16="http://schemas.microsoft.com/office/drawing/2014/main" id="{3A50ADF2-3089-46D1-8E45-553B8888CEDC}"/>
-              </a:ext>
-            </a:extLst>
-          </p:cNvPr>
+            <a:endParaRPr lang="en-US" dirty="0"/>
+          </a:p>
+        </p:txBody>
+      </p:sp>
+      <p:sp>
+        <p:nvSpPr>
+          <p:cNvPr id="4" name="Date Placeholder 3"/>
           <p:cNvSpPr>
             <a:spLocks noGrp="1"/>
           </p:cNvSpPr>
@@ -489,7 +2668,7 @@
           <a:p>
             <a:fld id="{55FC8959-8F40-4E3F-B53B-91426FAA4E7B}" type="datetimeFigureOut">
               <a:rPr lang="en-GB" smtClean="0"/>
-              <a:t>11/10/2017</a:t>
+              <a:t>12/10/2017</a:t>
             </a:fld>
             <a:endParaRPr lang="en-GB"/>
           </a:p>
@@ -497,13 +2676,7 @@
       </p:sp>
       <p:sp>
         <p:nvSpPr>
-          <p:cNvPr id="5" name="Footer Placeholder 4">
-            <a:extLst>
-              <a:ext uri="{FF2B5EF4-FFF2-40B4-BE49-F238E27FC236}">
-                <a16:creationId xmlns:a16="http://schemas.microsoft.com/office/drawing/2014/main" id="{6B3A66F4-1501-48F7-AF76-F29B5AD2F4C9}"/>
-              </a:ext>
-            </a:extLst>
-          </p:cNvPr>
+          <p:cNvPr id="5" name="Footer Placeholder 4"/>
           <p:cNvSpPr>
             <a:spLocks noGrp="1"/>
           </p:cNvSpPr>
@@ -522,13 +2695,7 @@
       </p:sp>
       <p:sp>
         <p:nvSpPr>
-          <p:cNvPr id="6" name="Slide Number Placeholder 5">
-            <a:extLst>
-              <a:ext uri="{FF2B5EF4-FFF2-40B4-BE49-F238E27FC236}">
-                <a16:creationId xmlns:a16="http://schemas.microsoft.com/office/drawing/2014/main" id="{7F2EABE6-EC5E-4599-A037-8214E172E93B}"/>
-              </a:ext>
-            </a:extLst>
-          </p:cNvPr>
+          <p:cNvPr id="6" name="Slide Number Placeholder 5"/>
           <p:cNvSpPr>
             <a:spLocks noGrp="1"/>
           </p:cNvSpPr>
@@ -552,7 +2719,7 @@
     </p:spTree>
     <p:extLst>
       <p:ext uri="{BB962C8B-B14F-4D97-AF65-F5344CB8AC3E}">
-        <p14:creationId xmlns:p14="http://schemas.microsoft.com/office/powerpoint/2010/main" val="4148173405"/>
+        <p14:creationId xmlns:p14="http://schemas.microsoft.com/office/powerpoint/2010/main" val="3026693062"/>
       </p:ext>
     </p:extLst>
   </p:cSld>
@@ -562,7 +2729,7 @@
 </p:sldLayout>
 </file>
 
-<file path=ppt/slideLayouts/slideLayout11.xml><?xml version="1.0" encoding="utf-8"?>
+<file path=ppt/slideLayouts/slideLayout16.xml><?xml version="1.0" encoding="utf-8"?>
 <p:sldLayout xmlns:a="http://schemas.openxmlformats.org/drawingml/2006/main" xmlns:r="http://schemas.openxmlformats.org/officeDocument/2006/relationships" xmlns:p="http://schemas.openxmlformats.org/presentationml/2006/main" type="vertTitleAndTx" preserve="1">
   <p:cSld name="Vertical Title and Text">
     <p:spTree>
@@ -581,13 +2748,7 @@
       </p:grpSpPr>
       <p:sp>
         <p:nvSpPr>
-          <p:cNvPr id="2" name="Vertical Title 1">
-            <a:extLst>
-              <a:ext uri="{FF2B5EF4-FFF2-40B4-BE49-F238E27FC236}">
-                <a16:creationId xmlns:a16="http://schemas.microsoft.com/office/drawing/2014/main" id="{13EB2795-C56A-45DC-89FC-AEB335E7754D}"/>
-              </a:ext>
-            </a:extLst>
-          </p:cNvPr>
+          <p:cNvPr id="2" name="Vertical Title 1"/>
           <p:cNvSpPr>
             <a:spLocks noGrp="1"/>
           </p:cNvSpPr>
@@ -597,31 +2758,25 @@
         </p:nvSpPr>
         <p:spPr>
           <a:xfrm>
-            <a:off x="8724900" y="365125"/>
-            <a:ext cx="2628900" cy="5811838"/>
+            <a:off x="7967673" y="609599"/>
+            <a:ext cx="1304743" cy="5251451"/>
           </a:xfrm>
         </p:spPr>
         <p:txBody>
-          <a:bodyPr vert="eaVert"/>
+          <a:bodyPr vert="eaVert" anchor="ctr"/>
           <a:lstStyle/>
           <a:p>
             <a:r>
               <a:rPr lang="en-US"/>
               <a:t>Click to edit Master title style</a:t>
             </a:r>
-            <a:endParaRPr lang="en-GB"/>
-          </a:p>
-        </p:txBody>
-      </p:sp>
-      <p:sp>
-        <p:nvSpPr>
-          <p:cNvPr id="3" name="Vertical Text Placeholder 2">
-            <a:extLst>
-              <a:ext uri="{FF2B5EF4-FFF2-40B4-BE49-F238E27FC236}">
-                <a16:creationId xmlns:a16="http://schemas.microsoft.com/office/drawing/2014/main" id="{0BBFFC1B-81F3-4E70-AF1D-95CB33127B7C}"/>
-              </a:ext>
-            </a:extLst>
-          </p:cNvPr>
+            <a:endParaRPr lang="en-US" dirty="0"/>
+          </a:p>
+        </p:txBody>
+      </p:sp>
+      <p:sp>
+        <p:nvSpPr>
+          <p:cNvPr id="3" name="Vertical Text Placeholder 2"/>
           <p:cNvSpPr>
             <a:spLocks noGrp="1"/>
           </p:cNvSpPr>
@@ -631,8 +2786,8 @@
         </p:nvSpPr>
         <p:spPr>
           <a:xfrm>
-            <a:off x="838200" y="365125"/>
-            <a:ext cx="7734300" cy="5811838"/>
+            <a:off x="677335" y="609600"/>
+            <a:ext cx="7060150" cy="5251450"/>
           </a:xfrm>
         </p:spPr>
         <p:txBody>
@@ -672,19 +2827,13 @@
               <a:rPr lang="en-US"/>
               <a:t>Fifth level</a:t>
             </a:r>
-            <a:endParaRPr lang="en-GB"/>
-          </a:p>
-        </p:txBody>
-      </p:sp>
-      <p:sp>
-        <p:nvSpPr>
-          <p:cNvPr id="4" name="Date Placeholder 3">
-            <a:extLst>
-              <a:ext uri="{FF2B5EF4-FFF2-40B4-BE49-F238E27FC236}">
-                <a16:creationId xmlns:a16="http://schemas.microsoft.com/office/drawing/2014/main" id="{8FCC8079-6777-41FE-A78B-F2755BD64134}"/>
-              </a:ext>
-            </a:extLst>
-          </p:cNvPr>
+            <a:endParaRPr lang="en-US" dirty="0"/>
+          </a:p>
+        </p:txBody>
+      </p:sp>
+      <p:sp>
+        <p:nvSpPr>
+          <p:cNvPr id="4" name="Date Placeholder 3"/>
           <p:cNvSpPr>
             <a:spLocks noGrp="1"/>
           </p:cNvSpPr>
@@ -699,7 +2848,7 @@
           <a:p>
             <a:fld id="{55FC8959-8F40-4E3F-B53B-91426FAA4E7B}" type="datetimeFigureOut">
               <a:rPr lang="en-GB" smtClean="0"/>
-              <a:t>11/10/2017</a:t>
+              <a:t>12/10/2017</a:t>
             </a:fld>
             <a:endParaRPr lang="en-GB"/>
           </a:p>
@@ -707,13 +2856,7 @@
       </p:sp>
       <p:sp>
         <p:nvSpPr>
-          <p:cNvPr id="5" name="Footer Placeholder 4">
-            <a:extLst>
-              <a:ext uri="{FF2B5EF4-FFF2-40B4-BE49-F238E27FC236}">
-                <a16:creationId xmlns:a16="http://schemas.microsoft.com/office/drawing/2014/main" id="{7C5306E0-9704-491D-B2E7-9D1287634E21}"/>
-              </a:ext>
-            </a:extLst>
-          </p:cNvPr>
+          <p:cNvPr id="5" name="Footer Placeholder 4"/>
           <p:cNvSpPr>
             <a:spLocks noGrp="1"/>
           </p:cNvSpPr>
@@ -732,13 +2875,7 @@
       </p:sp>
       <p:sp>
         <p:nvSpPr>
-          <p:cNvPr id="6" name="Slide Number Placeholder 5">
-            <a:extLst>
-              <a:ext uri="{FF2B5EF4-FFF2-40B4-BE49-F238E27FC236}">
-                <a16:creationId xmlns:a16="http://schemas.microsoft.com/office/drawing/2014/main" id="{6BD1055F-8183-43BB-B408-9F43BCA10A7E}"/>
-              </a:ext>
-            </a:extLst>
-          </p:cNvPr>
+          <p:cNvPr id="6" name="Slide Number Placeholder 5"/>
           <p:cNvSpPr>
             <a:spLocks noGrp="1"/>
           </p:cNvSpPr>
@@ -762,7 +2899,7 @@
     </p:spTree>
     <p:extLst>
       <p:ext uri="{BB962C8B-B14F-4D97-AF65-F5344CB8AC3E}">
-        <p14:creationId xmlns:p14="http://schemas.microsoft.com/office/powerpoint/2010/main" val="1681718437"/>
+        <p14:creationId xmlns:p14="http://schemas.microsoft.com/office/powerpoint/2010/main" val="2848857058"/>
       </p:ext>
     </p:extLst>
   </p:cSld>
@@ -791,13 +2928,7 @@
       </p:grpSpPr>
       <p:sp>
         <p:nvSpPr>
-          <p:cNvPr id="2" name="Title 1">
-            <a:extLst>
-              <a:ext uri="{FF2B5EF4-FFF2-40B4-BE49-F238E27FC236}">
-                <a16:creationId xmlns:a16="http://schemas.microsoft.com/office/drawing/2014/main" id="{808B0E79-B0F2-4B3E-BAEC-D72B883953DA}"/>
-              </a:ext>
-            </a:extLst>
-          </p:cNvPr>
+          <p:cNvPr id="2" name="Title 1"/>
           <p:cNvSpPr>
             <a:spLocks noGrp="1"/>
           </p:cNvSpPr>
@@ -814,19 +2945,13 @@
               <a:rPr lang="en-US"/>
               <a:t>Click to edit Master title style</a:t>
             </a:r>
-            <a:endParaRPr lang="en-GB"/>
-          </a:p>
-        </p:txBody>
-      </p:sp>
-      <p:sp>
-        <p:nvSpPr>
-          <p:cNvPr id="3" name="Content Placeholder 2">
-            <a:extLst>
-              <a:ext uri="{FF2B5EF4-FFF2-40B4-BE49-F238E27FC236}">
-                <a16:creationId xmlns:a16="http://schemas.microsoft.com/office/drawing/2014/main" id="{5BCB9D78-FD70-47E5-814A-03C48EEC1A95}"/>
-              </a:ext>
-            </a:extLst>
-          </p:cNvPr>
+            <a:endParaRPr lang="en-US" dirty="0"/>
+          </a:p>
+        </p:txBody>
+      </p:sp>
+      <p:sp>
+        <p:nvSpPr>
+          <p:cNvPr id="3" name="Content Placeholder 2"/>
           <p:cNvSpPr>
             <a:spLocks noGrp="1"/>
           </p:cNvSpPr>
@@ -872,19 +2997,13 @@
               <a:rPr lang="en-US"/>
               <a:t>Fifth level</a:t>
             </a:r>
-            <a:endParaRPr lang="en-GB"/>
-          </a:p>
-        </p:txBody>
-      </p:sp>
-      <p:sp>
-        <p:nvSpPr>
-          <p:cNvPr id="4" name="Date Placeholder 3">
-            <a:extLst>
-              <a:ext uri="{FF2B5EF4-FFF2-40B4-BE49-F238E27FC236}">
-                <a16:creationId xmlns:a16="http://schemas.microsoft.com/office/drawing/2014/main" id="{732A5CDD-3E50-455A-AB2F-8D4566C499CE}"/>
-              </a:ext>
-            </a:extLst>
-          </p:cNvPr>
+            <a:endParaRPr lang="en-US" dirty="0"/>
+          </a:p>
+        </p:txBody>
+      </p:sp>
+      <p:sp>
+        <p:nvSpPr>
+          <p:cNvPr id="4" name="Date Placeholder 3"/>
           <p:cNvSpPr>
             <a:spLocks noGrp="1"/>
           </p:cNvSpPr>
@@ -899,7 +3018,7 @@
           <a:p>
             <a:fld id="{55FC8959-8F40-4E3F-B53B-91426FAA4E7B}" type="datetimeFigureOut">
               <a:rPr lang="en-GB" smtClean="0"/>
-              <a:t>11/10/2017</a:t>
+              <a:t>12/10/2017</a:t>
             </a:fld>
             <a:endParaRPr lang="en-GB"/>
           </a:p>
@@ -907,13 +3026,7 @@
       </p:sp>
       <p:sp>
         <p:nvSpPr>
-          <p:cNvPr id="5" name="Footer Placeholder 4">
-            <a:extLst>
-              <a:ext uri="{FF2B5EF4-FFF2-40B4-BE49-F238E27FC236}">
-                <a16:creationId xmlns:a16="http://schemas.microsoft.com/office/drawing/2014/main" id="{87C31EDB-E4B2-49CF-BB05-C3440081B72B}"/>
-              </a:ext>
-            </a:extLst>
-          </p:cNvPr>
+          <p:cNvPr id="5" name="Footer Placeholder 4"/>
           <p:cNvSpPr>
             <a:spLocks noGrp="1"/>
           </p:cNvSpPr>
@@ -932,13 +3045,7 @@
       </p:sp>
       <p:sp>
         <p:nvSpPr>
-          <p:cNvPr id="6" name="Slide Number Placeholder 5">
-            <a:extLst>
-              <a:ext uri="{FF2B5EF4-FFF2-40B4-BE49-F238E27FC236}">
-                <a16:creationId xmlns:a16="http://schemas.microsoft.com/office/drawing/2014/main" id="{C77CEEAB-E0F5-4A57-B408-B2BE6EBED79F}"/>
-              </a:ext>
-            </a:extLst>
-          </p:cNvPr>
+          <p:cNvPr id="6" name="Slide Number Placeholder 5"/>
           <p:cNvSpPr>
             <a:spLocks noGrp="1"/>
           </p:cNvSpPr>
@@ -962,7 +3069,7 @@
     </p:spTree>
     <p:extLst>
       <p:ext uri="{BB962C8B-B14F-4D97-AF65-F5344CB8AC3E}">
-        <p14:creationId xmlns:p14="http://schemas.microsoft.com/office/powerpoint/2010/main" val="638232635"/>
+        <p14:creationId xmlns:p14="http://schemas.microsoft.com/office/powerpoint/2010/main" val="3623447251"/>
       </p:ext>
     </p:extLst>
   </p:cSld>
@@ -991,13 +3098,7 @@
       </p:grpSpPr>
       <p:sp>
         <p:nvSpPr>
-          <p:cNvPr id="2" name="Title 1">
-            <a:extLst>
-              <a:ext uri="{FF2B5EF4-FFF2-40B4-BE49-F238E27FC236}">
-                <a16:creationId xmlns:a16="http://schemas.microsoft.com/office/drawing/2014/main" id="{93F05B08-33D3-4ECC-B9EB-E4843ED98558}"/>
-              </a:ext>
-            </a:extLst>
-          </p:cNvPr>
+          <p:cNvPr id="2" name="Title 1"/>
           <p:cNvSpPr>
             <a:spLocks noGrp="1"/>
           </p:cNvSpPr>
@@ -1007,15 +3108,15 @@
         </p:nvSpPr>
         <p:spPr>
           <a:xfrm>
-            <a:off x="831850" y="1709738"/>
-            <a:ext cx="10515600" cy="2852737"/>
+            <a:off x="677335" y="2700867"/>
+            <a:ext cx="8596668" cy="1826581"/>
           </a:xfrm>
         </p:spPr>
         <p:txBody>
           <a:bodyPr anchor="b"/>
           <a:lstStyle>
-            <a:lvl1pPr>
-              <a:defRPr sz="6000"/>
+            <a:lvl1pPr algn="l">
+              <a:defRPr sz="4000" b="0" cap="none"/>
             </a:lvl1pPr>
           </a:lstStyle>
           <a:p>
@@ -1023,19 +3124,13 @@
               <a:rPr lang="en-US"/>
               <a:t>Click to edit Master title style</a:t>
             </a:r>
-            <a:endParaRPr lang="en-GB"/>
-          </a:p>
-        </p:txBody>
-      </p:sp>
-      <p:sp>
-        <p:nvSpPr>
-          <p:cNvPr id="3" name="Text Placeholder 2">
-            <a:extLst>
-              <a:ext uri="{FF2B5EF4-FFF2-40B4-BE49-F238E27FC236}">
-                <a16:creationId xmlns:a16="http://schemas.microsoft.com/office/drawing/2014/main" id="{65213577-8B46-46C5-84DD-32052ABD29E3}"/>
-              </a:ext>
-            </a:extLst>
-          </p:cNvPr>
+            <a:endParaRPr lang="en-US" dirty="0"/>
+          </a:p>
+        </p:txBody>
+      </p:sp>
+      <p:sp>
+        <p:nvSpPr>
+          <p:cNvPr id="3" name="Text Placeholder 2"/>
           <p:cNvSpPr>
             <a:spLocks noGrp="1"/>
           </p:cNvSpPr>
@@ -1045,26 +3140,27 @@
         </p:nvSpPr>
         <p:spPr>
           <a:xfrm>
-            <a:off x="831850" y="4589463"/>
-            <a:ext cx="10515600" cy="1500187"/>
+            <a:off x="677335" y="4527448"/>
+            <a:ext cx="8596668" cy="860400"/>
           </a:xfrm>
         </p:spPr>
         <p:txBody>
-          <a:bodyPr/>
+          <a:bodyPr anchor="t"/>
           <a:lstStyle>
-            <a:lvl1pPr marL="0" indent="0">
-              <a:buNone/>
-              <a:defRPr sz="2400">
+            <a:lvl1pPr marL="0" indent="0" algn="l">
+              <a:buNone/>
+              <a:defRPr sz="2000">
                 <a:solidFill>
                   <a:schemeClr val="tx1">
-                    <a:tint val="75000"/>
+                    <a:lumMod val="50000"/>
+                    <a:lumOff val="50000"/>
                   </a:schemeClr>
                 </a:solidFill>
               </a:defRPr>
             </a:lvl1pPr>
             <a:lvl2pPr marL="457200" indent="0">
               <a:buNone/>
-              <a:defRPr sz="2000">
+              <a:defRPr sz="1800">
                 <a:solidFill>
                   <a:schemeClr val="tx1">
                     <a:tint val="75000"/>
@@ -1074,7 +3170,7 @@
             </a:lvl2pPr>
             <a:lvl3pPr marL="914400" indent="0">
               <a:buNone/>
-              <a:defRPr sz="1800">
+              <a:defRPr sz="1600">
                 <a:solidFill>
                   <a:schemeClr val="tx1">
                     <a:tint val="75000"/>
@@ -1084,7 +3180,7 @@
             </a:lvl3pPr>
             <a:lvl4pPr marL="1371600" indent="0">
               <a:buNone/>
-              <a:defRPr sz="1600">
+              <a:defRPr sz="1400">
                 <a:solidFill>
                   <a:schemeClr val="tx1">
                     <a:tint val="75000"/>
@@ -1094,7 +3190,7 @@
             </a:lvl4pPr>
             <a:lvl5pPr marL="1828800" indent="0">
               <a:buNone/>
-              <a:defRPr sz="1600">
+              <a:defRPr sz="1400">
                 <a:solidFill>
                   <a:schemeClr val="tx1">
                     <a:tint val="75000"/>
@@ -1104,7 +3200,7 @@
             </a:lvl5pPr>
             <a:lvl6pPr marL="2286000" indent="0">
               <a:buNone/>
-              <a:defRPr sz="1600">
+              <a:defRPr sz="1400">
                 <a:solidFill>
                   <a:schemeClr val="tx1">
                     <a:tint val="75000"/>
@@ -1114,7 +3210,7 @@
             </a:lvl6pPr>
             <a:lvl7pPr marL="2743200" indent="0">
               <a:buNone/>
-              <a:defRPr sz="1600">
+              <a:defRPr sz="1400">
                 <a:solidFill>
                   <a:schemeClr val="tx1">
                     <a:tint val="75000"/>
@@ -1124,7 +3220,7 @@
             </a:lvl7pPr>
             <a:lvl8pPr marL="3200400" indent="0">
               <a:buNone/>
-              <a:defRPr sz="1600">
+              <a:defRPr sz="1400">
                 <a:solidFill>
                   <a:schemeClr val="tx1">
                     <a:tint val="75000"/>
@@ -1134,7 +3230,7 @@
             </a:lvl8pPr>
             <a:lvl9pPr marL="3657600" indent="0">
               <a:buNone/>
-              <a:defRPr sz="1600">
+              <a:defRPr sz="1400">
                 <a:solidFill>
                   <a:schemeClr val="tx1">
                     <a:tint val="75000"/>
@@ -1154,13 +3250,7 @@
       </p:sp>
       <p:sp>
         <p:nvSpPr>
-          <p:cNvPr id="4" name="Date Placeholder 3">
-            <a:extLst>
-              <a:ext uri="{FF2B5EF4-FFF2-40B4-BE49-F238E27FC236}">
-                <a16:creationId xmlns:a16="http://schemas.microsoft.com/office/drawing/2014/main" id="{7460CB88-A982-4BBA-9A26-ACD6D78CD0FA}"/>
-              </a:ext>
-            </a:extLst>
-          </p:cNvPr>
+          <p:cNvPr id="4" name="Date Placeholder 3"/>
           <p:cNvSpPr>
             <a:spLocks noGrp="1"/>
           </p:cNvSpPr>
@@ -1175,7 +3265,7 @@
           <a:p>
             <a:fld id="{55FC8959-8F40-4E3F-B53B-91426FAA4E7B}" type="datetimeFigureOut">
               <a:rPr lang="en-GB" smtClean="0"/>
-              <a:t>11/10/2017</a:t>
+              <a:t>12/10/2017</a:t>
             </a:fld>
             <a:endParaRPr lang="en-GB"/>
           </a:p>
@@ -1183,13 +3273,7 @@
       </p:sp>
       <p:sp>
         <p:nvSpPr>
-          <p:cNvPr id="5" name="Footer Placeholder 4">
-            <a:extLst>
-              <a:ext uri="{FF2B5EF4-FFF2-40B4-BE49-F238E27FC236}">
-                <a16:creationId xmlns:a16="http://schemas.microsoft.com/office/drawing/2014/main" id="{B14971F6-ED51-4C07-AB68-AF499A8A4E39}"/>
-              </a:ext>
-            </a:extLst>
-          </p:cNvPr>
+          <p:cNvPr id="5" name="Footer Placeholder 4"/>
           <p:cNvSpPr>
             <a:spLocks noGrp="1"/>
           </p:cNvSpPr>
@@ -1208,13 +3292,7 @@
       </p:sp>
       <p:sp>
         <p:nvSpPr>
-          <p:cNvPr id="6" name="Slide Number Placeholder 5">
-            <a:extLst>
-              <a:ext uri="{FF2B5EF4-FFF2-40B4-BE49-F238E27FC236}">
-                <a16:creationId xmlns:a16="http://schemas.microsoft.com/office/drawing/2014/main" id="{4C723FBC-2540-429E-A962-2490B8F29423}"/>
-              </a:ext>
-            </a:extLst>
-          </p:cNvPr>
+          <p:cNvPr id="6" name="Slide Number Placeholder 5"/>
           <p:cNvSpPr>
             <a:spLocks noGrp="1"/>
           </p:cNvSpPr>
@@ -1238,7 +3316,7 @@
     </p:spTree>
     <p:extLst>
       <p:ext uri="{BB962C8B-B14F-4D97-AF65-F5344CB8AC3E}">
-        <p14:creationId xmlns:p14="http://schemas.microsoft.com/office/powerpoint/2010/main" val="2823117892"/>
+        <p14:creationId xmlns:p14="http://schemas.microsoft.com/office/powerpoint/2010/main" val="1218341336"/>
       </p:ext>
     </p:extLst>
   </p:cSld>
@@ -1267,13 +3345,7 @@
       </p:grpSpPr>
       <p:sp>
         <p:nvSpPr>
-          <p:cNvPr id="2" name="Title 1">
-            <a:extLst>
-              <a:ext uri="{FF2B5EF4-FFF2-40B4-BE49-F238E27FC236}">
-                <a16:creationId xmlns:a16="http://schemas.microsoft.com/office/drawing/2014/main" id="{8C5AC33E-DAB6-4EC0-8824-8D518AA8D264}"/>
-              </a:ext>
-            </a:extLst>
-          </p:cNvPr>
+          <p:cNvPr id="2" name="Title 1"/>
           <p:cNvSpPr>
             <a:spLocks noGrp="1"/>
           </p:cNvSpPr>
@@ -1290,19 +3362,13 @@
               <a:rPr lang="en-US"/>
               <a:t>Click to edit Master title style</a:t>
             </a:r>
-            <a:endParaRPr lang="en-GB"/>
-          </a:p>
-        </p:txBody>
-      </p:sp>
-      <p:sp>
-        <p:nvSpPr>
-          <p:cNvPr id="3" name="Content Placeholder 2">
-            <a:extLst>
-              <a:ext uri="{FF2B5EF4-FFF2-40B4-BE49-F238E27FC236}">
-                <a16:creationId xmlns:a16="http://schemas.microsoft.com/office/drawing/2014/main" id="{1CF6AE94-294C-4B5C-8284-F1CB64ADA3C4}"/>
-              </a:ext>
-            </a:extLst>
-          </p:cNvPr>
+            <a:endParaRPr lang="en-US" dirty="0"/>
+          </a:p>
+        </p:txBody>
+      </p:sp>
+      <p:sp>
+        <p:nvSpPr>
+          <p:cNvPr id="3" name="Content Placeholder 2"/>
           <p:cNvSpPr>
             <a:spLocks noGrp="1"/>
           </p:cNvSpPr>
@@ -1312,8 +3378,8 @@
         </p:nvSpPr>
         <p:spPr>
           <a:xfrm>
-            <a:off x="838200" y="1825625"/>
-            <a:ext cx="5181600" cy="4351338"/>
+            <a:off x="677334" y="2160589"/>
+            <a:ext cx="4184035" cy="3880772"/>
           </a:xfrm>
         </p:spPr>
         <p:txBody>
@@ -1353,19 +3419,13 @@
               <a:rPr lang="en-US"/>
               <a:t>Fifth level</a:t>
             </a:r>
-            <a:endParaRPr lang="en-GB"/>
-          </a:p>
-        </p:txBody>
-      </p:sp>
-      <p:sp>
-        <p:nvSpPr>
-          <p:cNvPr id="4" name="Content Placeholder 3">
-            <a:extLst>
-              <a:ext uri="{FF2B5EF4-FFF2-40B4-BE49-F238E27FC236}">
-                <a16:creationId xmlns:a16="http://schemas.microsoft.com/office/drawing/2014/main" id="{6FBDAF53-8EC3-4725-9141-DCCBA6884793}"/>
-              </a:ext>
-            </a:extLst>
-          </p:cNvPr>
+            <a:endParaRPr lang="en-US" dirty="0"/>
+          </a:p>
+        </p:txBody>
+      </p:sp>
+      <p:sp>
+        <p:nvSpPr>
+          <p:cNvPr id="4" name="Content Placeholder 3"/>
           <p:cNvSpPr>
             <a:spLocks noGrp="1"/>
           </p:cNvSpPr>
@@ -1375,8 +3435,8 @@
         </p:nvSpPr>
         <p:spPr>
           <a:xfrm>
-            <a:off x="6172200" y="1825625"/>
-            <a:ext cx="5181600" cy="4351338"/>
+            <a:off x="5089970" y="2160589"/>
+            <a:ext cx="4184034" cy="3880773"/>
           </a:xfrm>
         </p:spPr>
         <p:txBody>
@@ -1416,19 +3476,13 @@
               <a:rPr lang="en-US"/>
               <a:t>Fifth level</a:t>
             </a:r>
-            <a:endParaRPr lang="en-GB"/>
-          </a:p>
-        </p:txBody>
-      </p:sp>
-      <p:sp>
-        <p:nvSpPr>
-          <p:cNvPr id="5" name="Date Placeholder 4">
-            <a:extLst>
-              <a:ext uri="{FF2B5EF4-FFF2-40B4-BE49-F238E27FC236}">
-                <a16:creationId xmlns:a16="http://schemas.microsoft.com/office/drawing/2014/main" id="{9DB35589-C102-49D4-8373-0CBBF7E905C4}"/>
-              </a:ext>
-            </a:extLst>
-          </p:cNvPr>
+            <a:endParaRPr lang="en-US" dirty="0"/>
+          </a:p>
+        </p:txBody>
+      </p:sp>
+      <p:sp>
+        <p:nvSpPr>
+          <p:cNvPr id="5" name="Date Placeholder 4"/>
           <p:cNvSpPr>
             <a:spLocks noGrp="1"/>
           </p:cNvSpPr>
@@ -1443,7 +3497,7 @@
           <a:p>
             <a:fld id="{55FC8959-8F40-4E3F-B53B-91426FAA4E7B}" type="datetimeFigureOut">
               <a:rPr lang="en-GB" smtClean="0"/>
-              <a:t>11/10/2017</a:t>
+              <a:t>12/10/2017</a:t>
             </a:fld>
             <a:endParaRPr lang="en-GB"/>
           </a:p>
@@ -1451,13 +3505,7 @@
       </p:sp>
       <p:sp>
         <p:nvSpPr>
-          <p:cNvPr id="6" name="Footer Placeholder 5">
-            <a:extLst>
-              <a:ext uri="{FF2B5EF4-FFF2-40B4-BE49-F238E27FC236}">
-                <a16:creationId xmlns:a16="http://schemas.microsoft.com/office/drawing/2014/main" id="{556F5784-6223-4150-9D70-AFB53E7E0D03}"/>
-              </a:ext>
-            </a:extLst>
-          </p:cNvPr>
+          <p:cNvPr id="6" name="Footer Placeholder 5"/>
           <p:cNvSpPr>
             <a:spLocks noGrp="1"/>
           </p:cNvSpPr>
@@ -1476,13 +3524,7 @@
       </p:sp>
       <p:sp>
         <p:nvSpPr>
-          <p:cNvPr id="7" name="Slide Number Placeholder 6">
-            <a:extLst>
-              <a:ext uri="{FF2B5EF4-FFF2-40B4-BE49-F238E27FC236}">
-                <a16:creationId xmlns:a16="http://schemas.microsoft.com/office/drawing/2014/main" id="{D35F8738-02D4-4E28-8CA4-2618E110926C}"/>
-              </a:ext>
-            </a:extLst>
-          </p:cNvPr>
+          <p:cNvPr id="7" name="Slide Number Placeholder 6"/>
           <p:cNvSpPr>
             <a:spLocks noGrp="1"/>
           </p:cNvSpPr>
@@ -1506,7 +3548,7 @@
     </p:spTree>
     <p:extLst>
       <p:ext uri="{BB962C8B-B14F-4D97-AF65-F5344CB8AC3E}">
-        <p14:creationId xmlns:p14="http://schemas.microsoft.com/office/powerpoint/2010/main" val="1145785667"/>
+        <p14:creationId xmlns:p14="http://schemas.microsoft.com/office/powerpoint/2010/main" val="3188130394"/>
       </p:ext>
     </p:extLst>
   </p:cSld>
@@ -1535,66 +3577,55 @@
       </p:grpSpPr>
       <p:sp>
         <p:nvSpPr>
-          <p:cNvPr id="2" name="Title 1">
-            <a:extLst>
-              <a:ext uri="{FF2B5EF4-FFF2-40B4-BE49-F238E27FC236}">
-                <a16:creationId xmlns:a16="http://schemas.microsoft.com/office/drawing/2014/main" id="{51B65395-3E13-4986-A946-EE194BF50EE9}"/>
-              </a:ext>
-            </a:extLst>
-          </p:cNvPr>
+          <p:cNvPr id="2" name="Title 1"/>
           <p:cNvSpPr>
             <a:spLocks noGrp="1"/>
           </p:cNvSpPr>
           <p:nvPr>
             <p:ph type="title"/>
+          </p:nvPr>
+        </p:nvSpPr>
+        <p:spPr/>
+        <p:txBody>
+          <a:bodyPr/>
+          <a:lstStyle>
+            <a:lvl1pPr>
+              <a:defRPr/>
+            </a:lvl1pPr>
+          </a:lstStyle>
+          <a:p>
+            <a:r>
+              <a:rPr lang="en-US"/>
+              <a:t>Click to edit Master title style</a:t>
+            </a:r>
+            <a:endParaRPr lang="en-US" dirty="0"/>
+          </a:p>
+        </p:txBody>
+      </p:sp>
+      <p:sp>
+        <p:nvSpPr>
+          <p:cNvPr id="3" name="Text Placeholder 2"/>
+          <p:cNvSpPr>
+            <a:spLocks noGrp="1"/>
+          </p:cNvSpPr>
+          <p:nvPr>
+            <p:ph type="body" idx="1"/>
           </p:nvPr>
         </p:nvSpPr>
         <p:spPr>
           <a:xfrm>
-            <a:off x="839788" y="365125"/>
-            <a:ext cx="10515600" cy="1325563"/>
+            <a:off x="675745" y="2160983"/>
+            <a:ext cx="4185623" cy="576262"/>
           </a:xfrm>
         </p:spPr>
         <p:txBody>
-          <a:bodyPr/>
-          <a:lstStyle/>
-          <a:p>
-            <a:r>
-              <a:rPr lang="en-US"/>
-              <a:t>Click to edit Master title style</a:t>
-            </a:r>
-            <a:endParaRPr lang="en-GB"/>
-          </a:p>
-        </p:txBody>
-      </p:sp>
-      <p:sp>
-        <p:nvSpPr>
-          <p:cNvPr id="3" name="Text Placeholder 2">
-            <a:extLst>
-              <a:ext uri="{FF2B5EF4-FFF2-40B4-BE49-F238E27FC236}">
-                <a16:creationId xmlns:a16="http://schemas.microsoft.com/office/drawing/2014/main" id="{10D8EB91-2F12-4A56-931E-CC6F50D214A2}"/>
-              </a:ext>
-            </a:extLst>
-          </p:cNvPr>
-          <p:cNvSpPr>
-            <a:spLocks noGrp="1"/>
-          </p:cNvSpPr>
-          <p:nvPr>
-            <p:ph type="body" idx="1"/>
-          </p:nvPr>
-        </p:nvSpPr>
-        <p:spPr>
-          <a:xfrm>
-            <a:off x="839788" y="1681163"/>
-            <a:ext cx="5157787" cy="823912"/>
-          </a:xfrm>
-        </p:spPr>
-        <p:txBody>
-          <a:bodyPr anchor="b"/>
+          <a:bodyPr anchor="b">
+            <a:noAutofit/>
+          </a:bodyPr>
           <a:lstStyle>
             <a:lvl1pPr marL="0" indent="0">
               <a:buNone/>
-              <a:defRPr sz="2400" b="1"/>
+              <a:defRPr sz="2400" b="0"/>
             </a:lvl1pPr>
             <a:lvl2pPr marL="457200" indent="0">
               <a:buNone/>
@@ -1640,13 +3671,7 @@
       </p:sp>
       <p:sp>
         <p:nvSpPr>
-          <p:cNvPr id="4" name="Content Placeholder 3">
-            <a:extLst>
-              <a:ext uri="{FF2B5EF4-FFF2-40B4-BE49-F238E27FC236}">
-                <a16:creationId xmlns:a16="http://schemas.microsoft.com/office/drawing/2014/main" id="{69EDB61B-2E90-45E3-B0E1-A4CFF685E669}"/>
-              </a:ext>
-            </a:extLst>
-          </p:cNvPr>
+          <p:cNvPr id="4" name="Content Placeholder 3"/>
           <p:cNvSpPr>
             <a:spLocks noGrp="1"/>
           </p:cNvSpPr>
@@ -1656,12 +3681,14 @@
         </p:nvSpPr>
         <p:spPr>
           <a:xfrm>
-            <a:off x="839788" y="2505075"/>
-            <a:ext cx="5157787" cy="3684588"/>
+            <a:off x="675745" y="2737245"/>
+            <a:ext cx="4185623" cy="3304117"/>
           </a:xfrm>
         </p:spPr>
         <p:txBody>
-          <a:bodyPr/>
+          <a:bodyPr>
+            <a:normAutofit/>
+          </a:bodyPr>
           <a:lstStyle/>
           <a:p>
             <a:pPr lvl="0"/>
@@ -1697,19 +3724,13 @@
               <a:rPr lang="en-US"/>
               <a:t>Fifth level</a:t>
             </a:r>
-            <a:endParaRPr lang="en-GB"/>
-          </a:p>
-        </p:txBody>
-      </p:sp>
-      <p:sp>
-        <p:nvSpPr>
-          <p:cNvPr id="5" name="Text Placeholder 4">
-            <a:extLst>
-              <a:ext uri="{FF2B5EF4-FFF2-40B4-BE49-F238E27FC236}">
-                <a16:creationId xmlns:a16="http://schemas.microsoft.com/office/drawing/2014/main" id="{0CC08CA8-FC79-4EC4-B6AC-5FB4BC5A0FDF}"/>
-              </a:ext>
-            </a:extLst>
-          </p:cNvPr>
+            <a:endParaRPr lang="en-US" dirty="0"/>
+          </a:p>
+        </p:txBody>
+      </p:sp>
+      <p:sp>
+        <p:nvSpPr>
+          <p:cNvPr id="5" name="Text Placeholder 4"/>
           <p:cNvSpPr>
             <a:spLocks noGrp="1"/>
           </p:cNvSpPr>
@@ -1719,16 +3740,18 @@
         </p:nvSpPr>
         <p:spPr>
           <a:xfrm>
-            <a:off x="6172200" y="1681163"/>
-            <a:ext cx="5183188" cy="823912"/>
+            <a:off x="5088383" y="2160983"/>
+            <a:ext cx="4185618" cy="576262"/>
           </a:xfrm>
         </p:spPr>
         <p:txBody>
-          <a:bodyPr anchor="b"/>
+          <a:bodyPr anchor="b">
+            <a:noAutofit/>
+          </a:bodyPr>
           <a:lstStyle>
             <a:lvl1pPr marL="0" indent="0">
               <a:buNone/>
-              <a:defRPr sz="2400" b="1"/>
+              <a:defRPr sz="2400" b="0"/>
             </a:lvl1pPr>
             <a:lvl2pPr marL="457200" indent="0">
               <a:buNone/>
@@ -1774,13 +3797,7 @@
       </p:sp>
       <p:sp>
         <p:nvSpPr>
-          <p:cNvPr id="6" name="Content Placeholder 5">
-            <a:extLst>
-              <a:ext uri="{FF2B5EF4-FFF2-40B4-BE49-F238E27FC236}">
-                <a16:creationId xmlns:a16="http://schemas.microsoft.com/office/drawing/2014/main" id="{8C575283-BFE0-4A91-81EB-DAD21C89CE1D}"/>
-              </a:ext>
-            </a:extLst>
-          </p:cNvPr>
+          <p:cNvPr id="6" name="Content Placeholder 5"/>
           <p:cNvSpPr>
             <a:spLocks noGrp="1"/>
           </p:cNvSpPr>
@@ -1790,12 +3807,14 @@
         </p:nvSpPr>
         <p:spPr>
           <a:xfrm>
-            <a:off x="6172200" y="2505075"/>
-            <a:ext cx="5183188" cy="3684588"/>
+            <a:off x="5088384" y="2737245"/>
+            <a:ext cx="4185617" cy="3304117"/>
           </a:xfrm>
         </p:spPr>
         <p:txBody>
-          <a:bodyPr/>
+          <a:bodyPr>
+            <a:normAutofit/>
+          </a:bodyPr>
           <a:lstStyle/>
           <a:p>
             <a:pPr lvl="0"/>
@@ -1831,19 +3850,13 @@
               <a:rPr lang="en-US"/>
               <a:t>Fifth level</a:t>
             </a:r>
-            <a:endParaRPr lang="en-GB"/>
-          </a:p>
-        </p:txBody>
-      </p:sp>
-      <p:sp>
-        <p:nvSpPr>
-          <p:cNvPr id="7" name="Date Placeholder 6">
-            <a:extLst>
-              <a:ext uri="{FF2B5EF4-FFF2-40B4-BE49-F238E27FC236}">
-                <a16:creationId xmlns:a16="http://schemas.microsoft.com/office/drawing/2014/main" id="{07BD8154-4A9C-4AD8-B543-DF353ADBBB4D}"/>
-              </a:ext>
-            </a:extLst>
-          </p:cNvPr>
+            <a:endParaRPr lang="en-US" dirty="0"/>
+          </a:p>
+        </p:txBody>
+      </p:sp>
+      <p:sp>
+        <p:nvSpPr>
+          <p:cNvPr id="7" name="Date Placeholder 6"/>
           <p:cNvSpPr>
             <a:spLocks noGrp="1"/>
           </p:cNvSpPr>
@@ -1858,7 +3871,7 @@
           <a:p>
             <a:fld id="{55FC8959-8F40-4E3F-B53B-91426FAA4E7B}" type="datetimeFigureOut">
               <a:rPr lang="en-GB" smtClean="0"/>
-              <a:t>11/10/2017</a:t>
+              <a:t>12/10/2017</a:t>
             </a:fld>
             <a:endParaRPr lang="en-GB"/>
           </a:p>
@@ -1866,13 +3879,7 @@
       </p:sp>
       <p:sp>
         <p:nvSpPr>
-          <p:cNvPr id="8" name="Footer Placeholder 7">
-            <a:extLst>
-              <a:ext uri="{FF2B5EF4-FFF2-40B4-BE49-F238E27FC236}">
-                <a16:creationId xmlns:a16="http://schemas.microsoft.com/office/drawing/2014/main" id="{BA9B79E0-B791-446E-B140-B8F290EE5F34}"/>
-              </a:ext>
-            </a:extLst>
-          </p:cNvPr>
+          <p:cNvPr id="8" name="Footer Placeholder 7"/>
           <p:cNvSpPr>
             <a:spLocks noGrp="1"/>
           </p:cNvSpPr>
@@ -1891,13 +3898,7 @@
       </p:sp>
       <p:sp>
         <p:nvSpPr>
-          <p:cNvPr id="9" name="Slide Number Placeholder 8">
-            <a:extLst>
-              <a:ext uri="{FF2B5EF4-FFF2-40B4-BE49-F238E27FC236}">
-                <a16:creationId xmlns:a16="http://schemas.microsoft.com/office/drawing/2014/main" id="{52F6F245-A387-41C3-8399-90116B476083}"/>
-              </a:ext>
-            </a:extLst>
-          </p:cNvPr>
+          <p:cNvPr id="9" name="Slide Number Placeholder 8"/>
           <p:cNvSpPr>
             <a:spLocks noGrp="1"/>
           </p:cNvSpPr>
@@ -1921,7 +3922,7 @@
     </p:spTree>
     <p:extLst>
       <p:ext uri="{BB962C8B-B14F-4D97-AF65-F5344CB8AC3E}">
-        <p14:creationId xmlns:p14="http://schemas.microsoft.com/office/powerpoint/2010/main" val="1975839210"/>
+        <p14:creationId xmlns:p14="http://schemas.microsoft.com/office/powerpoint/2010/main" val="3194843639"/>
       </p:ext>
     </p:extLst>
   </p:cSld>
@@ -1950,13 +3951,7 @@
       </p:grpSpPr>
       <p:sp>
         <p:nvSpPr>
-          <p:cNvPr id="2" name="Title 1">
-            <a:extLst>
-              <a:ext uri="{FF2B5EF4-FFF2-40B4-BE49-F238E27FC236}">
-                <a16:creationId xmlns:a16="http://schemas.microsoft.com/office/drawing/2014/main" id="{D29DF0FE-CE3A-42DA-A01F-2087E1FB0FAB}"/>
-              </a:ext>
-            </a:extLst>
-          </p:cNvPr>
+          <p:cNvPr id="2" name="Title 1"/>
           <p:cNvSpPr>
             <a:spLocks noGrp="1"/>
           </p:cNvSpPr>
@@ -1964,7 +3959,12 @@
             <p:ph type="title"/>
           </p:nvPr>
         </p:nvSpPr>
-        <p:spPr/>
+        <p:spPr>
+          <a:xfrm>
+            <a:off x="677334" y="609600"/>
+            <a:ext cx="8596668" cy="1320800"/>
+          </a:xfrm>
+        </p:spPr>
         <p:txBody>
           <a:bodyPr/>
           <a:lstStyle/>
@@ -1973,19 +3973,13 @@
               <a:rPr lang="en-US"/>
               <a:t>Click to edit Master title style</a:t>
             </a:r>
-            <a:endParaRPr lang="en-GB"/>
-          </a:p>
-        </p:txBody>
-      </p:sp>
-      <p:sp>
-        <p:nvSpPr>
-          <p:cNvPr id="3" name="Date Placeholder 2">
-            <a:extLst>
-              <a:ext uri="{FF2B5EF4-FFF2-40B4-BE49-F238E27FC236}">
-                <a16:creationId xmlns:a16="http://schemas.microsoft.com/office/drawing/2014/main" id="{2B59CF41-47D5-4CF2-AE29-62AFCF82DA16}"/>
-              </a:ext>
-            </a:extLst>
-          </p:cNvPr>
+            <a:endParaRPr lang="en-US" dirty="0"/>
+          </a:p>
+        </p:txBody>
+      </p:sp>
+      <p:sp>
+        <p:nvSpPr>
+          <p:cNvPr id="3" name="Date Placeholder 2"/>
           <p:cNvSpPr>
             <a:spLocks noGrp="1"/>
           </p:cNvSpPr>
@@ -2000,7 +3994,7 @@
           <a:p>
             <a:fld id="{55FC8959-8F40-4E3F-B53B-91426FAA4E7B}" type="datetimeFigureOut">
               <a:rPr lang="en-GB" smtClean="0"/>
-              <a:t>11/10/2017</a:t>
+              <a:t>12/10/2017</a:t>
             </a:fld>
             <a:endParaRPr lang="en-GB"/>
           </a:p>
@@ -2008,13 +4002,7 @@
       </p:sp>
       <p:sp>
         <p:nvSpPr>
-          <p:cNvPr id="4" name="Footer Placeholder 3">
-            <a:extLst>
-              <a:ext uri="{FF2B5EF4-FFF2-40B4-BE49-F238E27FC236}">
-                <a16:creationId xmlns:a16="http://schemas.microsoft.com/office/drawing/2014/main" id="{03DF528C-BFEA-45EF-8AD7-92DCD36C31F2}"/>
-              </a:ext>
-            </a:extLst>
-          </p:cNvPr>
+          <p:cNvPr id="4" name="Footer Placeholder 3"/>
           <p:cNvSpPr>
             <a:spLocks noGrp="1"/>
           </p:cNvSpPr>
@@ -2033,13 +4021,7 @@
       </p:sp>
       <p:sp>
         <p:nvSpPr>
-          <p:cNvPr id="5" name="Slide Number Placeholder 4">
-            <a:extLst>
-              <a:ext uri="{FF2B5EF4-FFF2-40B4-BE49-F238E27FC236}">
-                <a16:creationId xmlns:a16="http://schemas.microsoft.com/office/drawing/2014/main" id="{6D9D53EE-0854-42AB-9A7A-891004DF2CB2}"/>
-              </a:ext>
-            </a:extLst>
-          </p:cNvPr>
+          <p:cNvPr id="5" name="Slide Number Placeholder 4"/>
           <p:cNvSpPr>
             <a:spLocks noGrp="1"/>
           </p:cNvSpPr>
@@ -2063,7 +4045,7 @@
     </p:spTree>
     <p:extLst>
       <p:ext uri="{BB962C8B-B14F-4D97-AF65-F5344CB8AC3E}">
-        <p14:creationId xmlns:p14="http://schemas.microsoft.com/office/powerpoint/2010/main" val="2845796212"/>
+        <p14:creationId xmlns:p14="http://schemas.microsoft.com/office/powerpoint/2010/main" val="3694183442"/>
       </p:ext>
     </p:extLst>
   </p:cSld>
@@ -2092,13 +4074,7 @@
       </p:grpSpPr>
       <p:sp>
         <p:nvSpPr>
-          <p:cNvPr id="2" name="Date Placeholder 1">
-            <a:extLst>
-              <a:ext uri="{FF2B5EF4-FFF2-40B4-BE49-F238E27FC236}">
-                <a16:creationId xmlns:a16="http://schemas.microsoft.com/office/drawing/2014/main" id="{84564230-31A6-4984-9E9E-3AC512750E3E}"/>
-              </a:ext>
-            </a:extLst>
-          </p:cNvPr>
+          <p:cNvPr id="2" name="Date Placeholder 1"/>
           <p:cNvSpPr>
             <a:spLocks noGrp="1"/>
           </p:cNvSpPr>
@@ -2113,7 +4089,7 @@
           <a:p>
             <a:fld id="{55FC8959-8F40-4E3F-B53B-91426FAA4E7B}" type="datetimeFigureOut">
               <a:rPr lang="en-GB" smtClean="0"/>
-              <a:t>11/10/2017</a:t>
+              <a:t>12/10/2017</a:t>
             </a:fld>
             <a:endParaRPr lang="en-GB"/>
           </a:p>
@@ -2121,13 +4097,7 @@
       </p:sp>
       <p:sp>
         <p:nvSpPr>
-          <p:cNvPr id="3" name="Footer Placeholder 2">
-            <a:extLst>
-              <a:ext uri="{FF2B5EF4-FFF2-40B4-BE49-F238E27FC236}">
-                <a16:creationId xmlns:a16="http://schemas.microsoft.com/office/drawing/2014/main" id="{78A4F1EA-BBA4-49EA-ADF4-3699426032FF}"/>
-              </a:ext>
-            </a:extLst>
-          </p:cNvPr>
+          <p:cNvPr id="3" name="Footer Placeholder 2"/>
           <p:cNvSpPr>
             <a:spLocks noGrp="1"/>
           </p:cNvSpPr>
@@ -2146,13 +4116,7 @@
       </p:sp>
       <p:sp>
         <p:nvSpPr>
-          <p:cNvPr id="4" name="Slide Number Placeholder 3">
-            <a:extLst>
-              <a:ext uri="{FF2B5EF4-FFF2-40B4-BE49-F238E27FC236}">
-                <a16:creationId xmlns:a16="http://schemas.microsoft.com/office/drawing/2014/main" id="{638AD187-EFE3-4B32-AA9D-CBD72806106C}"/>
-              </a:ext>
-            </a:extLst>
-          </p:cNvPr>
+          <p:cNvPr id="4" name="Slide Number Placeholder 3"/>
           <p:cNvSpPr>
             <a:spLocks noGrp="1"/>
           </p:cNvSpPr>
@@ -2176,7 +4140,7 @@
     </p:spTree>
     <p:extLst>
       <p:ext uri="{BB962C8B-B14F-4D97-AF65-F5344CB8AC3E}">
-        <p14:creationId xmlns:p14="http://schemas.microsoft.com/office/powerpoint/2010/main" val="1880612939"/>
+        <p14:creationId xmlns:p14="http://schemas.microsoft.com/office/powerpoint/2010/main" val="438682842"/>
       </p:ext>
     </p:extLst>
   </p:cSld>
@@ -2205,13 +4169,7 @@
       </p:grpSpPr>
       <p:sp>
         <p:nvSpPr>
-          <p:cNvPr id="2" name="Title 1">
-            <a:extLst>
-              <a:ext uri="{FF2B5EF4-FFF2-40B4-BE49-F238E27FC236}">
-                <a16:creationId xmlns:a16="http://schemas.microsoft.com/office/drawing/2014/main" id="{2DC16497-9E08-466F-B54A-90C0AF57A845}"/>
-              </a:ext>
-            </a:extLst>
-          </p:cNvPr>
+          <p:cNvPr id="2" name="Title 1"/>
           <p:cNvSpPr>
             <a:spLocks noGrp="1"/>
           </p:cNvSpPr>
@@ -2221,15 +4179,17 @@
         </p:nvSpPr>
         <p:spPr>
           <a:xfrm>
-            <a:off x="839788" y="457200"/>
-            <a:ext cx="3932237" cy="1600200"/>
+            <a:off x="677334" y="1498604"/>
+            <a:ext cx="3854528" cy="1278466"/>
           </a:xfrm>
         </p:spPr>
         <p:txBody>
-          <a:bodyPr anchor="b"/>
+          <a:bodyPr anchor="b">
+            <a:normAutofit/>
+          </a:bodyPr>
           <a:lstStyle>
             <a:lvl1pPr>
-              <a:defRPr sz="3200"/>
+              <a:defRPr sz="2000"/>
             </a:lvl1pPr>
           </a:lstStyle>
           <a:p>
@@ -2237,19 +4197,13 @@
               <a:rPr lang="en-US"/>
               <a:t>Click to edit Master title style</a:t>
             </a:r>
-            <a:endParaRPr lang="en-GB"/>
-          </a:p>
-        </p:txBody>
-      </p:sp>
-      <p:sp>
-        <p:nvSpPr>
-          <p:cNvPr id="3" name="Content Placeholder 2">
-            <a:extLst>
-              <a:ext uri="{FF2B5EF4-FFF2-40B4-BE49-F238E27FC236}">
-                <a16:creationId xmlns:a16="http://schemas.microsoft.com/office/drawing/2014/main" id="{361BB0E7-6E56-43B3-B4A5-5B4FB7F9816E}"/>
-              </a:ext>
-            </a:extLst>
-          </p:cNvPr>
+            <a:endParaRPr lang="en-US" dirty="0"/>
+          </a:p>
+        </p:txBody>
+      </p:sp>
+      <p:sp>
+        <p:nvSpPr>
+          <p:cNvPr id="3" name="Content Placeholder 2"/>
           <p:cNvSpPr>
             <a:spLocks noGrp="1"/>
           </p:cNvSpPr>
@@ -2259,41 +4213,15 @@
         </p:nvSpPr>
         <p:spPr>
           <a:xfrm>
-            <a:off x="5183188" y="987425"/>
-            <a:ext cx="6172200" cy="4873625"/>
+            <a:off x="4760461" y="514924"/>
+            <a:ext cx="4513541" cy="5526437"/>
           </a:xfrm>
         </p:spPr>
         <p:txBody>
-          <a:bodyPr/>
-          <a:lstStyle>
-            <a:lvl1pPr>
-              <a:defRPr sz="3200"/>
-            </a:lvl1pPr>
-            <a:lvl2pPr>
-              <a:defRPr sz="2800"/>
-            </a:lvl2pPr>
-            <a:lvl3pPr>
-              <a:defRPr sz="2400"/>
-            </a:lvl3pPr>
-            <a:lvl4pPr>
-              <a:defRPr sz="2000"/>
-            </a:lvl4pPr>
-            <a:lvl5pPr>
-              <a:defRPr sz="2000"/>
-            </a:lvl5pPr>
-            <a:lvl6pPr>
-              <a:defRPr sz="2000"/>
-            </a:lvl6pPr>
-            <a:lvl7pPr>
-              <a:defRPr sz="2000"/>
-            </a:lvl7pPr>
-            <a:lvl8pPr>
-              <a:defRPr sz="2000"/>
-            </a:lvl8pPr>
-            <a:lvl9pPr>
-              <a:defRPr sz="2000"/>
-            </a:lvl9pPr>
-          </a:lstStyle>
+          <a:bodyPr>
+            <a:normAutofit/>
+          </a:bodyPr>
+          <a:lstStyle/>
           <a:p>
             <a:pPr lvl="0"/>
             <a:r>
@@ -2328,19 +4256,13 @@
               <a:rPr lang="en-US"/>
               <a:t>Fifth level</a:t>
             </a:r>
-            <a:endParaRPr lang="en-GB"/>
-          </a:p>
-        </p:txBody>
-      </p:sp>
-      <p:sp>
-        <p:nvSpPr>
-          <p:cNvPr id="4" name="Text Placeholder 3">
-            <a:extLst>
-              <a:ext uri="{FF2B5EF4-FFF2-40B4-BE49-F238E27FC236}">
-                <a16:creationId xmlns:a16="http://schemas.microsoft.com/office/drawing/2014/main" id="{7725E3AB-02B0-4BCE-8094-48D16EFFBAB0}"/>
-              </a:ext>
-            </a:extLst>
-          </p:cNvPr>
+            <a:endParaRPr lang="en-US" dirty="0"/>
+          </a:p>
+        </p:txBody>
+      </p:sp>
+      <p:sp>
+        <p:nvSpPr>
+          <p:cNvPr id="4" name="Text Placeholder 3"/>
           <p:cNvSpPr>
             <a:spLocks noGrp="1"/>
           </p:cNvSpPr>
@@ -2350,46 +4272,48 @@
         </p:nvSpPr>
         <p:spPr>
           <a:xfrm>
-            <a:off x="839788" y="2057400"/>
-            <a:ext cx="3932237" cy="3811588"/>
+            <a:off x="677334" y="2777069"/>
+            <a:ext cx="3854528" cy="2584449"/>
           </a:xfrm>
         </p:spPr>
         <p:txBody>
-          <a:bodyPr/>
+          <a:bodyPr>
+            <a:normAutofit/>
+          </a:bodyPr>
           <a:lstStyle>
             <a:lvl1pPr marL="0" indent="0">
               <a:buNone/>
-              <a:defRPr sz="1600"/>
+              <a:defRPr sz="1400"/>
             </a:lvl1pPr>
-            <a:lvl2pPr marL="457200" indent="0">
+            <a:lvl2pPr marL="457063" indent="0">
               <a:buNone/>
               <a:defRPr sz="1400"/>
             </a:lvl2pPr>
-            <a:lvl3pPr marL="914400" indent="0">
+            <a:lvl3pPr marL="914126" indent="0">
               <a:buNone/>
               <a:defRPr sz="1200"/>
             </a:lvl3pPr>
-            <a:lvl4pPr marL="1371600" indent="0">
+            <a:lvl4pPr marL="1371189" indent="0">
               <a:buNone/>
               <a:defRPr sz="1000"/>
             </a:lvl4pPr>
-            <a:lvl5pPr marL="1828800" indent="0">
+            <a:lvl5pPr marL="1828251" indent="0">
               <a:buNone/>
               <a:defRPr sz="1000"/>
             </a:lvl5pPr>
-            <a:lvl6pPr marL="2286000" indent="0">
+            <a:lvl6pPr marL="2285314" indent="0">
               <a:buNone/>
               <a:defRPr sz="1000"/>
             </a:lvl6pPr>
-            <a:lvl7pPr marL="2743200" indent="0">
+            <a:lvl7pPr marL="2742377" indent="0">
               <a:buNone/>
               <a:defRPr sz="1000"/>
             </a:lvl7pPr>
-            <a:lvl8pPr marL="3200400" indent="0">
+            <a:lvl8pPr marL="3199440" indent="0">
               <a:buNone/>
               <a:defRPr sz="1000"/>
             </a:lvl8pPr>
-            <a:lvl9pPr marL="3657600" indent="0">
+            <a:lvl9pPr marL="3656503" indent="0">
               <a:buNone/>
               <a:defRPr sz="1000"/>
             </a:lvl9pPr>
@@ -2405,13 +4329,7 @@
       </p:sp>
       <p:sp>
         <p:nvSpPr>
-          <p:cNvPr id="5" name="Date Placeholder 4">
-            <a:extLst>
-              <a:ext uri="{FF2B5EF4-FFF2-40B4-BE49-F238E27FC236}">
-                <a16:creationId xmlns:a16="http://schemas.microsoft.com/office/drawing/2014/main" id="{6198DBDA-38CA-4D6A-B585-51E255F6B1DA}"/>
-              </a:ext>
-            </a:extLst>
-          </p:cNvPr>
+          <p:cNvPr id="5" name="Date Placeholder 4"/>
           <p:cNvSpPr>
             <a:spLocks noGrp="1"/>
           </p:cNvSpPr>
@@ -2426,7 +4344,7 @@
           <a:p>
             <a:fld id="{55FC8959-8F40-4E3F-B53B-91426FAA4E7B}" type="datetimeFigureOut">
               <a:rPr lang="en-GB" smtClean="0"/>
-              <a:t>11/10/2017</a:t>
+              <a:t>12/10/2017</a:t>
             </a:fld>
             <a:endParaRPr lang="en-GB"/>
           </a:p>
@@ -2434,13 +4352,7 @@
       </p:sp>
       <p:sp>
         <p:nvSpPr>
-          <p:cNvPr id="6" name="Footer Placeholder 5">
-            <a:extLst>
-              <a:ext uri="{FF2B5EF4-FFF2-40B4-BE49-F238E27FC236}">
-                <a16:creationId xmlns:a16="http://schemas.microsoft.com/office/drawing/2014/main" id="{48B9923E-DAE3-4C93-8F0F-1FB0DE0C7162}"/>
-              </a:ext>
-            </a:extLst>
-          </p:cNvPr>
+          <p:cNvPr id="6" name="Footer Placeholder 5"/>
           <p:cNvSpPr>
             <a:spLocks noGrp="1"/>
           </p:cNvSpPr>
@@ -2459,13 +4371,7 @@
       </p:sp>
       <p:sp>
         <p:nvSpPr>
-          <p:cNvPr id="7" name="Slide Number Placeholder 6">
-            <a:extLst>
-              <a:ext uri="{FF2B5EF4-FFF2-40B4-BE49-F238E27FC236}">
-                <a16:creationId xmlns:a16="http://schemas.microsoft.com/office/drawing/2014/main" id="{FFAFDDA6-4F52-4AD2-86FE-2445FD6ACD98}"/>
-              </a:ext>
-            </a:extLst>
-          </p:cNvPr>
+          <p:cNvPr id="7" name="Slide Number Placeholder 6"/>
           <p:cNvSpPr>
             <a:spLocks noGrp="1"/>
           </p:cNvSpPr>
@@ -2489,7 +4395,7 @@
     </p:spTree>
     <p:extLst>
       <p:ext uri="{BB962C8B-B14F-4D97-AF65-F5344CB8AC3E}">
-        <p14:creationId xmlns:p14="http://schemas.microsoft.com/office/powerpoint/2010/main" val="4081349402"/>
+        <p14:creationId xmlns:p14="http://schemas.microsoft.com/office/powerpoint/2010/main" val="3477938956"/>
       </p:ext>
     </p:extLst>
   </p:cSld>
@@ -2518,13 +4424,7 @@
       </p:grpSpPr>
       <p:sp>
         <p:nvSpPr>
-          <p:cNvPr id="2" name="Title 1">
-            <a:extLst>
-              <a:ext uri="{FF2B5EF4-FFF2-40B4-BE49-F238E27FC236}">
-                <a16:creationId xmlns:a16="http://schemas.microsoft.com/office/drawing/2014/main" id="{470398AD-23BE-4E57-992B-381B3CEADF89}"/>
-              </a:ext>
-            </a:extLst>
-          </p:cNvPr>
+          <p:cNvPr id="2" name="Title 1"/>
           <p:cNvSpPr>
             <a:spLocks noGrp="1"/>
           </p:cNvSpPr>
@@ -2534,15 +4434,17 @@
         </p:nvSpPr>
         <p:spPr>
           <a:xfrm>
-            <a:off x="839788" y="457200"/>
-            <a:ext cx="3932237" cy="1600200"/>
+            <a:off x="677334" y="4800600"/>
+            <a:ext cx="8596667" cy="566738"/>
           </a:xfrm>
         </p:spPr>
         <p:txBody>
-          <a:bodyPr anchor="b"/>
+          <a:bodyPr anchor="b">
+            <a:normAutofit/>
+          </a:bodyPr>
           <a:lstStyle>
-            <a:lvl1pPr>
-              <a:defRPr sz="3200"/>
+            <a:lvl1pPr algn="l">
+              <a:defRPr sz="2400" b="0"/>
             </a:lvl1pPr>
           </a:lstStyle>
           <a:p>
@@ -2550,21 +4452,15 @@
               <a:rPr lang="en-US"/>
               <a:t>Click to edit Master title style</a:t>
             </a:r>
-            <a:endParaRPr lang="en-GB"/>
-          </a:p>
-        </p:txBody>
-      </p:sp>
-      <p:sp>
-        <p:nvSpPr>
-          <p:cNvPr id="3" name="Picture Placeholder 2">
-            <a:extLst>
-              <a:ext uri="{FF2B5EF4-FFF2-40B4-BE49-F238E27FC236}">
-                <a16:creationId xmlns:a16="http://schemas.microsoft.com/office/drawing/2014/main" id="{469A63A3-6FF9-4547-A7C6-5181BFAAA979}"/>
-              </a:ext>
-            </a:extLst>
-          </p:cNvPr>
-          <p:cNvSpPr>
-            <a:spLocks noGrp="1"/>
+            <a:endParaRPr lang="en-US" dirty="0"/>
+          </a:p>
+        </p:txBody>
+      </p:sp>
+      <p:sp>
+        <p:nvSpPr>
+          <p:cNvPr id="3" name="Picture Placeholder 2"/>
+          <p:cNvSpPr>
+            <a:spLocks noGrp="1" noChangeAspect="1"/>
           </p:cNvSpPr>
           <p:nvPr>
             <p:ph type="pic" idx="1"/>
@@ -2572,118 +4468,120 @@
         </p:nvSpPr>
         <p:spPr>
           <a:xfrm>
-            <a:off x="5183188" y="987425"/>
-            <a:ext cx="6172200" cy="4873625"/>
+            <a:off x="677334" y="609600"/>
+            <a:ext cx="8596668" cy="3845718"/>
           </a:xfrm>
         </p:spPr>
         <p:txBody>
-          <a:bodyPr/>
+          <a:bodyPr anchor="t">
+            <a:normAutofit/>
+          </a:bodyPr>
           <a:lstStyle>
-            <a:lvl1pPr marL="0" indent="0">
-              <a:buNone/>
-              <a:defRPr sz="3200"/>
-            </a:lvl1pPr>
-            <a:lvl2pPr marL="457200" indent="0">
-              <a:buNone/>
-              <a:defRPr sz="2800"/>
-            </a:lvl2pPr>
-            <a:lvl3pPr marL="914400" indent="0">
-              <a:buNone/>
-              <a:defRPr sz="2400"/>
-            </a:lvl3pPr>
-            <a:lvl4pPr marL="1371600" indent="0">
-              <a:buNone/>
-              <a:defRPr sz="2000"/>
-            </a:lvl4pPr>
-            <a:lvl5pPr marL="1828800" indent="0">
-              <a:buNone/>
-              <a:defRPr sz="2000"/>
-            </a:lvl5pPr>
-            <a:lvl6pPr marL="2286000" indent="0">
-              <a:buNone/>
-              <a:defRPr sz="2000"/>
-            </a:lvl6pPr>
-            <a:lvl7pPr marL="2743200" indent="0">
-              <a:buNone/>
-              <a:defRPr sz="2000"/>
-            </a:lvl7pPr>
-            <a:lvl8pPr marL="3200400" indent="0">
-              <a:buNone/>
-              <a:defRPr sz="2000"/>
-            </a:lvl8pPr>
-            <a:lvl9pPr marL="3657600" indent="0">
-              <a:buNone/>
-              <a:defRPr sz="2000"/>
-            </a:lvl9pPr>
-          </a:lstStyle>
-          <a:p>
-            <a:endParaRPr lang="en-GB"/>
-          </a:p>
-        </p:txBody>
-      </p:sp>
-      <p:sp>
-        <p:nvSpPr>
-          <p:cNvPr id="4" name="Text Placeholder 3">
-            <a:extLst>
-              <a:ext uri="{FF2B5EF4-FFF2-40B4-BE49-F238E27FC236}">
-                <a16:creationId xmlns:a16="http://schemas.microsoft.com/office/drawing/2014/main" id="{57402C3E-BBB2-412D-9036-BFBB01039205}"/>
-              </a:ext>
-            </a:extLst>
-          </p:cNvPr>
-          <p:cNvSpPr>
-            <a:spLocks noGrp="1"/>
-          </p:cNvSpPr>
-          <p:nvPr>
-            <p:ph type="body" sz="half" idx="2"/>
-          </p:nvPr>
-        </p:nvSpPr>
-        <p:spPr>
-          <a:xfrm>
-            <a:off x="839788" y="2057400"/>
-            <a:ext cx="3932237" cy="3811588"/>
-          </a:xfrm>
-        </p:spPr>
-        <p:txBody>
-          <a:bodyPr/>
-          <a:lstStyle>
-            <a:lvl1pPr marL="0" indent="0">
+            <a:lvl1pPr marL="0" indent="0" algn="ctr">
               <a:buNone/>
               <a:defRPr sz="1600"/>
             </a:lvl1pPr>
             <a:lvl2pPr marL="457200" indent="0">
               <a:buNone/>
-              <a:defRPr sz="1400"/>
+              <a:defRPr sz="1600"/>
             </a:lvl2pPr>
             <a:lvl3pPr marL="914400" indent="0">
               <a:buNone/>
-              <a:defRPr sz="1200"/>
+              <a:defRPr sz="1600"/>
             </a:lvl3pPr>
             <a:lvl4pPr marL="1371600" indent="0">
               <a:buNone/>
-              <a:defRPr sz="1000"/>
+              <a:defRPr sz="1600"/>
             </a:lvl4pPr>
             <a:lvl5pPr marL="1828800" indent="0">
               <a:buNone/>
-              <a:defRPr sz="1000"/>
+              <a:defRPr sz="1600"/>
             </a:lvl5pPr>
             <a:lvl6pPr marL="2286000" indent="0">
               <a:buNone/>
-              <a:defRPr sz="1000"/>
+              <a:defRPr sz="1600"/>
             </a:lvl6pPr>
             <a:lvl7pPr marL="2743200" indent="0">
               <a:buNone/>
-              <a:defRPr sz="1000"/>
+              <a:defRPr sz="1600"/>
             </a:lvl7pPr>
             <a:lvl8pPr marL="3200400" indent="0">
               <a:buNone/>
-              <a:defRPr sz="1000"/>
+              <a:defRPr sz="1600"/>
             </a:lvl8pPr>
             <a:lvl9pPr marL="3657600" indent="0">
               <a:buNone/>
-              <a:defRPr sz="1000"/>
+              <a:defRPr sz="1600"/>
             </a:lvl9pPr>
           </a:lstStyle>
           <a:p>
+            <a:r>
+              <a:rPr lang="en-US"/>
+              <a:t>Click icon to add picture</a:t>
+            </a:r>
+            <a:endParaRPr lang="en-US" dirty="0"/>
+          </a:p>
+        </p:txBody>
+      </p:sp>
+      <p:sp>
+        <p:nvSpPr>
+          <p:cNvPr id="4" name="Text Placeholder 3"/>
+          <p:cNvSpPr>
+            <a:spLocks noGrp="1"/>
+          </p:cNvSpPr>
+          <p:nvPr>
+            <p:ph type="body" sz="half" idx="2"/>
+          </p:nvPr>
+        </p:nvSpPr>
+        <p:spPr>
+          <a:xfrm>
+            <a:off x="677334" y="5367338"/>
+            <a:ext cx="8596667" cy="674024"/>
+          </a:xfrm>
+        </p:spPr>
+        <p:txBody>
+          <a:bodyPr>
+            <a:normAutofit/>
+          </a:bodyPr>
+          <a:lstStyle>
+            <a:lvl1pPr marL="0" indent="0">
+              <a:buNone/>
+              <a:defRPr sz="1200"/>
+            </a:lvl1pPr>
+            <a:lvl2pPr marL="457200" indent="0">
+              <a:buNone/>
+              <a:defRPr sz="1200"/>
+            </a:lvl2pPr>
+            <a:lvl3pPr marL="914400" indent="0">
+              <a:buNone/>
+              <a:defRPr sz="1000"/>
+            </a:lvl3pPr>
+            <a:lvl4pPr marL="1371600" indent="0">
+              <a:buNone/>
+              <a:defRPr sz="900"/>
+            </a:lvl4pPr>
+            <a:lvl5pPr marL="1828800" indent="0">
+              <a:buNone/>
+              <a:defRPr sz="900"/>
+            </a:lvl5pPr>
+            <a:lvl6pPr marL="2286000" indent="0">
+              <a:buNone/>
+              <a:defRPr sz="900"/>
+            </a:lvl6pPr>
+            <a:lvl7pPr marL="2743200" indent="0">
+              <a:buNone/>
+              <a:defRPr sz="900"/>
+            </a:lvl7pPr>
+            <a:lvl8pPr marL="3200400" indent="0">
+              <a:buNone/>
+              <a:defRPr sz="900"/>
+            </a:lvl8pPr>
+            <a:lvl9pPr marL="3657600" indent="0">
+              <a:buNone/>
+              <a:defRPr sz="900"/>
+            </a:lvl9pPr>
+          </a:lstStyle>
+          <a:p>
             <a:pPr lvl="0"/>
             <a:r>
               <a:rPr lang="en-US"/>
@@ -2694,67 +4592,26 @@
       </p:sp>
       <p:sp>
         <p:nvSpPr>
-          <p:cNvPr id="5" name="Date Placeholder 4">
-            <a:extLst>
-              <a:ext uri="{FF2B5EF4-FFF2-40B4-BE49-F238E27FC236}">
-                <a16:creationId xmlns:a16="http://schemas.microsoft.com/office/drawing/2014/main" id="{D621CD4A-8D69-4EC7-B996-7A489EACFAC7}"/>
-              </a:ext>
-            </a:extLst>
-          </p:cNvPr>
-          <p:cNvSpPr>
-            <a:spLocks noGrp="1"/>
-          </p:cNvSpPr>
-          <p:nvPr>
-            <p:ph type="dt" sz="half" idx="10"/>
-          </p:nvPr>
-        </p:nvSpPr>
-        <p:spPr/>
-        <p:txBody>
-          <a:bodyPr/>
-          <a:lstStyle/>
-          <a:p>
-            <a:fld id="{55FC8959-8F40-4E3F-B53B-91426FAA4E7B}" type="datetimeFigureOut">
-              <a:rPr lang="en-GB" smtClean="0"/>
-              <a:t>11/10/2017</a:t>
-            </a:fld>
+          <p:cNvPr id="6" name="Footer Placeholder 5"/>
+          <p:cNvSpPr>
+            <a:spLocks noGrp="1"/>
+          </p:cNvSpPr>
+          <p:nvPr>
+            <p:ph type="ftr" sz="quarter" idx="11"/>
+          </p:nvPr>
+        </p:nvSpPr>
+        <p:spPr/>
+        <p:txBody>
+          <a:bodyPr/>
+          <a:lstStyle/>
+          <a:p>
             <a:endParaRPr lang="en-GB"/>
           </a:p>
         </p:txBody>
       </p:sp>
       <p:sp>
         <p:nvSpPr>
-          <p:cNvPr id="6" name="Footer Placeholder 5">
-            <a:extLst>
-              <a:ext uri="{FF2B5EF4-FFF2-40B4-BE49-F238E27FC236}">
-                <a16:creationId xmlns:a16="http://schemas.microsoft.com/office/drawing/2014/main" id="{138E0049-217B-4A74-B2C3-215A0E4C9130}"/>
-              </a:ext>
-            </a:extLst>
-          </p:cNvPr>
-          <p:cNvSpPr>
-            <a:spLocks noGrp="1"/>
-          </p:cNvSpPr>
-          <p:nvPr>
-            <p:ph type="ftr" sz="quarter" idx="11"/>
-          </p:nvPr>
-        </p:nvSpPr>
-        <p:spPr/>
-        <p:txBody>
-          <a:bodyPr/>
-          <a:lstStyle/>
-          <a:p>
-            <a:endParaRPr lang="en-GB"/>
-          </a:p>
-        </p:txBody>
-      </p:sp>
-      <p:sp>
-        <p:nvSpPr>
-          <p:cNvPr id="7" name="Slide Number Placeholder 6">
-            <a:extLst>
-              <a:ext uri="{FF2B5EF4-FFF2-40B4-BE49-F238E27FC236}">
-                <a16:creationId xmlns:a16="http://schemas.microsoft.com/office/drawing/2014/main" id="{06493AB8-85EA-40A9-923F-4B0B1C0E97BE}"/>
-              </a:ext>
-            </a:extLst>
-          </p:cNvPr>
+          <p:cNvPr id="7" name="Slide Number Placeholder 6"/>
           <p:cNvSpPr>
             <a:spLocks noGrp="1"/>
           </p:cNvSpPr>
@@ -2775,10 +4632,33 @@
           </a:p>
         </p:txBody>
       </p:sp>
+      <p:sp>
+        <p:nvSpPr>
+          <p:cNvPr id="5" name="Date Placeholder 4"/>
+          <p:cNvSpPr>
+            <a:spLocks noGrp="1"/>
+          </p:cNvSpPr>
+          <p:nvPr>
+            <p:ph type="dt" sz="half" idx="10"/>
+          </p:nvPr>
+        </p:nvSpPr>
+        <p:spPr/>
+        <p:txBody>
+          <a:bodyPr/>
+          <a:lstStyle/>
+          <a:p>
+            <a:fld id="{55FC8959-8F40-4E3F-B53B-91426FAA4E7B}" type="datetimeFigureOut">
+              <a:rPr lang="en-GB" smtClean="0"/>
+              <a:t>12/10/2017</a:t>
+            </a:fld>
+            <a:endParaRPr lang="en-GB"/>
+          </a:p>
+        </p:txBody>
+      </p:sp>
     </p:spTree>
     <p:extLst>
       <p:ext uri="{BB962C8B-B14F-4D97-AF65-F5344CB8AC3E}">
-        <p14:creationId xmlns:p14="http://schemas.microsoft.com/office/powerpoint/2010/main" val="442599351"/>
+        <p14:creationId xmlns:p14="http://schemas.microsoft.com/office/powerpoint/2010/main" val="3799291674"/>
       </p:ext>
     </p:extLst>
   </p:cSld>
@@ -2810,15 +4690,540 @@
           <a:chExt cx="0" cy="0"/>
         </a:xfrm>
       </p:grpSpPr>
-      <p:sp>
-        <p:nvSpPr>
-          <p:cNvPr id="2" name="Title Placeholder 1">
-            <a:extLst>
-              <a:ext uri="{FF2B5EF4-FFF2-40B4-BE49-F238E27FC236}">
-                <a16:creationId xmlns:a16="http://schemas.microsoft.com/office/drawing/2014/main" id="{C2B325E3-2CE6-4C4F-AD6F-EF0AE6A0EFF4}"/>
-              </a:ext>
-            </a:extLst>
-          </p:cNvPr>
+      <p:grpSp>
+        <p:nvGrpSpPr>
+          <p:cNvPr id="44" name="Group 43"/>
+          <p:cNvGrpSpPr/>
+          <p:nvPr/>
+        </p:nvGrpSpPr>
+        <p:grpSpPr>
+          <a:xfrm>
+            <a:off x="0" y="-8467"/>
+            <a:ext cx="12192000" cy="6866467"/>
+            <a:chOff x="0" y="-8467"/>
+            <a:chExt cx="12192000" cy="6866467"/>
+          </a:xfrm>
+        </p:grpSpPr>
+        <p:cxnSp>
+          <p:nvCxnSpPr>
+            <p:cNvPr id="20" name="Straight Connector 19"/>
+            <p:cNvCxnSpPr/>
+            <p:nvPr/>
+          </p:nvCxnSpPr>
+          <p:spPr>
+            <a:xfrm>
+              <a:off x="9371012" y="0"/>
+              <a:ext cx="1219200" cy="6858000"/>
+            </a:xfrm>
+            <a:prstGeom prst="line">
+              <a:avLst/>
+            </a:prstGeom>
+            <a:ln w="9525">
+              <a:solidFill>
+                <a:schemeClr val="accent1">
+                  <a:alpha val="70000"/>
+                </a:schemeClr>
+              </a:solidFill>
+            </a:ln>
+          </p:spPr>
+          <p:style>
+            <a:lnRef idx="2">
+              <a:schemeClr val="accent1"/>
+            </a:lnRef>
+            <a:fillRef idx="0">
+              <a:schemeClr val="accent1"/>
+            </a:fillRef>
+            <a:effectRef idx="1">
+              <a:schemeClr val="accent1"/>
+            </a:effectRef>
+            <a:fontRef idx="minor">
+              <a:schemeClr val="tx1"/>
+            </a:fontRef>
+          </p:style>
+        </p:cxnSp>
+        <p:cxnSp>
+          <p:nvCxnSpPr>
+            <p:cNvPr id="21" name="Straight Connector 20"/>
+            <p:cNvCxnSpPr/>
+            <p:nvPr/>
+          </p:nvCxnSpPr>
+          <p:spPr>
+            <a:xfrm flipH="1">
+              <a:off x="7425267" y="3681413"/>
+              <a:ext cx="4763558" cy="3176587"/>
+            </a:xfrm>
+            <a:prstGeom prst="line">
+              <a:avLst/>
+            </a:prstGeom>
+            <a:ln w="9525">
+              <a:solidFill>
+                <a:schemeClr val="accent1">
+                  <a:alpha val="70000"/>
+                </a:schemeClr>
+              </a:solidFill>
+            </a:ln>
+          </p:spPr>
+          <p:style>
+            <a:lnRef idx="2">
+              <a:schemeClr val="accent1"/>
+            </a:lnRef>
+            <a:fillRef idx="0">
+              <a:schemeClr val="accent1"/>
+            </a:fillRef>
+            <a:effectRef idx="1">
+              <a:schemeClr val="accent1"/>
+            </a:effectRef>
+            <a:fontRef idx="minor">
+              <a:schemeClr val="tx1"/>
+            </a:fontRef>
+          </p:style>
+        </p:cxnSp>
+        <p:sp>
+          <p:nvSpPr>
+            <p:cNvPr id="22" name="Rectangle 23"/>
+            <p:cNvSpPr/>
+            <p:nvPr/>
+          </p:nvSpPr>
+          <p:spPr>
+            <a:xfrm>
+              <a:off x="9181476" y="-8467"/>
+              <a:ext cx="3007349" cy="6866467"/>
+            </a:xfrm>
+            <a:custGeom>
+              <a:avLst/>
+              <a:gdLst/>
+              <a:ahLst/>
+              <a:cxnLst/>
+              <a:rect l="l" t="t" r="r" b="b"/>
+              <a:pathLst>
+                <a:path w="3007349" h="6866467">
+                  <a:moveTo>
+                    <a:pt x="2045532" y="0"/>
+                  </a:moveTo>
+                  <a:lnTo>
+                    <a:pt x="3007349" y="0"/>
+                  </a:lnTo>
+                  <a:lnTo>
+                    <a:pt x="3007349" y="6866467"/>
+                  </a:lnTo>
+                  <a:lnTo>
+                    <a:pt x="0" y="6866467"/>
+                  </a:lnTo>
+                  <a:lnTo>
+                    <a:pt x="2045532" y="0"/>
+                  </a:lnTo>
+                  <a:close/>
+                </a:path>
+              </a:pathLst>
+            </a:custGeom>
+            <a:solidFill>
+              <a:schemeClr val="accent1">
+                <a:alpha val="36000"/>
+              </a:schemeClr>
+            </a:solidFill>
+            <a:ln>
+              <a:noFill/>
+            </a:ln>
+            <a:effectLst/>
+          </p:spPr>
+          <p:style>
+            <a:lnRef idx="1">
+              <a:schemeClr val="accent1"/>
+            </a:lnRef>
+            <a:fillRef idx="3">
+              <a:schemeClr val="accent1"/>
+            </a:fillRef>
+            <a:effectRef idx="2">
+              <a:schemeClr val="accent1"/>
+            </a:effectRef>
+            <a:fontRef idx="minor">
+              <a:schemeClr val="lt1"/>
+            </a:fontRef>
+          </p:style>
+        </p:sp>
+        <p:sp>
+          <p:nvSpPr>
+            <p:cNvPr id="23" name="Rectangle 25"/>
+            <p:cNvSpPr/>
+            <p:nvPr/>
+          </p:nvSpPr>
+          <p:spPr>
+            <a:xfrm>
+              <a:off x="9603442" y="-8467"/>
+              <a:ext cx="2588558" cy="6866467"/>
+            </a:xfrm>
+            <a:custGeom>
+              <a:avLst/>
+              <a:gdLst/>
+              <a:ahLst/>
+              <a:cxnLst/>
+              <a:rect l="l" t="t" r="r" b="b"/>
+              <a:pathLst>
+                <a:path w="2573311" h="6866467">
+                  <a:moveTo>
+                    <a:pt x="0" y="0"/>
+                  </a:moveTo>
+                  <a:lnTo>
+                    <a:pt x="2573311" y="0"/>
+                  </a:lnTo>
+                  <a:lnTo>
+                    <a:pt x="2573311" y="6866467"/>
+                  </a:lnTo>
+                  <a:lnTo>
+                    <a:pt x="1202336" y="6866467"/>
+                  </a:lnTo>
+                  <a:lnTo>
+                    <a:pt x="0" y="0"/>
+                  </a:lnTo>
+                  <a:close/>
+                </a:path>
+              </a:pathLst>
+            </a:custGeom>
+            <a:solidFill>
+              <a:schemeClr val="accent1">
+                <a:alpha val="20000"/>
+              </a:schemeClr>
+            </a:solidFill>
+            <a:ln>
+              <a:noFill/>
+            </a:ln>
+            <a:effectLst/>
+          </p:spPr>
+          <p:style>
+            <a:lnRef idx="1">
+              <a:schemeClr val="accent1"/>
+            </a:lnRef>
+            <a:fillRef idx="3">
+              <a:schemeClr val="accent1"/>
+            </a:fillRef>
+            <a:effectRef idx="2">
+              <a:schemeClr val="accent1"/>
+            </a:effectRef>
+            <a:fontRef idx="minor">
+              <a:schemeClr val="lt1"/>
+            </a:fontRef>
+          </p:style>
+        </p:sp>
+        <p:sp>
+          <p:nvSpPr>
+            <p:cNvPr id="24" name="Isosceles Triangle 23"/>
+            <p:cNvSpPr/>
+            <p:nvPr/>
+          </p:nvSpPr>
+          <p:spPr>
+            <a:xfrm>
+              <a:off x="8932333" y="3048000"/>
+              <a:ext cx="3259667" cy="3810000"/>
+            </a:xfrm>
+            <a:prstGeom prst="triangle">
+              <a:avLst>
+                <a:gd name="adj" fmla="val 100000"/>
+              </a:avLst>
+            </a:prstGeom>
+            <a:solidFill>
+              <a:schemeClr val="accent1">
+                <a:lumMod val="75000"/>
+                <a:alpha val="66000"/>
+              </a:schemeClr>
+            </a:solidFill>
+            <a:ln>
+              <a:noFill/>
+            </a:ln>
+            <a:effectLst/>
+          </p:spPr>
+          <p:style>
+            <a:lnRef idx="1">
+              <a:schemeClr val="accent1"/>
+            </a:lnRef>
+            <a:fillRef idx="3">
+              <a:schemeClr val="accent1"/>
+            </a:fillRef>
+            <a:effectRef idx="2">
+              <a:schemeClr val="accent1"/>
+            </a:effectRef>
+            <a:fontRef idx="minor">
+              <a:schemeClr val="lt1"/>
+            </a:fontRef>
+          </p:style>
+        </p:sp>
+        <p:sp>
+          <p:nvSpPr>
+            <p:cNvPr id="25" name="Rectangle 27"/>
+            <p:cNvSpPr/>
+            <p:nvPr/>
+          </p:nvSpPr>
+          <p:spPr>
+            <a:xfrm>
+              <a:off x="9334500" y="-8467"/>
+              <a:ext cx="2854326" cy="6866467"/>
+            </a:xfrm>
+            <a:custGeom>
+              <a:avLst/>
+              <a:gdLst/>
+              <a:ahLst/>
+              <a:cxnLst/>
+              <a:rect l="l" t="t" r="r" b="b"/>
+              <a:pathLst>
+                <a:path w="2858013" h="6866467">
+                  <a:moveTo>
+                    <a:pt x="0" y="0"/>
+                  </a:moveTo>
+                  <a:lnTo>
+                    <a:pt x="2858013" y="0"/>
+                  </a:lnTo>
+                  <a:lnTo>
+                    <a:pt x="2858013" y="6866467"/>
+                  </a:lnTo>
+                  <a:lnTo>
+                    <a:pt x="2473942" y="6866467"/>
+                  </a:lnTo>
+                  <a:lnTo>
+                    <a:pt x="0" y="0"/>
+                  </a:lnTo>
+                  <a:close/>
+                </a:path>
+              </a:pathLst>
+            </a:custGeom>
+            <a:solidFill>
+              <a:schemeClr val="accent1">
+                <a:lumMod val="75000"/>
+                <a:alpha val="50000"/>
+              </a:schemeClr>
+            </a:solidFill>
+            <a:ln>
+              <a:noFill/>
+            </a:ln>
+            <a:effectLst/>
+          </p:spPr>
+          <p:style>
+            <a:lnRef idx="1">
+              <a:schemeClr val="accent1"/>
+            </a:lnRef>
+            <a:fillRef idx="3">
+              <a:schemeClr val="accent1"/>
+            </a:fillRef>
+            <a:effectRef idx="2">
+              <a:schemeClr val="accent1"/>
+            </a:effectRef>
+            <a:fontRef idx="minor">
+              <a:schemeClr val="lt1"/>
+            </a:fontRef>
+          </p:style>
+        </p:sp>
+        <p:sp>
+          <p:nvSpPr>
+            <p:cNvPr id="26" name="Rectangle 28"/>
+            <p:cNvSpPr/>
+            <p:nvPr/>
+          </p:nvSpPr>
+          <p:spPr>
+            <a:xfrm>
+              <a:off x="10898730" y="-8467"/>
+              <a:ext cx="1290094" cy="6866467"/>
+            </a:xfrm>
+            <a:custGeom>
+              <a:avLst/>
+              <a:gdLst/>
+              <a:ahLst/>
+              <a:cxnLst/>
+              <a:rect l="l" t="t" r="r" b="b"/>
+              <a:pathLst>
+                <a:path w="1290094" h="6858000">
+                  <a:moveTo>
+                    <a:pt x="1019735" y="0"/>
+                  </a:moveTo>
+                  <a:lnTo>
+                    <a:pt x="1290094" y="0"/>
+                  </a:lnTo>
+                  <a:lnTo>
+                    <a:pt x="1290094" y="6858000"/>
+                  </a:lnTo>
+                  <a:lnTo>
+                    <a:pt x="0" y="6858000"/>
+                  </a:lnTo>
+                  <a:lnTo>
+                    <a:pt x="1019735" y="0"/>
+                  </a:lnTo>
+                  <a:close/>
+                </a:path>
+              </a:pathLst>
+            </a:custGeom>
+            <a:solidFill>
+              <a:schemeClr val="accent2">
+                <a:alpha val="70000"/>
+              </a:schemeClr>
+            </a:solidFill>
+            <a:ln>
+              <a:noFill/>
+            </a:ln>
+            <a:effectLst/>
+          </p:spPr>
+          <p:style>
+            <a:lnRef idx="1">
+              <a:schemeClr val="accent1"/>
+            </a:lnRef>
+            <a:fillRef idx="3">
+              <a:schemeClr val="accent1"/>
+            </a:fillRef>
+            <a:effectRef idx="2">
+              <a:schemeClr val="accent1"/>
+            </a:effectRef>
+            <a:fontRef idx="minor">
+              <a:schemeClr val="lt1"/>
+            </a:fontRef>
+          </p:style>
+        </p:sp>
+        <p:sp>
+          <p:nvSpPr>
+            <p:cNvPr id="27" name="Rectangle 29"/>
+            <p:cNvSpPr/>
+            <p:nvPr/>
+          </p:nvSpPr>
+          <p:spPr>
+            <a:xfrm>
+              <a:off x="10938999" y="-8467"/>
+              <a:ext cx="1249825" cy="6866467"/>
+            </a:xfrm>
+            <a:custGeom>
+              <a:avLst/>
+              <a:gdLst/>
+              <a:ahLst/>
+              <a:cxnLst/>
+              <a:rect l="l" t="t" r="r" b="b"/>
+              <a:pathLst>
+                <a:path w="1249825" h="6858000">
+                  <a:moveTo>
+                    <a:pt x="0" y="0"/>
+                  </a:moveTo>
+                  <a:lnTo>
+                    <a:pt x="1249825" y="0"/>
+                  </a:lnTo>
+                  <a:lnTo>
+                    <a:pt x="1249825" y="6858000"/>
+                  </a:lnTo>
+                  <a:lnTo>
+                    <a:pt x="1109382" y="6858000"/>
+                  </a:lnTo>
+                  <a:lnTo>
+                    <a:pt x="0" y="0"/>
+                  </a:lnTo>
+                  <a:close/>
+                </a:path>
+              </a:pathLst>
+            </a:custGeom>
+            <a:solidFill>
+              <a:schemeClr val="accent2">
+                <a:lumMod val="75000"/>
+                <a:alpha val="80000"/>
+              </a:schemeClr>
+            </a:solidFill>
+            <a:ln>
+              <a:noFill/>
+            </a:ln>
+            <a:effectLst/>
+          </p:spPr>
+          <p:style>
+            <a:lnRef idx="1">
+              <a:schemeClr val="accent1"/>
+            </a:lnRef>
+            <a:fillRef idx="3">
+              <a:schemeClr val="accent1"/>
+            </a:fillRef>
+            <a:effectRef idx="2">
+              <a:schemeClr val="accent1"/>
+            </a:effectRef>
+            <a:fontRef idx="minor">
+              <a:schemeClr val="lt1"/>
+            </a:fontRef>
+          </p:style>
+        </p:sp>
+        <p:sp>
+          <p:nvSpPr>
+            <p:cNvPr id="28" name="Isosceles Triangle 27"/>
+            <p:cNvSpPr/>
+            <p:nvPr/>
+          </p:nvSpPr>
+          <p:spPr>
+            <a:xfrm>
+              <a:off x="10371666" y="3589867"/>
+              <a:ext cx="1817159" cy="3268133"/>
+            </a:xfrm>
+            <a:prstGeom prst="triangle">
+              <a:avLst>
+                <a:gd name="adj" fmla="val 100000"/>
+              </a:avLst>
+            </a:prstGeom>
+            <a:solidFill>
+              <a:schemeClr val="accent1">
+                <a:lumMod val="75000"/>
+                <a:alpha val="66000"/>
+              </a:schemeClr>
+            </a:solidFill>
+            <a:ln>
+              <a:noFill/>
+            </a:ln>
+            <a:effectLst/>
+          </p:spPr>
+          <p:style>
+            <a:lnRef idx="1">
+              <a:schemeClr val="accent1"/>
+            </a:lnRef>
+            <a:fillRef idx="3">
+              <a:schemeClr val="accent1"/>
+            </a:fillRef>
+            <a:effectRef idx="2">
+              <a:schemeClr val="accent1"/>
+            </a:effectRef>
+            <a:fontRef idx="minor">
+              <a:schemeClr val="lt1"/>
+            </a:fontRef>
+          </p:style>
+        </p:sp>
+        <p:sp>
+          <p:nvSpPr>
+            <p:cNvPr id="19" name="Isosceles Triangle 18"/>
+            <p:cNvSpPr/>
+            <p:nvPr/>
+          </p:nvSpPr>
+          <p:spPr>
+            <a:xfrm>
+              <a:off x="0" y="4013200"/>
+              <a:ext cx="448733" cy="2844800"/>
+            </a:xfrm>
+            <a:prstGeom prst="triangle">
+              <a:avLst>
+                <a:gd name="adj" fmla="val 0"/>
+              </a:avLst>
+            </a:prstGeom>
+            <a:solidFill>
+              <a:schemeClr val="accent1">
+                <a:alpha val="70000"/>
+              </a:schemeClr>
+            </a:solidFill>
+            <a:ln>
+              <a:noFill/>
+            </a:ln>
+            <a:effectLst/>
+          </p:spPr>
+          <p:style>
+            <a:lnRef idx="1">
+              <a:schemeClr val="accent1"/>
+            </a:lnRef>
+            <a:fillRef idx="3">
+              <a:schemeClr val="accent1"/>
+            </a:fillRef>
+            <a:effectRef idx="2">
+              <a:schemeClr val="accent1"/>
+            </a:effectRef>
+            <a:fontRef idx="minor">
+              <a:schemeClr val="lt1"/>
+            </a:fontRef>
+          </p:style>
+        </p:sp>
+      </p:grpSp>
+      <p:sp>
+        <p:nvSpPr>
+          <p:cNvPr id="2" name="Title Placeholder 1"/>
           <p:cNvSpPr>
             <a:spLocks noGrp="1"/>
           </p:cNvSpPr>
@@ -2828,15 +5233,15 @@
         </p:nvSpPr>
         <p:spPr>
           <a:xfrm>
-            <a:off x="838200" y="365125"/>
-            <a:ext cx="10515600" cy="1325563"/>
+            <a:off x="677334" y="609600"/>
+            <a:ext cx="8596668" cy="1320800"/>
           </a:xfrm>
           <a:prstGeom prst="rect">
             <a:avLst/>
           </a:prstGeom>
         </p:spPr>
         <p:txBody>
-          <a:bodyPr vert="horz" lIns="91440" tIns="45720" rIns="91440" bIns="45720" rtlCol="0" anchor="ctr">
+          <a:bodyPr vert="horz" lIns="91440" tIns="45720" rIns="91440" bIns="45720" rtlCol="0" anchor="t">
             <a:normAutofit/>
           </a:bodyPr>
           <a:lstStyle/>
@@ -2845,19 +5250,13 @@
               <a:rPr lang="en-US"/>
               <a:t>Click to edit Master title style</a:t>
             </a:r>
-            <a:endParaRPr lang="en-GB"/>
-          </a:p>
-        </p:txBody>
-      </p:sp>
-      <p:sp>
-        <p:nvSpPr>
-          <p:cNvPr id="3" name="Text Placeholder 2">
-            <a:extLst>
-              <a:ext uri="{FF2B5EF4-FFF2-40B4-BE49-F238E27FC236}">
-                <a16:creationId xmlns:a16="http://schemas.microsoft.com/office/drawing/2014/main" id="{BA06E9C8-B1E7-49AF-8BF8-65C8C7439FA1}"/>
-              </a:ext>
-            </a:extLst>
-          </p:cNvPr>
+            <a:endParaRPr lang="en-US" dirty="0"/>
+          </a:p>
+        </p:txBody>
+      </p:sp>
+      <p:sp>
+        <p:nvSpPr>
+          <p:cNvPr id="3" name="Text Placeholder 2"/>
           <p:cNvSpPr>
             <a:spLocks noGrp="1"/>
           </p:cNvSpPr>
@@ -2867,8 +5266,8 @@
         </p:nvSpPr>
         <p:spPr>
           <a:xfrm>
-            <a:off x="838200" y="1825625"/>
-            <a:ext cx="10515600" cy="4351338"/>
+            <a:off x="677334" y="2160589"/>
+            <a:ext cx="8596668" cy="3880773"/>
           </a:xfrm>
           <a:prstGeom prst="rect">
             <a:avLst/>
@@ -2913,19 +5312,13 @@
               <a:rPr lang="en-US"/>
               <a:t>Fifth level</a:t>
             </a:r>
-            <a:endParaRPr lang="en-GB"/>
-          </a:p>
-        </p:txBody>
-      </p:sp>
-      <p:sp>
-        <p:nvSpPr>
-          <p:cNvPr id="4" name="Date Placeholder 3">
-            <a:extLst>
-              <a:ext uri="{FF2B5EF4-FFF2-40B4-BE49-F238E27FC236}">
-                <a16:creationId xmlns:a16="http://schemas.microsoft.com/office/drawing/2014/main" id="{440D0D45-A4BA-47F9-90C4-66693EE515AD}"/>
-              </a:ext>
-            </a:extLst>
-          </p:cNvPr>
+            <a:endParaRPr lang="en-US" dirty="0"/>
+          </a:p>
+        </p:txBody>
+      </p:sp>
+      <p:sp>
+        <p:nvSpPr>
+          <p:cNvPr id="4" name="Date Placeholder 3"/>
           <p:cNvSpPr>
             <a:spLocks noGrp="1"/>
           </p:cNvSpPr>
@@ -2935,8 +5328,8 @@
         </p:nvSpPr>
         <p:spPr>
           <a:xfrm>
-            <a:off x="838200" y="6356350"/>
-            <a:ext cx="2743200" cy="365125"/>
+            <a:off x="7205133" y="6041362"/>
+            <a:ext cx="911939" cy="365125"/>
           </a:xfrm>
           <a:prstGeom prst="rect">
             <a:avLst/>
@@ -2945,8 +5338,8 @@
         <p:txBody>
           <a:bodyPr vert="horz" lIns="91440" tIns="45720" rIns="91440" bIns="45720" rtlCol="0" anchor="ctr"/>
           <a:lstStyle>
-            <a:lvl1pPr algn="l">
-              <a:defRPr sz="1200">
+            <a:lvl1pPr algn="r">
+              <a:defRPr sz="900">
                 <a:solidFill>
                   <a:schemeClr val="tx1">
                     <a:tint val="75000"/>
@@ -2958,7 +5351,7 @@
           <a:p>
             <a:fld id="{55FC8959-8F40-4E3F-B53B-91426FAA4E7B}" type="datetimeFigureOut">
               <a:rPr lang="en-GB" smtClean="0"/>
-              <a:t>11/10/2017</a:t>
+              <a:t>12/10/2017</a:t>
             </a:fld>
             <a:endParaRPr lang="en-GB"/>
           </a:p>
@@ -2966,13 +5359,7 @@
       </p:sp>
       <p:sp>
         <p:nvSpPr>
-          <p:cNvPr id="5" name="Footer Placeholder 4">
-            <a:extLst>
-              <a:ext uri="{FF2B5EF4-FFF2-40B4-BE49-F238E27FC236}">
-                <a16:creationId xmlns:a16="http://schemas.microsoft.com/office/drawing/2014/main" id="{778C9CD5-E2D6-436C-9B88-16EE8B48B9F1}"/>
-              </a:ext>
-            </a:extLst>
-          </p:cNvPr>
+          <p:cNvPr id="5" name="Footer Placeholder 4"/>
           <p:cNvSpPr>
             <a:spLocks noGrp="1"/>
           </p:cNvSpPr>
@@ -2982,8 +5369,8 @@
         </p:nvSpPr>
         <p:spPr>
           <a:xfrm>
-            <a:off x="4038600" y="6356350"/>
-            <a:ext cx="4114800" cy="365125"/>
+            <a:off x="677334" y="6041362"/>
+            <a:ext cx="6297612" cy="365125"/>
           </a:xfrm>
           <a:prstGeom prst="rect">
             <a:avLst/>
@@ -2992,8 +5379,8 @@
         <p:txBody>
           <a:bodyPr vert="horz" lIns="91440" tIns="45720" rIns="91440" bIns="45720" rtlCol="0" anchor="ctr"/>
           <a:lstStyle>
-            <a:lvl1pPr algn="ctr">
-              <a:defRPr sz="1200">
+            <a:lvl1pPr algn="l">
+              <a:defRPr sz="900">
                 <a:solidFill>
                   <a:schemeClr val="tx1">
                     <a:tint val="75000"/>
@@ -3009,13 +5396,7 @@
       </p:sp>
       <p:sp>
         <p:nvSpPr>
-          <p:cNvPr id="6" name="Slide Number Placeholder 5">
-            <a:extLst>
-              <a:ext uri="{FF2B5EF4-FFF2-40B4-BE49-F238E27FC236}">
-                <a16:creationId xmlns:a16="http://schemas.microsoft.com/office/drawing/2014/main" id="{2D23EE13-4559-4B5C-A7BF-9DCCB4B50E7E}"/>
-              </a:ext>
-            </a:extLst>
-          </p:cNvPr>
+          <p:cNvPr id="6" name="Slide Number Placeholder 5"/>
           <p:cNvSpPr>
             <a:spLocks noGrp="1"/>
           </p:cNvSpPr>
@@ -3025,8 +5406,8 @@
         </p:nvSpPr>
         <p:spPr>
           <a:xfrm>
-            <a:off x="8610600" y="6356350"/>
-            <a:ext cx="2743200" cy="365125"/>
+            <a:off x="8590663" y="6041362"/>
+            <a:ext cx="683339" cy="365125"/>
           </a:xfrm>
           <a:prstGeom prst="rect">
             <a:avLst/>
@@ -3036,11 +5417,9 @@
           <a:bodyPr vert="horz" lIns="91440" tIns="45720" rIns="91440" bIns="45720" rtlCol="0" anchor="ctr"/>
           <a:lstStyle>
             <a:lvl1pPr algn="r">
-              <a:defRPr sz="1200">
+              <a:defRPr sz="900">
                 <a:solidFill>
-                  <a:schemeClr val="tx1">
-                    <a:tint val="75000"/>
-                  </a:schemeClr>
+                  <a:schemeClr val="accent1"/>
                 </a:solidFill>
               </a:defRPr>
             </a:lvl1pPr>
@@ -3057,201 +5436,322 @@
     </p:spTree>
     <p:extLst>
       <p:ext uri="{BB962C8B-B14F-4D97-AF65-F5344CB8AC3E}">
-        <p14:creationId xmlns:p14="http://schemas.microsoft.com/office/powerpoint/2010/main" val="2737016366"/>
+        <p14:creationId xmlns:p14="http://schemas.microsoft.com/office/powerpoint/2010/main" val="1305431610"/>
       </p:ext>
     </p:extLst>
   </p:cSld>
   <p:clrMap bg1="lt1" tx1="dk1" bg2="lt2" tx2="dk2" accent1="accent1" accent2="accent2" accent3="accent3" accent4="accent4" accent5="accent5" accent6="accent6" hlink="hlink" folHlink="folHlink"/>
   <p:sldLayoutIdLst>
-    <p:sldLayoutId id="2147483649" r:id="rId1"/>
-    <p:sldLayoutId id="2147483650" r:id="rId2"/>
-    <p:sldLayoutId id="2147483651" r:id="rId3"/>
-    <p:sldLayoutId id="2147483652" r:id="rId4"/>
-    <p:sldLayoutId id="2147483653" r:id="rId5"/>
-    <p:sldLayoutId id="2147483654" r:id="rId6"/>
-    <p:sldLayoutId id="2147483655" r:id="rId7"/>
-    <p:sldLayoutId id="2147483656" r:id="rId8"/>
-    <p:sldLayoutId id="2147483657" r:id="rId9"/>
-    <p:sldLayoutId id="2147483658" r:id="rId10"/>
-    <p:sldLayoutId id="2147483659" r:id="rId11"/>
+    <p:sldLayoutId id="2147483678" r:id="rId1"/>
+    <p:sldLayoutId id="2147483679" r:id="rId2"/>
+    <p:sldLayoutId id="2147483680" r:id="rId3"/>
+    <p:sldLayoutId id="2147483681" r:id="rId4"/>
+    <p:sldLayoutId id="2147483682" r:id="rId5"/>
+    <p:sldLayoutId id="2147483683" r:id="rId6"/>
+    <p:sldLayoutId id="2147483684" r:id="rId7"/>
+    <p:sldLayoutId id="2147483685" r:id="rId8"/>
+    <p:sldLayoutId id="2147483686" r:id="rId9"/>
+    <p:sldLayoutId id="2147483687" r:id="rId10"/>
+    <p:sldLayoutId id="2147483688" r:id="rId11"/>
+    <p:sldLayoutId id="2147483689" r:id="rId12"/>
+    <p:sldLayoutId id="2147483690" r:id="rId13"/>
+    <p:sldLayoutId id="2147483691" r:id="rId14"/>
+    <p:sldLayoutId id="2147483692" r:id="rId15"/>
+    <p:sldLayoutId id="2147483693" r:id="rId16"/>
   </p:sldLayoutIdLst>
   <p:txStyles>
     <p:titleStyle>
-      <a:lvl1pPr algn="l" defTabSz="914400" rtl="0" eaLnBrk="1" latinLnBrk="0" hangingPunct="1">
-        <a:lnSpc>
-          <a:spcPct val="90000"/>
-        </a:lnSpc>
+      <a:lvl1pPr algn="l" defTabSz="457200" rtl="0" eaLnBrk="1" latinLnBrk="0" hangingPunct="1">
         <a:spcBef>
           <a:spcPct val="0"/>
         </a:spcBef>
         <a:buNone/>
-        <a:defRPr sz="4400" kern="1200">
+        <a:defRPr sz="3600" kern="1200">
           <a:solidFill>
-            <a:schemeClr val="tx1"/>
+            <a:schemeClr val="accent1"/>
           </a:solidFill>
           <a:latin typeface="+mj-lt"/>
           <a:ea typeface="+mj-ea"/>
           <a:cs typeface="+mj-cs"/>
         </a:defRPr>
       </a:lvl1pPr>
+      <a:lvl2pPr eaLnBrk="1" hangingPunct="1">
+        <a:defRPr>
+          <a:solidFill>
+            <a:schemeClr val="tx2"/>
+          </a:solidFill>
+        </a:defRPr>
+      </a:lvl2pPr>
+      <a:lvl3pPr eaLnBrk="1" hangingPunct="1">
+        <a:defRPr>
+          <a:solidFill>
+            <a:schemeClr val="tx2"/>
+          </a:solidFill>
+        </a:defRPr>
+      </a:lvl3pPr>
+      <a:lvl4pPr eaLnBrk="1" hangingPunct="1">
+        <a:defRPr>
+          <a:solidFill>
+            <a:schemeClr val="tx2"/>
+          </a:solidFill>
+        </a:defRPr>
+      </a:lvl4pPr>
+      <a:lvl5pPr eaLnBrk="1" hangingPunct="1">
+        <a:defRPr>
+          <a:solidFill>
+            <a:schemeClr val="tx2"/>
+          </a:solidFill>
+        </a:defRPr>
+      </a:lvl5pPr>
+      <a:lvl6pPr eaLnBrk="1" hangingPunct="1">
+        <a:defRPr>
+          <a:solidFill>
+            <a:schemeClr val="tx2"/>
+          </a:solidFill>
+        </a:defRPr>
+      </a:lvl6pPr>
+      <a:lvl7pPr eaLnBrk="1" hangingPunct="1">
+        <a:defRPr>
+          <a:solidFill>
+            <a:schemeClr val="tx2"/>
+          </a:solidFill>
+        </a:defRPr>
+      </a:lvl7pPr>
+      <a:lvl8pPr eaLnBrk="1" hangingPunct="1">
+        <a:defRPr>
+          <a:solidFill>
+            <a:schemeClr val="tx2"/>
+          </a:solidFill>
+        </a:defRPr>
+      </a:lvl8pPr>
+      <a:lvl9pPr eaLnBrk="1" hangingPunct="1">
+        <a:defRPr>
+          <a:solidFill>
+            <a:schemeClr val="tx2"/>
+          </a:solidFill>
+        </a:defRPr>
+      </a:lvl9pPr>
     </p:titleStyle>
     <p:bodyStyle>
-      <a:lvl1pPr marL="228600" indent="-228600" algn="l" defTabSz="914400" rtl="0" eaLnBrk="1" latinLnBrk="0" hangingPunct="1">
-        <a:lnSpc>
-          <a:spcPct val="90000"/>
-        </a:lnSpc>
+      <a:lvl1pPr marL="342900" indent="-342900" algn="l" defTabSz="457200" rtl="0" eaLnBrk="1" latinLnBrk="0" hangingPunct="1">
         <a:spcBef>
           <a:spcPts val="1000"/>
         </a:spcBef>
-        <a:buFont typeface="Arial" panose="020B0604020202020204" pitchFamily="34" charset="0"/>
-        <a:buChar char="•"/>
-        <a:defRPr sz="2800" kern="1200">
+        <a:spcAft>
+          <a:spcPts val="0"/>
+        </a:spcAft>
+        <a:buClr>
+          <a:schemeClr val="accent1"/>
+        </a:buClr>
+        <a:buSzPct val="80000"/>
+        <a:buFont typeface="Wingdings 3" charset="2"/>
+        <a:buChar char=""/>
+        <a:defRPr sz="1800" kern="1200">
           <a:solidFill>
-            <a:schemeClr val="tx1"/>
+            <a:schemeClr val="tx1">
+              <a:lumMod val="75000"/>
+              <a:lumOff val="25000"/>
+            </a:schemeClr>
           </a:solidFill>
           <a:latin typeface="+mn-lt"/>
           <a:ea typeface="+mn-ea"/>
           <a:cs typeface="+mn-cs"/>
         </a:defRPr>
       </a:lvl1pPr>
-      <a:lvl2pPr marL="685800" indent="-228600" algn="l" defTabSz="914400" rtl="0" eaLnBrk="1" latinLnBrk="0" hangingPunct="1">
-        <a:lnSpc>
-          <a:spcPct val="90000"/>
-        </a:lnSpc>
+      <a:lvl2pPr marL="742950" indent="-285750" algn="l" defTabSz="457200" rtl="0" eaLnBrk="1" latinLnBrk="0" hangingPunct="1">
         <a:spcBef>
-          <a:spcPts val="500"/>
+          <a:spcPts val="1000"/>
         </a:spcBef>
-        <a:buFont typeface="Arial" panose="020B0604020202020204" pitchFamily="34" charset="0"/>
-        <a:buChar char="•"/>
-        <a:defRPr sz="2400" kern="1200">
+        <a:spcAft>
+          <a:spcPts val="0"/>
+        </a:spcAft>
+        <a:buClr>
+          <a:schemeClr val="accent1"/>
+        </a:buClr>
+        <a:buSzPct val="80000"/>
+        <a:buFont typeface="Wingdings 3" charset="2"/>
+        <a:buChar char=""/>
+        <a:defRPr sz="1600" kern="1200">
           <a:solidFill>
-            <a:schemeClr val="tx1"/>
+            <a:schemeClr val="tx1">
+              <a:lumMod val="75000"/>
+              <a:lumOff val="25000"/>
+            </a:schemeClr>
           </a:solidFill>
           <a:latin typeface="+mn-lt"/>
           <a:ea typeface="+mn-ea"/>
           <a:cs typeface="+mn-cs"/>
         </a:defRPr>
       </a:lvl2pPr>
-      <a:lvl3pPr marL="1143000" indent="-228600" algn="l" defTabSz="914400" rtl="0" eaLnBrk="1" latinLnBrk="0" hangingPunct="1">
-        <a:lnSpc>
-          <a:spcPct val="90000"/>
-        </a:lnSpc>
+      <a:lvl3pPr marL="1143000" indent="-228600" algn="l" defTabSz="457200" rtl="0" eaLnBrk="1" latinLnBrk="0" hangingPunct="1">
         <a:spcBef>
-          <a:spcPts val="500"/>
+          <a:spcPts val="1000"/>
         </a:spcBef>
-        <a:buFont typeface="Arial" panose="020B0604020202020204" pitchFamily="34" charset="0"/>
-        <a:buChar char="•"/>
-        <a:defRPr sz="2000" kern="1200">
+        <a:spcAft>
+          <a:spcPts val="0"/>
+        </a:spcAft>
+        <a:buClr>
+          <a:schemeClr val="accent1"/>
+        </a:buClr>
+        <a:buSzPct val="80000"/>
+        <a:buFont typeface="Wingdings 3" charset="2"/>
+        <a:buChar char=""/>
+        <a:defRPr sz="1400" kern="1200">
           <a:solidFill>
-            <a:schemeClr val="tx1"/>
+            <a:schemeClr val="tx1">
+              <a:lumMod val="75000"/>
+              <a:lumOff val="25000"/>
+            </a:schemeClr>
           </a:solidFill>
           <a:latin typeface="+mn-lt"/>
           <a:ea typeface="+mn-ea"/>
           <a:cs typeface="+mn-cs"/>
         </a:defRPr>
       </a:lvl3pPr>
-      <a:lvl4pPr marL="1600200" indent="-228600" algn="l" defTabSz="914400" rtl="0" eaLnBrk="1" latinLnBrk="0" hangingPunct="1">
-        <a:lnSpc>
-          <a:spcPct val="90000"/>
-        </a:lnSpc>
+      <a:lvl4pPr marL="1600200" indent="-228600" algn="l" defTabSz="457200" rtl="0" eaLnBrk="1" latinLnBrk="0" hangingPunct="1">
         <a:spcBef>
-          <a:spcPts val="500"/>
+          <a:spcPts val="1000"/>
         </a:spcBef>
-        <a:buFont typeface="Arial" panose="020B0604020202020204" pitchFamily="34" charset="0"/>
-        <a:buChar char="•"/>
-        <a:defRPr sz="1800" kern="1200">
+        <a:spcAft>
+          <a:spcPts val="0"/>
+        </a:spcAft>
+        <a:buClr>
+          <a:schemeClr val="accent1"/>
+        </a:buClr>
+        <a:buSzPct val="80000"/>
+        <a:buFont typeface="Wingdings 3" charset="2"/>
+        <a:buChar char=""/>
+        <a:defRPr sz="1200" kern="1200">
           <a:solidFill>
-            <a:schemeClr val="tx1"/>
+            <a:schemeClr val="tx1">
+              <a:lumMod val="75000"/>
+              <a:lumOff val="25000"/>
+            </a:schemeClr>
           </a:solidFill>
           <a:latin typeface="+mn-lt"/>
           <a:ea typeface="+mn-ea"/>
           <a:cs typeface="+mn-cs"/>
         </a:defRPr>
       </a:lvl4pPr>
-      <a:lvl5pPr marL="2057400" indent="-228600" algn="l" defTabSz="914400" rtl="0" eaLnBrk="1" latinLnBrk="0" hangingPunct="1">
-        <a:lnSpc>
-          <a:spcPct val="90000"/>
-        </a:lnSpc>
+      <a:lvl5pPr marL="2057400" indent="-228600" algn="l" defTabSz="457200" rtl="0" eaLnBrk="1" latinLnBrk="0" hangingPunct="1">
         <a:spcBef>
-          <a:spcPts val="500"/>
+          <a:spcPts val="1000"/>
         </a:spcBef>
-        <a:buFont typeface="Arial" panose="020B0604020202020204" pitchFamily="34" charset="0"/>
-        <a:buChar char="•"/>
-        <a:defRPr sz="1800" kern="1200">
+        <a:spcAft>
+          <a:spcPts val="0"/>
+        </a:spcAft>
+        <a:buClr>
+          <a:schemeClr val="accent1"/>
+        </a:buClr>
+        <a:buSzPct val="80000"/>
+        <a:buFont typeface="Wingdings 3" charset="2"/>
+        <a:buChar char=""/>
+        <a:defRPr sz="1200" kern="1200">
           <a:solidFill>
-            <a:schemeClr val="tx1"/>
+            <a:schemeClr val="tx1">
+              <a:lumMod val="75000"/>
+              <a:lumOff val="25000"/>
+            </a:schemeClr>
           </a:solidFill>
           <a:latin typeface="+mn-lt"/>
           <a:ea typeface="+mn-ea"/>
           <a:cs typeface="+mn-cs"/>
         </a:defRPr>
       </a:lvl5pPr>
-      <a:lvl6pPr marL="2514600" indent="-228600" algn="l" defTabSz="914400" rtl="0" eaLnBrk="1" latinLnBrk="0" hangingPunct="1">
-        <a:lnSpc>
-          <a:spcPct val="90000"/>
-        </a:lnSpc>
+      <a:lvl6pPr marL="2514600" indent="-228600" algn="l" defTabSz="457200" rtl="0" eaLnBrk="1" latinLnBrk="0" hangingPunct="1">
         <a:spcBef>
-          <a:spcPts val="500"/>
+          <a:spcPts val="1000"/>
         </a:spcBef>
-        <a:buFont typeface="Arial" panose="020B0604020202020204" pitchFamily="34" charset="0"/>
-        <a:buChar char="•"/>
-        <a:defRPr sz="1800" kern="1200">
+        <a:spcAft>
+          <a:spcPts val="0"/>
+        </a:spcAft>
+        <a:buClr>
+          <a:schemeClr val="accent1"/>
+        </a:buClr>
+        <a:buSzPct val="80000"/>
+        <a:buFont typeface="Wingdings 3" charset="2"/>
+        <a:buChar char=""/>
+        <a:defRPr sz="1200" kern="1200">
           <a:solidFill>
-            <a:schemeClr val="tx1"/>
+            <a:schemeClr val="tx1">
+              <a:lumMod val="75000"/>
+              <a:lumOff val="25000"/>
+            </a:schemeClr>
           </a:solidFill>
           <a:latin typeface="+mn-lt"/>
           <a:ea typeface="+mn-ea"/>
           <a:cs typeface="+mn-cs"/>
         </a:defRPr>
       </a:lvl6pPr>
-      <a:lvl7pPr marL="2971800" indent="-228600" algn="l" defTabSz="914400" rtl="0" eaLnBrk="1" latinLnBrk="0" hangingPunct="1">
-        <a:lnSpc>
-          <a:spcPct val="90000"/>
-        </a:lnSpc>
+      <a:lvl7pPr marL="2971800" indent="-228600" algn="l" defTabSz="457200" rtl="0" eaLnBrk="1" latinLnBrk="0" hangingPunct="1">
         <a:spcBef>
-          <a:spcPts val="500"/>
+          <a:spcPts val="1000"/>
         </a:spcBef>
-        <a:buFont typeface="Arial" panose="020B0604020202020204" pitchFamily="34" charset="0"/>
-        <a:buChar char="•"/>
-        <a:defRPr sz="1800" kern="1200">
+        <a:spcAft>
+          <a:spcPts val="0"/>
+        </a:spcAft>
+        <a:buClr>
+          <a:schemeClr val="accent1"/>
+        </a:buClr>
+        <a:buSzPct val="80000"/>
+        <a:buFont typeface="Wingdings 3" charset="2"/>
+        <a:buChar char=""/>
+        <a:defRPr sz="1200" kern="1200">
           <a:solidFill>
-            <a:schemeClr val="tx1"/>
+            <a:schemeClr val="tx1">
+              <a:lumMod val="75000"/>
+              <a:lumOff val="25000"/>
+            </a:schemeClr>
           </a:solidFill>
           <a:latin typeface="+mn-lt"/>
           <a:ea typeface="+mn-ea"/>
           <a:cs typeface="+mn-cs"/>
         </a:defRPr>
       </a:lvl7pPr>
-      <a:lvl8pPr marL="3429000" indent="-228600" algn="l" defTabSz="914400" rtl="0" eaLnBrk="1" latinLnBrk="0" hangingPunct="1">
-        <a:lnSpc>
-          <a:spcPct val="90000"/>
-        </a:lnSpc>
+      <a:lvl8pPr marL="3429000" indent="-228600" algn="l" defTabSz="457200" rtl="0" eaLnBrk="1" latinLnBrk="0" hangingPunct="1">
         <a:spcBef>
-          <a:spcPts val="500"/>
+          <a:spcPts val="1000"/>
         </a:spcBef>
-        <a:buFont typeface="Arial" panose="020B0604020202020204" pitchFamily="34" charset="0"/>
-        <a:buChar char="•"/>
-        <a:defRPr sz="1800" kern="1200">
+        <a:spcAft>
+          <a:spcPts val="0"/>
+        </a:spcAft>
+        <a:buClr>
+          <a:schemeClr val="accent1"/>
+        </a:buClr>
+        <a:buSzPct val="80000"/>
+        <a:buFont typeface="Wingdings 3" charset="2"/>
+        <a:buChar char=""/>
+        <a:defRPr sz="1200" kern="1200">
           <a:solidFill>
-            <a:schemeClr val="tx1"/>
+            <a:schemeClr val="tx1">
+              <a:lumMod val="75000"/>
+              <a:lumOff val="25000"/>
+            </a:schemeClr>
           </a:solidFill>
           <a:latin typeface="+mn-lt"/>
           <a:ea typeface="+mn-ea"/>
           <a:cs typeface="+mn-cs"/>
         </a:defRPr>
       </a:lvl8pPr>
-      <a:lvl9pPr marL="3886200" indent="-228600" algn="l" defTabSz="914400" rtl="0" eaLnBrk="1" latinLnBrk="0" hangingPunct="1">
-        <a:lnSpc>
-          <a:spcPct val="90000"/>
-        </a:lnSpc>
+      <a:lvl9pPr marL="3886200" indent="-228600" algn="l" defTabSz="457200" rtl="0" eaLnBrk="1" latinLnBrk="0" hangingPunct="1">
         <a:spcBef>
-          <a:spcPts val="500"/>
+          <a:spcPts val="1000"/>
         </a:spcBef>
-        <a:buFont typeface="Arial" panose="020B0604020202020204" pitchFamily="34" charset="0"/>
-        <a:buChar char="•"/>
-        <a:defRPr sz="1800" kern="1200">
+        <a:spcAft>
+          <a:spcPts val="0"/>
+        </a:spcAft>
+        <a:buClr>
+          <a:schemeClr val="accent1"/>
+        </a:buClr>
+        <a:buSzPct val="80000"/>
+        <a:buFont typeface="Wingdings 3" charset="2"/>
+        <a:buChar char=""/>
+        <a:defRPr sz="1200" kern="1200">
           <a:solidFill>
-            <a:schemeClr val="tx1"/>
+            <a:schemeClr val="tx1">
+              <a:lumMod val="75000"/>
+              <a:lumOff val="25000"/>
+            </a:schemeClr>
           </a:solidFill>
           <a:latin typeface="+mn-lt"/>
           <a:ea typeface="+mn-ea"/>
@@ -3263,7 +5763,7 @@
       <a:defPPr>
         <a:defRPr lang="en-US"/>
       </a:defPPr>
-      <a:lvl1pPr marL="0" algn="l" defTabSz="914400" rtl="0" eaLnBrk="1" latinLnBrk="0" hangingPunct="1">
+      <a:lvl1pPr marL="0" algn="l" defTabSz="457200" rtl="0" eaLnBrk="1" latinLnBrk="0" hangingPunct="1">
         <a:defRPr sz="1800" kern="1200">
           <a:solidFill>
             <a:schemeClr val="tx1"/>
@@ -3273,7 +5773,7 @@
           <a:cs typeface="+mn-cs"/>
         </a:defRPr>
       </a:lvl1pPr>
-      <a:lvl2pPr marL="457200" algn="l" defTabSz="914400" rtl="0" eaLnBrk="1" latinLnBrk="0" hangingPunct="1">
+      <a:lvl2pPr marL="457200" algn="l" defTabSz="457200" rtl="0" eaLnBrk="1" latinLnBrk="0" hangingPunct="1">
         <a:defRPr sz="1800" kern="1200">
           <a:solidFill>
             <a:schemeClr val="tx1"/>
@@ -3283,7 +5783,7 @@
           <a:cs typeface="+mn-cs"/>
         </a:defRPr>
       </a:lvl2pPr>
-      <a:lvl3pPr marL="914400" algn="l" defTabSz="914400" rtl="0" eaLnBrk="1" latinLnBrk="0" hangingPunct="1">
+      <a:lvl3pPr marL="914400" algn="l" defTabSz="457200" rtl="0" eaLnBrk="1" latinLnBrk="0" hangingPunct="1">
         <a:defRPr sz="1800" kern="1200">
           <a:solidFill>
             <a:schemeClr val="tx1"/>
@@ -3293,7 +5793,7 @@
           <a:cs typeface="+mn-cs"/>
         </a:defRPr>
       </a:lvl3pPr>
-      <a:lvl4pPr marL="1371600" algn="l" defTabSz="914400" rtl="0" eaLnBrk="1" latinLnBrk="0" hangingPunct="1">
+      <a:lvl4pPr marL="1371600" algn="l" defTabSz="457200" rtl="0" eaLnBrk="1" latinLnBrk="0" hangingPunct="1">
         <a:defRPr sz="1800" kern="1200">
           <a:solidFill>
             <a:schemeClr val="tx1"/>
@@ -3303,7 +5803,7 @@
           <a:cs typeface="+mn-cs"/>
         </a:defRPr>
       </a:lvl4pPr>
-      <a:lvl5pPr marL="1828800" algn="l" defTabSz="914400" rtl="0" eaLnBrk="1" latinLnBrk="0" hangingPunct="1">
+      <a:lvl5pPr marL="1828800" algn="l" defTabSz="457200" rtl="0" eaLnBrk="1" latinLnBrk="0" hangingPunct="1">
         <a:defRPr sz="1800" kern="1200">
           <a:solidFill>
             <a:schemeClr val="tx1"/>
@@ -3313,7 +5813,7 @@
           <a:cs typeface="+mn-cs"/>
         </a:defRPr>
       </a:lvl5pPr>
-      <a:lvl6pPr marL="2286000" algn="l" defTabSz="914400" rtl="0" eaLnBrk="1" latinLnBrk="0" hangingPunct="1">
+      <a:lvl6pPr marL="2286000" algn="l" defTabSz="457200" rtl="0" eaLnBrk="1" latinLnBrk="0" hangingPunct="1">
         <a:defRPr sz="1800" kern="1200">
           <a:solidFill>
             <a:schemeClr val="tx1"/>
@@ -3323,7 +5823,7 @@
           <a:cs typeface="+mn-cs"/>
         </a:defRPr>
       </a:lvl6pPr>
-      <a:lvl7pPr marL="2743200" algn="l" defTabSz="914400" rtl="0" eaLnBrk="1" latinLnBrk="0" hangingPunct="1">
+      <a:lvl7pPr marL="2743200" algn="l" defTabSz="457200" rtl="0" eaLnBrk="1" latinLnBrk="0" hangingPunct="1">
         <a:defRPr sz="1800" kern="1200">
           <a:solidFill>
             <a:schemeClr val="tx1"/>
@@ -3333,7 +5833,7 @@
           <a:cs typeface="+mn-cs"/>
         </a:defRPr>
       </a:lvl7pPr>
-      <a:lvl8pPr marL="3200400" algn="l" defTabSz="914400" rtl="0" eaLnBrk="1" latinLnBrk="0" hangingPunct="1">
+      <a:lvl8pPr marL="3200400" algn="l" defTabSz="457200" rtl="0" eaLnBrk="1" latinLnBrk="0" hangingPunct="1">
         <a:defRPr sz="1800" kern="1200">
           <a:solidFill>
             <a:schemeClr val="tx1"/>
@@ -3343,7 +5843,7 @@
           <a:cs typeface="+mn-cs"/>
         </a:defRPr>
       </a:lvl8pPr>
-      <a:lvl9pPr marL="3657600" algn="l" defTabSz="914400" rtl="0" eaLnBrk="1" latinLnBrk="0" hangingPunct="1">
+      <a:lvl9pPr marL="3657600" algn="l" defTabSz="457200" rtl="0" eaLnBrk="1" latinLnBrk="0" hangingPunct="1">
         <a:defRPr sz="1800" kern="1200">
           <a:solidFill>
             <a:schemeClr val="tx1"/>
@@ -3473,6 +5973,218 @@
           <p:cNvPr id="2" name="Title 1">
             <a:extLst>
               <a:ext uri="{FF2B5EF4-FFF2-40B4-BE49-F238E27FC236}">
+                <a16:creationId xmlns:a16="http://schemas.microsoft.com/office/drawing/2014/main" id="{6E6951F7-44A6-44D3-898C-6C5B13417A76}"/>
+              </a:ext>
+            </a:extLst>
+          </p:cNvPr>
+          <p:cNvSpPr>
+            <a:spLocks noGrp="1"/>
+          </p:cNvSpPr>
+          <p:nvPr>
+            <p:ph type="title"/>
+          </p:nvPr>
+        </p:nvSpPr>
+        <p:spPr/>
+        <p:txBody>
+          <a:bodyPr/>
+          <a:lstStyle/>
+          <a:p>
+            <a:r>
+              <a:rPr lang="en-GB" dirty="0"/>
+              <a:t>Exercises and Project(s)</a:t>
+            </a:r>
+          </a:p>
+        </p:txBody>
+      </p:sp>
+      <p:sp>
+        <p:nvSpPr>
+          <p:cNvPr id="3" name="Content Placeholder 2">
+            <a:extLst>
+              <a:ext uri="{FF2B5EF4-FFF2-40B4-BE49-F238E27FC236}">
+                <a16:creationId xmlns:a16="http://schemas.microsoft.com/office/drawing/2014/main" id="{29E98C8A-5417-4671-BAF9-3978AFFEF9A8}"/>
+              </a:ext>
+            </a:extLst>
+          </p:cNvPr>
+          <p:cNvSpPr>
+            <a:spLocks noGrp="1"/>
+          </p:cNvSpPr>
+          <p:nvPr>
+            <p:ph idx="1"/>
+          </p:nvPr>
+        </p:nvSpPr>
+        <p:spPr/>
+        <p:txBody>
+          <a:bodyPr/>
+          <a:lstStyle/>
+          <a:p>
+            <a:r>
+              <a:rPr lang="en-GB" dirty="0"/>
+              <a:t>Exercises every week</a:t>
+            </a:r>
+          </a:p>
+          <a:p>
+            <a:r>
+              <a:rPr lang="en-GB" dirty="0"/>
+              <a:t>Two options for exercise style:</a:t>
+            </a:r>
+          </a:p>
+          <a:p>
+            <a:pPr marL="914400" lvl="1" indent="-457200">
+              <a:buFont typeface="+mj-lt"/>
+              <a:buAutoNum type="arabicPeriod"/>
+            </a:pPr>
+            <a:r>
+              <a:rPr lang="en-GB" dirty="0"/>
+              <a:t>Each week the exercise is small enough to do in isolation</a:t>
+            </a:r>
+          </a:p>
+          <a:p>
+            <a:pPr marL="914400" lvl="1" indent="-457200">
+              <a:buFont typeface="+mj-lt"/>
+              <a:buAutoNum type="arabicPeriod"/>
+            </a:pPr>
+            <a:r>
+              <a:rPr lang="en-GB" dirty="0"/>
+              <a:t>Each week an exercise is apart of several small projects</a:t>
+            </a:r>
+          </a:p>
+          <a:p>
+            <a:r>
+              <a:rPr lang="en-GB" dirty="0"/>
+              <a:t>Preferences?</a:t>
+            </a:r>
+          </a:p>
+          <a:p>
+            <a:r>
+              <a:rPr lang="en-GB" dirty="0"/>
+              <a:t>Project at the end? </a:t>
+            </a:r>
+          </a:p>
+        </p:txBody>
+      </p:sp>
+    </p:spTree>
+    <p:extLst>
+      <p:ext uri="{BB962C8B-B14F-4D97-AF65-F5344CB8AC3E}">
+        <p14:creationId xmlns:p14="http://schemas.microsoft.com/office/powerpoint/2010/main" val="3811486498"/>
+      </p:ext>
+    </p:extLst>
+  </p:cSld>
+  <p:clrMapOvr>
+    <a:masterClrMapping/>
+  </p:clrMapOvr>
+</p:sld>
+</file>
+
+<file path=ppt/slides/slide11.xml><?xml version="1.0" encoding="utf-8"?>
+<p:sld xmlns:a="http://schemas.openxmlformats.org/drawingml/2006/main" xmlns:r="http://schemas.openxmlformats.org/officeDocument/2006/relationships" xmlns:p="http://schemas.openxmlformats.org/presentationml/2006/main">
+  <p:cSld>
+    <p:spTree>
+      <p:nvGrpSpPr>
+        <p:cNvPr id="1" name=""/>
+        <p:cNvGrpSpPr/>
+        <p:nvPr/>
+      </p:nvGrpSpPr>
+      <p:grpSpPr>
+        <a:xfrm>
+          <a:off x="0" y="0"/>
+          <a:ext cx="0" cy="0"/>
+          <a:chOff x="0" y="0"/>
+          <a:chExt cx="0" cy="0"/>
+        </a:xfrm>
+      </p:grpSpPr>
+      <p:sp>
+        <p:nvSpPr>
+          <p:cNvPr id="2" name="Title 1">
+            <a:extLst>
+              <a:ext uri="{FF2B5EF4-FFF2-40B4-BE49-F238E27FC236}">
+                <a16:creationId xmlns:a16="http://schemas.microsoft.com/office/drawing/2014/main" id="{0782127B-F8AD-4C85-A8DF-A68DFF4B1912}"/>
+              </a:ext>
+            </a:extLst>
+          </p:cNvPr>
+          <p:cNvSpPr>
+            <a:spLocks noGrp="1"/>
+          </p:cNvSpPr>
+          <p:nvPr>
+            <p:ph type="title"/>
+          </p:nvPr>
+        </p:nvSpPr>
+        <p:spPr/>
+        <p:txBody>
+          <a:bodyPr/>
+          <a:lstStyle/>
+          <a:p>
+            <a:r>
+              <a:rPr lang="en-GB" dirty="0"/>
+              <a:t>00 – Start the </a:t>
+            </a:r>
+            <a:r>
+              <a:rPr lang="en-GB" dirty="0" err="1"/>
+              <a:t>Func</a:t>
+            </a:r>
+            <a:endParaRPr lang="en-GB" dirty="0"/>
+          </a:p>
+        </p:txBody>
+      </p:sp>
+      <p:sp>
+        <p:nvSpPr>
+          <p:cNvPr id="3" name="Text Placeholder 2">
+            <a:extLst>
+              <a:ext uri="{FF2B5EF4-FFF2-40B4-BE49-F238E27FC236}">
+                <a16:creationId xmlns:a16="http://schemas.microsoft.com/office/drawing/2014/main" id="{E669C72D-B11F-495B-A482-269C1E5FEA52}"/>
+              </a:ext>
+            </a:extLst>
+          </p:cNvPr>
+          <p:cNvSpPr>
+            <a:spLocks noGrp="1"/>
+          </p:cNvSpPr>
+          <p:nvPr>
+            <p:ph type="body" idx="1"/>
+          </p:nvPr>
+        </p:nvSpPr>
+        <p:spPr/>
+        <p:txBody>
+          <a:bodyPr/>
+          <a:lstStyle/>
+          <a:p>
+            <a:endParaRPr lang="en-GB"/>
+          </a:p>
+        </p:txBody>
+      </p:sp>
+    </p:spTree>
+    <p:extLst>
+      <p:ext uri="{BB962C8B-B14F-4D97-AF65-F5344CB8AC3E}">
+        <p14:creationId xmlns:p14="http://schemas.microsoft.com/office/powerpoint/2010/main" val="756512949"/>
+      </p:ext>
+    </p:extLst>
+  </p:cSld>
+  <p:clrMapOvr>
+    <a:masterClrMapping/>
+  </p:clrMapOvr>
+</p:sld>
+</file>
+
+<file path=ppt/slides/slide12.xml><?xml version="1.0" encoding="utf-8"?>
+<p:sld xmlns:a="http://schemas.openxmlformats.org/drawingml/2006/main" xmlns:r="http://schemas.openxmlformats.org/officeDocument/2006/relationships" xmlns:p="http://schemas.openxmlformats.org/presentationml/2006/main">
+  <p:cSld>
+    <p:spTree>
+      <p:nvGrpSpPr>
+        <p:cNvPr id="1" name=""/>
+        <p:cNvGrpSpPr/>
+        <p:nvPr/>
+      </p:nvGrpSpPr>
+      <p:grpSpPr>
+        <a:xfrm>
+          <a:off x="0" y="0"/>
+          <a:ext cx="0" cy="0"/>
+          <a:chOff x="0" y="0"/>
+          <a:chExt cx="0" cy="0"/>
+        </a:xfrm>
+      </p:grpSpPr>
+      <p:sp>
+        <p:nvSpPr>
+          <p:cNvPr id="2" name="Title 1">
+            <a:extLst>
+              <a:ext uri="{FF2B5EF4-FFF2-40B4-BE49-F238E27FC236}">
                 <a16:creationId xmlns:a16="http://schemas.microsoft.com/office/drawing/2014/main" id="{0873142D-3433-4087-8E26-1F9DAE7F345A}"/>
               </a:ext>
             </a:extLst>
@@ -3573,7 +6285,7 @@
         </p:blipFill>
         <p:spPr>
           <a:xfrm>
-            <a:off x="9289043" y="2133933"/>
+            <a:off x="7824227" y="2169467"/>
             <a:ext cx="1729354" cy="919869"/>
           </a:xfrm>
           <a:prstGeom prst="rect">
@@ -3585,233 +6297,6 @@
     <p:extLst>
       <p:ext uri="{BB962C8B-B14F-4D97-AF65-F5344CB8AC3E}">
         <p14:creationId xmlns:p14="http://schemas.microsoft.com/office/powerpoint/2010/main" val="1096236546"/>
-      </p:ext>
-    </p:extLst>
-  </p:cSld>
-  <p:clrMapOvr>
-    <a:masterClrMapping/>
-  </p:clrMapOvr>
-</p:sld>
-</file>
-
-<file path=ppt/slides/slide11.xml><?xml version="1.0" encoding="utf-8"?>
-<p:sld xmlns:a="http://schemas.openxmlformats.org/drawingml/2006/main" xmlns:r="http://schemas.openxmlformats.org/officeDocument/2006/relationships" xmlns:p="http://schemas.openxmlformats.org/presentationml/2006/main">
-  <p:cSld>
-    <p:spTree>
-      <p:nvGrpSpPr>
-        <p:cNvPr id="1" name=""/>
-        <p:cNvGrpSpPr/>
-        <p:nvPr/>
-      </p:nvGrpSpPr>
-      <p:grpSpPr>
-        <a:xfrm>
-          <a:off x="0" y="0"/>
-          <a:ext cx="0" cy="0"/>
-          <a:chOff x="0" y="0"/>
-          <a:chExt cx="0" cy="0"/>
-        </a:xfrm>
-      </p:grpSpPr>
-      <p:sp>
-        <p:nvSpPr>
-          <p:cNvPr id="2" name="Title 1">
-            <a:extLst>
-              <a:ext uri="{FF2B5EF4-FFF2-40B4-BE49-F238E27FC236}">
-                <a16:creationId xmlns:a16="http://schemas.microsoft.com/office/drawing/2014/main" id="{0873142D-3433-4087-8E26-1F9DAE7F345A}"/>
-              </a:ext>
-            </a:extLst>
-          </p:cNvPr>
-          <p:cNvSpPr>
-            <a:spLocks noGrp="1"/>
-          </p:cNvSpPr>
-          <p:nvPr>
-            <p:ph type="title"/>
-          </p:nvPr>
-        </p:nvSpPr>
-        <p:spPr/>
-        <p:txBody>
-          <a:bodyPr/>
-          <a:lstStyle/>
-          <a:p>
-            <a:r>
-              <a:rPr lang="en-GB" dirty="0"/>
-              <a:t>Why learn functional Programming?</a:t>
-            </a:r>
-          </a:p>
-        </p:txBody>
-      </p:sp>
-      <p:sp>
-        <p:nvSpPr>
-          <p:cNvPr id="3" name="Content Placeholder 2">
-            <a:extLst>
-              <a:ext uri="{FF2B5EF4-FFF2-40B4-BE49-F238E27FC236}">
-                <a16:creationId xmlns:a16="http://schemas.microsoft.com/office/drawing/2014/main" id="{2B84E1C0-C064-4080-A0EB-089DD5283036}"/>
-              </a:ext>
-            </a:extLst>
-          </p:cNvPr>
-          <p:cNvSpPr>
-            <a:spLocks noGrp="1"/>
-          </p:cNvSpPr>
-          <p:nvPr>
-            <p:ph idx="1"/>
-          </p:nvPr>
-        </p:nvSpPr>
-        <p:spPr/>
-        <p:txBody>
-          <a:bodyPr/>
-          <a:lstStyle/>
-          <a:p>
-            <a:r>
-              <a:rPr lang="en-GB" dirty="0"/>
-              <a:t>Because many languages are adopting functional features</a:t>
-            </a:r>
-          </a:p>
-          <a:p>
-            <a:pPr lvl="1"/>
-            <a:r>
-              <a:rPr lang="en-GB" dirty="0"/>
-              <a:t>C#, Java 8, </a:t>
-            </a:r>
-            <a:r>
-              <a:rPr lang="en-GB" dirty="0" err="1"/>
-              <a:t>Javascript</a:t>
-            </a:r>
-            <a:r>
-              <a:rPr lang="en-GB" dirty="0"/>
-              <a:t>, Swift and more are have all adopted features such as:</a:t>
-            </a:r>
-          </a:p>
-          <a:p>
-            <a:pPr lvl="2"/>
-            <a:endParaRPr lang="en-GB" dirty="0"/>
-          </a:p>
-        </p:txBody>
-      </p:sp>
-    </p:spTree>
-    <p:extLst>
-      <p:ext uri="{BB962C8B-B14F-4D97-AF65-F5344CB8AC3E}">
-        <p14:creationId xmlns:p14="http://schemas.microsoft.com/office/powerpoint/2010/main" val="1351502527"/>
-      </p:ext>
-    </p:extLst>
-  </p:cSld>
-  <p:clrMapOvr>
-    <a:masterClrMapping/>
-  </p:clrMapOvr>
-</p:sld>
-</file>
-
-<file path=ppt/slides/slide12.xml><?xml version="1.0" encoding="utf-8"?>
-<p:sld xmlns:a="http://schemas.openxmlformats.org/drawingml/2006/main" xmlns:r="http://schemas.openxmlformats.org/officeDocument/2006/relationships" xmlns:p="http://schemas.openxmlformats.org/presentationml/2006/main">
-  <p:cSld>
-    <p:spTree>
-      <p:nvGrpSpPr>
-        <p:cNvPr id="1" name=""/>
-        <p:cNvGrpSpPr/>
-        <p:nvPr/>
-      </p:nvGrpSpPr>
-      <p:grpSpPr>
-        <a:xfrm>
-          <a:off x="0" y="0"/>
-          <a:ext cx="0" cy="0"/>
-          <a:chOff x="0" y="0"/>
-          <a:chExt cx="0" cy="0"/>
-        </a:xfrm>
-      </p:grpSpPr>
-      <p:sp>
-        <p:nvSpPr>
-          <p:cNvPr id="2" name="Title 1">
-            <a:extLst>
-              <a:ext uri="{FF2B5EF4-FFF2-40B4-BE49-F238E27FC236}">
-                <a16:creationId xmlns:a16="http://schemas.microsoft.com/office/drawing/2014/main" id="{A3D1B9AB-C6B4-4358-A07D-F48DCA5BD0CA}"/>
-              </a:ext>
-            </a:extLst>
-          </p:cNvPr>
-          <p:cNvSpPr>
-            <a:spLocks noGrp="1"/>
-          </p:cNvSpPr>
-          <p:nvPr>
-            <p:ph type="title"/>
-          </p:nvPr>
-        </p:nvSpPr>
-        <p:spPr/>
-        <p:txBody>
-          <a:bodyPr>
-            <a:normAutofit/>
-          </a:bodyPr>
-          <a:lstStyle/>
-          <a:p>
-            <a:r>
-              <a:rPr lang="en-GB" sz="4000" dirty="0"/>
-              <a:t>Features of FP </a:t>
-            </a:r>
-            <a:r>
-              <a:rPr lang="en-GB" sz="4000" dirty="0" err="1"/>
-              <a:t>langauges</a:t>
-            </a:r>
-            <a:r>
-              <a:rPr lang="en-GB" sz="4000" dirty="0"/>
-              <a:t> you’ve probably seen</a:t>
-            </a:r>
-          </a:p>
-        </p:txBody>
-      </p:sp>
-      <p:sp>
-        <p:nvSpPr>
-          <p:cNvPr id="3" name="Content Placeholder 2">
-            <a:extLst>
-              <a:ext uri="{FF2B5EF4-FFF2-40B4-BE49-F238E27FC236}">
-                <a16:creationId xmlns:a16="http://schemas.microsoft.com/office/drawing/2014/main" id="{67C2D6B3-234D-4A83-829A-2126A4CCEAB4}"/>
-              </a:ext>
-            </a:extLst>
-          </p:cNvPr>
-          <p:cNvSpPr>
-            <a:spLocks noGrp="1"/>
-          </p:cNvSpPr>
-          <p:nvPr>
-            <p:ph idx="1"/>
-          </p:nvPr>
-        </p:nvSpPr>
-        <p:spPr/>
-        <p:txBody>
-          <a:bodyPr/>
-          <a:lstStyle/>
-          <a:p>
-            <a:r>
-              <a:rPr lang="en-GB" dirty="0"/>
-              <a:t>Higher Order functions (C#, Java, Python, </a:t>
-            </a:r>
-            <a:r>
-              <a:rPr lang="en-GB" dirty="0" err="1"/>
-              <a:t>Javascript</a:t>
-            </a:r>
-            <a:r>
-              <a:rPr lang="en-GB" dirty="0"/>
-              <a:t>)</a:t>
-            </a:r>
-          </a:p>
-          <a:p>
-            <a:r>
-              <a:rPr lang="en-GB" dirty="0"/>
-              <a:t>Generics (Java, C#)</a:t>
-            </a:r>
-          </a:p>
-          <a:p>
-            <a:r>
-              <a:rPr lang="en-GB" dirty="0"/>
-              <a:t>List comprehensions (C#, Python)</a:t>
-            </a:r>
-          </a:p>
-          <a:p>
-            <a:r>
-              <a:rPr lang="en-GB" dirty="0"/>
-              <a:t>Garbage Collection (Practically every high level language)</a:t>
-            </a:r>
-          </a:p>
-        </p:txBody>
-      </p:sp>
-    </p:spTree>
-    <p:extLst>
-      <p:ext uri="{BB962C8B-B14F-4D97-AF65-F5344CB8AC3E}">
-        <p14:creationId xmlns:p14="http://schemas.microsoft.com/office/powerpoint/2010/main" val="3453969945"/>
       </p:ext>
     </p:extLst>
   </p:cSld>
@@ -3889,13 +6374,22 @@
           <a:p>
             <a:r>
               <a:rPr lang="en-GB" dirty="0"/>
-              <a:t>Because I’m curious, or people have told me it’s amazing.</a:t>
-            </a:r>
-          </a:p>
-          <a:p>
-            <a:r>
-              <a:rPr lang="en-GB" dirty="0"/>
-              <a:t>Learn a different way of thinking; and different way to approach problems </a:t>
+              <a:t>Because many languages are adopting functional features</a:t>
+            </a:r>
+          </a:p>
+          <a:p>
+            <a:pPr lvl="1"/>
+            <a:r>
+              <a:rPr lang="en-GB" dirty="0"/>
+              <a:t>C#, Java 8, </a:t>
+            </a:r>
+            <a:r>
+              <a:rPr lang="en-GB" dirty="0" err="1"/>
+              <a:t>Javascript</a:t>
+            </a:r>
+            <a:r>
+              <a:rPr lang="en-GB" dirty="0"/>
+              <a:t>, Swift and more are have all adopted features such as:</a:t>
             </a:r>
           </a:p>
           <a:p>
@@ -3907,7 +6401,7 @@
     </p:spTree>
     <p:extLst>
       <p:ext uri="{BB962C8B-B14F-4D97-AF65-F5344CB8AC3E}">
-        <p14:creationId xmlns:p14="http://schemas.microsoft.com/office/powerpoint/2010/main" val="3930500310"/>
+        <p14:creationId xmlns:p14="http://schemas.microsoft.com/office/powerpoint/2010/main" val="1351502527"/>
       </p:ext>
     </p:extLst>
   </p:cSld>
@@ -3939,7 +6433,7 @@
           <p:cNvPr id="2" name="Title 1">
             <a:extLst>
               <a:ext uri="{FF2B5EF4-FFF2-40B4-BE49-F238E27FC236}">
-                <a16:creationId xmlns:a16="http://schemas.microsoft.com/office/drawing/2014/main" id="{38137A79-893F-490D-8FEB-B1D7C129BCB8}"/>
+                <a16:creationId xmlns:a16="http://schemas.microsoft.com/office/drawing/2014/main" id="{0873142D-3433-4087-8E26-1F9DAE7F345A}"/>
               </a:ext>
             </a:extLst>
           </p:cNvPr>
@@ -3957,7 +6451,7 @@
           <a:p>
             <a:r>
               <a:rPr lang="en-GB" dirty="0"/>
-              <a:t>What is functional programming? 	</a:t>
+              <a:t>Why learn functional Programming?</a:t>
             </a:r>
           </a:p>
         </p:txBody>
@@ -3967,7 +6461,7 @@
           <p:cNvPr id="3" name="Content Placeholder 2">
             <a:extLst>
               <a:ext uri="{FF2B5EF4-FFF2-40B4-BE49-F238E27FC236}">
-                <a16:creationId xmlns:a16="http://schemas.microsoft.com/office/drawing/2014/main" id="{C54ADF7E-4017-4349-A4C8-BF1560AE2746}"/>
+                <a16:creationId xmlns:a16="http://schemas.microsoft.com/office/drawing/2014/main" id="{2B84E1C0-C064-4080-A0EB-089DD5283036}"/>
               </a:ext>
             </a:extLst>
           </p:cNvPr>
@@ -3983,6 +6477,19 @@
           <a:bodyPr/>
           <a:lstStyle/>
           <a:p>
+            <a:r>
+              <a:rPr lang="en-GB" dirty="0"/>
+              <a:t>Because I’m curious, or people have told me it’s amazing.</a:t>
+            </a:r>
+          </a:p>
+          <a:p>
+            <a:r>
+              <a:rPr lang="en-GB" dirty="0"/>
+              <a:t>Learn a different way of thinking; and different way to approach problems </a:t>
+            </a:r>
+          </a:p>
+          <a:p>
+            <a:pPr lvl="2"/>
             <a:endParaRPr lang="en-GB" dirty="0"/>
           </a:p>
         </p:txBody>
@@ -3990,7 +6497,7 @@
     </p:spTree>
     <p:extLst>
       <p:ext uri="{BB962C8B-B14F-4D97-AF65-F5344CB8AC3E}">
-        <p14:creationId xmlns:p14="http://schemas.microsoft.com/office/powerpoint/2010/main" val="3336967447"/>
+        <p14:creationId xmlns:p14="http://schemas.microsoft.com/office/powerpoint/2010/main" val="3930500310"/>
       </p:ext>
     </p:extLst>
   </p:cSld>
@@ -4022,7 +6529,7 @@
           <p:cNvPr id="2" name="Title 1">
             <a:extLst>
               <a:ext uri="{FF2B5EF4-FFF2-40B4-BE49-F238E27FC236}">
-                <a16:creationId xmlns:a16="http://schemas.microsoft.com/office/drawing/2014/main" id="{38137A79-893F-490D-8FEB-B1D7C129BCB8}"/>
+                <a16:creationId xmlns:a16="http://schemas.microsoft.com/office/drawing/2014/main" id="{A3D1B9AB-C6B4-4358-A07D-F48DCA5BD0CA}"/>
               </a:ext>
             </a:extLst>
           </p:cNvPr>
@@ -4035,12 +6542,22 @@
         </p:nvSpPr>
         <p:spPr/>
         <p:txBody>
-          <a:bodyPr/>
-          <a:lstStyle/>
-          <a:p>
-            <a:r>
-              <a:rPr lang="en-GB" dirty="0"/>
-              <a:t>What is the core functional programming? 	</a:t>
+          <a:bodyPr>
+            <a:normAutofit/>
+          </a:bodyPr>
+          <a:lstStyle/>
+          <a:p>
+            <a:r>
+              <a:rPr lang="en-GB" sz="4000" dirty="0"/>
+              <a:t>Features of FP </a:t>
+            </a:r>
+            <a:r>
+              <a:rPr lang="en-GB" sz="4000" dirty="0" err="1"/>
+              <a:t>langauges</a:t>
+            </a:r>
+            <a:r>
+              <a:rPr lang="en-GB" sz="4000" dirty="0"/>
+              <a:t> you’ve probably seen</a:t>
             </a:r>
           </a:p>
         </p:txBody>
@@ -4050,7 +6567,7 @@
           <p:cNvPr id="3" name="Content Placeholder 2">
             <a:extLst>
               <a:ext uri="{FF2B5EF4-FFF2-40B4-BE49-F238E27FC236}">
-                <a16:creationId xmlns:a16="http://schemas.microsoft.com/office/drawing/2014/main" id="{C54ADF7E-4017-4349-A4C8-BF1560AE2746}"/>
+                <a16:creationId xmlns:a16="http://schemas.microsoft.com/office/drawing/2014/main" id="{67C2D6B3-234D-4A83-829A-2126A4CCEAB4}"/>
               </a:ext>
             </a:extLst>
           </p:cNvPr>
@@ -4068,47 +6585,41 @@
           <a:p>
             <a:r>
               <a:rPr lang="en-GB" dirty="0"/>
-              <a:t>Its hard to reduce this down to a single statement. Some people have said some combination of:</a:t>
-            </a:r>
-          </a:p>
-          <a:p>
-            <a:pPr lvl="1"/>
-            <a:r>
-              <a:rPr lang="en-GB" dirty="0"/>
-              <a:t>First Class functions (Lambda calculus and higher order functions), </a:t>
-            </a:r>
-          </a:p>
-          <a:p>
-            <a:pPr lvl="1"/>
-            <a:r>
-              <a:rPr lang="en-GB" dirty="0"/>
-              <a:t>Algebraic Data types, </a:t>
-            </a:r>
-          </a:p>
-          <a:p>
-            <a:pPr lvl="1"/>
-            <a:r>
-              <a:rPr lang="en-GB" dirty="0"/>
-              <a:t>Immutability</a:t>
-            </a:r>
-          </a:p>
-          <a:p>
-            <a:pPr lvl="1"/>
-            <a:r>
-              <a:rPr lang="en-GB" dirty="0"/>
-              <a:t>Pure Functions</a:t>
-            </a:r>
-          </a:p>
-          <a:p>
-            <a:pPr lvl="1"/>
-            <a:endParaRPr lang="en-GB" dirty="0"/>
+              <a:t>Higher Order functions (C#, Java, Python, </a:t>
+            </a:r>
+            <a:r>
+              <a:rPr lang="en-GB" dirty="0" err="1"/>
+              <a:t>Javascript</a:t>
+            </a:r>
+            <a:r>
+              <a:rPr lang="en-GB" dirty="0"/>
+              <a:t>)</a:t>
+            </a:r>
+          </a:p>
+          <a:p>
+            <a:r>
+              <a:rPr lang="en-GB" dirty="0"/>
+              <a:t>Generics (Java, C#)</a:t>
+            </a:r>
+          </a:p>
+          <a:p>
+            <a:r>
+              <a:rPr lang="en-GB" dirty="0"/>
+              <a:t>List comprehensions (C#, Python)</a:t>
+            </a:r>
+          </a:p>
+          <a:p>
+            <a:r>
+              <a:rPr lang="en-GB" dirty="0"/>
+              <a:t>Garbage Collection (Practically every high level language)</a:t>
+            </a:r>
           </a:p>
         </p:txBody>
       </p:sp>
     </p:spTree>
     <p:extLst>
       <p:ext uri="{BB962C8B-B14F-4D97-AF65-F5344CB8AC3E}">
-        <p14:creationId xmlns:p14="http://schemas.microsoft.com/office/powerpoint/2010/main" val="457685717"/>
+        <p14:creationId xmlns:p14="http://schemas.microsoft.com/office/powerpoint/2010/main" val="3453969945"/>
       </p:ext>
     </p:extLst>
   </p:cSld>
@@ -4140,7 +6651,7 @@
           <p:cNvPr id="2" name="Title 1">
             <a:extLst>
               <a:ext uri="{FF2B5EF4-FFF2-40B4-BE49-F238E27FC236}">
-                <a16:creationId xmlns:a16="http://schemas.microsoft.com/office/drawing/2014/main" id="{28AA56CA-444E-4B50-9EF5-B5527DE14995}"/>
+                <a16:creationId xmlns:a16="http://schemas.microsoft.com/office/drawing/2014/main" id="{38137A79-893F-490D-8FEB-B1D7C129BCB8}"/>
               </a:ext>
             </a:extLst>
           </p:cNvPr>
@@ -4168,7 +6679,7 @@
           <p:cNvPr id="3" name="Content Placeholder 2">
             <a:extLst>
               <a:ext uri="{FF2B5EF4-FFF2-40B4-BE49-F238E27FC236}">
-                <a16:creationId xmlns:a16="http://schemas.microsoft.com/office/drawing/2014/main" id="{6A048A30-033A-471C-905A-FC3AAF909752}"/>
+                <a16:creationId xmlns:a16="http://schemas.microsoft.com/office/drawing/2014/main" id="{C54ADF7E-4017-4349-A4C8-BF1560AE2746}"/>
               </a:ext>
             </a:extLst>
           </p:cNvPr>
@@ -4181,68 +6692,44 @@
         </p:nvSpPr>
         <p:spPr/>
         <p:txBody>
-          <a:bodyPr>
-            <a:normAutofit/>
-          </a:bodyPr>
-          <a:lstStyle/>
-          <a:p>
-            <a:r>
-              <a:rPr lang="en-GB" dirty="0"/>
-              <a:t>For me, the things that are closest to the core are: </a:t>
-            </a:r>
-          </a:p>
-          <a:p>
-            <a:pPr marL="514350" indent="-514350">
-              <a:buFont typeface="+mj-lt"/>
-              <a:buAutoNum type="arabicPeriod"/>
-            </a:pPr>
-            <a:r>
-              <a:rPr lang="en-GB" dirty="0"/>
-              <a:t>Declarative programming with first order functions</a:t>
-            </a:r>
-          </a:p>
-          <a:p>
-            <a:pPr marL="514350" indent="-514350">
-              <a:buFont typeface="+mj-lt"/>
-              <a:buAutoNum type="arabicPeriod"/>
-            </a:pPr>
-            <a:r>
-              <a:rPr lang="en-GB" dirty="0"/>
-              <a:t>Purity (Absence of side effects):</a:t>
-            </a:r>
-          </a:p>
-          <a:p>
-            <a:pPr marL="0" indent="0">
-              <a:buNone/>
-            </a:pPr>
-            <a:endParaRPr lang="en-GB" dirty="0"/>
-          </a:p>
-          <a:p>
-            <a:pPr marL="0" indent="0">
-              <a:buNone/>
-            </a:pPr>
-            <a:r>
-              <a:rPr lang="en-GB" sz="2000" i="1" dirty="0"/>
-              <a:t>"Functional code is characterised by one thing: the absence of side effects. It doesn’t rely on data outside the current function, and it doesn’t change data that exists outside the current function. Every other “functional” thing can be derived from this property." </a:t>
-            </a:r>
-            <a:br>
-              <a:rPr lang="en-GB" sz="2400" dirty="0"/>
-            </a:br>
-            <a:r>
-              <a:rPr lang="en-GB" sz="1400" dirty="0">
-                <a:hlinkClick r:id="rId2"/>
-              </a:rPr>
-              <a:t>https://maryrosecook.com/blog/post/a-practical-introduction-to-functional-programming</a:t>
-            </a:r>
-            <a:r>
-              <a:rPr lang="en-GB" sz="1400" dirty="0"/>
-              <a:t> </a:t>
-            </a:r>
-          </a:p>
-          <a:p>
-            <a:pPr marL="0" indent="0">
-              <a:buNone/>
-            </a:pPr>
+          <a:bodyPr/>
+          <a:lstStyle/>
+          <a:p>
+            <a:r>
+              <a:rPr lang="en-GB" dirty="0"/>
+              <a:t>Its hard to reduce this down to a single statement. Some people have said some combination of:</a:t>
+            </a:r>
+          </a:p>
+          <a:p>
+            <a:pPr lvl="1"/>
+            <a:r>
+              <a:rPr lang="en-GB" dirty="0"/>
+              <a:t>First Class functions (Lambda calculus and higher order functions), </a:t>
+            </a:r>
+          </a:p>
+          <a:p>
+            <a:pPr lvl="1"/>
+            <a:r>
+              <a:rPr lang="en-GB" dirty="0"/>
+              <a:t>Algebraic Data types, </a:t>
+            </a:r>
+          </a:p>
+          <a:p>
+            <a:pPr lvl="1"/>
+            <a:r>
+              <a:rPr lang="en-GB" dirty="0"/>
+              <a:t>Immutability</a:t>
+            </a:r>
+          </a:p>
+          <a:p>
+            <a:pPr lvl="1"/>
+            <a:r>
+              <a:rPr lang="en-GB" dirty="0"/>
+              <a:t>Pure Functions</a:t>
+            </a:r>
+          </a:p>
+          <a:p>
+            <a:pPr lvl="1"/>
             <a:endParaRPr lang="en-GB" dirty="0"/>
           </a:p>
         </p:txBody>
@@ -4250,7 +6737,7 @@
     </p:spTree>
     <p:extLst>
       <p:ext uri="{BB962C8B-B14F-4D97-AF65-F5344CB8AC3E}">
-        <p14:creationId xmlns:p14="http://schemas.microsoft.com/office/powerpoint/2010/main" val="4219929151"/>
+        <p14:creationId xmlns:p14="http://schemas.microsoft.com/office/powerpoint/2010/main" val="457685717"/>
       </p:ext>
     </p:extLst>
   </p:cSld>
@@ -4282,7 +6769,7 @@
           <p:cNvPr id="2" name="Title 1">
             <a:extLst>
               <a:ext uri="{FF2B5EF4-FFF2-40B4-BE49-F238E27FC236}">
-                <a16:creationId xmlns:a16="http://schemas.microsoft.com/office/drawing/2014/main" id="{C3EA0152-43CF-49A3-9F27-D6055A3185BA}"/>
+                <a16:creationId xmlns:a16="http://schemas.microsoft.com/office/drawing/2014/main" id="{28AA56CA-444E-4B50-9EF5-B5527DE14995}"/>
               </a:ext>
             </a:extLst>
           </p:cNvPr>
@@ -4300,7 +6787,7 @@
           <a:p>
             <a:r>
               <a:rPr lang="en-GB" dirty="0"/>
-              <a:t>Functional programming characteristics</a:t>
+              <a:t>What is the core functional programming? 	</a:t>
             </a:r>
           </a:p>
         </p:txBody>
@@ -4310,7 +6797,7 @@
           <p:cNvPr id="3" name="Content Placeholder 2">
             <a:extLst>
               <a:ext uri="{FF2B5EF4-FFF2-40B4-BE49-F238E27FC236}">
-                <a16:creationId xmlns:a16="http://schemas.microsoft.com/office/drawing/2014/main" id="{4D41C678-B6AD-4294-8012-E0E1885FE9F2}"/>
+                <a16:creationId xmlns:a16="http://schemas.microsoft.com/office/drawing/2014/main" id="{6A048A30-033A-471C-905A-FC3AAF909752}"/>
               </a:ext>
             </a:extLst>
           </p:cNvPr>
@@ -4323,82 +6810,68 @@
         </p:nvSpPr>
         <p:spPr/>
         <p:txBody>
-          <a:bodyPr/>
-          <a:lstStyle/>
+          <a:bodyPr>
+            <a:normAutofit/>
+          </a:bodyPr>
+          <a:lstStyle/>
+          <a:p>
+            <a:r>
+              <a:rPr lang="en-GB" dirty="0"/>
+              <a:t>For me, the things that are closest to the core are: </a:t>
+            </a:r>
+          </a:p>
+          <a:p>
+            <a:pPr marL="514350" indent="-514350">
+              <a:buFont typeface="+mj-lt"/>
+              <a:buAutoNum type="arabicPeriod"/>
+            </a:pPr>
+            <a:r>
+              <a:rPr lang="en-GB" dirty="0"/>
+              <a:t>Declarative programming with first order functions</a:t>
+            </a:r>
+          </a:p>
+          <a:p>
+            <a:pPr marL="514350" indent="-514350">
+              <a:buFont typeface="+mj-lt"/>
+              <a:buAutoNum type="arabicPeriod"/>
+            </a:pPr>
+            <a:r>
+              <a:rPr lang="en-GB" dirty="0"/>
+              <a:t>Purity (Absence of side effects):</a:t>
+            </a:r>
+          </a:p>
           <a:p>
             <a:pPr marL="0" indent="0">
               <a:buNone/>
             </a:pPr>
-            <a:r>
-              <a:rPr lang="en-GB" dirty="0"/>
-              <a:t>Essentially all of the important stuff:</a:t>
-            </a:r>
-          </a:p>
-          <a:p>
-            <a:pPr lvl="1"/>
-            <a:r>
-              <a:rPr lang="en-GB" dirty="0"/>
-              <a:t>Algebraic Data Types</a:t>
-            </a:r>
-          </a:p>
-          <a:p>
-            <a:pPr lvl="1"/>
-            <a:r>
-              <a:rPr lang="en-GB" dirty="0"/>
-              <a:t>Immutable Data</a:t>
-            </a:r>
-          </a:p>
-          <a:p>
-            <a:pPr lvl="1"/>
-            <a:r>
-              <a:rPr lang="en-GB" dirty="0"/>
-              <a:t>First class functions (Higher order functions etc)</a:t>
-            </a:r>
-          </a:p>
-          <a:p>
-            <a:pPr lvl="1"/>
-            <a:r>
-              <a:rPr lang="en-GB" dirty="0"/>
-              <a:t>Recursion and Tail call optimisation</a:t>
-            </a:r>
-          </a:p>
-          <a:p>
-            <a:pPr lvl="1"/>
-            <a:r>
-              <a:rPr lang="en-GB" dirty="0"/>
-              <a:t>Pattern Matching</a:t>
-            </a:r>
-          </a:p>
-          <a:p>
-            <a:pPr lvl="1"/>
-            <a:r>
-              <a:rPr lang="en-GB" dirty="0"/>
-              <a:t>Laziness</a:t>
-            </a:r>
-          </a:p>
-          <a:p>
-            <a:pPr lvl="1"/>
-            <a:r>
-              <a:rPr lang="en-GB" dirty="0"/>
-              <a:t>Currying </a:t>
-            </a:r>
-          </a:p>
-          <a:p>
-            <a:pPr lvl="1"/>
-            <a:r>
-              <a:rPr lang="en-GB" dirty="0"/>
-              <a:t>Partial application</a:t>
-            </a:r>
-          </a:p>
-          <a:p>
-            <a:pPr lvl="1"/>
-            <a:r>
-              <a:rPr lang="en-GB" dirty="0"/>
-              <a:t>Pipelining </a:t>
-            </a:r>
-          </a:p>
-          <a:p>
-            <a:pPr lvl="1"/>
+            <a:endParaRPr lang="en-GB" dirty="0"/>
+          </a:p>
+          <a:p>
+            <a:pPr marL="0" indent="0">
+              <a:buNone/>
+            </a:pPr>
+            <a:r>
+              <a:rPr lang="en-GB" sz="2000" i="1" dirty="0"/>
+              <a:t>"Functional code is characterised by one thing: the absence of side effects. It doesn’t rely on data outside the current function, and it doesn’t change data that exists outside the current function. Every other “functional” thing can be derived from this property." </a:t>
+            </a:r>
+            <a:br>
+              <a:rPr lang="en-GB" sz="2400" dirty="0"/>
+            </a:br>
+            <a:r>
+              <a:rPr lang="en-GB" sz="1400" dirty="0">
+                <a:hlinkClick r:id="rId2"/>
+              </a:rPr>
+              <a:t>https://maryrosecook.com/blog/post/a-practical-introduction-to-functional-programming</a:t>
+            </a:r>
+            <a:r>
+              <a:rPr lang="en-GB" sz="1400" dirty="0"/>
+              <a:t> </a:t>
+            </a:r>
+          </a:p>
+          <a:p>
+            <a:pPr marL="0" indent="0">
+              <a:buNone/>
+            </a:pPr>
             <a:endParaRPr lang="en-GB" dirty="0"/>
           </a:p>
         </p:txBody>
@@ -4406,7 +6879,7 @@
     </p:spTree>
     <p:extLst>
       <p:ext uri="{BB962C8B-B14F-4D97-AF65-F5344CB8AC3E}">
-        <p14:creationId xmlns:p14="http://schemas.microsoft.com/office/powerpoint/2010/main" val="3132465871"/>
+        <p14:creationId xmlns:p14="http://schemas.microsoft.com/office/powerpoint/2010/main" val="4219929151"/>
       </p:ext>
     </p:extLst>
   </p:cSld>
@@ -4438,7 +6911,7 @@
           <p:cNvPr id="2" name="Title 1">
             <a:extLst>
               <a:ext uri="{FF2B5EF4-FFF2-40B4-BE49-F238E27FC236}">
-                <a16:creationId xmlns:a16="http://schemas.microsoft.com/office/drawing/2014/main" id="{DBF56B8E-2F55-4DA2-9AA6-3828B040BF41}"/>
+                <a16:creationId xmlns:a16="http://schemas.microsoft.com/office/drawing/2014/main" id="{C3EA0152-43CF-49A3-9F27-D6055A3185BA}"/>
               </a:ext>
             </a:extLst>
           </p:cNvPr>
@@ -4456,7 +6929,7 @@
           <a:p>
             <a:r>
               <a:rPr lang="en-GB" dirty="0"/>
-              <a:t>FP / Declarative vs OO / Imperative</a:t>
+              <a:t>Functional programming characteristics</a:t>
             </a:r>
           </a:p>
         </p:txBody>
@@ -4466,7 +6939,7 @@
           <p:cNvPr id="3" name="Content Placeholder 2">
             <a:extLst>
               <a:ext uri="{FF2B5EF4-FFF2-40B4-BE49-F238E27FC236}">
-                <a16:creationId xmlns:a16="http://schemas.microsoft.com/office/drawing/2014/main" id="{B5EA96D2-D5D0-435C-AAE4-4ACF7825D090}"/>
+                <a16:creationId xmlns:a16="http://schemas.microsoft.com/office/drawing/2014/main" id="{4D41C678-B6AD-4294-8012-E0E1885FE9F2}"/>
               </a:ext>
             </a:extLst>
           </p:cNvPr>
@@ -4477,19 +6950,109 @@
             <p:ph idx="1"/>
           </p:nvPr>
         </p:nvSpPr>
-        <p:spPr/>
-        <p:txBody>
-          <a:bodyPr/>
-          <a:lstStyle/>
-          <a:p>
-            <a:endParaRPr lang="en-GB"/>
+        <p:spPr>
+          <a:xfrm>
+            <a:off x="677334" y="1571349"/>
+            <a:ext cx="8596668" cy="4470014"/>
+          </a:xfrm>
+        </p:spPr>
+        <p:txBody>
+          <a:bodyPr/>
+          <a:lstStyle/>
+          <a:p>
+            <a:pPr marL="0" indent="0">
+              <a:buNone/>
+            </a:pPr>
+            <a:r>
+              <a:rPr lang="en-GB" dirty="0"/>
+              <a:t>Essentially all of the important stuff:</a:t>
+            </a:r>
+          </a:p>
+          <a:p>
+            <a:pPr lvl="1"/>
+            <a:r>
+              <a:rPr lang="en-GB" dirty="0"/>
+              <a:t>First class functions (Higher order functions etc)</a:t>
+            </a:r>
+          </a:p>
+          <a:p>
+            <a:pPr lvl="1"/>
+            <a:r>
+              <a:rPr lang="en-GB" dirty="0"/>
+              <a:t>Recursion and Tail call optimisation </a:t>
+            </a:r>
+          </a:p>
+          <a:p>
+            <a:pPr lvl="1"/>
+            <a:r>
+              <a:rPr lang="en-GB" dirty="0"/>
+              <a:t>Currying </a:t>
+            </a:r>
+          </a:p>
+          <a:p>
+            <a:pPr lvl="1"/>
+            <a:r>
+              <a:rPr lang="en-GB" dirty="0"/>
+              <a:t>Partial application</a:t>
+            </a:r>
+          </a:p>
+          <a:p>
+            <a:pPr lvl="1"/>
+            <a:r>
+              <a:rPr lang="en-GB" dirty="0"/>
+              <a:t>Pipelining </a:t>
+            </a:r>
+          </a:p>
+          <a:p>
+            <a:pPr lvl="1"/>
+            <a:r>
+              <a:rPr lang="en-GB" dirty="0"/>
+              <a:t>Algebraic Data Types</a:t>
+            </a:r>
+          </a:p>
+          <a:p>
+            <a:pPr lvl="1"/>
+            <a:r>
+              <a:rPr lang="en-GB" dirty="0"/>
+              <a:t>Immutable Data</a:t>
+            </a:r>
+          </a:p>
+          <a:p>
+            <a:pPr lvl="1"/>
+            <a:r>
+              <a:rPr lang="en-GB" dirty="0"/>
+              <a:t>Pattern Matching</a:t>
+            </a:r>
+          </a:p>
+          <a:p>
+            <a:pPr lvl="1"/>
+            <a:r>
+              <a:rPr lang="en-GB" dirty="0"/>
+              <a:t>Laziness</a:t>
+            </a:r>
+          </a:p>
+          <a:p>
+            <a:pPr marL="457200" lvl="1" indent="0">
+              <a:buNone/>
+            </a:pPr>
+            <a:endParaRPr lang="en-GB" dirty="0"/>
+          </a:p>
+          <a:p>
+            <a:pPr marL="457200" lvl="1" indent="0">
+              <a:buNone/>
+            </a:pPr>
+            <a:endParaRPr lang="en-GB" dirty="0"/>
+          </a:p>
+          <a:p>
+            <a:pPr lvl="1"/>
+            <a:endParaRPr lang="en-GB" dirty="0"/>
           </a:p>
         </p:txBody>
       </p:sp>
     </p:spTree>
     <p:extLst>
       <p:ext uri="{BB962C8B-B14F-4D97-AF65-F5344CB8AC3E}">
-        <p14:creationId xmlns:p14="http://schemas.microsoft.com/office/powerpoint/2010/main" val="3813737669"/>
+        <p14:creationId xmlns:p14="http://schemas.microsoft.com/office/powerpoint/2010/main" val="3132465871"/>
       </p:ext>
     </p:extLst>
   </p:cSld>
@@ -4521,7 +7084,7 @@
           <p:cNvPr id="2" name="Title 1">
             <a:extLst>
               <a:ext uri="{FF2B5EF4-FFF2-40B4-BE49-F238E27FC236}">
-                <a16:creationId xmlns:a16="http://schemas.microsoft.com/office/drawing/2014/main" id="{5619B2FC-BFE2-45AC-8473-A5D0B9F8AA56}"/>
+                <a16:creationId xmlns:a16="http://schemas.microsoft.com/office/drawing/2014/main" id="{C3EA0152-43CF-49A3-9F27-D6055A3185BA}"/>
               </a:ext>
             </a:extLst>
           </p:cNvPr>
@@ -4539,7 +7102,7 @@
           <a:p>
             <a:r>
               <a:rPr lang="en-GB" dirty="0"/>
-              <a:t>Refactoring from Imperative</a:t>
+              <a:t>Functional programming characteristics</a:t>
             </a:r>
           </a:p>
         </p:txBody>
@@ -4549,7 +7112,7 @@
           <p:cNvPr id="3" name="Content Placeholder 2">
             <a:extLst>
               <a:ext uri="{FF2B5EF4-FFF2-40B4-BE49-F238E27FC236}">
-                <a16:creationId xmlns:a16="http://schemas.microsoft.com/office/drawing/2014/main" id="{9082F3DA-CFB7-4056-85DF-AF4932092BE1}"/>
+                <a16:creationId xmlns:a16="http://schemas.microsoft.com/office/drawing/2014/main" id="{4D41C678-B6AD-4294-8012-E0E1885FE9F2}"/>
               </a:ext>
             </a:extLst>
           </p:cNvPr>
@@ -4560,11 +7123,101 @@
             <p:ph idx="1"/>
           </p:nvPr>
         </p:nvSpPr>
-        <p:spPr/>
-        <p:txBody>
-          <a:bodyPr/>
-          <a:lstStyle/>
-          <a:p>
+        <p:spPr>
+          <a:xfrm>
+            <a:off x="677334" y="1571349"/>
+            <a:ext cx="8596668" cy="4470014"/>
+          </a:xfrm>
+        </p:spPr>
+        <p:txBody>
+          <a:bodyPr/>
+          <a:lstStyle/>
+          <a:p>
+            <a:pPr marL="0" indent="0">
+              <a:buNone/>
+            </a:pPr>
+            <a:r>
+              <a:rPr lang="en-GB" dirty="0"/>
+              <a:t>Essentially all of the important stuff:</a:t>
+            </a:r>
+          </a:p>
+          <a:p>
+            <a:pPr lvl="1"/>
+            <a:r>
+              <a:rPr lang="en-GB" dirty="0"/>
+              <a:t>First class functions (Higher order functions etc) – Functions</a:t>
+            </a:r>
+          </a:p>
+          <a:p>
+            <a:pPr lvl="1"/>
+            <a:r>
+              <a:rPr lang="en-GB" dirty="0"/>
+              <a:t>Recursion and Tail call optimisation - Functions</a:t>
+            </a:r>
+          </a:p>
+          <a:p>
+            <a:pPr lvl="1"/>
+            <a:r>
+              <a:rPr lang="en-GB" dirty="0"/>
+              <a:t>Currying - Functions</a:t>
+            </a:r>
+          </a:p>
+          <a:p>
+            <a:pPr lvl="1"/>
+            <a:r>
+              <a:rPr lang="en-GB" dirty="0"/>
+              <a:t>Partial application - Functions</a:t>
+            </a:r>
+          </a:p>
+          <a:p>
+            <a:pPr lvl="1"/>
+            <a:r>
+              <a:rPr lang="en-GB" dirty="0"/>
+              <a:t>Pipelining - Functions</a:t>
+            </a:r>
+          </a:p>
+          <a:p>
+            <a:pPr lvl="1"/>
+            <a:r>
+              <a:rPr lang="en-GB" dirty="0"/>
+              <a:t>Algebraic Data Types – Data</a:t>
+            </a:r>
+          </a:p>
+          <a:p>
+            <a:pPr lvl="1"/>
+            <a:r>
+              <a:rPr lang="en-GB" dirty="0"/>
+              <a:t>Immutable Data - Data</a:t>
+            </a:r>
+          </a:p>
+          <a:p>
+            <a:pPr lvl="1"/>
+            <a:r>
+              <a:rPr lang="en-GB" dirty="0"/>
+              <a:t>Pattern Matching – Data and Functions</a:t>
+            </a:r>
+          </a:p>
+          <a:p>
+            <a:pPr lvl="1"/>
+            <a:r>
+              <a:rPr lang="en-GB" dirty="0"/>
+              <a:t>Laziness – Functions and ??</a:t>
+            </a:r>
+          </a:p>
+          <a:p>
+            <a:pPr marL="457200" lvl="1" indent="0">
+              <a:buNone/>
+            </a:pPr>
+            <a:endParaRPr lang="en-GB" dirty="0"/>
+          </a:p>
+          <a:p>
+            <a:pPr marL="457200" lvl="1" indent="0">
+              <a:buNone/>
+            </a:pPr>
+            <a:endParaRPr lang="en-GB" dirty="0"/>
+          </a:p>
+          <a:p>
+            <a:pPr lvl="1"/>
             <a:endParaRPr lang="en-GB" dirty="0"/>
           </a:p>
         </p:txBody>
@@ -4572,7 +7225,7 @@
     </p:spTree>
     <p:extLst>
       <p:ext uri="{BB962C8B-B14F-4D97-AF65-F5344CB8AC3E}">
-        <p14:creationId xmlns:p14="http://schemas.microsoft.com/office/powerpoint/2010/main" val="3643775625"/>
+        <p14:creationId xmlns:p14="http://schemas.microsoft.com/office/powerpoint/2010/main" val="1187350171"/>
       </p:ext>
     </p:extLst>
   </p:cSld>
@@ -4604,7 +7257,7 @@
           <p:cNvPr id="2" name="Title 1">
             <a:extLst>
               <a:ext uri="{FF2B5EF4-FFF2-40B4-BE49-F238E27FC236}">
-                <a16:creationId xmlns:a16="http://schemas.microsoft.com/office/drawing/2014/main" id="{9AC32A37-2FB7-41A4-A34C-96EEAD478A13}"/>
+                <a16:creationId xmlns:a16="http://schemas.microsoft.com/office/drawing/2014/main" id="{E9CA7DF6-4B97-4E97-B68E-9980F6C4CE6F}"/>
               </a:ext>
             </a:extLst>
           </p:cNvPr>
@@ -4622,17 +7275,17 @@
           <a:p>
             <a:r>
               <a:rPr lang="en-GB" dirty="0"/>
-              <a:t>Preface</a:t>
-            </a:r>
-          </a:p>
-        </p:txBody>
-      </p:sp>
-      <p:sp>
-        <p:nvSpPr>
-          <p:cNvPr id="3" name="Text Placeholder 2">
+              <a:t>Outline</a:t>
+            </a:r>
+          </a:p>
+        </p:txBody>
+      </p:sp>
+      <p:sp>
+        <p:nvSpPr>
+          <p:cNvPr id="3" name="Content Placeholder 2">
             <a:extLst>
               <a:ext uri="{FF2B5EF4-FFF2-40B4-BE49-F238E27FC236}">
-                <a16:creationId xmlns:a16="http://schemas.microsoft.com/office/drawing/2014/main" id="{44E2F5FC-FC9D-4A6B-9AA8-AC9C0A9B8630}"/>
+                <a16:creationId xmlns:a16="http://schemas.microsoft.com/office/drawing/2014/main" id="{CDF7A301-EEA8-4522-8A24-D54AE7681A20}"/>
               </a:ext>
             </a:extLst>
           </p:cNvPr>
@@ -4640,22 +7293,63 @@
             <a:spLocks noGrp="1"/>
           </p:cNvSpPr>
           <p:nvPr>
-            <p:ph type="body" idx="1"/>
-          </p:nvPr>
-        </p:nvSpPr>
-        <p:spPr/>
-        <p:txBody>
-          <a:bodyPr/>
-          <a:lstStyle/>
-          <a:p>
-            <a:endParaRPr lang="en-GB"/>
+            <p:ph idx="1"/>
+          </p:nvPr>
+        </p:nvSpPr>
+        <p:spPr>
+          <a:xfrm>
+            <a:off x="677334" y="1500327"/>
+            <a:ext cx="8596668" cy="4541036"/>
+          </a:xfrm>
+        </p:spPr>
+        <p:txBody>
+          <a:bodyPr/>
+          <a:lstStyle/>
+          <a:p>
+            <a:r>
+              <a:rPr lang="en-GB" dirty="0"/>
+              <a:t>Information about the group</a:t>
+            </a:r>
+          </a:p>
+          <a:p>
+            <a:r>
+              <a:rPr lang="en-GB" dirty="0"/>
+              <a:t>Why Functional Programming</a:t>
+            </a:r>
+          </a:p>
+          <a:p>
+            <a:r>
+              <a:rPr lang="en-GB" dirty="0"/>
+              <a:t>What is Functional Programming</a:t>
+            </a:r>
+          </a:p>
+          <a:p>
+            <a:r>
+              <a:rPr lang="en-GB" dirty="0"/>
+              <a:t>Functional Programming with F#</a:t>
+            </a:r>
+          </a:p>
+          <a:p>
+            <a:r>
+              <a:rPr lang="en-GB" dirty="0"/>
+              <a:t>FP / Declarative and OO / Imperative comparison</a:t>
+            </a:r>
+          </a:p>
+          <a:p>
+            <a:r>
+              <a:rPr lang="en-GB" dirty="0"/>
+              <a:t>Refactoring from Imperative with F#</a:t>
+            </a:r>
+          </a:p>
+          <a:p>
+            <a:endParaRPr lang="en-GB" dirty="0"/>
           </a:p>
         </p:txBody>
       </p:sp>
     </p:spTree>
     <p:extLst>
       <p:ext uri="{BB962C8B-B14F-4D97-AF65-F5344CB8AC3E}">
-        <p14:creationId xmlns:p14="http://schemas.microsoft.com/office/powerpoint/2010/main" val="88099589"/>
+        <p14:creationId xmlns:p14="http://schemas.microsoft.com/office/powerpoint/2010/main" val="428820946"/>
       </p:ext>
     </p:extLst>
   </p:cSld>
@@ -4687,7 +7381,7 @@
           <p:cNvPr id="2" name="Title 1">
             <a:extLst>
               <a:ext uri="{FF2B5EF4-FFF2-40B4-BE49-F238E27FC236}">
-                <a16:creationId xmlns:a16="http://schemas.microsoft.com/office/drawing/2014/main" id="{03254E06-85B8-4E13-BB43-29A591FB978A}"/>
+                <a16:creationId xmlns:a16="http://schemas.microsoft.com/office/drawing/2014/main" id="{95BAC10B-5402-42E4-AD48-A5265B068621}"/>
               </a:ext>
             </a:extLst>
           </p:cNvPr>
@@ -4698,14 +7392,19 @@
             <p:ph type="title"/>
           </p:nvPr>
         </p:nvSpPr>
-        <p:spPr/>
-        <p:txBody>
-          <a:bodyPr/>
-          <a:lstStyle/>
-          <a:p>
-            <a:r>
-              <a:rPr lang="en-GB" dirty="0"/>
-              <a:t>F# and Functional First Programming</a:t>
+        <p:spPr>
+          <a:xfrm>
+            <a:off x="677334" y="609600"/>
+            <a:ext cx="8596668" cy="864093"/>
+          </a:xfrm>
+        </p:spPr>
+        <p:txBody>
+          <a:bodyPr/>
+          <a:lstStyle/>
+          <a:p>
+            <a:r>
+              <a:rPr lang="en-GB" dirty="0"/>
+              <a:t>Functional First Programming with F#</a:t>
             </a:r>
           </a:p>
         </p:txBody>
@@ -4715,7 +7414,7 @@
           <p:cNvPr id="3" name="Content Placeholder 2">
             <a:extLst>
               <a:ext uri="{FF2B5EF4-FFF2-40B4-BE49-F238E27FC236}">
-                <a16:creationId xmlns:a16="http://schemas.microsoft.com/office/drawing/2014/main" id="{45E44DB9-894E-4349-B012-A0C0036D5696}"/>
+                <a16:creationId xmlns:a16="http://schemas.microsoft.com/office/drawing/2014/main" id="{A5CC9200-C372-4FE5-8C50-BE5E49CA61A2}"/>
               </a:ext>
             </a:extLst>
           </p:cNvPr>
@@ -4726,19 +7425,77 @@
             <p:ph idx="1"/>
           </p:nvPr>
         </p:nvSpPr>
-        <p:spPr/>
-        <p:txBody>
-          <a:bodyPr/>
-          <a:lstStyle/>
-          <a:p>
-            <a:endParaRPr lang="en-GB"/>
+        <p:spPr>
+          <a:xfrm>
+            <a:off x="677334" y="1473693"/>
+            <a:ext cx="9105858" cy="4567669"/>
+          </a:xfrm>
+        </p:spPr>
+        <p:txBody>
+          <a:bodyPr/>
+          <a:lstStyle/>
+          <a:p>
+            <a:r>
+              <a:rPr lang="en-GB" dirty="0"/>
+              <a:t>We will talk about this properly later, but what is Functional First Programming and why F#? </a:t>
+            </a:r>
+          </a:p>
+          <a:p>
+            <a:endParaRPr lang="en-GB" dirty="0"/>
+          </a:p>
+          <a:p>
+            <a:pPr marL="0" indent="0">
+              <a:buNone/>
+            </a:pPr>
+            <a:r>
+              <a:rPr lang="en-GB" i="1" dirty="0"/>
+              <a:t>"There is an interesting phenomenon happening at Xamarin. Whenever one of our engineers starts working with F#, they tend to embrace it and stay there." </a:t>
+            </a:r>
+            <a:br>
+              <a:rPr lang="en-GB" dirty="0"/>
+            </a:br>
+            <a:endParaRPr lang="en-GB" dirty="0"/>
+          </a:p>
+          <a:p>
+            <a:pPr marL="0" indent="0">
+              <a:buNone/>
+            </a:pPr>
+            <a:r>
+              <a:rPr lang="en-GB" dirty="0"/>
+              <a:t>Miguel de </a:t>
+            </a:r>
+            <a:r>
+              <a:rPr lang="en-GB" dirty="0" err="1"/>
+              <a:t>Icaza</a:t>
+            </a:r>
+            <a:r>
+              <a:rPr lang="en-GB" dirty="0"/>
+              <a:t>, best known for starting the </a:t>
+            </a:r>
+            <a:r>
+              <a:rPr lang="en-GB" dirty="0" err="1"/>
+              <a:t>GNOME,Mono</a:t>
+            </a:r>
+            <a:r>
+              <a:rPr lang="en-GB" dirty="0"/>
+              <a:t> and Xamarin projects</a:t>
+            </a:r>
+          </a:p>
+          <a:p>
+            <a:pPr marL="0" indent="0">
+              <a:buNone/>
+            </a:pPr>
+            <a:endParaRPr lang="en-GB" dirty="0"/>
+          </a:p>
+          <a:p>
+            <a:endParaRPr lang="en-GB" dirty="0"/>
           </a:p>
         </p:txBody>
       </p:sp>
     </p:spTree>
     <p:extLst>
       <p:ext uri="{BB962C8B-B14F-4D97-AF65-F5344CB8AC3E}">
-        <p14:creationId xmlns:p14="http://schemas.microsoft.com/office/powerpoint/2010/main" val="1194802579"/>
+        <p14:creationId xmlns:p14="http://schemas.microsoft.com/office/powerpoint/2010/main" val="3554641445"/>
       </p:ext>
     </p:extLst>
   </p:cSld>
@@ -4770,7 +7527,7 @@
           <p:cNvPr id="2" name="Title 1">
             <a:extLst>
               <a:ext uri="{FF2B5EF4-FFF2-40B4-BE49-F238E27FC236}">
-                <a16:creationId xmlns:a16="http://schemas.microsoft.com/office/drawing/2014/main" id="{5631F596-C35B-4304-B20B-DDDD081A15F9}"/>
+                <a16:creationId xmlns:a16="http://schemas.microsoft.com/office/drawing/2014/main" id="{95BAC10B-5402-42E4-AD48-A5265B068621}"/>
               </a:ext>
             </a:extLst>
           </p:cNvPr>
@@ -4781,14 +7538,19 @@
             <p:ph type="title"/>
           </p:nvPr>
         </p:nvSpPr>
-        <p:spPr/>
-        <p:txBody>
-          <a:bodyPr/>
-          <a:lstStyle/>
-          <a:p>
-            <a:r>
-              <a:rPr lang="en-GB" dirty="0"/>
-              <a:t>Exercise 00 </a:t>
+        <p:spPr>
+          <a:xfrm>
+            <a:off x="677334" y="609600"/>
+            <a:ext cx="8596668" cy="864093"/>
+          </a:xfrm>
+        </p:spPr>
+        <p:txBody>
+          <a:bodyPr/>
+          <a:lstStyle/>
+          <a:p>
+            <a:r>
+              <a:rPr lang="en-GB" dirty="0"/>
+              <a:t>Functional First Programming with F#</a:t>
             </a:r>
           </a:p>
         </p:txBody>
@@ -4798,7 +7560,7 @@
           <p:cNvPr id="3" name="Content Placeholder 2">
             <a:extLst>
               <a:ext uri="{FF2B5EF4-FFF2-40B4-BE49-F238E27FC236}">
-                <a16:creationId xmlns:a16="http://schemas.microsoft.com/office/drawing/2014/main" id="{D8B20300-040F-46A7-9181-4982E34FB03A}"/>
+                <a16:creationId xmlns:a16="http://schemas.microsoft.com/office/drawing/2014/main" id="{A5CC9200-C372-4FE5-8C50-BE5E49CA61A2}"/>
               </a:ext>
             </a:extLst>
           </p:cNvPr>
@@ -4809,19 +7571,86 @@
             <p:ph idx="1"/>
           </p:nvPr>
         </p:nvSpPr>
-        <p:spPr/>
-        <p:txBody>
-          <a:bodyPr/>
-          <a:lstStyle/>
-          <a:p>
-            <a:endParaRPr lang="en-GB"/>
+        <p:spPr>
+          <a:xfrm>
+            <a:off x="677334" y="1473693"/>
+            <a:ext cx="8596668" cy="4567669"/>
+          </a:xfrm>
+        </p:spPr>
+        <p:txBody>
+          <a:bodyPr/>
+          <a:lstStyle/>
+          <a:p>
+            <a:pPr marL="0" indent="0">
+              <a:buNone/>
+            </a:pPr>
+            <a:r>
+              <a:rPr lang="en-GB" dirty="0"/>
+              <a:t>Benefits: </a:t>
+            </a:r>
+          </a:p>
+          <a:p>
+            <a:r>
+              <a:rPr lang="en-GB" dirty="0"/>
+              <a:t>A Multiparadigm language, OO and imperative is just as easy as in C#</a:t>
+            </a:r>
+          </a:p>
+          <a:p>
+            <a:r>
+              <a:rPr lang="en-GB" dirty="0"/>
+              <a:t>Strong community</a:t>
+            </a:r>
+          </a:p>
+          <a:p>
+            <a:r>
+              <a:rPr lang="en-GB" dirty="0"/>
+              <a:t>Concise but readable syntax and easy to understand</a:t>
+            </a:r>
+          </a:p>
+          <a:p>
+            <a:r>
+              <a:rPr lang="en-GB" dirty="0"/>
+              <a:t>Full .NET Interop</a:t>
+            </a:r>
+          </a:p>
+          <a:p>
+            <a:r>
+              <a:rPr lang="en-GB" dirty="0"/>
+              <a:t>F# -&gt; </a:t>
+            </a:r>
+            <a:r>
+              <a:rPr lang="en-GB" dirty="0" err="1"/>
+              <a:t>Javascript</a:t>
+            </a:r>
+            <a:r>
+              <a:rPr lang="en-GB" dirty="0"/>
+              <a:t> compiler with Fable</a:t>
+            </a:r>
+          </a:p>
+          <a:p>
+            <a:r>
+              <a:rPr lang="en-GB" dirty="0"/>
+              <a:t>Multiplatform</a:t>
+            </a:r>
+          </a:p>
+          <a:p>
+            <a:r>
+              <a:rPr lang="en-GB" dirty="0"/>
+              <a:t>Xamarin support</a:t>
+            </a:r>
+          </a:p>
+          <a:p>
+            <a:r>
+              <a:rPr lang="en-GB" dirty="0"/>
+              <a:t>Can use Visual Studio, Visual Studio code, or Rider</a:t>
+            </a:r>
           </a:p>
         </p:txBody>
       </p:sp>
     </p:spTree>
     <p:extLst>
       <p:ext uri="{BB962C8B-B14F-4D97-AF65-F5344CB8AC3E}">
-        <p14:creationId xmlns:p14="http://schemas.microsoft.com/office/powerpoint/2010/main" val="1106240761"/>
+        <p14:creationId xmlns:p14="http://schemas.microsoft.com/office/powerpoint/2010/main" val="1595959429"/>
       </p:ext>
     </p:extLst>
   </p:cSld>
@@ -4853,7 +7682,7 @@
           <p:cNvPr id="2" name="Title 1">
             <a:extLst>
               <a:ext uri="{FF2B5EF4-FFF2-40B4-BE49-F238E27FC236}">
-                <a16:creationId xmlns:a16="http://schemas.microsoft.com/office/drawing/2014/main" id="{681FAFFE-9FF8-4BD1-A6F6-7FE578FD4AC1}"/>
+                <a16:creationId xmlns:a16="http://schemas.microsoft.com/office/drawing/2014/main" id="{95BAC10B-5402-42E4-AD48-A5265B068621}"/>
               </a:ext>
             </a:extLst>
           </p:cNvPr>
@@ -4864,29 +7693,29 @@
             <p:ph type="title"/>
           </p:nvPr>
         </p:nvSpPr>
-        <p:spPr/>
-        <p:txBody>
-          <a:bodyPr/>
-          <a:lstStyle/>
-          <a:p>
-            <a:r>
-              <a:rPr lang="en-GB" dirty="0"/>
-              <a:t>Next Session: All about the </a:t>
-            </a:r>
-            <a:r>
-              <a:rPr lang="en-GB" dirty="0" err="1"/>
-              <a:t>Func</a:t>
-            </a:r>
-            <a:endParaRPr lang="en-GB" dirty="0"/>
-          </a:p>
-        </p:txBody>
-      </p:sp>
-      <p:sp>
-        <p:nvSpPr>
-          <p:cNvPr id="3" name="Text Placeholder 2">
+        <p:spPr>
+          <a:xfrm>
+            <a:off x="677334" y="609600"/>
+            <a:ext cx="8596668" cy="864093"/>
+          </a:xfrm>
+        </p:spPr>
+        <p:txBody>
+          <a:bodyPr/>
+          <a:lstStyle/>
+          <a:p>
+            <a:r>
+              <a:rPr lang="en-GB" dirty="0"/>
+              <a:t>Functional First Programming with F#</a:t>
+            </a:r>
+          </a:p>
+        </p:txBody>
+      </p:sp>
+      <p:sp>
+        <p:nvSpPr>
+          <p:cNvPr id="3" name="Content Placeholder 2">
             <a:extLst>
               <a:ext uri="{FF2B5EF4-FFF2-40B4-BE49-F238E27FC236}">
-                <a16:creationId xmlns:a16="http://schemas.microsoft.com/office/drawing/2014/main" id="{C88B31E1-2DE0-42CB-BAE7-68B85830B304}"/>
+                <a16:creationId xmlns:a16="http://schemas.microsoft.com/office/drawing/2014/main" id="{A5CC9200-C372-4FE5-8C50-BE5E49CA61A2}"/>
               </a:ext>
             </a:extLst>
           </p:cNvPr>
@@ -4894,17 +7723,43 @@
             <a:spLocks noGrp="1"/>
           </p:cNvSpPr>
           <p:nvPr>
-            <p:ph type="body" idx="1"/>
-          </p:nvPr>
-        </p:nvSpPr>
-        <p:spPr/>
-        <p:txBody>
-          <a:bodyPr/>
-          <a:lstStyle/>
-          <a:p>
-            <a:r>
-              <a:rPr lang="en-GB" dirty="0"/>
-              <a:t>01</a:t>
+            <p:ph idx="1"/>
+          </p:nvPr>
+        </p:nvSpPr>
+        <p:spPr>
+          <a:xfrm>
+            <a:off x="677334" y="1473693"/>
+            <a:ext cx="8596668" cy="4567669"/>
+          </a:xfrm>
+        </p:spPr>
+        <p:txBody>
+          <a:bodyPr/>
+          <a:lstStyle/>
+          <a:p>
+            <a:pPr marL="0" indent="0">
+              <a:buNone/>
+            </a:pPr>
+            <a:r>
+              <a:rPr lang="en-GB" dirty="0"/>
+              <a:t>Issues: </a:t>
+            </a:r>
+          </a:p>
+          <a:p>
+            <a:r>
+              <a:rPr lang="en-GB" dirty="0"/>
+              <a:t>No Type classes (Yet)</a:t>
+            </a:r>
+          </a:p>
+          <a:p>
+            <a:r>
+              <a:rPr lang="en-GB" dirty="0"/>
+              <a:t>Not as good treatment in comparison to C# from Microsoft at the moment, so development setup isn’t perfect at the moment</a:t>
+            </a:r>
+          </a:p>
+          <a:p>
+            <a:r>
+              <a:rPr lang="en-GB" dirty="0"/>
+              <a:t>C# is a really good language</a:t>
             </a:r>
           </a:p>
         </p:txBody>
@@ -4912,7 +7767,7 @@
     </p:spTree>
     <p:extLst>
       <p:ext uri="{BB962C8B-B14F-4D97-AF65-F5344CB8AC3E}">
-        <p14:creationId xmlns:p14="http://schemas.microsoft.com/office/powerpoint/2010/main" val="697074310"/>
+        <p14:creationId xmlns:p14="http://schemas.microsoft.com/office/powerpoint/2010/main" val="640178609"/>
       </p:ext>
     </p:extLst>
   </p:cSld>
@@ -4944,7 +7799,7 @@
           <p:cNvPr id="2" name="Title 1">
             <a:extLst>
               <a:ext uri="{FF2B5EF4-FFF2-40B4-BE49-F238E27FC236}">
-                <a16:creationId xmlns:a16="http://schemas.microsoft.com/office/drawing/2014/main" id="{C32F7970-9EF4-4BA1-A727-34A21286C389}"/>
+                <a16:creationId xmlns:a16="http://schemas.microsoft.com/office/drawing/2014/main" id="{5BCD6D4A-1CE9-4B21-9F15-722BB6F2168A}"/>
               </a:ext>
             </a:extLst>
           </p:cNvPr>
@@ -4962,7 +7817,7 @@
           <a:p>
             <a:r>
               <a:rPr lang="en-GB" dirty="0"/>
-              <a:t>Questions?</a:t>
+              <a:t>Functional / Declarative vs OO / Imperative breakdown</a:t>
             </a:r>
           </a:p>
         </p:txBody>
@@ -4972,7 +7827,7 @@
           <p:cNvPr id="3" name="Text Placeholder 2">
             <a:extLst>
               <a:ext uri="{FF2B5EF4-FFF2-40B4-BE49-F238E27FC236}">
-                <a16:creationId xmlns:a16="http://schemas.microsoft.com/office/drawing/2014/main" id="{D4C50D17-FBFB-44FA-8267-A9FD1B6CDEC7}"/>
+                <a16:creationId xmlns:a16="http://schemas.microsoft.com/office/drawing/2014/main" id="{5EBE161B-7F3A-4896-9715-C78A36DEFBAC}"/>
               </a:ext>
             </a:extLst>
           </p:cNvPr>
@@ -4988,14 +7843,17 @@
           <a:bodyPr/>
           <a:lstStyle/>
           <a:p>
-            <a:endParaRPr lang="en-GB" dirty="0"/>
+            <a:r>
+              <a:rPr lang="en-GB" dirty="0"/>
+              <a:t>Finally some code!</a:t>
+            </a:r>
           </a:p>
         </p:txBody>
       </p:sp>
     </p:spTree>
     <p:extLst>
       <p:ext uri="{BB962C8B-B14F-4D97-AF65-F5344CB8AC3E}">
-        <p14:creationId xmlns:p14="http://schemas.microsoft.com/office/powerpoint/2010/main" val="763752396"/>
+        <p14:creationId xmlns:p14="http://schemas.microsoft.com/office/powerpoint/2010/main" val="1351044412"/>
       </p:ext>
     </p:extLst>
   </p:cSld>
@@ -5024,10 +7882,38 @@
       </p:grpSpPr>
       <p:sp>
         <p:nvSpPr>
+          <p:cNvPr id="2" name="Title 1">
+            <a:extLst>
+              <a:ext uri="{FF2B5EF4-FFF2-40B4-BE49-F238E27FC236}">
+                <a16:creationId xmlns:a16="http://schemas.microsoft.com/office/drawing/2014/main" id="{DBF56B8E-2F55-4DA2-9AA6-3828B040BF41}"/>
+              </a:ext>
+            </a:extLst>
+          </p:cNvPr>
+          <p:cNvSpPr>
+            <a:spLocks noGrp="1"/>
+          </p:cNvSpPr>
+          <p:nvPr>
+            <p:ph type="title"/>
+          </p:nvPr>
+        </p:nvSpPr>
+        <p:spPr/>
+        <p:txBody>
+          <a:bodyPr/>
+          <a:lstStyle/>
+          <a:p>
+            <a:r>
+              <a:rPr lang="en-GB" dirty="0"/>
+              <a:t>FP / Declarative vs Imperative</a:t>
+            </a:r>
+          </a:p>
+        </p:txBody>
+      </p:sp>
+      <p:sp>
+        <p:nvSpPr>
           <p:cNvPr id="3" name="Content Placeholder 2">
             <a:extLst>
               <a:ext uri="{FF2B5EF4-FFF2-40B4-BE49-F238E27FC236}">
-                <a16:creationId xmlns:a16="http://schemas.microsoft.com/office/drawing/2014/main" id="{A8BB7F6B-CF9F-4610-91EC-59CE7AF64937}"/>
+                <a16:creationId xmlns:a16="http://schemas.microsoft.com/office/drawing/2014/main" id="{B5EA96D2-D5D0-435C-AAE4-4ACF7825D090}"/>
               </a:ext>
             </a:extLst>
           </p:cNvPr>
@@ -5040,150 +7926,66 @@
         </p:nvSpPr>
         <p:spPr>
           <a:xfrm>
-            <a:off x="838200" y="470517"/>
-            <a:ext cx="10515600" cy="5706446"/>
+            <a:off x="677333" y="2160589"/>
+            <a:ext cx="9363312" cy="3880773"/>
           </a:xfrm>
         </p:spPr>
         <p:txBody>
-          <a:bodyPr>
-            <a:normAutofit fontScale="55000" lnSpcReduction="20000"/>
-          </a:bodyPr>
-          <a:lstStyle/>
-          <a:p>
-            <a:r>
-              <a:rPr lang="en-GB" b="1" dirty="0"/>
-              <a:t>### Topic 1: Start: Course / Functional </a:t>
-            </a:r>
-            <a:r>
-              <a:rPr lang="en-GB" b="1" dirty="0" err="1"/>
-              <a:t>Progrmaming</a:t>
-            </a:r>
-            <a:r>
-              <a:rPr lang="en-GB" b="1" dirty="0"/>
-              <a:t> / F# Introduction</a:t>
-            </a:r>
-            <a:endParaRPr lang="en-GB" dirty="0"/>
-          </a:p>
-          <a:p>
-            <a:r>
-              <a:rPr lang="en-GB" dirty="0"/>
-              <a:t>- Lecture Outline:</a:t>
-            </a:r>
-          </a:p>
-          <a:p>
-            <a:r>
-              <a:rPr lang="en-GB" dirty="0"/>
-              <a:t>- Title : Functional First Programming with F#</a:t>
-            </a:r>
-          </a:p>
-          <a:p>
-            <a:r>
-              <a:rPr lang="en-GB" dirty="0"/>
-              <a:t>- Introduce course and outline</a:t>
-            </a:r>
-          </a:p>
-          <a:p>
-            <a:r>
-              <a:rPr lang="en-GB" dirty="0"/>
-              <a:t>- Exercise ideas</a:t>
-            </a:r>
-          </a:p>
-          <a:p>
-            <a:r>
-              <a:rPr lang="en-GB" dirty="0"/>
-              <a:t>- Summary of Functional Programming</a:t>
-            </a:r>
-          </a:p>
-          <a:p>
-            <a:r>
-              <a:rPr lang="en-GB" dirty="0"/>
-              <a:t>- Why functional programming</a:t>
-            </a:r>
-          </a:p>
-          <a:p>
-            <a:r>
-              <a:rPr lang="en-GB" dirty="0"/>
-              <a:t>- High level features of functional programming</a:t>
-            </a:r>
-          </a:p>
-          <a:p>
-            <a:r>
-              <a:rPr lang="en-GB" dirty="0"/>
-              <a:t>- Pure functions</a:t>
-            </a:r>
-          </a:p>
-          <a:p>
-            <a:r>
-              <a:rPr lang="en-GB" dirty="0"/>
-              <a:t>- </a:t>
-            </a:r>
-            <a:r>
-              <a:rPr lang="en-GB" dirty="0" err="1"/>
-              <a:t>Immutablility</a:t>
+          <a:bodyPr/>
+          <a:lstStyle/>
+          <a:p>
+            <a:pPr marL="0" indent="0">
+              <a:buNone/>
+            </a:pPr>
+            <a:r>
+              <a:rPr lang="en-GB" i="1" dirty="0"/>
+              <a:t>“Imperative programming accomplishes tasks by executing a series of commands.</a:t>
+            </a:r>
+            <a:br>
+              <a:rPr lang="en-GB" i="1" dirty="0"/>
+            </a:br>
+            <a:r>
+              <a:rPr lang="en-GB" i="1" dirty="0"/>
+              <a:t>[Control Flow]</a:t>
+            </a:r>
+            <a:br>
+              <a:rPr lang="en-GB" i="1" dirty="0"/>
+            </a:br>
+            <a:r>
+              <a:rPr lang="en-GB" i="1" dirty="0"/>
+              <a:t>Functional programming accomplishes tasks by describing the results with expressions.</a:t>
+            </a:r>
+            <a:br>
+              <a:rPr lang="en-GB" i="1" dirty="0"/>
+            </a:br>
+            <a:r>
+              <a:rPr lang="en-GB" i="1" dirty="0"/>
+              <a:t>[Data Flow]</a:t>
+            </a:r>
+            <a:br>
+              <a:rPr lang="en-GB" i="1" dirty="0"/>
+            </a:br>
+            <a:r>
+              <a:rPr lang="en-GB" i="1" dirty="0"/>
+              <a:t>“</a:t>
+            </a:r>
+          </a:p>
+          <a:p>
+            <a:pPr marL="0" indent="0">
+              <a:buNone/>
+            </a:pPr>
+            <a:br>
+              <a:rPr lang="en-GB" i="1" dirty="0"/>
+            </a:br>
+            <a:r>
+              <a:rPr lang="en-GB" dirty="0">
+                <a:hlinkClick r:id="rId2"/>
+              </a:rPr>
+              <a:t>https://magneticcoredump.squarespace.com/blog/what-is-the-difference-between-functional-and-imperative-programming</a:t>
             </a:r>
             <a:r>
               <a:rPr lang="en-GB" dirty="0"/>
               <a:t> </a:t>
-            </a:r>
-          </a:p>
-          <a:p>
-            <a:r>
-              <a:rPr lang="en-GB" dirty="0"/>
-              <a:t>- Referential transparency</a:t>
-            </a:r>
-          </a:p>
-          <a:p>
-            <a:r>
-              <a:rPr lang="en-GB" dirty="0"/>
-              <a:t>- Algebraic data types</a:t>
-            </a:r>
-          </a:p>
-          <a:p>
-            <a:r>
-              <a:rPr lang="en-GB" dirty="0"/>
-              <a:t>- High level comparison of OO / Imperative to Functional / declarative </a:t>
-            </a:r>
-          </a:p>
-          <a:p>
-            <a:r>
-              <a:rPr lang="en-GB" dirty="0"/>
-              <a:t>- https://en.wikipedia.org/wiki/SOLID_(object-oriented_design)</a:t>
-            </a:r>
-          </a:p>
-          <a:p>
-            <a:r>
-              <a:rPr lang="en-GB" dirty="0"/>
-              <a:t>- Functional First Programming</a:t>
-            </a:r>
-          </a:p>
-          <a:p>
-            <a:r>
-              <a:rPr lang="en-GB" dirty="0"/>
-              <a:t>- F# and the functional first approach</a:t>
-            </a:r>
-          </a:p>
-          <a:p>
-            <a:r>
-              <a:rPr lang="en-GB" dirty="0"/>
-              <a:t>- http://whiley.org/2012/09/06/a-misconception-of-functional-programming/</a:t>
-            </a:r>
-          </a:p>
-          <a:p>
-            <a:r>
-              <a:rPr lang="en-GB" dirty="0"/>
-              <a:t>- Setup Instructions &amp; Exercise 0</a:t>
-            </a:r>
-          </a:p>
-          <a:p>
-            <a:r>
-              <a:rPr lang="en-GB" dirty="0"/>
-              <a:t>- Next Session</a:t>
-            </a:r>
-          </a:p>
-          <a:p>
-            <a:r>
-              <a:rPr lang="en-GB" dirty="0"/>
-              <a:t>- Questions</a:t>
             </a:r>
           </a:p>
           <a:p>
@@ -5194,7 +7996,7 @@
     </p:spTree>
     <p:extLst>
       <p:ext uri="{BB962C8B-B14F-4D97-AF65-F5344CB8AC3E}">
-        <p14:creationId xmlns:p14="http://schemas.microsoft.com/office/powerpoint/2010/main" val="3882816302"/>
+        <p14:creationId xmlns:p14="http://schemas.microsoft.com/office/powerpoint/2010/main" val="3813737669"/>
       </p:ext>
     </p:extLst>
   </p:cSld>
@@ -5223,10 +8025,38 @@
       </p:grpSpPr>
       <p:sp>
         <p:nvSpPr>
+          <p:cNvPr id="2" name="Title 1">
+            <a:extLst>
+              <a:ext uri="{FF2B5EF4-FFF2-40B4-BE49-F238E27FC236}">
+                <a16:creationId xmlns:a16="http://schemas.microsoft.com/office/drawing/2014/main" id="{81A5BDF8-ABAB-455C-9D2D-7C59AD38FFD5}"/>
+              </a:ext>
+            </a:extLst>
+          </p:cNvPr>
+          <p:cNvSpPr>
+            <a:spLocks noGrp="1"/>
+          </p:cNvSpPr>
+          <p:nvPr>
+            <p:ph type="title"/>
+          </p:nvPr>
+        </p:nvSpPr>
+        <p:spPr/>
+        <p:txBody>
+          <a:bodyPr/>
+          <a:lstStyle/>
+          <a:p>
+            <a:r>
+              <a:rPr lang="en-GB" dirty="0"/>
+              <a:t>FP / Declarative vs Imperative</a:t>
+            </a:r>
+          </a:p>
+        </p:txBody>
+      </p:sp>
+      <p:sp>
+        <p:nvSpPr>
           <p:cNvPr id="3" name="Content Placeholder 2">
             <a:extLst>
               <a:ext uri="{FF2B5EF4-FFF2-40B4-BE49-F238E27FC236}">
-                <a16:creationId xmlns:a16="http://schemas.microsoft.com/office/drawing/2014/main" id="{92FF45D9-D619-4C41-8786-BA6754DE484F}"/>
+                <a16:creationId xmlns:a16="http://schemas.microsoft.com/office/drawing/2014/main" id="{896BC6C1-6D16-46D7-85DD-2805DC9458EB}"/>
               </a:ext>
             </a:extLst>
           </p:cNvPr>
@@ -5239,95 +8069,390 @@
         </p:nvSpPr>
         <p:spPr/>
         <p:txBody>
-          <a:bodyPr>
-            <a:normAutofit fontScale="62500" lnSpcReduction="20000"/>
-          </a:bodyPr>
-          <a:lstStyle/>
-          <a:p>
-            <a:r>
-              <a:rPr lang="en-GB" b="1" dirty="0"/>
-              <a:t>## High Level Areas</a:t>
-            </a:r>
-            <a:endParaRPr lang="en-GB" dirty="0"/>
-          </a:p>
-          <a:p>
-            <a:r>
-              <a:rPr lang="en-GB" dirty="0"/>
-              <a:t>- A: Functional Programming Principles</a:t>
-            </a:r>
-          </a:p>
-          <a:p>
-            <a:r>
-              <a:rPr lang="en-GB" dirty="0"/>
-              <a:t>- E.g. Thinking functionally, Functions, Algebraic data types, recursion, immutable data, Monads etc</a:t>
-            </a:r>
-          </a:p>
-          <a:p>
-            <a:r>
-              <a:rPr lang="en-GB" dirty="0"/>
-              <a:t>- A: Functional First Programming (Pragmatic concepts)</a:t>
-            </a:r>
-          </a:p>
-          <a:p>
-            <a:r>
-              <a:rPr lang="en-GB" dirty="0"/>
-              <a:t>- Main topics are: </a:t>
-            </a:r>
-          </a:p>
-          <a:p>
-            <a:r>
-              <a:rPr lang="en-GB" dirty="0"/>
-              <a:t>- Performance</a:t>
-            </a:r>
-          </a:p>
-          <a:p>
-            <a:r>
-              <a:rPr lang="en-GB" dirty="0"/>
-              <a:t>- Interacting with Non functional code (libraries or frameworks), such as web frameworks, databases</a:t>
-            </a:r>
-          </a:p>
-          <a:p>
-            <a:r>
-              <a:rPr lang="en-GB" dirty="0"/>
-              <a:t>- A: Functional Programming Design</a:t>
-            </a:r>
-          </a:p>
-          <a:p>
-            <a:r>
-              <a:rPr lang="en-GB" dirty="0"/>
-              <a:t>- A: F# Specific features and syntax</a:t>
-            </a:r>
-          </a:p>
-          <a:p>
-            <a:r>
-              <a:rPr lang="en-GB" dirty="0"/>
-              <a:t>- E.g. Operators, type providers</a:t>
-            </a:r>
-          </a:p>
-          <a:p>
-            <a:r>
-              <a:rPr lang="en-GB" dirty="0"/>
-              <a:t>- Project? Or do project at end of A1 and A2</a:t>
-            </a:r>
-          </a:p>
-          <a:p>
-            <a:br>
-              <a:rPr lang="en-GB" dirty="0"/>
-            </a:br>
-            <a:r>
-              <a:rPr lang="en-GB" dirty="0"/>
-              <a:t>- How to deal with F# specific things? Separate into their own lectures, or mix in? </a:t>
-            </a:r>
-          </a:p>
-          <a:p>
-            <a:endParaRPr lang="en-GB" dirty="0"/>
+          <a:bodyPr/>
+          <a:lstStyle/>
+          <a:p>
+            <a:r>
+              <a:rPr lang="en-GB" dirty="0"/>
+              <a:t>To Visual Studio!</a:t>
+            </a:r>
           </a:p>
         </p:txBody>
       </p:sp>
     </p:spTree>
     <p:extLst>
       <p:ext uri="{BB962C8B-B14F-4D97-AF65-F5344CB8AC3E}">
-        <p14:creationId xmlns:p14="http://schemas.microsoft.com/office/powerpoint/2010/main" val="3856430382"/>
+        <p14:creationId xmlns:p14="http://schemas.microsoft.com/office/powerpoint/2010/main" val="1629119169"/>
+      </p:ext>
+    </p:extLst>
+  </p:cSld>
+  <p:clrMapOvr>
+    <a:masterClrMapping/>
+  </p:clrMapOvr>
+</p:sld>
+</file>
+
+<file path=ppt/slides/slide26.xml><?xml version="1.0" encoding="utf-8"?>
+<p:sld xmlns:a="http://schemas.openxmlformats.org/drawingml/2006/main" xmlns:r="http://schemas.openxmlformats.org/officeDocument/2006/relationships" xmlns:p="http://schemas.openxmlformats.org/presentationml/2006/main">
+  <p:cSld>
+    <p:spTree>
+      <p:nvGrpSpPr>
+        <p:cNvPr id="1" name=""/>
+        <p:cNvGrpSpPr/>
+        <p:nvPr/>
+      </p:nvGrpSpPr>
+      <p:grpSpPr>
+        <a:xfrm>
+          <a:off x="0" y="0"/>
+          <a:ext cx="0" cy="0"/>
+          <a:chOff x="0" y="0"/>
+          <a:chExt cx="0" cy="0"/>
+        </a:xfrm>
+      </p:grpSpPr>
+      <p:sp>
+        <p:nvSpPr>
+          <p:cNvPr id="2" name="Title 1">
+            <a:extLst>
+              <a:ext uri="{FF2B5EF4-FFF2-40B4-BE49-F238E27FC236}">
+                <a16:creationId xmlns:a16="http://schemas.microsoft.com/office/drawing/2014/main" id="{81A5BDF8-ABAB-455C-9D2D-7C59AD38FFD5}"/>
+              </a:ext>
+            </a:extLst>
+          </p:cNvPr>
+          <p:cNvSpPr>
+            <a:spLocks noGrp="1"/>
+          </p:cNvSpPr>
+          <p:nvPr>
+            <p:ph type="title"/>
+          </p:nvPr>
+        </p:nvSpPr>
+        <p:spPr/>
+        <p:txBody>
+          <a:bodyPr/>
+          <a:lstStyle/>
+          <a:p>
+            <a:r>
+              <a:rPr lang="en-GB" dirty="0"/>
+              <a:t>FP / Declarative vs OO</a:t>
+            </a:r>
+          </a:p>
+        </p:txBody>
+      </p:sp>
+      <p:sp>
+        <p:nvSpPr>
+          <p:cNvPr id="3" name="Content Placeholder 2">
+            <a:extLst>
+              <a:ext uri="{FF2B5EF4-FFF2-40B4-BE49-F238E27FC236}">
+                <a16:creationId xmlns:a16="http://schemas.microsoft.com/office/drawing/2014/main" id="{896BC6C1-6D16-46D7-85DD-2805DC9458EB}"/>
+              </a:ext>
+            </a:extLst>
+          </p:cNvPr>
+          <p:cNvSpPr>
+            <a:spLocks noGrp="1"/>
+          </p:cNvSpPr>
+          <p:nvPr>
+            <p:ph idx="1"/>
+          </p:nvPr>
+        </p:nvSpPr>
+        <p:spPr/>
+        <p:txBody>
+          <a:bodyPr/>
+          <a:lstStyle/>
+          <a:p>
+            <a:pPr marL="0" indent="0">
+              <a:buNone/>
+            </a:pPr>
+            <a:r>
+              <a:rPr lang="en-GB" i="1" dirty="0"/>
+              <a:t>"OO makes code understandable by encapsulating moving parts. FP makes code understandable by minimizing moving parts." </a:t>
+            </a:r>
+          </a:p>
+          <a:p>
+            <a:r>
+              <a:rPr lang="en-GB" dirty="0"/>
+              <a:t>Michael Feathers @</a:t>
+            </a:r>
+            <a:r>
+              <a:rPr lang="en-GB" dirty="0" err="1"/>
+              <a:t>mfeathers</a:t>
+            </a:r>
+            <a:endParaRPr lang="en-GB" dirty="0"/>
+          </a:p>
+        </p:txBody>
+      </p:sp>
+    </p:spTree>
+    <p:extLst>
+      <p:ext uri="{BB962C8B-B14F-4D97-AF65-F5344CB8AC3E}">
+        <p14:creationId xmlns:p14="http://schemas.microsoft.com/office/powerpoint/2010/main" val="608596680"/>
+      </p:ext>
+    </p:extLst>
+  </p:cSld>
+  <p:clrMapOvr>
+    <a:masterClrMapping/>
+  </p:clrMapOvr>
+</p:sld>
+</file>
+
+<file path=ppt/slides/slide27.xml><?xml version="1.0" encoding="utf-8"?>
+<p:sld xmlns:a="http://schemas.openxmlformats.org/drawingml/2006/main" xmlns:r="http://schemas.openxmlformats.org/officeDocument/2006/relationships" xmlns:p="http://schemas.openxmlformats.org/presentationml/2006/main">
+  <p:cSld>
+    <p:spTree>
+      <p:nvGrpSpPr>
+        <p:cNvPr id="1" name=""/>
+        <p:cNvGrpSpPr/>
+        <p:nvPr/>
+      </p:nvGrpSpPr>
+      <p:grpSpPr>
+        <a:xfrm>
+          <a:off x="0" y="0"/>
+          <a:ext cx="0" cy="0"/>
+          <a:chOff x="0" y="0"/>
+          <a:chExt cx="0" cy="0"/>
+        </a:xfrm>
+      </p:grpSpPr>
+      <p:sp>
+        <p:nvSpPr>
+          <p:cNvPr id="2" name="Title 1">
+            <a:extLst>
+              <a:ext uri="{FF2B5EF4-FFF2-40B4-BE49-F238E27FC236}">
+                <a16:creationId xmlns:a16="http://schemas.microsoft.com/office/drawing/2014/main" id="{81A5BDF8-ABAB-455C-9D2D-7C59AD38FFD5}"/>
+              </a:ext>
+            </a:extLst>
+          </p:cNvPr>
+          <p:cNvSpPr>
+            <a:spLocks noGrp="1"/>
+          </p:cNvSpPr>
+          <p:nvPr>
+            <p:ph type="title"/>
+          </p:nvPr>
+        </p:nvSpPr>
+        <p:spPr/>
+        <p:txBody>
+          <a:bodyPr/>
+          <a:lstStyle/>
+          <a:p>
+            <a:r>
+              <a:rPr lang="en-GB" dirty="0"/>
+              <a:t>FP / Declarative vs OO</a:t>
+            </a:r>
+          </a:p>
+        </p:txBody>
+      </p:sp>
+      <p:sp>
+        <p:nvSpPr>
+          <p:cNvPr id="3" name="Content Placeholder 2">
+            <a:extLst>
+              <a:ext uri="{FF2B5EF4-FFF2-40B4-BE49-F238E27FC236}">
+                <a16:creationId xmlns:a16="http://schemas.microsoft.com/office/drawing/2014/main" id="{896BC6C1-6D16-46D7-85DD-2805DC9458EB}"/>
+              </a:ext>
+            </a:extLst>
+          </p:cNvPr>
+          <p:cNvSpPr>
+            <a:spLocks noGrp="1"/>
+          </p:cNvSpPr>
+          <p:nvPr>
+            <p:ph idx="1"/>
+          </p:nvPr>
+        </p:nvSpPr>
+        <p:spPr/>
+        <p:txBody>
+          <a:bodyPr/>
+          <a:lstStyle/>
+          <a:p>
+            <a:r>
+              <a:rPr lang="en-GB" dirty="0"/>
+              <a:t>OO: Data and methods / functions are bound together. State is hidden through encapsulation, and objects work together by calling methods on other objects (Basically messaging)</a:t>
+            </a:r>
+          </a:p>
+          <a:p>
+            <a:r>
+              <a:rPr lang="en-GB" dirty="0"/>
+              <a:t>FP: Data and functions are separated.  State is made more explicit, and we aim to control and minimise the number of ways that state can change. </a:t>
+            </a:r>
+          </a:p>
+        </p:txBody>
+      </p:sp>
+    </p:spTree>
+    <p:extLst>
+      <p:ext uri="{BB962C8B-B14F-4D97-AF65-F5344CB8AC3E}">
+        <p14:creationId xmlns:p14="http://schemas.microsoft.com/office/powerpoint/2010/main" val="3204509496"/>
+      </p:ext>
+    </p:extLst>
+  </p:cSld>
+  <p:clrMapOvr>
+    <a:masterClrMapping/>
+  </p:clrMapOvr>
+</p:sld>
+</file>
+
+<file path=ppt/slides/slide28.xml><?xml version="1.0" encoding="utf-8"?>
+<p:sld xmlns:a="http://schemas.openxmlformats.org/drawingml/2006/main" xmlns:r="http://schemas.openxmlformats.org/officeDocument/2006/relationships" xmlns:p="http://schemas.openxmlformats.org/presentationml/2006/main">
+  <p:cSld>
+    <p:spTree>
+      <p:nvGrpSpPr>
+        <p:cNvPr id="1" name=""/>
+        <p:cNvGrpSpPr/>
+        <p:nvPr/>
+      </p:nvGrpSpPr>
+      <p:grpSpPr>
+        <a:xfrm>
+          <a:off x="0" y="0"/>
+          <a:ext cx="0" cy="0"/>
+          <a:chOff x="0" y="0"/>
+          <a:chExt cx="0" cy="0"/>
+        </a:xfrm>
+      </p:grpSpPr>
+      <p:sp>
+        <p:nvSpPr>
+          <p:cNvPr id="2" name="Title 1">
+            <a:extLst>
+              <a:ext uri="{FF2B5EF4-FFF2-40B4-BE49-F238E27FC236}">
+                <a16:creationId xmlns:a16="http://schemas.microsoft.com/office/drawing/2014/main" id="{81A5BDF8-ABAB-455C-9D2D-7C59AD38FFD5}"/>
+              </a:ext>
+            </a:extLst>
+          </p:cNvPr>
+          <p:cNvSpPr>
+            <a:spLocks noGrp="1"/>
+          </p:cNvSpPr>
+          <p:nvPr>
+            <p:ph type="title"/>
+          </p:nvPr>
+        </p:nvSpPr>
+        <p:spPr/>
+        <p:txBody>
+          <a:bodyPr/>
+          <a:lstStyle/>
+          <a:p>
+            <a:r>
+              <a:rPr lang="en-GB" dirty="0"/>
+              <a:t>FP / Declarative vs OO</a:t>
+            </a:r>
+          </a:p>
+        </p:txBody>
+      </p:sp>
+      <p:sp>
+        <p:nvSpPr>
+          <p:cNvPr id="3" name="Content Placeholder 2">
+            <a:extLst>
+              <a:ext uri="{FF2B5EF4-FFF2-40B4-BE49-F238E27FC236}">
+                <a16:creationId xmlns:a16="http://schemas.microsoft.com/office/drawing/2014/main" id="{896BC6C1-6D16-46D7-85DD-2805DC9458EB}"/>
+              </a:ext>
+            </a:extLst>
+          </p:cNvPr>
+          <p:cNvSpPr>
+            <a:spLocks noGrp="1"/>
+          </p:cNvSpPr>
+          <p:nvPr>
+            <p:ph idx="1"/>
+          </p:nvPr>
+        </p:nvSpPr>
+        <p:spPr/>
+        <p:txBody>
+          <a:bodyPr/>
+          <a:lstStyle/>
+          <a:p>
+            <a:r>
+              <a:rPr lang="en-GB" dirty="0"/>
+              <a:t>For FP in the purest sense, there are no side effects. However, for a useful program we need them! </a:t>
+            </a:r>
+          </a:p>
+          <a:p>
+            <a:r>
+              <a:rPr lang="en-GB" dirty="0"/>
+              <a:t>So, we aim to constrain where side effects happen so that things are easier to reason about. </a:t>
+            </a:r>
+          </a:p>
+        </p:txBody>
+      </p:sp>
+    </p:spTree>
+    <p:extLst>
+      <p:ext uri="{BB962C8B-B14F-4D97-AF65-F5344CB8AC3E}">
+        <p14:creationId xmlns:p14="http://schemas.microsoft.com/office/powerpoint/2010/main" val="3950671963"/>
+      </p:ext>
+    </p:extLst>
+  </p:cSld>
+  <p:clrMapOvr>
+    <a:masterClrMapping/>
+  </p:clrMapOvr>
+</p:sld>
+</file>
+
+<file path=ppt/slides/slide29.xml><?xml version="1.0" encoding="utf-8"?>
+<p:sld xmlns:a="http://schemas.openxmlformats.org/drawingml/2006/main" xmlns:r="http://schemas.openxmlformats.org/officeDocument/2006/relationships" xmlns:p="http://schemas.openxmlformats.org/presentationml/2006/main">
+  <p:cSld>
+    <p:spTree>
+      <p:nvGrpSpPr>
+        <p:cNvPr id="1" name=""/>
+        <p:cNvGrpSpPr/>
+        <p:nvPr/>
+      </p:nvGrpSpPr>
+      <p:grpSpPr>
+        <a:xfrm>
+          <a:off x="0" y="0"/>
+          <a:ext cx="0" cy="0"/>
+          <a:chOff x="0" y="0"/>
+          <a:chExt cx="0" cy="0"/>
+        </a:xfrm>
+      </p:grpSpPr>
+      <p:sp>
+        <p:nvSpPr>
+          <p:cNvPr id="2" name="Title 1">
+            <a:extLst>
+              <a:ext uri="{FF2B5EF4-FFF2-40B4-BE49-F238E27FC236}">
+                <a16:creationId xmlns:a16="http://schemas.microsoft.com/office/drawing/2014/main" id="{81A5BDF8-ABAB-455C-9D2D-7C59AD38FFD5}"/>
+              </a:ext>
+            </a:extLst>
+          </p:cNvPr>
+          <p:cNvSpPr>
+            <a:spLocks noGrp="1"/>
+          </p:cNvSpPr>
+          <p:nvPr>
+            <p:ph type="title"/>
+          </p:nvPr>
+        </p:nvSpPr>
+        <p:spPr/>
+        <p:txBody>
+          <a:bodyPr/>
+          <a:lstStyle/>
+          <a:p>
+            <a:r>
+              <a:rPr lang="en-GB" dirty="0"/>
+              <a:t>FP / Declarative vs OO</a:t>
+            </a:r>
+          </a:p>
+        </p:txBody>
+      </p:sp>
+      <p:sp>
+        <p:nvSpPr>
+          <p:cNvPr id="3" name="Content Placeholder 2">
+            <a:extLst>
+              <a:ext uri="{FF2B5EF4-FFF2-40B4-BE49-F238E27FC236}">
+                <a16:creationId xmlns:a16="http://schemas.microsoft.com/office/drawing/2014/main" id="{896BC6C1-6D16-46D7-85DD-2805DC9458EB}"/>
+              </a:ext>
+            </a:extLst>
+          </p:cNvPr>
+          <p:cNvSpPr>
+            <a:spLocks noGrp="1"/>
+          </p:cNvSpPr>
+          <p:nvPr>
+            <p:ph idx="1"/>
+          </p:nvPr>
+        </p:nvSpPr>
+        <p:spPr/>
+        <p:txBody>
+          <a:bodyPr/>
+          <a:lstStyle/>
+          <a:p>
+            <a:r>
+              <a:rPr lang="en-GB" dirty="0"/>
+              <a:t>To Visual Studio!</a:t>
+            </a:r>
+          </a:p>
+        </p:txBody>
+      </p:sp>
+    </p:spTree>
+    <p:extLst>
+      <p:ext uri="{BB962C8B-B14F-4D97-AF65-F5344CB8AC3E}">
+        <p14:creationId xmlns:p14="http://schemas.microsoft.com/office/powerpoint/2010/main" val="3388810031"/>
       </p:ext>
     </p:extLst>
   </p:cSld>
@@ -5359,7 +8484,7 @@
           <p:cNvPr id="2" name="Title 1">
             <a:extLst>
               <a:ext uri="{FF2B5EF4-FFF2-40B4-BE49-F238E27FC236}">
-                <a16:creationId xmlns:a16="http://schemas.microsoft.com/office/drawing/2014/main" id="{CBF2F71F-A921-4324-BB27-705DE69F2311}"/>
+                <a16:creationId xmlns:a16="http://schemas.microsoft.com/office/drawing/2014/main" id="{9AC32A37-2FB7-41A4-A34C-96EEAD478A13}"/>
               </a:ext>
             </a:extLst>
           </p:cNvPr>
@@ -5377,7 +8502,90 @@
           <a:p>
             <a:r>
               <a:rPr lang="en-GB" dirty="0"/>
-              <a:t>Experience Levels?</a:t>
+              <a:t>Preface</a:t>
+            </a:r>
+          </a:p>
+        </p:txBody>
+      </p:sp>
+      <p:sp>
+        <p:nvSpPr>
+          <p:cNvPr id="3" name="Text Placeholder 2">
+            <a:extLst>
+              <a:ext uri="{FF2B5EF4-FFF2-40B4-BE49-F238E27FC236}">
+                <a16:creationId xmlns:a16="http://schemas.microsoft.com/office/drawing/2014/main" id="{44E2F5FC-FC9D-4A6B-9AA8-AC9C0A9B8630}"/>
+              </a:ext>
+            </a:extLst>
+          </p:cNvPr>
+          <p:cNvSpPr>
+            <a:spLocks noGrp="1"/>
+          </p:cNvSpPr>
+          <p:nvPr>
+            <p:ph type="body" idx="1"/>
+          </p:nvPr>
+        </p:nvSpPr>
+        <p:spPr/>
+        <p:txBody>
+          <a:bodyPr/>
+          <a:lstStyle/>
+          <a:p>
+            <a:endParaRPr lang="en-GB"/>
+          </a:p>
+        </p:txBody>
+      </p:sp>
+    </p:spTree>
+    <p:extLst>
+      <p:ext uri="{BB962C8B-B14F-4D97-AF65-F5344CB8AC3E}">
+        <p14:creationId xmlns:p14="http://schemas.microsoft.com/office/powerpoint/2010/main" val="88099589"/>
+      </p:ext>
+    </p:extLst>
+  </p:cSld>
+  <p:clrMapOvr>
+    <a:masterClrMapping/>
+  </p:clrMapOvr>
+</p:sld>
+</file>
+
+<file path=ppt/slides/slide30.xml><?xml version="1.0" encoding="utf-8"?>
+<p:sld xmlns:a="http://schemas.openxmlformats.org/drawingml/2006/main" xmlns:r="http://schemas.openxmlformats.org/officeDocument/2006/relationships" xmlns:p="http://schemas.openxmlformats.org/presentationml/2006/main">
+  <p:cSld>
+    <p:spTree>
+      <p:nvGrpSpPr>
+        <p:cNvPr id="1" name=""/>
+        <p:cNvGrpSpPr/>
+        <p:nvPr/>
+      </p:nvGrpSpPr>
+      <p:grpSpPr>
+        <a:xfrm>
+          <a:off x="0" y="0"/>
+          <a:ext cx="0" cy="0"/>
+          <a:chOff x="0" y="0"/>
+          <a:chExt cx="0" cy="0"/>
+        </a:xfrm>
+      </p:grpSpPr>
+      <p:sp>
+        <p:nvSpPr>
+          <p:cNvPr id="2" name="Title 1">
+            <a:extLst>
+              <a:ext uri="{FF2B5EF4-FFF2-40B4-BE49-F238E27FC236}">
+                <a16:creationId xmlns:a16="http://schemas.microsoft.com/office/drawing/2014/main" id="{5619B2FC-BFE2-45AC-8473-A5D0B9F8AA56}"/>
+              </a:ext>
+            </a:extLst>
+          </p:cNvPr>
+          <p:cNvSpPr>
+            <a:spLocks noGrp="1"/>
+          </p:cNvSpPr>
+          <p:nvPr>
+            <p:ph type="title"/>
+          </p:nvPr>
+        </p:nvSpPr>
+        <p:spPr/>
+        <p:txBody>
+          <a:bodyPr/>
+          <a:lstStyle/>
+          <a:p>
+            <a:r>
+              <a:rPr lang="en-GB" dirty="0"/>
+              <a:t>Refactoring from Imperative</a:t>
             </a:r>
           </a:p>
         </p:txBody>
@@ -5387,7 +8595,7 @@
           <p:cNvPr id="3" name="Content Placeholder 2">
             <a:extLst>
               <a:ext uri="{FF2B5EF4-FFF2-40B4-BE49-F238E27FC236}">
-                <a16:creationId xmlns:a16="http://schemas.microsoft.com/office/drawing/2014/main" id="{8463EF0B-C062-4A74-9F75-AE5D6FB217D4}"/>
+                <a16:creationId xmlns:a16="http://schemas.microsoft.com/office/drawing/2014/main" id="{9082F3DA-CFB7-4056-85DF-AF4932092BE1}"/>
               </a:ext>
             </a:extLst>
           </p:cNvPr>
@@ -5403,53 +8611,9 @@
           <a:bodyPr/>
           <a:lstStyle/>
           <a:p>
-            <a:pPr marL="514350" indent="-514350">
-              <a:buFont typeface="+mj-lt"/>
-              <a:buAutoNum type="arabicPeriod"/>
-            </a:pPr>
-            <a:r>
-              <a:rPr lang="en-GB" dirty="0"/>
-              <a:t>No Experience</a:t>
-            </a:r>
-          </a:p>
-          <a:p>
-            <a:pPr marL="514350" indent="-514350">
-              <a:buFont typeface="+mj-lt"/>
-              <a:buAutoNum type="arabicPeriod"/>
-            </a:pPr>
-            <a:r>
-              <a:rPr lang="en-GB" dirty="0"/>
-              <a:t>Little Experience</a:t>
-            </a:r>
-          </a:p>
-          <a:p>
-            <a:pPr marL="514350" indent="-514350">
-              <a:buFont typeface="+mj-lt"/>
-              <a:buAutoNum type="arabicPeriod"/>
-            </a:pPr>
-            <a:r>
-              <a:rPr lang="en-GB" dirty="0"/>
-              <a:t>Some experience / use infrequently</a:t>
-            </a:r>
-          </a:p>
-          <a:p>
-            <a:pPr marL="514350" indent="-514350">
-              <a:buFont typeface="+mj-lt"/>
-              <a:buAutoNum type="arabicPeriod"/>
-            </a:pPr>
-            <a:r>
-              <a:rPr lang="en-GB" dirty="0"/>
-              <a:t>Good amount of experience</a:t>
-            </a:r>
-          </a:p>
-          <a:p>
-            <a:pPr marL="514350" indent="-514350">
-              <a:buFont typeface="+mj-lt"/>
-              <a:buAutoNum type="arabicPeriod"/>
-            </a:pPr>
-            <a:r>
-              <a:rPr lang="en-GB" dirty="0"/>
-              <a:t>Expert</a:t>
+            <a:r>
+              <a:rPr lang="en-GB" dirty="0"/>
+              <a:t>Using Filters</a:t>
             </a:r>
           </a:p>
         </p:txBody>
@@ -5457,7 +8621,319 @@
     </p:spTree>
     <p:extLst>
       <p:ext uri="{BB962C8B-B14F-4D97-AF65-F5344CB8AC3E}">
-        <p14:creationId xmlns:p14="http://schemas.microsoft.com/office/powerpoint/2010/main" val="3278681516"/>
+        <p14:creationId xmlns:p14="http://schemas.microsoft.com/office/powerpoint/2010/main" val="3643775625"/>
+      </p:ext>
+    </p:extLst>
+  </p:cSld>
+  <p:clrMapOvr>
+    <a:masterClrMapping/>
+  </p:clrMapOvr>
+</p:sld>
+</file>
+
+<file path=ppt/slides/slide31.xml><?xml version="1.0" encoding="utf-8"?>
+<p:sld xmlns:a="http://schemas.openxmlformats.org/drawingml/2006/main" xmlns:r="http://schemas.openxmlformats.org/officeDocument/2006/relationships" xmlns:p="http://schemas.openxmlformats.org/presentationml/2006/main">
+  <p:cSld>
+    <p:spTree>
+      <p:nvGrpSpPr>
+        <p:cNvPr id="1" name=""/>
+        <p:cNvGrpSpPr/>
+        <p:nvPr/>
+      </p:nvGrpSpPr>
+      <p:grpSpPr>
+        <a:xfrm>
+          <a:off x="0" y="0"/>
+          <a:ext cx="0" cy="0"/>
+          <a:chOff x="0" y="0"/>
+          <a:chExt cx="0" cy="0"/>
+        </a:xfrm>
+      </p:grpSpPr>
+      <p:sp>
+        <p:nvSpPr>
+          <p:cNvPr id="2" name="Title 1">
+            <a:extLst>
+              <a:ext uri="{FF2B5EF4-FFF2-40B4-BE49-F238E27FC236}">
+                <a16:creationId xmlns:a16="http://schemas.microsoft.com/office/drawing/2014/main" id="{5631F596-C35B-4304-B20B-DDDD081A15F9}"/>
+              </a:ext>
+            </a:extLst>
+          </p:cNvPr>
+          <p:cNvSpPr>
+            <a:spLocks noGrp="1"/>
+          </p:cNvSpPr>
+          <p:nvPr>
+            <p:ph type="title"/>
+          </p:nvPr>
+        </p:nvSpPr>
+        <p:spPr>
+          <a:xfrm>
+            <a:off x="677334" y="609600"/>
+            <a:ext cx="8596668" cy="899604"/>
+          </a:xfrm>
+        </p:spPr>
+        <p:txBody>
+          <a:bodyPr/>
+          <a:lstStyle/>
+          <a:p>
+            <a:r>
+              <a:rPr lang="en-GB" dirty="0"/>
+              <a:t>Exercise 00 </a:t>
+            </a:r>
+          </a:p>
+        </p:txBody>
+      </p:sp>
+      <p:sp>
+        <p:nvSpPr>
+          <p:cNvPr id="3" name="Content Placeholder 2">
+            <a:extLst>
+              <a:ext uri="{FF2B5EF4-FFF2-40B4-BE49-F238E27FC236}">
+                <a16:creationId xmlns:a16="http://schemas.microsoft.com/office/drawing/2014/main" id="{D8B20300-040F-46A7-9181-4982E34FB03A}"/>
+              </a:ext>
+            </a:extLst>
+          </p:cNvPr>
+          <p:cNvSpPr>
+            <a:spLocks noGrp="1"/>
+          </p:cNvSpPr>
+          <p:nvPr>
+            <p:ph idx="1"/>
+          </p:nvPr>
+        </p:nvSpPr>
+        <p:spPr/>
+        <p:txBody>
+          <a:bodyPr/>
+          <a:lstStyle/>
+          <a:p>
+            <a:r>
+              <a:rPr lang="en-GB" dirty="0"/>
+              <a:t>Install F#: </a:t>
+            </a:r>
+            <a:r>
+              <a:rPr lang="en-GB" dirty="0">
+                <a:hlinkClick r:id="rId2"/>
+              </a:rPr>
+              <a:t>http://fsharp.org/use/windows/</a:t>
+            </a:r>
+            <a:r>
+              <a:rPr lang="en-GB" dirty="0"/>
+              <a:t> </a:t>
+            </a:r>
+          </a:p>
+          <a:p>
+            <a:r>
+              <a:rPr lang="en-GB" dirty="0"/>
+              <a:t>Install both Visual Studio and VS code and </a:t>
+            </a:r>
+            <a:r>
+              <a:rPr lang="en-GB" dirty="0" err="1"/>
+              <a:t>Ionide</a:t>
+            </a:r>
+            <a:r>
+              <a:rPr lang="en-GB" dirty="0"/>
+              <a:t> (I’m not sure which is best, so we may switch)</a:t>
+            </a:r>
+          </a:p>
+          <a:p>
+            <a:r>
+              <a:rPr lang="en-GB" dirty="0"/>
+              <a:t>Add F# to your path. Should be something like:</a:t>
+            </a:r>
+          </a:p>
+          <a:p>
+            <a:r>
+              <a:rPr lang="nn-NO" dirty="0"/>
+              <a:t>C:\Program Files (x86)\Microsoft SDKs\F#\4.1\Framework\v4.0 </a:t>
+            </a:r>
+            <a:endParaRPr lang="en-GB" dirty="0"/>
+          </a:p>
+          <a:p>
+            <a:endParaRPr lang="en-GB" dirty="0"/>
+          </a:p>
+        </p:txBody>
+      </p:sp>
+    </p:spTree>
+    <p:extLst>
+      <p:ext uri="{BB962C8B-B14F-4D97-AF65-F5344CB8AC3E}">
+        <p14:creationId xmlns:p14="http://schemas.microsoft.com/office/powerpoint/2010/main" val="1106240761"/>
+      </p:ext>
+    </p:extLst>
+  </p:cSld>
+  <p:clrMapOvr>
+    <a:masterClrMapping/>
+  </p:clrMapOvr>
+</p:sld>
+</file>
+
+<file path=ppt/slides/slide32.xml><?xml version="1.0" encoding="utf-8"?>
+<p:sld xmlns:a="http://schemas.openxmlformats.org/drawingml/2006/main" xmlns:r="http://schemas.openxmlformats.org/officeDocument/2006/relationships" xmlns:p="http://schemas.openxmlformats.org/presentationml/2006/main">
+  <p:cSld>
+    <p:spTree>
+      <p:nvGrpSpPr>
+        <p:cNvPr id="1" name=""/>
+        <p:cNvGrpSpPr/>
+        <p:nvPr/>
+      </p:nvGrpSpPr>
+      <p:grpSpPr>
+        <a:xfrm>
+          <a:off x="0" y="0"/>
+          <a:ext cx="0" cy="0"/>
+          <a:chOff x="0" y="0"/>
+          <a:chExt cx="0" cy="0"/>
+        </a:xfrm>
+      </p:grpSpPr>
+      <p:sp>
+        <p:nvSpPr>
+          <p:cNvPr id="2" name="Title 1">
+            <a:extLst>
+              <a:ext uri="{FF2B5EF4-FFF2-40B4-BE49-F238E27FC236}">
+                <a16:creationId xmlns:a16="http://schemas.microsoft.com/office/drawing/2014/main" id="{681FAFFE-9FF8-4BD1-A6F6-7FE578FD4AC1}"/>
+              </a:ext>
+            </a:extLst>
+          </p:cNvPr>
+          <p:cNvSpPr>
+            <a:spLocks noGrp="1"/>
+          </p:cNvSpPr>
+          <p:nvPr>
+            <p:ph type="title"/>
+          </p:nvPr>
+        </p:nvSpPr>
+        <p:spPr/>
+        <p:txBody>
+          <a:bodyPr/>
+          <a:lstStyle/>
+          <a:p>
+            <a:r>
+              <a:rPr lang="en-GB" dirty="0"/>
+              <a:t>Next Session: </a:t>
+            </a:r>
+            <a:br>
+              <a:rPr lang="en-GB" dirty="0"/>
+            </a:br>
+            <a:r>
+              <a:rPr lang="en-GB" dirty="0"/>
+              <a:t>01- All about the </a:t>
+            </a:r>
+            <a:r>
+              <a:rPr lang="en-GB" dirty="0" err="1"/>
+              <a:t>Func</a:t>
+            </a:r>
+            <a:endParaRPr lang="en-GB" dirty="0"/>
+          </a:p>
+        </p:txBody>
+      </p:sp>
+      <p:sp>
+        <p:nvSpPr>
+          <p:cNvPr id="3" name="Text Placeholder 2">
+            <a:extLst>
+              <a:ext uri="{FF2B5EF4-FFF2-40B4-BE49-F238E27FC236}">
+                <a16:creationId xmlns:a16="http://schemas.microsoft.com/office/drawing/2014/main" id="{C88B31E1-2DE0-42CB-BAE7-68B85830B304}"/>
+              </a:ext>
+            </a:extLst>
+          </p:cNvPr>
+          <p:cNvSpPr>
+            <a:spLocks noGrp="1"/>
+          </p:cNvSpPr>
+          <p:nvPr>
+            <p:ph type="body" idx="1"/>
+          </p:nvPr>
+        </p:nvSpPr>
+        <p:spPr/>
+        <p:txBody>
+          <a:bodyPr/>
+          <a:lstStyle/>
+          <a:p>
+            <a:r>
+              <a:rPr lang="en-GB" dirty="0"/>
+              <a:t>Don’t worry, it will be much more code from now on!</a:t>
+            </a:r>
+          </a:p>
+        </p:txBody>
+      </p:sp>
+    </p:spTree>
+    <p:extLst>
+      <p:ext uri="{BB962C8B-B14F-4D97-AF65-F5344CB8AC3E}">
+        <p14:creationId xmlns:p14="http://schemas.microsoft.com/office/powerpoint/2010/main" val="697074310"/>
+      </p:ext>
+    </p:extLst>
+  </p:cSld>
+  <p:clrMapOvr>
+    <a:masterClrMapping/>
+  </p:clrMapOvr>
+</p:sld>
+</file>
+
+<file path=ppt/slides/slide33.xml><?xml version="1.0" encoding="utf-8"?>
+<p:sld xmlns:a="http://schemas.openxmlformats.org/drawingml/2006/main" xmlns:r="http://schemas.openxmlformats.org/officeDocument/2006/relationships" xmlns:p="http://schemas.openxmlformats.org/presentationml/2006/main">
+  <p:cSld>
+    <p:spTree>
+      <p:nvGrpSpPr>
+        <p:cNvPr id="1" name=""/>
+        <p:cNvGrpSpPr/>
+        <p:nvPr/>
+      </p:nvGrpSpPr>
+      <p:grpSpPr>
+        <a:xfrm>
+          <a:off x="0" y="0"/>
+          <a:ext cx="0" cy="0"/>
+          <a:chOff x="0" y="0"/>
+          <a:chExt cx="0" cy="0"/>
+        </a:xfrm>
+      </p:grpSpPr>
+      <p:sp>
+        <p:nvSpPr>
+          <p:cNvPr id="2" name="Title 1">
+            <a:extLst>
+              <a:ext uri="{FF2B5EF4-FFF2-40B4-BE49-F238E27FC236}">
+                <a16:creationId xmlns:a16="http://schemas.microsoft.com/office/drawing/2014/main" id="{C32F7970-9EF4-4BA1-A727-34A21286C389}"/>
+              </a:ext>
+            </a:extLst>
+          </p:cNvPr>
+          <p:cNvSpPr>
+            <a:spLocks noGrp="1"/>
+          </p:cNvSpPr>
+          <p:nvPr>
+            <p:ph type="title"/>
+          </p:nvPr>
+        </p:nvSpPr>
+        <p:spPr/>
+        <p:txBody>
+          <a:bodyPr/>
+          <a:lstStyle/>
+          <a:p>
+            <a:r>
+              <a:rPr lang="en-GB" dirty="0"/>
+              <a:t>Questions?</a:t>
+            </a:r>
+          </a:p>
+        </p:txBody>
+      </p:sp>
+      <p:sp>
+        <p:nvSpPr>
+          <p:cNvPr id="3" name="Text Placeholder 2">
+            <a:extLst>
+              <a:ext uri="{FF2B5EF4-FFF2-40B4-BE49-F238E27FC236}">
+                <a16:creationId xmlns:a16="http://schemas.microsoft.com/office/drawing/2014/main" id="{D4C50D17-FBFB-44FA-8267-A9FD1B6CDEC7}"/>
+              </a:ext>
+            </a:extLst>
+          </p:cNvPr>
+          <p:cNvSpPr>
+            <a:spLocks noGrp="1"/>
+          </p:cNvSpPr>
+          <p:nvPr>
+            <p:ph type="body" idx="1"/>
+          </p:nvPr>
+        </p:nvSpPr>
+        <p:spPr/>
+        <p:txBody>
+          <a:bodyPr/>
+          <a:lstStyle/>
+          <a:p>
+            <a:endParaRPr lang="en-GB" dirty="0"/>
+          </a:p>
+        </p:txBody>
+      </p:sp>
+    </p:spTree>
+    <p:extLst>
+      <p:ext uri="{BB962C8B-B14F-4D97-AF65-F5344CB8AC3E}">
+        <p14:creationId xmlns:p14="http://schemas.microsoft.com/office/powerpoint/2010/main" val="763752396"/>
       </p:ext>
     </p:extLst>
   </p:cSld>
@@ -5489,7 +8965,7 @@
           <p:cNvPr id="2" name="Title 1">
             <a:extLst>
               <a:ext uri="{FF2B5EF4-FFF2-40B4-BE49-F238E27FC236}">
-                <a16:creationId xmlns:a16="http://schemas.microsoft.com/office/drawing/2014/main" id="{BA542C76-B23D-4A72-BA9C-2F4AC1CC895D}"/>
+                <a16:creationId xmlns:a16="http://schemas.microsoft.com/office/drawing/2014/main" id="{CBF2F71F-A921-4324-BB27-705DE69F2311}"/>
               </a:ext>
             </a:extLst>
           </p:cNvPr>
@@ -5507,7 +8983,7 @@
           <a:p>
             <a:r>
               <a:rPr lang="en-GB" dirty="0"/>
-              <a:t>Goals</a:t>
+              <a:t>Experience Levels?</a:t>
             </a:r>
           </a:p>
         </p:txBody>
@@ -5517,7 +8993,7 @@
           <p:cNvPr id="3" name="Content Placeholder 2">
             <a:extLst>
               <a:ext uri="{FF2B5EF4-FFF2-40B4-BE49-F238E27FC236}">
-                <a16:creationId xmlns:a16="http://schemas.microsoft.com/office/drawing/2014/main" id="{B8A054EC-1A98-40DA-9D07-8A15B00D6122}"/>
+                <a16:creationId xmlns:a16="http://schemas.microsoft.com/office/drawing/2014/main" id="{8463EF0B-C062-4A74-9F75-AE5D6FB217D4}"/>
               </a:ext>
             </a:extLst>
           </p:cNvPr>
@@ -5539,7 +9015,7 @@
             </a:pPr>
             <a:r>
               <a:rPr lang="en-GB" dirty="0"/>
-              <a:t>Learning the core Functional Programming principles</a:t>
+              <a:t>No Experience</a:t>
             </a:r>
           </a:p>
           <a:p>
@@ -5549,7 +9025,7 @@
             </a:pPr>
             <a:r>
               <a:rPr lang="en-GB" dirty="0"/>
-              <a:t>Functional First Programming with F#</a:t>
+              <a:t>Little Experience</a:t>
             </a:r>
           </a:p>
           <a:p>
@@ -5559,7 +9035,7 @@
             </a:pPr>
             <a:r>
               <a:rPr lang="en-GB" dirty="0"/>
-              <a:t>Functional Application Design</a:t>
+              <a:t>Some experience / use infrequently</a:t>
             </a:r>
           </a:p>
           <a:p>
@@ -5569,18 +9045,25 @@
             </a:pPr>
             <a:r>
               <a:rPr lang="en-GB" dirty="0"/>
-              <a:t>Bonus - A Functional Programming Project</a:t>
-            </a:r>
-          </a:p>
-          <a:p>
-            <a:endParaRPr lang="en-GB" dirty="0"/>
+              <a:t>Good amount of experience</a:t>
+            </a:r>
+          </a:p>
+          <a:p>
+            <a:pPr marL="514350" indent="-514350">
+              <a:buFont typeface="+mj-lt"/>
+              <a:buAutoNum type="arabicPeriod"/>
+            </a:pPr>
+            <a:r>
+              <a:rPr lang="en-GB" dirty="0"/>
+              <a:t>Expert</a:t>
+            </a:r>
           </a:p>
         </p:txBody>
       </p:sp>
     </p:spTree>
     <p:extLst>
       <p:ext uri="{BB962C8B-B14F-4D97-AF65-F5344CB8AC3E}">
-        <p14:creationId xmlns:p14="http://schemas.microsoft.com/office/powerpoint/2010/main" val="2300578028"/>
+        <p14:creationId xmlns:p14="http://schemas.microsoft.com/office/powerpoint/2010/main" val="3278681516"/>
       </p:ext>
     </p:extLst>
   </p:cSld>
@@ -5612,7 +9095,7 @@
           <p:cNvPr id="2" name="Title 1">
             <a:extLst>
               <a:ext uri="{FF2B5EF4-FFF2-40B4-BE49-F238E27FC236}">
-                <a16:creationId xmlns:a16="http://schemas.microsoft.com/office/drawing/2014/main" id="{AC184175-F082-45A3-B349-0F5DF41F490C}"/>
+                <a16:creationId xmlns:a16="http://schemas.microsoft.com/office/drawing/2014/main" id="{BA542C76-B23D-4A72-BA9C-2F4AC1CC895D}"/>
               </a:ext>
             </a:extLst>
           </p:cNvPr>
@@ -5630,7 +9113,7 @@
           <a:p>
             <a:r>
               <a:rPr lang="en-GB" dirty="0"/>
-              <a:t>Topics to Cover</a:t>
+              <a:t>Goals</a:t>
             </a:r>
           </a:p>
         </p:txBody>
@@ -5640,7 +9123,7 @@
           <p:cNvPr id="3" name="Content Placeholder 2">
             <a:extLst>
               <a:ext uri="{FF2B5EF4-FFF2-40B4-BE49-F238E27FC236}">
-                <a16:creationId xmlns:a16="http://schemas.microsoft.com/office/drawing/2014/main" id="{02173395-21BC-4376-A96B-E1AC3F893F06}"/>
+                <a16:creationId xmlns:a16="http://schemas.microsoft.com/office/drawing/2014/main" id="{B8A054EC-1A98-40DA-9D07-8A15B00D6122}"/>
               </a:ext>
             </a:extLst>
           </p:cNvPr>
@@ -5656,45 +9139,54 @@
           <a:bodyPr/>
           <a:lstStyle/>
           <a:p>
-            <a:r>
-              <a:rPr lang="en-GB" dirty="0"/>
-              <a:t>Functional Programming Principles</a:t>
-            </a:r>
-          </a:p>
-          <a:p>
-            <a:pPr lvl="1"/>
-            <a:r>
-              <a:rPr lang="en-GB" dirty="0"/>
-              <a:t>Thinking Functionally </a:t>
-            </a:r>
-          </a:p>
-          <a:p>
-            <a:pPr lvl="1"/>
-            <a:r>
-              <a:rPr lang="en-GB" dirty="0"/>
-              <a:t>Algebraic Data types</a:t>
-            </a:r>
-          </a:p>
-          <a:p>
-            <a:pPr lvl="1"/>
-            <a:r>
-              <a:rPr lang="en-GB" dirty="0"/>
-              <a:t>Immutable Data</a:t>
-            </a:r>
-          </a:p>
-          <a:p>
-            <a:pPr lvl="1"/>
-            <a:r>
-              <a:rPr lang="en-GB" dirty="0"/>
-              <a:t>Functions, Functions and more Functions</a:t>
-            </a:r>
+            <a:pPr marL="514350" indent="-514350">
+              <a:buFont typeface="+mj-lt"/>
+              <a:buAutoNum type="arabicPeriod"/>
+            </a:pPr>
+            <a:r>
+              <a:rPr lang="en-GB" dirty="0"/>
+              <a:t>Learning the core Functional Programming principles</a:t>
+            </a:r>
+          </a:p>
+          <a:p>
+            <a:pPr marL="514350" indent="-514350">
+              <a:buFont typeface="+mj-lt"/>
+              <a:buAutoNum type="arabicPeriod"/>
+            </a:pPr>
+            <a:r>
+              <a:rPr lang="en-GB" dirty="0"/>
+              <a:t>Functional First Programming with F#</a:t>
+            </a:r>
+          </a:p>
+          <a:p>
+            <a:pPr marL="514350" indent="-514350">
+              <a:buFont typeface="+mj-lt"/>
+              <a:buAutoNum type="arabicPeriod"/>
+            </a:pPr>
+            <a:r>
+              <a:rPr lang="en-GB" dirty="0"/>
+              <a:t>Functional Application Design</a:t>
+            </a:r>
+          </a:p>
+          <a:p>
+            <a:pPr marL="514350" indent="-514350">
+              <a:buFont typeface="+mj-lt"/>
+              <a:buAutoNum type="arabicPeriod"/>
+            </a:pPr>
+            <a:r>
+              <a:rPr lang="en-GB" dirty="0"/>
+              <a:t>Bonus - A Functional Programming Project</a:t>
+            </a:r>
+          </a:p>
+          <a:p>
+            <a:endParaRPr lang="en-GB" dirty="0"/>
           </a:p>
         </p:txBody>
       </p:sp>
     </p:spTree>
     <p:extLst>
       <p:ext uri="{BB962C8B-B14F-4D97-AF65-F5344CB8AC3E}">
-        <p14:creationId xmlns:p14="http://schemas.microsoft.com/office/powerpoint/2010/main" val="1757771743"/>
+        <p14:creationId xmlns:p14="http://schemas.microsoft.com/office/powerpoint/2010/main" val="2300578028"/>
       </p:ext>
     </p:extLst>
   </p:cSld>
@@ -5726,7 +9218,7 @@
           <p:cNvPr id="2" name="Title 1">
             <a:extLst>
               <a:ext uri="{FF2B5EF4-FFF2-40B4-BE49-F238E27FC236}">
-                <a16:creationId xmlns:a16="http://schemas.microsoft.com/office/drawing/2014/main" id="{695AACF4-9BC1-4A4C-9929-70DE8CE81E49}"/>
+                <a16:creationId xmlns:a16="http://schemas.microsoft.com/office/drawing/2014/main" id="{AC184175-F082-45A3-B349-0F5DF41F490C}"/>
               </a:ext>
             </a:extLst>
           </p:cNvPr>
@@ -5754,7 +9246,7 @@
           <p:cNvPr id="3" name="Content Placeholder 2">
             <a:extLst>
               <a:ext uri="{FF2B5EF4-FFF2-40B4-BE49-F238E27FC236}">
-                <a16:creationId xmlns:a16="http://schemas.microsoft.com/office/drawing/2014/main" id="{0970A62A-269E-4D73-B0AE-FBE17362E553}"/>
+                <a16:creationId xmlns:a16="http://schemas.microsoft.com/office/drawing/2014/main" id="{02173395-21BC-4376-A96B-E1AC3F893F06}"/>
               </a:ext>
             </a:extLst>
           </p:cNvPr>
@@ -5772,50 +9264,43 @@
           <a:p>
             <a:r>
               <a:rPr lang="en-GB" dirty="0"/>
-              <a:t>Functional First Programming with F#</a:t>
+              <a:t>Functional Programming Principles</a:t>
             </a:r>
           </a:p>
           <a:p>
             <a:pPr lvl="1"/>
             <a:r>
               <a:rPr lang="en-GB" dirty="0"/>
-              <a:t>Mixing Functional and OO / Imperative code within an application</a:t>
+              <a:t>Thinking Functionally </a:t>
             </a:r>
           </a:p>
           <a:p>
             <a:pPr lvl="1"/>
             <a:r>
               <a:rPr lang="en-GB" dirty="0"/>
-              <a:t>Interacting with Non functional code (E.g. Libraries and Frameworks)</a:t>
+              <a:t>Algebraic Data types</a:t>
             </a:r>
           </a:p>
           <a:p>
             <a:pPr lvl="1"/>
             <a:r>
               <a:rPr lang="en-GB" dirty="0"/>
-              <a:t>Performance</a:t>
+              <a:t>Immutable Data</a:t>
             </a:r>
           </a:p>
           <a:p>
             <a:pPr lvl="1"/>
             <a:r>
               <a:rPr lang="en-GB" dirty="0"/>
-              <a:t>(Some) F# Specific features and syntax</a:t>
-            </a:r>
-          </a:p>
-          <a:p>
-            <a:pPr lvl="1"/>
-            <a:endParaRPr lang="en-GB" dirty="0"/>
-          </a:p>
-          <a:p>
-            <a:endParaRPr lang="en-GB" dirty="0"/>
+              <a:t>Functions, Functions and more Functions</a:t>
+            </a:r>
           </a:p>
         </p:txBody>
       </p:sp>
     </p:spTree>
     <p:extLst>
       <p:ext uri="{BB962C8B-B14F-4D97-AF65-F5344CB8AC3E}">
-        <p14:creationId xmlns:p14="http://schemas.microsoft.com/office/powerpoint/2010/main" val="3274831049"/>
+        <p14:creationId xmlns:p14="http://schemas.microsoft.com/office/powerpoint/2010/main" val="1757771743"/>
       </p:ext>
     </p:extLst>
   </p:cSld>
@@ -5847,7 +9332,7 @@
           <p:cNvPr id="2" name="Title 1">
             <a:extLst>
               <a:ext uri="{FF2B5EF4-FFF2-40B4-BE49-F238E27FC236}">
-                <a16:creationId xmlns:a16="http://schemas.microsoft.com/office/drawing/2014/main" id="{AAE6CCD2-B090-4B10-B010-590FFA88BA0E}"/>
+                <a16:creationId xmlns:a16="http://schemas.microsoft.com/office/drawing/2014/main" id="{695AACF4-9BC1-4A4C-9929-70DE8CE81E49}"/>
               </a:ext>
             </a:extLst>
           </p:cNvPr>
@@ -5865,7 +9350,7 @@
           <a:p>
             <a:r>
               <a:rPr lang="en-GB" dirty="0"/>
-              <a:t>Topics to Cover	</a:t>
+              <a:t>Topics to Cover</a:t>
             </a:r>
           </a:p>
         </p:txBody>
@@ -5875,7 +9360,7 @@
           <p:cNvPr id="3" name="Content Placeholder 2">
             <a:extLst>
               <a:ext uri="{FF2B5EF4-FFF2-40B4-BE49-F238E27FC236}">
-                <a16:creationId xmlns:a16="http://schemas.microsoft.com/office/drawing/2014/main" id="{BCE12A97-45EE-4917-A61C-7CBD8D04D779}"/>
+                <a16:creationId xmlns:a16="http://schemas.microsoft.com/office/drawing/2014/main" id="{0970A62A-269E-4D73-B0AE-FBE17362E553}"/>
               </a:ext>
             </a:extLst>
           </p:cNvPr>
@@ -5893,25 +9378,42 @@
           <a:p>
             <a:r>
               <a:rPr lang="en-GB" dirty="0"/>
-              <a:t>Functional Programming Design</a:t>
+              <a:t>Functional First Programming with F#</a:t>
             </a:r>
           </a:p>
           <a:p>
             <a:pPr lvl="1"/>
             <a:r>
               <a:rPr lang="en-GB" dirty="0"/>
-              <a:t>???</a:t>
+              <a:t>Mixing Functional and OO / Imperative code within an application</a:t>
             </a:r>
           </a:p>
           <a:p>
             <a:pPr lvl="1"/>
             <a:r>
               <a:rPr lang="en-GB" dirty="0"/>
-              <a:t>Is Everything just a pipeline?</a:t>
+              <a:t>Interacting with Non functional code (E.g. Libraries and Frameworks)</a:t>
             </a:r>
           </a:p>
           <a:p>
             <a:pPr lvl="1"/>
+            <a:r>
+              <a:rPr lang="en-GB" dirty="0"/>
+              <a:t>Performance</a:t>
+            </a:r>
+          </a:p>
+          <a:p>
+            <a:pPr lvl="1"/>
+            <a:r>
+              <a:rPr lang="en-GB" dirty="0"/>
+              <a:t>(Some) F# Specific features and syntax</a:t>
+            </a:r>
+          </a:p>
+          <a:p>
+            <a:pPr lvl="1"/>
+            <a:endParaRPr lang="en-GB" dirty="0"/>
+          </a:p>
+          <a:p>
             <a:endParaRPr lang="en-GB" dirty="0"/>
           </a:p>
         </p:txBody>
@@ -5919,7 +9421,7 @@
     </p:spTree>
     <p:extLst>
       <p:ext uri="{BB962C8B-B14F-4D97-AF65-F5344CB8AC3E}">
-        <p14:creationId xmlns:p14="http://schemas.microsoft.com/office/powerpoint/2010/main" val="2180148013"/>
+        <p14:creationId xmlns:p14="http://schemas.microsoft.com/office/powerpoint/2010/main" val="3274831049"/>
       </p:ext>
     </p:extLst>
   </p:cSld>
@@ -5951,7 +9453,7 @@
           <p:cNvPr id="2" name="Title 1">
             <a:extLst>
               <a:ext uri="{FF2B5EF4-FFF2-40B4-BE49-F238E27FC236}">
-                <a16:creationId xmlns:a16="http://schemas.microsoft.com/office/drawing/2014/main" id="{6E6951F7-44A6-44D3-898C-6C5B13417A76}"/>
+                <a16:creationId xmlns:a16="http://schemas.microsoft.com/office/drawing/2014/main" id="{AAE6CCD2-B090-4B10-B010-590FFA88BA0E}"/>
               </a:ext>
             </a:extLst>
           </p:cNvPr>
@@ -5969,7 +9471,7 @@
           <a:p>
             <a:r>
               <a:rPr lang="en-GB" dirty="0"/>
-              <a:t>Exercises and Project(s)</a:t>
+              <a:t>Topics to Cover	</a:t>
             </a:r>
           </a:p>
         </p:txBody>
@@ -5979,7 +9481,7 @@
           <p:cNvPr id="3" name="Content Placeholder 2">
             <a:extLst>
               <a:ext uri="{FF2B5EF4-FFF2-40B4-BE49-F238E27FC236}">
-                <a16:creationId xmlns:a16="http://schemas.microsoft.com/office/drawing/2014/main" id="{29E98C8A-5417-4671-BAF9-3978AFFEF9A8}"/>
+                <a16:creationId xmlns:a16="http://schemas.microsoft.com/office/drawing/2014/main" id="{BCE12A97-45EE-4917-A61C-7CBD8D04D779}"/>
               </a:ext>
             </a:extLst>
           </p:cNvPr>
@@ -5997,53 +9499,33 @@
           <a:p>
             <a:r>
               <a:rPr lang="en-GB" dirty="0"/>
-              <a:t>Exercises every week</a:t>
-            </a:r>
-          </a:p>
-          <a:p>
-            <a:r>
-              <a:rPr lang="en-GB" dirty="0"/>
-              <a:t>Two options for exercise style:</a:t>
-            </a:r>
-          </a:p>
-          <a:p>
-            <a:pPr marL="914400" lvl="1" indent="-457200">
-              <a:buFont typeface="+mj-lt"/>
-              <a:buAutoNum type="arabicPeriod"/>
-            </a:pPr>
-            <a:r>
-              <a:rPr lang="en-GB" dirty="0"/>
-              <a:t>Each week the exercise is small enough to do in isolation</a:t>
-            </a:r>
-          </a:p>
-          <a:p>
-            <a:pPr marL="914400" lvl="1" indent="-457200">
-              <a:buFont typeface="+mj-lt"/>
-              <a:buAutoNum type="arabicPeriod"/>
-            </a:pPr>
-            <a:r>
-              <a:rPr lang="en-GB" dirty="0"/>
-              <a:t>Each week an exercise is apart of several small projects</a:t>
-            </a:r>
-          </a:p>
-          <a:p>
-            <a:r>
-              <a:rPr lang="en-GB" dirty="0"/>
-              <a:t>Preferences?</a:t>
-            </a:r>
-          </a:p>
-          <a:p>
-            <a:r>
-              <a:rPr lang="en-GB" dirty="0"/>
-              <a:t>Project at the end? </a:t>
-            </a:r>
+              <a:t>Functional Programming Design</a:t>
+            </a:r>
+          </a:p>
+          <a:p>
+            <a:pPr lvl="1"/>
+            <a:r>
+              <a:rPr lang="en-GB" dirty="0"/>
+              <a:t>???</a:t>
+            </a:r>
+          </a:p>
+          <a:p>
+            <a:pPr lvl="1"/>
+            <a:r>
+              <a:rPr lang="en-GB" dirty="0"/>
+              <a:t>Is Everything just a pipeline?</a:t>
+            </a:r>
+          </a:p>
+          <a:p>
+            <a:pPr lvl="1"/>
+            <a:endParaRPr lang="en-GB" dirty="0"/>
           </a:p>
         </p:txBody>
       </p:sp>
     </p:spTree>
     <p:extLst>
       <p:ext uri="{BB962C8B-B14F-4D97-AF65-F5344CB8AC3E}">
-        <p14:creationId xmlns:p14="http://schemas.microsoft.com/office/powerpoint/2010/main" val="3811486498"/>
+        <p14:creationId xmlns:p14="http://schemas.microsoft.com/office/powerpoint/2010/main" val="2180148013"/>
       </p:ext>
     </p:extLst>
   </p:cSld>
@@ -6075,7 +9557,7 @@
           <p:cNvPr id="2" name="Title 1">
             <a:extLst>
               <a:ext uri="{FF2B5EF4-FFF2-40B4-BE49-F238E27FC236}">
-                <a16:creationId xmlns:a16="http://schemas.microsoft.com/office/drawing/2014/main" id="{0782127B-F8AD-4C85-A8DF-A68DFF4B1912}"/>
+                <a16:creationId xmlns:a16="http://schemas.microsoft.com/office/drawing/2014/main" id="{7F7F2DFF-ED18-4C84-A815-6AD80F8812E6}"/>
               </a:ext>
             </a:extLst>
           </p:cNvPr>
@@ -6093,22 +9575,17 @@
           <a:p>
             <a:r>
               <a:rPr lang="en-GB" dirty="0"/>
-              <a:t>00 – Start the </a:t>
-            </a:r>
-            <a:r>
-              <a:rPr lang="en-GB" dirty="0" err="1"/>
-              <a:t>Func</a:t>
-            </a:r>
-            <a:endParaRPr lang="en-GB" dirty="0"/>
-          </a:p>
-        </p:txBody>
-      </p:sp>
-      <p:sp>
-        <p:nvSpPr>
-          <p:cNvPr id="3" name="Text Placeholder 2">
+              <a:t>Topics to Cover</a:t>
+            </a:r>
+          </a:p>
+        </p:txBody>
+      </p:sp>
+      <p:sp>
+        <p:nvSpPr>
+          <p:cNvPr id="3" name="Content Placeholder 2">
             <a:extLst>
               <a:ext uri="{FF2B5EF4-FFF2-40B4-BE49-F238E27FC236}">
-                <a16:creationId xmlns:a16="http://schemas.microsoft.com/office/drawing/2014/main" id="{E669C72D-B11F-495B-A482-269C1E5FEA52}"/>
+                <a16:creationId xmlns:a16="http://schemas.microsoft.com/office/drawing/2014/main" id="{963A024A-A4C4-49BE-B363-472066D548C2}"/>
               </a:ext>
             </a:extLst>
           </p:cNvPr>
@@ -6116,22 +9593,25 @@
             <a:spLocks noGrp="1"/>
           </p:cNvSpPr>
           <p:nvPr>
-            <p:ph type="body" idx="1"/>
-          </p:nvPr>
-        </p:nvSpPr>
-        <p:spPr/>
-        <p:txBody>
-          <a:bodyPr/>
-          <a:lstStyle/>
-          <a:p>
-            <a:endParaRPr lang="en-GB"/>
+            <p:ph idx="1"/>
+          </p:nvPr>
+        </p:nvSpPr>
+        <p:spPr/>
+        <p:txBody>
+          <a:bodyPr/>
+          <a:lstStyle/>
+          <a:p>
+            <a:r>
+              <a:rPr lang="en-GB"/>
+              <a:t>Project at the end? </a:t>
+            </a:r>
           </a:p>
         </p:txBody>
       </p:sp>
     </p:spTree>
     <p:extLst>
       <p:ext uri="{BB962C8B-B14F-4D97-AF65-F5344CB8AC3E}">
-        <p14:creationId xmlns:p14="http://schemas.microsoft.com/office/powerpoint/2010/main" val="756512949"/>
+        <p14:creationId xmlns:p14="http://schemas.microsoft.com/office/powerpoint/2010/main" val="1252337563"/>
       </p:ext>
     </p:extLst>
   </p:cSld>
@@ -6142,9 +9622,9 @@
 </file>
 
 <file path=ppt/theme/theme1.xml><?xml version="1.0" encoding="utf-8"?>
-<a:theme xmlns:a="http://schemas.openxmlformats.org/drawingml/2006/main" name="Office Theme">
+<a:theme xmlns:a="http://schemas.openxmlformats.org/drawingml/2006/main" name="Facet">
   <a:themeElements>
-    <a:clrScheme name="Office">
+    <a:clrScheme name="Facet">
       <a:dk1>
         <a:sysClr val="windowText" lastClr="000000"/>
       </a:dk1>
@@ -6152,52 +9632,52 @@
         <a:sysClr val="window" lastClr="FFFFFF"/>
       </a:lt1>
       <a:dk2>
-        <a:srgbClr val="44546A"/>
+        <a:srgbClr val="2C3C43"/>
       </a:dk2>
       <a:lt2>
-        <a:srgbClr val="E7E6E6"/>
+        <a:srgbClr val="EBEBEB"/>
       </a:lt2>
       <a:accent1>
-        <a:srgbClr val="4472C4"/>
+        <a:srgbClr val="5FCBEF"/>
       </a:accent1>
       <a:accent2>
-        <a:srgbClr val="ED7D31"/>
+        <a:srgbClr val="2E83C3"/>
       </a:accent2>
       <a:accent3>
-        <a:srgbClr val="A5A5A5"/>
+        <a:srgbClr val="42D0A2"/>
       </a:accent3>
       <a:accent4>
-        <a:srgbClr val="FFC000"/>
+        <a:srgbClr val="2E946B"/>
       </a:accent4>
       <a:accent5>
-        <a:srgbClr val="5B9BD5"/>
+        <a:srgbClr val="42B051"/>
       </a:accent5>
       <a:accent6>
-        <a:srgbClr val="70AD47"/>
+        <a:srgbClr val="96D141"/>
       </a:accent6>
       <a:hlink>
-        <a:srgbClr val="0563C1"/>
+        <a:srgbClr val="3FCDE7"/>
       </a:hlink>
       <a:folHlink>
-        <a:srgbClr val="954F72"/>
+        <a:srgbClr val="A9D3E1"/>
       </a:folHlink>
     </a:clrScheme>
-    <a:fontScheme name="Office">
+    <a:fontScheme name="Facet">
       <a:majorFont>
-        <a:latin typeface="Calibri Light" panose="020F0302020204030204"/>
+        <a:latin typeface="Trebuchet MS" panose="020B0603020202020204"/>
         <a:ea typeface=""/>
         <a:cs typeface=""/>
-        <a:font script="Jpan" typeface="游ゴシック Light"/>
+        <a:font script="Jpan" typeface="メイリオ"/>
         <a:font script="Hang" typeface="맑은 고딕"/>
-        <a:font script="Hans" typeface="等线 Light"/>
-        <a:font script="Hant" typeface="新細明體"/>
-        <a:font script="Arab" typeface="Times New Roman"/>
-        <a:font script="Hebr" typeface="Times New Roman"/>
-        <a:font script="Thai" typeface="Angsana New"/>
+        <a:font script="Hans" typeface="方正姚体"/>
+        <a:font script="Hant" typeface="微軟正黑體"/>
+        <a:font script="Arab" typeface="Tahoma"/>
+        <a:font script="Hebr" typeface="Arial"/>
+        <a:font script="Thai" typeface="Cordia New"/>
         <a:font script="Ethi" typeface="Nyala"/>
         <a:font script="Beng" typeface="Vrinda"/>
         <a:font script="Gujr" typeface="Shruti"/>
-        <a:font script="Khmr" typeface="MoolBoran"/>
+        <a:font script="Khmr" typeface="DaunPenh"/>
         <a:font script="Knda" typeface="Tunga"/>
         <a:font script="Guru" typeface="Raavi"/>
         <a:font script="Cans" typeface="Euphemia"/>
@@ -6214,38 +9694,21 @@
         <a:font script="Laoo" typeface="DokChampa"/>
         <a:font script="Sinh" typeface="Iskoola Pota"/>
         <a:font script="Mong" typeface="Mongolian Baiti"/>
-        <a:font script="Viet" typeface="Times New Roman"/>
+        <a:font script="Viet" typeface="Tahoma"/>
         <a:font script="Uigh" typeface="Microsoft Uighur"/>
         <a:font script="Geor" typeface="Sylfaen"/>
-        <a:font script="Armn" typeface="Arial"/>
-        <a:font script="Bugi" typeface="Leelawadee UI"/>
-        <a:font script="Bopo" typeface="Microsoft JhengHei"/>
-        <a:font script="Java" typeface="Javanese Text"/>
-        <a:font script="Lisu" typeface="Segoe UI"/>
-        <a:font script="Mymr" typeface="Myanmar Text"/>
-        <a:font script="Nkoo" typeface="Ebrima"/>
-        <a:font script="Olck" typeface="Nirmala UI"/>
-        <a:font script="Osma" typeface="Ebrima"/>
-        <a:font script="Phag" typeface="Phagspa"/>
-        <a:font script="Syrn" typeface="Estrangelo Edessa"/>
-        <a:font script="Syrj" typeface="Estrangelo Edessa"/>
-        <a:font script="Syre" typeface="Estrangelo Edessa"/>
-        <a:font script="Sora" typeface="Nirmala UI"/>
-        <a:font script="Tale" typeface="Microsoft Tai Le"/>
-        <a:font script="Talu" typeface="Microsoft New Tai Lue"/>
-        <a:font script="Tfng" typeface="Ebrima"/>
       </a:majorFont>
       <a:minorFont>
-        <a:latin typeface="Calibri" panose="020F0502020204030204"/>
+        <a:latin typeface="Trebuchet MS" panose="020B0603020202020204"/>
         <a:ea typeface=""/>
         <a:cs typeface=""/>
-        <a:font script="Jpan" typeface="游ゴシック"/>
-        <a:font script="Hang" typeface="맑은 고딕"/>
-        <a:font script="Hans" typeface="等线"/>
-        <a:font script="Hant" typeface="新細明體"/>
-        <a:font script="Arab" typeface="Arial"/>
-        <a:font script="Hebr" typeface="Arial"/>
-        <a:font script="Thai" typeface="Cordia New"/>
+        <a:font script="Jpan" typeface="メイリオ"/>
+        <a:font script="Hang" typeface="HY그래픽M"/>
+        <a:font script="Hans" typeface="华文新魏"/>
+        <a:font script="Hant" typeface="微軟正黑體"/>
+        <a:font script="Arab" typeface="Tahoma"/>
+        <a:font script="Hebr" typeface="Gisha"/>
+        <a:font script="Thai" typeface="IrisUPC"/>
         <a:font script="Ethi" typeface="Nyala"/>
         <a:font script="Beng" typeface="Vrinda"/>
         <a:font script="Gujr" typeface="Shruti"/>
@@ -6269,26 +9732,9 @@
         <a:font script="Viet" typeface="Arial"/>
         <a:font script="Uigh" typeface="Microsoft Uighur"/>
         <a:font script="Geor" typeface="Sylfaen"/>
-        <a:font script="Armn" typeface="Arial"/>
-        <a:font script="Bugi" typeface="Leelawadee UI"/>
-        <a:font script="Bopo" typeface="Microsoft JhengHei"/>
-        <a:font script="Java" typeface="Javanese Text"/>
-        <a:font script="Lisu" typeface="Segoe UI"/>
-        <a:font script="Mymr" typeface="Myanmar Text"/>
-        <a:font script="Nkoo" typeface="Ebrima"/>
-        <a:font script="Olck" typeface="Nirmala UI"/>
-        <a:font script="Osma" typeface="Ebrima"/>
-        <a:font script="Phag" typeface="Phagspa"/>
-        <a:font script="Syrn" typeface="Estrangelo Edessa"/>
-        <a:font script="Syrj" typeface="Estrangelo Edessa"/>
-        <a:font script="Syre" typeface="Estrangelo Edessa"/>
-        <a:font script="Sora" typeface="Nirmala UI"/>
-        <a:font script="Tale" typeface="Microsoft Tai Le"/>
-        <a:font script="Talu" typeface="Microsoft New Tai Lue"/>
-        <a:font script="Tfng" typeface="Ebrima"/>
       </a:minorFont>
     </a:fontScheme>
-    <a:fmtScheme name="Office">
+    <a:fmtScheme name="Facet">
       <a:fillStyleLst>
         <a:solidFill>
           <a:schemeClr val="phClr"/>
@@ -6297,23 +9743,13 @@
           <a:gsLst>
             <a:gs pos="0">
               <a:schemeClr val="phClr">
+                <a:tint val="65000"/>
                 <a:lumMod val="110000"/>
-                <a:satMod val="105000"/>
-                <a:tint val="67000"/>
               </a:schemeClr>
             </a:gs>
-            <a:gs pos="50000">
+            <a:gs pos="88000">
               <a:schemeClr val="phClr">
-                <a:lumMod val="105000"/>
-                <a:satMod val="103000"/>
-                <a:tint val="73000"/>
-              </a:schemeClr>
-            </a:gs>
-            <a:gs pos="100000">
-              <a:schemeClr val="phClr">
-                <a:lumMod val="105000"/>
-                <a:satMod val="109000"/>
-                <a:tint val="81000"/>
+                <a:tint val="90000"/>
               </a:schemeClr>
             </a:gs>
           </a:gsLst>
@@ -6323,23 +9759,14 @@
           <a:gsLst>
             <a:gs pos="0">
               <a:schemeClr val="phClr">
-                <a:satMod val="103000"/>
-                <a:lumMod val="102000"/>
-                <a:tint val="94000"/>
+                <a:tint val="96000"/>
+                <a:lumMod val="100000"/>
               </a:schemeClr>
             </a:gs>
-            <a:gs pos="50000">
+            <a:gs pos="78000">
               <a:schemeClr val="phClr">
-                <a:satMod val="110000"/>
-                <a:lumMod val="100000"/>
-                <a:shade val="100000"/>
-              </a:schemeClr>
-            </a:gs>
-            <a:gs pos="100000">
-              <a:schemeClr val="phClr">
-                <a:lumMod val="99000"/>
-                <a:satMod val="120000"/>
-                <a:shade val="78000"/>
+                <a:shade val="94000"/>
+                <a:lumMod val="94000"/>
               </a:schemeClr>
             </a:gs>
           </a:gsLst>
@@ -6347,26 +9774,23 @@
         </a:gradFill>
       </a:fillStyleLst>
       <a:lnStyleLst>
-        <a:ln w="6350" cap="flat" cmpd="sng" algn="ctr">
+        <a:ln w="12700" cap="rnd" cmpd="sng" algn="ctr">
           <a:solidFill>
             <a:schemeClr val="phClr"/>
           </a:solidFill>
           <a:prstDash val="solid"/>
-          <a:miter lim="800000"/>
         </a:ln>
-        <a:ln w="12700" cap="flat" cmpd="sng" algn="ctr">
+        <a:ln w="19050" cap="rnd" cmpd="sng" algn="ctr">
           <a:solidFill>
             <a:schemeClr val="phClr"/>
           </a:solidFill>
           <a:prstDash val="solid"/>
-          <a:miter lim="800000"/>
         </a:ln>
-        <a:ln w="19050" cap="flat" cmpd="sng" algn="ctr">
+        <a:ln w="25400" cap="rnd" cmpd="sng" algn="ctr">
           <a:solidFill>
             <a:schemeClr val="phClr"/>
           </a:solidFill>
           <a:prstDash val="solid"/>
-          <a:miter lim="800000"/>
         </a:ln>
       </a:lnStyleLst>
       <a:effectStyleLst>
@@ -6374,54 +9798,72 @@
           <a:effectLst/>
         </a:effectStyle>
         <a:effectStyle>
-          <a:effectLst/>
+          <a:effectLst>
+            <a:outerShdw blurRad="38100" dist="25400" dir="5400000" rotWithShape="0">
+              <a:srgbClr val="000000">
+                <a:alpha val="35000"/>
+              </a:srgbClr>
+            </a:outerShdw>
+          </a:effectLst>
         </a:effectStyle>
         <a:effectStyle>
           <a:effectLst>
-            <a:outerShdw blurRad="57150" dist="19050" dir="5400000" algn="ctr" rotWithShape="0">
+            <a:outerShdw blurRad="50800" dist="38100" dir="5400000" rotWithShape="0">
               <a:srgbClr val="000000">
-                <a:alpha val="63000"/>
+                <a:alpha val="35000"/>
               </a:srgbClr>
             </a:outerShdw>
           </a:effectLst>
+          <a:scene3d>
+            <a:camera prst="orthographicFront">
+              <a:rot lat="0" lon="0" rev="0"/>
+            </a:camera>
+            <a:lightRig rig="threePt" dir="tl"/>
+          </a:scene3d>
+          <a:sp3d prstMaterial="plastic">
+            <a:bevelT w="0" h="0"/>
+          </a:sp3d>
         </a:effectStyle>
       </a:effectStyleLst>
       <a:bgFillStyleLst>
         <a:solidFill>
           <a:schemeClr val="phClr"/>
         </a:solidFill>
-        <a:solidFill>
-          <a:schemeClr val="phClr">
-            <a:tint val="95000"/>
-            <a:satMod val="170000"/>
-          </a:schemeClr>
-        </a:solidFill>
         <a:gradFill rotWithShape="1">
           <a:gsLst>
             <a:gs pos="0">
               <a:schemeClr val="phClr">
-                <a:tint val="93000"/>
-                <a:satMod val="150000"/>
-                <a:shade val="98000"/>
-                <a:lumMod val="102000"/>
+                <a:tint val="90000"/>
+                <a:lumMod val="104000"/>
               </a:schemeClr>
             </a:gs>
-            <a:gs pos="50000">
+            <a:gs pos="94000">
               <a:schemeClr val="phClr">
-                <a:tint val="98000"/>
-                <a:satMod val="130000"/>
-                <a:shade val="90000"/>
-                <a:lumMod val="103000"/>
+                <a:shade val="96000"/>
+                <a:lumMod val="82000"/>
+              </a:schemeClr>
+            </a:gs>
+          </a:gsLst>
+          <a:lin ang="5400000" scaled="0"/>
+        </a:gradFill>
+        <a:gradFill rotWithShape="1">
+          <a:gsLst>
+            <a:gs pos="0">
+              <a:schemeClr val="phClr">
+                <a:tint val="90000"/>
+                <a:lumMod val="110000"/>
               </a:schemeClr>
             </a:gs>
             <a:gs pos="100000">
               <a:schemeClr val="phClr">
-                <a:shade val="63000"/>
-                <a:satMod val="120000"/>
+                <a:shade val="94000"/>
+                <a:lumMod val="96000"/>
               </a:schemeClr>
             </a:gs>
           </a:gsLst>
-          <a:lin ang="5400000" scaled="0"/>
+          <a:path path="circle">
+            <a:fillToRect l="50000" t="50000" r="100000" b="100000"/>
+          </a:path>
         </a:gradFill>
       </a:bgFillStyleLst>
     </a:fmtScheme>
@@ -6430,7 +9872,7 @@
   <a:extraClrSchemeLst/>
   <a:extLst>
     <a:ext uri="{05A4C25C-085E-4340-85A3-A5531E510DB2}">
-      <thm15:themeFamily xmlns:thm15="http://schemas.microsoft.com/office/thememl/2012/main" name="Office Theme" id="{62F939B6-93AF-4DB8-9C6B-D6C7DFDC589F}" vid="{4A3C46E8-61CC-4603-A589-7422A47A8E4A}"/>
+      <thm15:themeFamily xmlns:thm15="http://schemas.microsoft.com/office/thememl/2012/main" name="Facet" id="{C0C680CD-088A-49FC-A102-D699147F32B2}" vid="{0B5AB586-D108-4FC1-8368-649FE654B894}"/>
     </a:ext>
   </a:extLst>
 </a:theme>

--- a/Topics/00 - Start the Func/Functional First Programming with F#.pptx
+++ b/Topics/00 - Start the Func/Functional First Programming with F#.pptx
@@ -16,28 +16,30 @@
     <p:sldId id="297" r:id="rId10"/>
     <p:sldId id="266" r:id="rId11"/>
     <p:sldId id="279" r:id="rId12"/>
-    <p:sldId id="280" r:id="rId13"/>
-    <p:sldId id="281" r:id="rId14"/>
-    <p:sldId id="282" r:id="rId15"/>
+    <p:sldId id="298" r:id="rId13"/>
+    <p:sldId id="280" r:id="rId14"/>
+    <p:sldId id="281" r:id="rId15"/>
     <p:sldId id="268" r:id="rId16"/>
-    <p:sldId id="283" r:id="rId17"/>
-    <p:sldId id="284" r:id="rId18"/>
-    <p:sldId id="270" r:id="rId19"/>
-    <p:sldId id="285" r:id="rId20"/>
-    <p:sldId id="287" r:id="rId21"/>
-    <p:sldId id="288" r:id="rId22"/>
-    <p:sldId id="289" r:id="rId23"/>
-    <p:sldId id="286" r:id="rId24"/>
-    <p:sldId id="271" r:id="rId25"/>
-    <p:sldId id="290" r:id="rId26"/>
-    <p:sldId id="291" r:id="rId27"/>
-    <p:sldId id="294" r:id="rId28"/>
-    <p:sldId id="295" r:id="rId29"/>
-    <p:sldId id="292" r:id="rId30"/>
-    <p:sldId id="275" r:id="rId31"/>
-    <p:sldId id="273" r:id="rId32"/>
-    <p:sldId id="272" r:id="rId33"/>
-    <p:sldId id="261" r:id="rId34"/>
+    <p:sldId id="282" r:id="rId17"/>
+    <p:sldId id="299" r:id="rId18"/>
+    <p:sldId id="283" r:id="rId19"/>
+    <p:sldId id="284" r:id="rId20"/>
+    <p:sldId id="270" r:id="rId21"/>
+    <p:sldId id="285" r:id="rId22"/>
+    <p:sldId id="287" r:id="rId23"/>
+    <p:sldId id="288" r:id="rId24"/>
+    <p:sldId id="289" r:id="rId25"/>
+    <p:sldId id="286" r:id="rId26"/>
+    <p:sldId id="271" r:id="rId27"/>
+    <p:sldId id="290" r:id="rId28"/>
+    <p:sldId id="291" r:id="rId29"/>
+    <p:sldId id="294" r:id="rId30"/>
+    <p:sldId id="295" r:id="rId31"/>
+    <p:sldId id="292" r:id="rId32"/>
+    <p:sldId id="275" r:id="rId33"/>
+    <p:sldId id="273" r:id="rId34"/>
+    <p:sldId id="272" r:id="rId35"/>
+    <p:sldId id="261" r:id="rId36"/>
   </p:sldIdLst>
   <p:sldSz cx="12192000" cy="6858000"/>
   <p:notesSz cx="6858000" cy="9144000"/>
@@ -6185,6 +6187,89 @@
           <p:cNvPr id="2" name="Title 1">
             <a:extLst>
               <a:ext uri="{FF2B5EF4-FFF2-40B4-BE49-F238E27FC236}">
+                <a16:creationId xmlns:a16="http://schemas.microsoft.com/office/drawing/2014/main" id="{1E46A582-DCAB-4309-AB64-BC7282E1468D}"/>
+              </a:ext>
+            </a:extLst>
+          </p:cNvPr>
+          <p:cNvSpPr>
+            <a:spLocks noGrp="1"/>
+          </p:cNvSpPr>
+          <p:nvPr>
+            <p:ph type="title"/>
+          </p:nvPr>
+        </p:nvSpPr>
+        <p:spPr/>
+        <p:txBody>
+          <a:bodyPr/>
+          <a:lstStyle/>
+          <a:p>
+            <a:r>
+              <a:rPr lang="en-GB" dirty="0"/>
+              <a:t>Why Learn functional Programming?</a:t>
+            </a:r>
+          </a:p>
+        </p:txBody>
+      </p:sp>
+      <p:sp>
+        <p:nvSpPr>
+          <p:cNvPr id="3" name="Text Placeholder 2">
+            <a:extLst>
+              <a:ext uri="{FF2B5EF4-FFF2-40B4-BE49-F238E27FC236}">
+                <a16:creationId xmlns:a16="http://schemas.microsoft.com/office/drawing/2014/main" id="{5A27EC03-5143-4D5B-97F1-EDBB64CAAE78}"/>
+              </a:ext>
+            </a:extLst>
+          </p:cNvPr>
+          <p:cNvSpPr>
+            <a:spLocks noGrp="1"/>
+          </p:cNvSpPr>
+          <p:nvPr>
+            <p:ph type="body" idx="1"/>
+          </p:nvPr>
+        </p:nvSpPr>
+        <p:spPr/>
+        <p:txBody>
+          <a:bodyPr/>
+          <a:lstStyle/>
+          <a:p>
+            <a:endParaRPr lang="en-GB"/>
+          </a:p>
+        </p:txBody>
+      </p:sp>
+    </p:spTree>
+    <p:extLst>
+      <p:ext uri="{BB962C8B-B14F-4D97-AF65-F5344CB8AC3E}">
+        <p14:creationId xmlns:p14="http://schemas.microsoft.com/office/powerpoint/2010/main" val="2962323528"/>
+      </p:ext>
+    </p:extLst>
+  </p:cSld>
+  <p:clrMapOvr>
+    <a:masterClrMapping/>
+  </p:clrMapOvr>
+</p:sld>
+</file>
+
+<file path=ppt/slides/slide13.xml><?xml version="1.0" encoding="utf-8"?>
+<p:sld xmlns:a="http://schemas.openxmlformats.org/drawingml/2006/main" xmlns:r="http://schemas.openxmlformats.org/officeDocument/2006/relationships" xmlns:p="http://schemas.openxmlformats.org/presentationml/2006/main">
+  <p:cSld>
+    <p:spTree>
+      <p:nvGrpSpPr>
+        <p:cNvPr id="1" name=""/>
+        <p:cNvGrpSpPr/>
+        <p:nvPr/>
+      </p:nvGrpSpPr>
+      <p:grpSpPr>
+        <a:xfrm>
+          <a:off x="0" y="0"/>
+          <a:ext cx="0" cy="0"/>
+          <a:chOff x="0" y="0"/>
+          <a:chExt cx="0" cy="0"/>
+        </a:xfrm>
+      </p:grpSpPr>
+      <p:sp>
+        <p:nvSpPr>
+          <p:cNvPr id="2" name="Title 1">
+            <a:extLst>
+              <a:ext uri="{FF2B5EF4-FFF2-40B4-BE49-F238E27FC236}">
                 <a16:creationId xmlns:a16="http://schemas.microsoft.com/office/drawing/2014/main" id="{0873142D-3433-4087-8E26-1F9DAE7F345A}"/>
               </a:ext>
             </a:extLst>
@@ -6306,111 +6391,6 @@
 </p:sld>
 </file>
 
-<file path=ppt/slides/slide13.xml><?xml version="1.0" encoding="utf-8"?>
-<p:sld xmlns:a="http://schemas.openxmlformats.org/drawingml/2006/main" xmlns:r="http://schemas.openxmlformats.org/officeDocument/2006/relationships" xmlns:p="http://schemas.openxmlformats.org/presentationml/2006/main">
-  <p:cSld>
-    <p:spTree>
-      <p:nvGrpSpPr>
-        <p:cNvPr id="1" name=""/>
-        <p:cNvGrpSpPr/>
-        <p:nvPr/>
-      </p:nvGrpSpPr>
-      <p:grpSpPr>
-        <a:xfrm>
-          <a:off x="0" y="0"/>
-          <a:ext cx="0" cy="0"/>
-          <a:chOff x="0" y="0"/>
-          <a:chExt cx="0" cy="0"/>
-        </a:xfrm>
-      </p:grpSpPr>
-      <p:sp>
-        <p:nvSpPr>
-          <p:cNvPr id="2" name="Title 1">
-            <a:extLst>
-              <a:ext uri="{FF2B5EF4-FFF2-40B4-BE49-F238E27FC236}">
-                <a16:creationId xmlns:a16="http://schemas.microsoft.com/office/drawing/2014/main" id="{0873142D-3433-4087-8E26-1F9DAE7F345A}"/>
-              </a:ext>
-            </a:extLst>
-          </p:cNvPr>
-          <p:cNvSpPr>
-            <a:spLocks noGrp="1"/>
-          </p:cNvSpPr>
-          <p:nvPr>
-            <p:ph type="title"/>
-          </p:nvPr>
-        </p:nvSpPr>
-        <p:spPr/>
-        <p:txBody>
-          <a:bodyPr/>
-          <a:lstStyle/>
-          <a:p>
-            <a:r>
-              <a:rPr lang="en-GB" dirty="0"/>
-              <a:t>Why learn functional Programming?</a:t>
-            </a:r>
-          </a:p>
-        </p:txBody>
-      </p:sp>
-      <p:sp>
-        <p:nvSpPr>
-          <p:cNvPr id="3" name="Content Placeholder 2">
-            <a:extLst>
-              <a:ext uri="{FF2B5EF4-FFF2-40B4-BE49-F238E27FC236}">
-                <a16:creationId xmlns:a16="http://schemas.microsoft.com/office/drawing/2014/main" id="{2B84E1C0-C064-4080-A0EB-089DD5283036}"/>
-              </a:ext>
-            </a:extLst>
-          </p:cNvPr>
-          <p:cNvSpPr>
-            <a:spLocks noGrp="1"/>
-          </p:cNvSpPr>
-          <p:nvPr>
-            <p:ph idx="1"/>
-          </p:nvPr>
-        </p:nvSpPr>
-        <p:spPr/>
-        <p:txBody>
-          <a:bodyPr/>
-          <a:lstStyle/>
-          <a:p>
-            <a:r>
-              <a:rPr lang="en-GB" dirty="0"/>
-              <a:t>Because many languages are adopting functional features</a:t>
-            </a:r>
-          </a:p>
-          <a:p>
-            <a:pPr lvl="1"/>
-            <a:r>
-              <a:rPr lang="en-GB" dirty="0"/>
-              <a:t>C#, Java 8, </a:t>
-            </a:r>
-            <a:r>
-              <a:rPr lang="en-GB" dirty="0" err="1"/>
-              <a:t>Javascript</a:t>
-            </a:r>
-            <a:r>
-              <a:rPr lang="en-GB" dirty="0"/>
-              <a:t>, Swift and more are have all adopted features such as:</a:t>
-            </a:r>
-          </a:p>
-          <a:p>
-            <a:pPr lvl="2"/>
-            <a:endParaRPr lang="en-GB" dirty="0"/>
-          </a:p>
-        </p:txBody>
-      </p:sp>
-    </p:spTree>
-    <p:extLst>
-      <p:ext uri="{BB962C8B-B14F-4D97-AF65-F5344CB8AC3E}">
-        <p14:creationId xmlns:p14="http://schemas.microsoft.com/office/powerpoint/2010/main" val="1351502527"/>
-      </p:ext>
-    </p:extLst>
-  </p:cSld>
-  <p:clrMapOvr>
-    <a:masterClrMapping/>
-  </p:clrMapOvr>
-</p:sld>
-</file>
-
 <file path=ppt/slides/slide14.xml><?xml version="1.0" encoding="utf-8"?>
 <p:sld xmlns:a="http://schemas.openxmlformats.org/drawingml/2006/main" xmlns:r="http://schemas.openxmlformats.org/officeDocument/2006/relationships" xmlns:p="http://schemas.openxmlformats.org/presentationml/2006/main">
   <p:cSld>
@@ -6479,13 +6459,22 @@
           <a:p>
             <a:r>
               <a:rPr lang="en-GB" dirty="0"/>
-              <a:t>Because I’m curious, or people have told me it’s amazing.</a:t>
-            </a:r>
-          </a:p>
-          <a:p>
-            <a:r>
-              <a:rPr lang="en-GB" dirty="0"/>
-              <a:t>Learn a different way of thinking; and different way to approach problems </a:t>
+              <a:t>Because many languages are adopting functional features</a:t>
+            </a:r>
+          </a:p>
+          <a:p>
+            <a:pPr lvl="1"/>
+            <a:r>
+              <a:rPr lang="en-GB" dirty="0"/>
+              <a:t>C#, Java 8, </a:t>
+            </a:r>
+            <a:r>
+              <a:rPr lang="en-GB" dirty="0" err="1"/>
+              <a:t>Javascript</a:t>
+            </a:r>
+            <a:r>
+              <a:rPr lang="en-GB" dirty="0"/>
+              <a:t>, Swift and more are have all adopted features such as:</a:t>
             </a:r>
           </a:p>
           <a:p>
@@ -6497,7 +6486,7 @@
     </p:spTree>
     <p:extLst>
       <p:ext uri="{BB962C8B-B14F-4D97-AF65-F5344CB8AC3E}">
-        <p14:creationId xmlns:p14="http://schemas.microsoft.com/office/powerpoint/2010/main" val="3930500310"/>
+        <p14:creationId xmlns:p14="http://schemas.microsoft.com/office/powerpoint/2010/main" val="1351502527"/>
       </p:ext>
     </p:extLst>
   </p:cSld>
@@ -6586,6 +6575,27 @@
             <a:r>
               <a:rPr lang="en-GB" dirty="0"/>
               <a:t>Higher Order functions (C#, Java, Python, </a:t>
+            </a:r>
+            <a:r>
+              <a:rPr lang="en-GB" dirty="0" err="1"/>
+              <a:t>Javascript</a:t>
+            </a:r>
+            <a:r>
+              <a:rPr lang="en-GB" dirty="0"/>
+              <a:t>)</a:t>
+            </a:r>
+          </a:p>
+          <a:p>
+            <a:pPr lvl="1"/>
+            <a:r>
+              <a:rPr lang="en-GB" dirty="0"/>
+              <a:t>Data pipeline (C# LINQ, Java Streams, etc)</a:t>
+            </a:r>
+          </a:p>
+          <a:p>
+            <a:r>
+              <a:rPr lang="en-GB" dirty="0"/>
+              <a:t>First class functions (C#, </a:t>
             </a:r>
             <a:r>
               <a:rPr lang="en-GB" dirty="0" err="1"/>
@@ -6651,7 +6661,7 @@
           <p:cNvPr id="2" name="Title 1">
             <a:extLst>
               <a:ext uri="{FF2B5EF4-FFF2-40B4-BE49-F238E27FC236}">
-                <a16:creationId xmlns:a16="http://schemas.microsoft.com/office/drawing/2014/main" id="{38137A79-893F-490D-8FEB-B1D7C129BCB8}"/>
+                <a16:creationId xmlns:a16="http://schemas.microsoft.com/office/drawing/2014/main" id="{0873142D-3433-4087-8E26-1F9DAE7F345A}"/>
               </a:ext>
             </a:extLst>
           </p:cNvPr>
@@ -6669,7 +6679,7 @@
           <a:p>
             <a:r>
               <a:rPr lang="en-GB" dirty="0"/>
-              <a:t>What is the core functional programming? 	</a:t>
+              <a:t>Why learn functional Programming?</a:t>
             </a:r>
           </a:p>
         </p:txBody>
@@ -6679,7 +6689,7 @@
           <p:cNvPr id="3" name="Content Placeholder 2">
             <a:extLst>
               <a:ext uri="{FF2B5EF4-FFF2-40B4-BE49-F238E27FC236}">
-                <a16:creationId xmlns:a16="http://schemas.microsoft.com/office/drawing/2014/main" id="{C54ADF7E-4017-4349-A4C8-BF1560AE2746}"/>
+                <a16:creationId xmlns:a16="http://schemas.microsoft.com/office/drawing/2014/main" id="{2B84E1C0-C064-4080-A0EB-089DD5283036}"/>
               </a:ext>
             </a:extLst>
           </p:cNvPr>
@@ -6697,39 +6707,24 @@
           <a:p>
             <a:r>
               <a:rPr lang="en-GB" dirty="0"/>
-              <a:t>Its hard to reduce this down to a single statement. Some people have said some combination of:</a:t>
+              <a:t>Because I’m curious, or people have told me it’s amazing.</a:t>
+            </a:r>
+          </a:p>
+          <a:p>
+            <a:r>
+              <a:rPr lang="en-GB" dirty="0"/>
+              <a:t>Learn a different way of thinking; and different way to approach problems</a:t>
             </a:r>
           </a:p>
           <a:p>
             <a:pPr lvl="1"/>
             <a:r>
               <a:rPr lang="en-GB" dirty="0"/>
-              <a:t>First Class functions (Lambda calculus and higher order functions), </a:t>
-            </a:r>
-          </a:p>
-          <a:p>
-            <a:pPr lvl="1"/>
-            <a:r>
-              <a:rPr lang="en-GB" dirty="0"/>
-              <a:t>Algebraic Data types, </a:t>
-            </a:r>
-          </a:p>
-          <a:p>
-            <a:pPr lvl="1"/>
-            <a:r>
-              <a:rPr lang="en-GB" dirty="0"/>
-              <a:t>Immutability</a:t>
-            </a:r>
-          </a:p>
-          <a:p>
-            <a:pPr lvl="1"/>
-            <a:r>
-              <a:rPr lang="en-GB" dirty="0"/>
-              <a:t>Pure Functions</a:t>
-            </a:r>
-          </a:p>
-          <a:p>
-            <a:pPr lvl="1"/>
+              <a:t>(This is probably why people have difficulty with it)</a:t>
+            </a:r>
+          </a:p>
+          <a:p>
+            <a:pPr lvl="2"/>
             <a:endParaRPr lang="en-GB" dirty="0"/>
           </a:p>
         </p:txBody>
@@ -6737,7 +6732,7 @@
     </p:spTree>
     <p:extLst>
       <p:ext uri="{BB962C8B-B14F-4D97-AF65-F5344CB8AC3E}">
-        <p14:creationId xmlns:p14="http://schemas.microsoft.com/office/powerpoint/2010/main" val="457685717"/>
+        <p14:creationId xmlns:p14="http://schemas.microsoft.com/office/powerpoint/2010/main" val="3930500310"/>
       </p:ext>
     </p:extLst>
   </p:cSld>
@@ -6769,7 +6764,7 @@
           <p:cNvPr id="2" name="Title 1">
             <a:extLst>
               <a:ext uri="{FF2B5EF4-FFF2-40B4-BE49-F238E27FC236}">
-                <a16:creationId xmlns:a16="http://schemas.microsoft.com/office/drawing/2014/main" id="{28AA56CA-444E-4B50-9EF5-B5527DE14995}"/>
+                <a16:creationId xmlns:a16="http://schemas.microsoft.com/office/drawing/2014/main" id="{8FA2D410-4DF1-4894-AB82-3FCE8B50FF3F}"/>
               </a:ext>
             </a:extLst>
           </p:cNvPr>
@@ -6787,17 +6782,17 @@
           <a:p>
             <a:r>
               <a:rPr lang="en-GB" dirty="0"/>
-              <a:t>What is the core functional programming? 	</a:t>
-            </a:r>
-          </a:p>
-        </p:txBody>
-      </p:sp>
-      <p:sp>
-        <p:nvSpPr>
-          <p:cNvPr id="3" name="Content Placeholder 2">
+              <a:t>What is functional Programming?</a:t>
+            </a:r>
+          </a:p>
+        </p:txBody>
+      </p:sp>
+      <p:sp>
+        <p:nvSpPr>
+          <p:cNvPr id="3" name="Text Placeholder 2">
             <a:extLst>
               <a:ext uri="{FF2B5EF4-FFF2-40B4-BE49-F238E27FC236}">
-                <a16:creationId xmlns:a16="http://schemas.microsoft.com/office/drawing/2014/main" id="{6A048A30-033A-471C-905A-FC3AAF909752}"/>
+                <a16:creationId xmlns:a16="http://schemas.microsoft.com/office/drawing/2014/main" id="{DEADAE2A-B83A-44EE-9323-FF32167189F7}"/>
               </a:ext>
             </a:extLst>
           </p:cNvPr>
@@ -6805,81 +6800,22 @@
             <a:spLocks noGrp="1"/>
           </p:cNvSpPr>
           <p:nvPr>
-            <p:ph idx="1"/>
-          </p:nvPr>
-        </p:nvSpPr>
-        <p:spPr/>
-        <p:txBody>
-          <a:bodyPr>
-            <a:normAutofit/>
-          </a:bodyPr>
-          <a:lstStyle/>
-          <a:p>
-            <a:r>
-              <a:rPr lang="en-GB" dirty="0"/>
-              <a:t>For me, the things that are closest to the core are: </a:t>
-            </a:r>
-          </a:p>
-          <a:p>
-            <a:pPr marL="514350" indent="-514350">
-              <a:buFont typeface="+mj-lt"/>
-              <a:buAutoNum type="arabicPeriod"/>
-            </a:pPr>
-            <a:r>
-              <a:rPr lang="en-GB" dirty="0"/>
-              <a:t>Declarative programming with first order functions</a:t>
-            </a:r>
-          </a:p>
-          <a:p>
-            <a:pPr marL="514350" indent="-514350">
-              <a:buFont typeface="+mj-lt"/>
-              <a:buAutoNum type="arabicPeriod"/>
-            </a:pPr>
-            <a:r>
-              <a:rPr lang="en-GB" dirty="0"/>
-              <a:t>Purity (Absence of side effects):</a:t>
-            </a:r>
-          </a:p>
-          <a:p>
-            <a:pPr marL="0" indent="0">
-              <a:buNone/>
-            </a:pPr>
-            <a:endParaRPr lang="en-GB" dirty="0"/>
-          </a:p>
-          <a:p>
-            <a:pPr marL="0" indent="0">
-              <a:buNone/>
-            </a:pPr>
-            <a:r>
-              <a:rPr lang="en-GB" sz="2000" i="1" dirty="0"/>
-              <a:t>"Functional code is characterised by one thing: the absence of side effects. It doesn’t rely on data outside the current function, and it doesn’t change data that exists outside the current function. Every other “functional” thing can be derived from this property." </a:t>
-            </a:r>
-            <a:br>
-              <a:rPr lang="en-GB" sz="2400" dirty="0"/>
-            </a:br>
-            <a:r>
-              <a:rPr lang="en-GB" sz="1400" dirty="0">
-                <a:hlinkClick r:id="rId2"/>
-              </a:rPr>
-              <a:t>https://maryrosecook.com/blog/post/a-practical-introduction-to-functional-programming</a:t>
-            </a:r>
-            <a:r>
-              <a:rPr lang="en-GB" sz="1400" dirty="0"/>
-              <a:t> </a:t>
-            </a:r>
-          </a:p>
-          <a:p>
-            <a:pPr marL="0" indent="0">
-              <a:buNone/>
-            </a:pPr>
-            <a:endParaRPr lang="en-GB" dirty="0"/>
+            <p:ph type="body" idx="1"/>
+          </p:nvPr>
+        </p:nvSpPr>
+        <p:spPr/>
+        <p:txBody>
+          <a:bodyPr/>
+          <a:lstStyle/>
+          <a:p>
+            <a:endParaRPr lang="en-GB"/>
           </a:p>
         </p:txBody>
       </p:sp>
     </p:spTree>
     <p:extLst>
       <p:ext uri="{BB962C8B-B14F-4D97-AF65-F5344CB8AC3E}">
-        <p14:creationId xmlns:p14="http://schemas.microsoft.com/office/powerpoint/2010/main" val="4219929151"/>
+        <p14:creationId xmlns:p14="http://schemas.microsoft.com/office/powerpoint/2010/main" val="2015787583"/>
       </p:ext>
     </p:extLst>
   </p:cSld>
@@ -6911,7 +6847,7 @@
           <p:cNvPr id="2" name="Title 1">
             <a:extLst>
               <a:ext uri="{FF2B5EF4-FFF2-40B4-BE49-F238E27FC236}">
-                <a16:creationId xmlns:a16="http://schemas.microsoft.com/office/drawing/2014/main" id="{C3EA0152-43CF-49A3-9F27-D6055A3185BA}"/>
+                <a16:creationId xmlns:a16="http://schemas.microsoft.com/office/drawing/2014/main" id="{38137A79-893F-490D-8FEB-B1D7C129BCB8}"/>
               </a:ext>
             </a:extLst>
           </p:cNvPr>
@@ -6929,7 +6865,7 @@
           <a:p>
             <a:r>
               <a:rPr lang="en-GB" dirty="0"/>
-              <a:t>Functional programming characteristics</a:t>
+              <a:t>What is the core functional programming? 	</a:t>
             </a:r>
           </a:p>
         </p:txBody>
@@ -6939,7 +6875,7 @@
           <p:cNvPr id="3" name="Content Placeholder 2">
             <a:extLst>
               <a:ext uri="{FF2B5EF4-FFF2-40B4-BE49-F238E27FC236}">
-                <a16:creationId xmlns:a16="http://schemas.microsoft.com/office/drawing/2014/main" id="{4D41C678-B6AD-4294-8012-E0E1885FE9F2}"/>
+                <a16:creationId xmlns:a16="http://schemas.microsoft.com/office/drawing/2014/main" id="{C54ADF7E-4017-4349-A4C8-BF1560AE2746}"/>
               </a:ext>
             </a:extLst>
           </p:cNvPr>
@@ -6950,98 +6886,43 @@
             <p:ph idx="1"/>
           </p:nvPr>
         </p:nvSpPr>
-        <p:spPr>
-          <a:xfrm>
-            <a:off x="677334" y="1571349"/>
-            <a:ext cx="8596668" cy="4470014"/>
-          </a:xfrm>
-        </p:spPr>
-        <p:txBody>
-          <a:bodyPr/>
-          <a:lstStyle/>
-          <a:p>
-            <a:pPr marL="0" indent="0">
-              <a:buNone/>
-            </a:pPr>
-            <a:r>
-              <a:rPr lang="en-GB" dirty="0"/>
-              <a:t>Essentially all of the important stuff:</a:t>
+        <p:spPr/>
+        <p:txBody>
+          <a:bodyPr/>
+          <a:lstStyle/>
+          <a:p>
+            <a:r>
+              <a:rPr lang="en-GB" dirty="0"/>
+              <a:t>Its hard to reduce this down to a single statement. Some people have said some combination of:</a:t>
             </a:r>
           </a:p>
           <a:p>
             <a:pPr lvl="1"/>
             <a:r>
               <a:rPr lang="en-GB" dirty="0"/>
-              <a:t>First class functions (Higher order functions etc)</a:t>
+              <a:t>First Class functions (Lambda calculus and higher order functions), </a:t>
             </a:r>
           </a:p>
           <a:p>
             <a:pPr lvl="1"/>
             <a:r>
               <a:rPr lang="en-GB" dirty="0"/>
-              <a:t>Recursion and Tail call optimisation </a:t>
+              <a:t>Algebraic Data types, </a:t>
             </a:r>
           </a:p>
           <a:p>
             <a:pPr lvl="1"/>
             <a:r>
               <a:rPr lang="en-GB" dirty="0"/>
-              <a:t>Currying </a:t>
+              <a:t>Immutability</a:t>
             </a:r>
           </a:p>
           <a:p>
             <a:pPr lvl="1"/>
             <a:r>
               <a:rPr lang="en-GB" dirty="0"/>
-              <a:t>Partial application</a:t>
-            </a:r>
-          </a:p>
-          <a:p>
-            <a:pPr lvl="1"/>
-            <a:r>
-              <a:rPr lang="en-GB" dirty="0"/>
-              <a:t>Pipelining </a:t>
-            </a:r>
-          </a:p>
-          <a:p>
-            <a:pPr lvl="1"/>
-            <a:r>
-              <a:rPr lang="en-GB" dirty="0"/>
-              <a:t>Algebraic Data Types</a:t>
-            </a:r>
-          </a:p>
-          <a:p>
-            <a:pPr lvl="1"/>
-            <a:r>
-              <a:rPr lang="en-GB" dirty="0"/>
-              <a:t>Immutable Data</a:t>
-            </a:r>
-          </a:p>
-          <a:p>
-            <a:pPr lvl="1"/>
-            <a:r>
-              <a:rPr lang="en-GB" dirty="0"/>
-              <a:t>Pattern Matching</a:t>
-            </a:r>
-          </a:p>
-          <a:p>
-            <a:pPr lvl="1"/>
-            <a:r>
-              <a:rPr lang="en-GB" dirty="0"/>
-              <a:t>Laziness</a:t>
-            </a:r>
-          </a:p>
-          <a:p>
-            <a:pPr marL="457200" lvl="1" indent="0">
-              <a:buNone/>
-            </a:pPr>
-            <a:endParaRPr lang="en-GB" dirty="0"/>
-          </a:p>
-          <a:p>
-            <a:pPr marL="457200" lvl="1" indent="0">
-              <a:buNone/>
-            </a:pPr>
-            <a:endParaRPr lang="en-GB" dirty="0"/>
+              <a:t>Pure Functions</a:t>
+            </a:r>
           </a:p>
           <a:p>
             <a:pPr lvl="1"/>
@@ -7052,7 +6933,7 @@
     </p:spTree>
     <p:extLst>
       <p:ext uri="{BB962C8B-B14F-4D97-AF65-F5344CB8AC3E}">
-        <p14:creationId xmlns:p14="http://schemas.microsoft.com/office/powerpoint/2010/main" val="3132465871"/>
+        <p14:creationId xmlns:p14="http://schemas.microsoft.com/office/powerpoint/2010/main" val="457685717"/>
       </p:ext>
     </p:extLst>
   </p:cSld>
@@ -7084,7 +6965,7 @@
           <p:cNvPr id="2" name="Title 1">
             <a:extLst>
               <a:ext uri="{FF2B5EF4-FFF2-40B4-BE49-F238E27FC236}">
-                <a16:creationId xmlns:a16="http://schemas.microsoft.com/office/drawing/2014/main" id="{C3EA0152-43CF-49A3-9F27-D6055A3185BA}"/>
+                <a16:creationId xmlns:a16="http://schemas.microsoft.com/office/drawing/2014/main" id="{28AA56CA-444E-4B50-9EF5-B5527DE14995}"/>
               </a:ext>
             </a:extLst>
           </p:cNvPr>
@@ -7102,7 +6983,7 @@
           <a:p>
             <a:r>
               <a:rPr lang="en-GB" dirty="0"/>
-              <a:t>Functional programming characteristics</a:t>
+              <a:t>What is the core functional programming? 	</a:t>
             </a:r>
           </a:p>
         </p:txBody>
@@ -7112,7 +6993,7 @@
           <p:cNvPr id="3" name="Content Placeholder 2">
             <a:extLst>
               <a:ext uri="{FF2B5EF4-FFF2-40B4-BE49-F238E27FC236}">
-                <a16:creationId xmlns:a16="http://schemas.microsoft.com/office/drawing/2014/main" id="{4D41C678-B6AD-4294-8012-E0E1885FE9F2}"/>
+                <a16:creationId xmlns:a16="http://schemas.microsoft.com/office/drawing/2014/main" id="{6A048A30-033A-471C-905A-FC3AAF909752}"/>
               </a:ext>
             </a:extLst>
           </p:cNvPr>
@@ -7123,101 +7004,70 @@
             <p:ph idx="1"/>
           </p:nvPr>
         </p:nvSpPr>
-        <p:spPr>
-          <a:xfrm>
-            <a:off x="677334" y="1571349"/>
-            <a:ext cx="8596668" cy="4470014"/>
-          </a:xfrm>
-        </p:spPr>
-        <p:txBody>
-          <a:bodyPr/>
-          <a:lstStyle/>
+        <p:spPr/>
+        <p:txBody>
+          <a:bodyPr>
+            <a:normAutofit/>
+          </a:bodyPr>
+          <a:lstStyle/>
+          <a:p>
+            <a:r>
+              <a:rPr lang="en-GB" dirty="0"/>
+              <a:t>For me, the things that are closest to the core are: </a:t>
+            </a:r>
+          </a:p>
+          <a:p>
+            <a:pPr marL="514350" indent="-514350">
+              <a:buFont typeface="+mj-lt"/>
+              <a:buAutoNum type="arabicPeriod"/>
+            </a:pPr>
+            <a:r>
+              <a:rPr lang="en-GB" dirty="0"/>
+              <a:t>Declarative programming with first order functions</a:t>
+            </a:r>
+          </a:p>
+          <a:p>
+            <a:pPr marL="514350" indent="-514350">
+              <a:buFont typeface="+mj-lt"/>
+              <a:buAutoNum type="arabicPeriod"/>
+            </a:pPr>
+            <a:r>
+              <a:rPr lang="en-GB" dirty="0"/>
+              <a:t>Purity (Absence of side effects):</a:t>
+            </a:r>
+          </a:p>
           <a:p>
             <a:pPr marL="0" indent="0">
-              <a:buNone/>
-            </a:pPr>
-            <a:r>
-              <a:rPr lang="en-GB" dirty="0"/>
-              <a:t>Essentially all of the important stuff:</a:t>
-            </a:r>
-          </a:p>
-          <a:p>
-            <a:pPr lvl="1"/>
-            <a:r>
-              <a:rPr lang="en-GB" dirty="0"/>
-              <a:t>First class functions (Higher order functions etc) – Functions</a:t>
-            </a:r>
-          </a:p>
-          <a:p>
-            <a:pPr lvl="1"/>
-            <a:r>
-              <a:rPr lang="en-GB" dirty="0"/>
-              <a:t>Recursion and Tail call optimisation - Functions</a:t>
-            </a:r>
-          </a:p>
-          <a:p>
-            <a:pPr lvl="1"/>
-            <a:r>
-              <a:rPr lang="en-GB" dirty="0"/>
-              <a:t>Currying - Functions</a:t>
-            </a:r>
-          </a:p>
-          <a:p>
-            <a:pPr lvl="1"/>
-            <a:r>
-              <a:rPr lang="en-GB" dirty="0"/>
-              <a:t>Partial application - Functions</a:t>
-            </a:r>
-          </a:p>
-          <a:p>
-            <a:pPr lvl="1"/>
-            <a:r>
-              <a:rPr lang="en-GB" dirty="0"/>
-              <a:t>Pipelining - Functions</a:t>
-            </a:r>
-          </a:p>
-          <a:p>
-            <a:pPr lvl="1"/>
-            <a:r>
-              <a:rPr lang="en-GB" dirty="0"/>
-              <a:t>Algebraic Data Types – Data</a:t>
-            </a:r>
-          </a:p>
-          <a:p>
-            <a:pPr lvl="1"/>
-            <a:r>
-              <a:rPr lang="en-GB" dirty="0"/>
-              <a:t>Immutable Data - Data</a:t>
-            </a:r>
-          </a:p>
-          <a:p>
-            <a:pPr lvl="1"/>
-            <a:r>
-              <a:rPr lang="en-GB" dirty="0"/>
-              <a:t>Pattern Matching – Data and Functions</a:t>
-            </a:r>
-          </a:p>
-          <a:p>
-            <a:pPr lvl="1"/>
-            <a:r>
-              <a:rPr lang="en-GB" dirty="0"/>
-              <a:t>Laziness – Functions and ??</a:t>
-            </a:r>
-          </a:p>
-          <a:p>
-            <a:pPr marL="457200" lvl="1" indent="0">
               <a:buNone/>
             </a:pPr>
             <a:endParaRPr lang="en-GB" dirty="0"/>
           </a:p>
           <a:p>
-            <a:pPr marL="457200" lvl="1" indent="0">
+            <a:pPr marL="0" indent="0">
               <a:buNone/>
             </a:pPr>
-            <a:endParaRPr lang="en-GB" dirty="0"/>
-          </a:p>
-          <a:p>
-            <a:pPr lvl="1"/>
+            <a:r>
+              <a:rPr lang="en-GB" sz="2000" i="1" dirty="0"/>
+              <a:t>"Functional code is characterised by one thing: the absence of side effects. It doesn’t rely on data outside the current function, and it doesn’t change data that exists outside the current function. Every other “functional” thing can be derived from this property." </a:t>
+            </a:r>
+            <a:br>
+              <a:rPr lang="en-GB" sz="2400" dirty="0"/>
+            </a:br>
+            <a:r>
+              <a:rPr lang="en-GB" sz="1400" dirty="0">
+                <a:hlinkClick r:id="rId2"/>
+              </a:rPr>
+              <a:t>https://maryrosecook.com/blog/post/a-practical-introduction-to-functional-programming</a:t>
+            </a:r>
+            <a:r>
+              <a:rPr lang="en-GB" sz="1400" dirty="0"/>
+              <a:t> </a:t>
+            </a:r>
+          </a:p>
+          <a:p>
+            <a:pPr marL="0" indent="0">
+              <a:buNone/>
+            </a:pPr>
             <a:endParaRPr lang="en-GB" dirty="0"/>
           </a:p>
         </p:txBody>
@@ -7225,7 +7075,7 @@
     </p:spTree>
     <p:extLst>
       <p:ext uri="{BB962C8B-B14F-4D97-AF65-F5344CB8AC3E}">
-        <p14:creationId xmlns:p14="http://schemas.microsoft.com/office/powerpoint/2010/main" val="1187350171"/>
+        <p14:creationId xmlns:p14="http://schemas.microsoft.com/office/powerpoint/2010/main" val="4219929151"/>
       </p:ext>
     </p:extLst>
   </p:cSld>
@@ -7381,7 +7231,7 @@
           <p:cNvPr id="2" name="Title 1">
             <a:extLst>
               <a:ext uri="{FF2B5EF4-FFF2-40B4-BE49-F238E27FC236}">
-                <a16:creationId xmlns:a16="http://schemas.microsoft.com/office/drawing/2014/main" id="{95BAC10B-5402-42E4-AD48-A5265B068621}"/>
+                <a16:creationId xmlns:a16="http://schemas.microsoft.com/office/drawing/2014/main" id="{C3EA0152-43CF-49A3-9F27-D6055A3185BA}"/>
               </a:ext>
             </a:extLst>
           </p:cNvPr>
@@ -7392,19 +7242,14 @@
             <p:ph type="title"/>
           </p:nvPr>
         </p:nvSpPr>
-        <p:spPr>
-          <a:xfrm>
-            <a:off x="677334" y="609600"/>
-            <a:ext cx="8596668" cy="864093"/>
-          </a:xfrm>
-        </p:spPr>
-        <p:txBody>
-          <a:bodyPr/>
-          <a:lstStyle/>
-          <a:p>
-            <a:r>
-              <a:rPr lang="en-GB" dirty="0"/>
-              <a:t>Functional First Programming with F#</a:t>
+        <p:spPr/>
+        <p:txBody>
+          <a:bodyPr/>
+          <a:lstStyle/>
+          <a:p>
+            <a:r>
+              <a:rPr lang="en-GB" dirty="0"/>
+              <a:t>Functional programming characteristics</a:t>
             </a:r>
           </a:p>
         </p:txBody>
@@ -7414,7 +7259,7 @@
           <p:cNvPr id="3" name="Content Placeholder 2">
             <a:extLst>
               <a:ext uri="{FF2B5EF4-FFF2-40B4-BE49-F238E27FC236}">
-                <a16:creationId xmlns:a16="http://schemas.microsoft.com/office/drawing/2014/main" id="{A5CC9200-C372-4FE5-8C50-BE5E49CA61A2}"/>
+                <a16:creationId xmlns:a16="http://schemas.microsoft.com/office/drawing/2014/main" id="{4D41C678-B6AD-4294-8012-E0E1885FE9F2}"/>
               </a:ext>
             </a:extLst>
           </p:cNvPr>
@@ -7427,67 +7272,99 @@
         </p:nvSpPr>
         <p:spPr>
           <a:xfrm>
-            <a:off x="677334" y="1473693"/>
-            <a:ext cx="9105858" cy="4567669"/>
+            <a:off x="677334" y="1571349"/>
+            <a:ext cx="8596668" cy="4470014"/>
           </a:xfrm>
         </p:spPr>
         <p:txBody>
           <a:bodyPr/>
           <a:lstStyle/>
           <a:p>
-            <a:r>
-              <a:rPr lang="en-GB" dirty="0"/>
-              <a:t>We will talk about this properly later, but what is Functional First Programming and why F#? </a:t>
-            </a:r>
-          </a:p>
-          <a:p>
-            <a:endParaRPr lang="en-GB" dirty="0"/>
-          </a:p>
-          <a:p>
             <a:pPr marL="0" indent="0">
               <a:buNone/>
             </a:pPr>
             <a:r>
-              <a:rPr lang="en-GB" i="1" dirty="0"/>
-              <a:t>"There is an interesting phenomenon happening at Xamarin. Whenever one of our engineers starts working with F#, they tend to embrace it and stay there." </a:t>
-            </a:r>
-            <a:br>
-              <a:rPr lang="en-GB" dirty="0"/>
-            </a:br>
-            <a:endParaRPr lang="en-GB" dirty="0"/>
-          </a:p>
-          <a:p>
-            <a:pPr marL="0" indent="0">
-              <a:buNone/>
-            </a:pPr>
-            <a:r>
-              <a:rPr lang="en-GB" dirty="0"/>
-              <a:t>Miguel de </a:t>
-            </a:r>
-            <a:r>
-              <a:rPr lang="en-GB" dirty="0" err="1"/>
-              <a:t>Icaza</a:t>
-            </a:r>
-            <a:r>
-              <a:rPr lang="en-GB" dirty="0"/>
-              <a:t>, best known for starting the </a:t>
-            </a:r>
-            <a:r>
-              <a:rPr lang="en-GB" dirty="0" err="1"/>
-              <a:t>GNOME,Mono</a:t>
-            </a:r>
-            <a:r>
-              <a:rPr lang="en-GB" dirty="0"/>
-              <a:t> and Xamarin projects</a:t>
-            </a:r>
-          </a:p>
-          <a:p>
-            <a:pPr marL="0" indent="0">
+              <a:rPr lang="en-GB" dirty="0"/>
+              <a:t>Essentially all of the important stuff:</a:t>
+            </a:r>
+          </a:p>
+          <a:p>
+            <a:pPr lvl="1"/>
+            <a:r>
+              <a:rPr lang="en-GB" dirty="0"/>
+              <a:t>First class functions (Higher order functions etc)</a:t>
+            </a:r>
+          </a:p>
+          <a:p>
+            <a:pPr lvl="1"/>
+            <a:r>
+              <a:rPr lang="en-GB" dirty="0"/>
+              <a:t>Recursion and Tail call optimisation </a:t>
+            </a:r>
+          </a:p>
+          <a:p>
+            <a:pPr lvl="1"/>
+            <a:r>
+              <a:rPr lang="en-GB" dirty="0"/>
+              <a:t>Currying </a:t>
+            </a:r>
+          </a:p>
+          <a:p>
+            <a:pPr lvl="1"/>
+            <a:r>
+              <a:rPr lang="en-GB" dirty="0"/>
+              <a:t>Partial application</a:t>
+            </a:r>
+          </a:p>
+          <a:p>
+            <a:pPr lvl="1"/>
+            <a:r>
+              <a:rPr lang="en-GB" dirty="0"/>
+              <a:t>Pipelining </a:t>
+            </a:r>
+          </a:p>
+          <a:p>
+            <a:pPr lvl="1"/>
+            <a:r>
+              <a:rPr lang="en-GB" dirty="0"/>
+              <a:t>Algebraic Data Types</a:t>
+            </a:r>
+          </a:p>
+          <a:p>
+            <a:pPr lvl="1"/>
+            <a:r>
+              <a:rPr lang="en-GB" dirty="0"/>
+              <a:t>Immutable Data</a:t>
+            </a:r>
+          </a:p>
+          <a:p>
+            <a:pPr lvl="1"/>
+            <a:r>
+              <a:rPr lang="en-GB" dirty="0"/>
+              <a:t>Pattern Matching</a:t>
+            </a:r>
+          </a:p>
+          <a:p>
+            <a:pPr lvl="1"/>
+            <a:r>
+              <a:rPr lang="en-GB" dirty="0"/>
+              <a:t>Laziness</a:t>
+            </a:r>
+          </a:p>
+          <a:p>
+            <a:pPr marL="457200" lvl="1" indent="0">
               <a:buNone/>
             </a:pPr>
             <a:endParaRPr lang="en-GB" dirty="0"/>
           </a:p>
           <a:p>
+            <a:pPr marL="457200" lvl="1" indent="0">
+              <a:buNone/>
+            </a:pPr>
+            <a:endParaRPr lang="en-GB" dirty="0"/>
+          </a:p>
+          <a:p>
+            <a:pPr lvl="1"/>
             <a:endParaRPr lang="en-GB" dirty="0"/>
           </a:p>
         </p:txBody>
@@ -7495,7 +7372,7 @@
     </p:spTree>
     <p:extLst>
       <p:ext uri="{BB962C8B-B14F-4D97-AF65-F5344CB8AC3E}">
-        <p14:creationId xmlns:p14="http://schemas.microsoft.com/office/powerpoint/2010/main" val="3554641445"/>
+        <p14:creationId xmlns:p14="http://schemas.microsoft.com/office/powerpoint/2010/main" val="3132465871"/>
       </p:ext>
     </p:extLst>
   </p:cSld>
@@ -7527,7 +7404,7 @@
           <p:cNvPr id="2" name="Title 1">
             <a:extLst>
               <a:ext uri="{FF2B5EF4-FFF2-40B4-BE49-F238E27FC236}">
-                <a16:creationId xmlns:a16="http://schemas.microsoft.com/office/drawing/2014/main" id="{95BAC10B-5402-42E4-AD48-A5265B068621}"/>
+                <a16:creationId xmlns:a16="http://schemas.microsoft.com/office/drawing/2014/main" id="{C3EA0152-43CF-49A3-9F27-D6055A3185BA}"/>
               </a:ext>
             </a:extLst>
           </p:cNvPr>
@@ -7538,19 +7415,14 @@
             <p:ph type="title"/>
           </p:nvPr>
         </p:nvSpPr>
-        <p:spPr>
-          <a:xfrm>
-            <a:off x="677334" y="609600"/>
-            <a:ext cx="8596668" cy="864093"/>
-          </a:xfrm>
-        </p:spPr>
-        <p:txBody>
-          <a:bodyPr/>
-          <a:lstStyle/>
-          <a:p>
-            <a:r>
-              <a:rPr lang="en-GB" dirty="0"/>
-              <a:t>Functional First Programming with F#</a:t>
+        <p:spPr/>
+        <p:txBody>
+          <a:bodyPr/>
+          <a:lstStyle/>
+          <a:p>
+            <a:r>
+              <a:rPr lang="en-GB" dirty="0"/>
+              <a:t>Functional programming characteristics</a:t>
             </a:r>
           </a:p>
         </p:txBody>
@@ -7560,7 +7432,7 @@
           <p:cNvPr id="3" name="Content Placeholder 2">
             <a:extLst>
               <a:ext uri="{FF2B5EF4-FFF2-40B4-BE49-F238E27FC236}">
-                <a16:creationId xmlns:a16="http://schemas.microsoft.com/office/drawing/2014/main" id="{A5CC9200-C372-4FE5-8C50-BE5E49CA61A2}"/>
+                <a16:creationId xmlns:a16="http://schemas.microsoft.com/office/drawing/2014/main" id="{4D41C678-B6AD-4294-8012-E0E1885FE9F2}"/>
               </a:ext>
             </a:extLst>
           </p:cNvPr>
@@ -7573,8 +7445,8 @@
         </p:nvSpPr>
         <p:spPr>
           <a:xfrm>
-            <a:off x="677334" y="1473693"/>
-            <a:ext cx="8596668" cy="4567669"/>
+            <a:off x="677334" y="1571349"/>
+            <a:ext cx="8596668" cy="4470014"/>
           </a:xfrm>
         </p:spPr>
         <p:txBody>
@@ -7586,71 +7458,94 @@
             </a:pPr>
             <a:r>
               <a:rPr lang="en-GB" dirty="0"/>
-              <a:t>Benefits: </a:t>
-            </a:r>
-          </a:p>
-          <a:p>
-            <a:r>
-              <a:rPr lang="en-GB" dirty="0"/>
-              <a:t>A Multiparadigm language, OO and imperative is just as easy as in C#</a:t>
-            </a:r>
-          </a:p>
-          <a:p>
-            <a:r>
-              <a:rPr lang="en-GB" dirty="0"/>
-              <a:t>Strong community</a:t>
-            </a:r>
-          </a:p>
-          <a:p>
-            <a:r>
-              <a:rPr lang="en-GB" dirty="0"/>
-              <a:t>Concise but readable syntax and easy to understand</a:t>
-            </a:r>
-          </a:p>
-          <a:p>
-            <a:r>
-              <a:rPr lang="en-GB" dirty="0"/>
-              <a:t>Full .NET Interop</a:t>
-            </a:r>
-          </a:p>
-          <a:p>
-            <a:r>
-              <a:rPr lang="en-GB" dirty="0"/>
-              <a:t>F# -&gt; </a:t>
-            </a:r>
-            <a:r>
-              <a:rPr lang="en-GB" dirty="0" err="1"/>
-              <a:t>Javascript</a:t>
-            </a:r>
-            <a:r>
-              <a:rPr lang="en-GB" dirty="0"/>
-              <a:t> compiler with Fable</a:t>
-            </a:r>
-          </a:p>
-          <a:p>
-            <a:r>
-              <a:rPr lang="en-GB" dirty="0"/>
-              <a:t>Multiplatform</a:t>
-            </a:r>
-          </a:p>
-          <a:p>
-            <a:r>
-              <a:rPr lang="en-GB" dirty="0"/>
-              <a:t>Xamarin support</a:t>
-            </a:r>
-          </a:p>
-          <a:p>
-            <a:r>
-              <a:rPr lang="en-GB" dirty="0"/>
-              <a:t>Can use Visual Studio, Visual Studio code, or Rider</a:t>
-            </a:r>
+              <a:t>Essentially all of the important stuff:</a:t>
+            </a:r>
+          </a:p>
+          <a:p>
+            <a:pPr lvl="1"/>
+            <a:r>
+              <a:rPr lang="en-GB" dirty="0"/>
+              <a:t>First class functions (Higher order functions etc) – Functions</a:t>
+            </a:r>
+          </a:p>
+          <a:p>
+            <a:pPr lvl="1"/>
+            <a:r>
+              <a:rPr lang="en-GB" dirty="0"/>
+              <a:t>Recursion and Tail call optimisation - Functions</a:t>
+            </a:r>
+          </a:p>
+          <a:p>
+            <a:pPr lvl="1"/>
+            <a:r>
+              <a:rPr lang="en-GB" dirty="0"/>
+              <a:t>Currying - Functions</a:t>
+            </a:r>
+          </a:p>
+          <a:p>
+            <a:pPr lvl="1"/>
+            <a:r>
+              <a:rPr lang="en-GB" dirty="0"/>
+              <a:t>Partial application - Functions</a:t>
+            </a:r>
+          </a:p>
+          <a:p>
+            <a:pPr lvl="1"/>
+            <a:r>
+              <a:rPr lang="en-GB" dirty="0"/>
+              <a:t>Pipelining - Functions</a:t>
+            </a:r>
+          </a:p>
+          <a:p>
+            <a:pPr lvl="1"/>
+            <a:r>
+              <a:rPr lang="en-GB" dirty="0"/>
+              <a:t>Algebraic Data Types – Data</a:t>
+            </a:r>
+          </a:p>
+          <a:p>
+            <a:pPr lvl="1"/>
+            <a:r>
+              <a:rPr lang="en-GB" dirty="0"/>
+              <a:t>Immutable Data - Data</a:t>
+            </a:r>
+          </a:p>
+          <a:p>
+            <a:pPr lvl="1"/>
+            <a:r>
+              <a:rPr lang="en-GB" dirty="0"/>
+              <a:t>Pattern Matching – Data and Functions</a:t>
+            </a:r>
+          </a:p>
+          <a:p>
+            <a:pPr lvl="1"/>
+            <a:r>
+              <a:rPr lang="en-GB" dirty="0"/>
+              <a:t>Laziness – Functions and ??</a:t>
+            </a:r>
+          </a:p>
+          <a:p>
+            <a:pPr marL="457200" lvl="1" indent="0">
+              <a:buNone/>
+            </a:pPr>
+            <a:endParaRPr lang="en-GB" dirty="0"/>
+          </a:p>
+          <a:p>
+            <a:pPr marL="457200" lvl="1" indent="0">
+              <a:buNone/>
+            </a:pPr>
+            <a:endParaRPr lang="en-GB" dirty="0"/>
+          </a:p>
+          <a:p>
+            <a:pPr lvl="1"/>
+            <a:endParaRPr lang="en-GB" dirty="0"/>
           </a:p>
         </p:txBody>
       </p:sp>
     </p:spTree>
     <p:extLst>
       <p:ext uri="{BB962C8B-B14F-4D97-AF65-F5344CB8AC3E}">
-        <p14:creationId xmlns:p14="http://schemas.microsoft.com/office/powerpoint/2010/main" val="1595959429"/>
+        <p14:creationId xmlns:p14="http://schemas.microsoft.com/office/powerpoint/2010/main" val="1187350171"/>
       </p:ext>
     </p:extLst>
   </p:cSld>
@@ -7729,45 +7624,74 @@
         <p:spPr>
           <a:xfrm>
             <a:off x="677334" y="1473693"/>
-            <a:ext cx="8596668" cy="4567669"/>
+            <a:ext cx="9105858" cy="4567669"/>
           </a:xfrm>
         </p:spPr>
         <p:txBody>
           <a:bodyPr/>
           <a:lstStyle/>
           <a:p>
+            <a:r>
+              <a:rPr lang="en-GB" dirty="0"/>
+              <a:t>We will talk about this properly later, but what is Functional First Programming and why F#? </a:t>
+            </a:r>
+          </a:p>
+          <a:p>
+            <a:endParaRPr lang="en-GB" dirty="0"/>
+          </a:p>
+          <a:p>
             <a:pPr marL="0" indent="0">
               <a:buNone/>
             </a:pPr>
             <a:r>
-              <a:rPr lang="en-GB" dirty="0"/>
-              <a:t>Issues: </a:t>
-            </a:r>
-          </a:p>
-          <a:p>
-            <a:r>
-              <a:rPr lang="en-GB" dirty="0"/>
-              <a:t>No Type classes (Yet)</a:t>
-            </a:r>
-          </a:p>
-          <a:p>
-            <a:r>
-              <a:rPr lang="en-GB" dirty="0"/>
-              <a:t>Not as good treatment in comparison to C# from Microsoft at the moment, so development setup isn’t perfect at the moment</a:t>
-            </a:r>
-          </a:p>
-          <a:p>
-            <a:r>
-              <a:rPr lang="en-GB" dirty="0"/>
-              <a:t>C# is a really good language</a:t>
-            </a:r>
+              <a:rPr lang="en-GB" i="1" dirty="0"/>
+              <a:t>"There is an interesting phenomenon happening at Xamarin. Whenever one of our engineers starts working with F#, they tend to embrace it and stay there." </a:t>
+            </a:r>
+            <a:br>
+              <a:rPr lang="en-GB" dirty="0"/>
+            </a:br>
+            <a:endParaRPr lang="en-GB" dirty="0"/>
+          </a:p>
+          <a:p>
+            <a:pPr marL="0" indent="0">
+              <a:buNone/>
+            </a:pPr>
+            <a:r>
+              <a:rPr lang="en-GB" dirty="0"/>
+              <a:t>Miguel de </a:t>
+            </a:r>
+            <a:r>
+              <a:rPr lang="en-GB" dirty="0" err="1"/>
+              <a:t>Icaza</a:t>
+            </a:r>
+            <a:r>
+              <a:rPr lang="en-GB" dirty="0"/>
+              <a:t>, best known for starting the </a:t>
+            </a:r>
+            <a:r>
+              <a:rPr lang="en-GB" dirty="0" err="1"/>
+              <a:t>GNOME,Mono</a:t>
+            </a:r>
+            <a:r>
+              <a:rPr lang="en-GB" dirty="0"/>
+              <a:t> and Xamarin projects</a:t>
+            </a:r>
+          </a:p>
+          <a:p>
+            <a:pPr marL="0" indent="0">
+              <a:buNone/>
+            </a:pPr>
+            <a:endParaRPr lang="en-GB" dirty="0"/>
+          </a:p>
+          <a:p>
+            <a:endParaRPr lang="en-GB" dirty="0"/>
           </a:p>
         </p:txBody>
       </p:sp>
     </p:spTree>
     <p:extLst>
       <p:ext uri="{BB962C8B-B14F-4D97-AF65-F5344CB8AC3E}">
-        <p14:creationId xmlns:p14="http://schemas.microsoft.com/office/powerpoint/2010/main" val="640178609"/>
+        <p14:creationId xmlns:p14="http://schemas.microsoft.com/office/powerpoint/2010/main" val="3554641445"/>
       </p:ext>
     </p:extLst>
   </p:cSld>
@@ -7799,7 +7723,7 @@
           <p:cNvPr id="2" name="Title 1">
             <a:extLst>
               <a:ext uri="{FF2B5EF4-FFF2-40B4-BE49-F238E27FC236}">
-                <a16:creationId xmlns:a16="http://schemas.microsoft.com/office/drawing/2014/main" id="{5BCD6D4A-1CE9-4B21-9F15-722BB6F2168A}"/>
+                <a16:creationId xmlns:a16="http://schemas.microsoft.com/office/drawing/2014/main" id="{95BAC10B-5402-42E4-AD48-A5265B068621}"/>
               </a:ext>
             </a:extLst>
           </p:cNvPr>
@@ -7810,24 +7734,29 @@
             <p:ph type="title"/>
           </p:nvPr>
         </p:nvSpPr>
-        <p:spPr/>
-        <p:txBody>
-          <a:bodyPr/>
-          <a:lstStyle/>
-          <a:p>
-            <a:r>
-              <a:rPr lang="en-GB" dirty="0"/>
-              <a:t>Functional / Declarative vs OO / Imperative breakdown</a:t>
-            </a:r>
-          </a:p>
-        </p:txBody>
-      </p:sp>
-      <p:sp>
-        <p:nvSpPr>
-          <p:cNvPr id="3" name="Text Placeholder 2">
+        <p:spPr>
+          <a:xfrm>
+            <a:off x="677334" y="609600"/>
+            <a:ext cx="8596668" cy="864093"/>
+          </a:xfrm>
+        </p:spPr>
+        <p:txBody>
+          <a:bodyPr/>
+          <a:lstStyle/>
+          <a:p>
+            <a:r>
+              <a:rPr lang="en-GB" dirty="0"/>
+              <a:t>Functional First Programming with F#</a:t>
+            </a:r>
+          </a:p>
+        </p:txBody>
+      </p:sp>
+      <p:sp>
+        <p:nvSpPr>
+          <p:cNvPr id="3" name="Content Placeholder 2">
             <a:extLst>
               <a:ext uri="{FF2B5EF4-FFF2-40B4-BE49-F238E27FC236}">
-                <a16:creationId xmlns:a16="http://schemas.microsoft.com/office/drawing/2014/main" id="{5EBE161B-7F3A-4896-9715-C78A36DEFBAC}"/>
+                <a16:creationId xmlns:a16="http://schemas.microsoft.com/office/drawing/2014/main" id="{A5CC9200-C372-4FE5-8C50-BE5E49CA61A2}"/>
               </a:ext>
             </a:extLst>
           </p:cNvPr>
@@ -7835,17 +7764,81 @@
             <a:spLocks noGrp="1"/>
           </p:cNvSpPr>
           <p:nvPr>
-            <p:ph type="body" idx="1"/>
-          </p:nvPr>
-        </p:nvSpPr>
-        <p:spPr/>
-        <p:txBody>
-          <a:bodyPr/>
-          <a:lstStyle/>
-          <a:p>
-            <a:r>
-              <a:rPr lang="en-GB" dirty="0"/>
-              <a:t>Finally some code!</a:t>
+            <p:ph idx="1"/>
+          </p:nvPr>
+        </p:nvSpPr>
+        <p:spPr>
+          <a:xfrm>
+            <a:off x="677334" y="1473693"/>
+            <a:ext cx="8596668" cy="4567669"/>
+          </a:xfrm>
+        </p:spPr>
+        <p:txBody>
+          <a:bodyPr/>
+          <a:lstStyle/>
+          <a:p>
+            <a:pPr marL="0" indent="0">
+              <a:buNone/>
+            </a:pPr>
+            <a:r>
+              <a:rPr lang="en-GB" dirty="0"/>
+              <a:t>Benefits: </a:t>
+            </a:r>
+          </a:p>
+          <a:p>
+            <a:r>
+              <a:rPr lang="en-GB" dirty="0"/>
+              <a:t>A Multiparadigm language, OO and imperative is just as easy as in C#</a:t>
+            </a:r>
+          </a:p>
+          <a:p>
+            <a:r>
+              <a:rPr lang="en-GB" dirty="0"/>
+              <a:t>Strong community</a:t>
+            </a:r>
+          </a:p>
+          <a:p>
+            <a:r>
+              <a:rPr lang="en-GB" dirty="0"/>
+              <a:t>Concise but readable syntax and easy to understand</a:t>
+            </a:r>
+          </a:p>
+          <a:p>
+            <a:r>
+              <a:rPr lang="en-GB" dirty="0"/>
+              <a:t>Full .NET Interop</a:t>
+            </a:r>
+          </a:p>
+          <a:p>
+            <a:r>
+              <a:rPr lang="en-GB" dirty="0"/>
+              <a:t>F# -&gt; </a:t>
+            </a:r>
+            <a:r>
+              <a:rPr lang="en-GB" dirty="0" err="1"/>
+              <a:t>Javascript</a:t>
+            </a:r>
+            <a:r>
+              <a:rPr lang="en-GB" dirty="0"/>
+              <a:t> compiler with Fable</a:t>
+            </a:r>
+          </a:p>
+          <a:p>
+            <a:r>
+              <a:rPr lang="en-GB" dirty="0"/>
+              <a:t>Multiplatform</a:t>
+            </a:r>
+          </a:p>
+          <a:p>
+            <a:r>
+              <a:rPr lang="en-GB" dirty="0"/>
+              <a:t>Xamarin support</a:t>
+            </a:r>
+          </a:p>
+          <a:p>
+            <a:r>
+              <a:rPr lang="en-GB" dirty="0"/>
+              <a:t>Can use Visual Studio, Visual Studio code, or Rider</a:t>
             </a:r>
           </a:p>
         </p:txBody>
@@ -7853,7 +7846,7 @@
     </p:spTree>
     <p:extLst>
       <p:ext uri="{BB962C8B-B14F-4D97-AF65-F5344CB8AC3E}">
-        <p14:creationId xmlns:p14="http://schemas.microsoft.com/office/powerpoint/2010/main" val="1351044412"/>
+        <p14:creationId xmlns:p14="http://schemas.microsoft.com/office/powerpoint/2010/main" val="1595959429"/>
       </p:ext>
     </p:extLst>
   </p:cSld>
@@ -7885,7 +7878,7 @@
           <p:cNvPr id="2" name="Title 1">
             <a:extLst>
               <a:ext uri="{FF2B5EF4-FFF2-40B4-BE49-F238E27FC236}">
-                <a16:creationId xmlns:a16="http://schemas.microsoft.com/office/drawing/2014/main" id="{DBF56B8E-2F55-4DA2-9AA6-3828B040BF41}"/>
+                <a16:creationId xmlns:a16="http://schemas.microsoft.com/office/drawing/2014/main" id="{95BAC10B-5402-42E4-AD48-A5265B068621}"/>
               </a:ext>
             </a:extLst>
           </p:cNvPr>
@@ -7896,14 +7889,19 @@
             <p:ph type="title"/>
           </p:nvPr>
         </p:nvSpPr>
-        <p:spPr/>
-        <p:txBody>
-          <a:bodyPr/>
-          <a:lstStyle/>
-          <a:p>
-            <a:r>
-              <a:rPr lang="en-GB" dirty="0"/>
-              <a:t>FP / Declarative vs Imperative</a:t>
+        <p:spPr>
+          <a:xfrm>
+            <a:off x="677334" y="609600"/>
+            <a:ext cx="8596668" cy="864093"/>
+          </a:xfrm>
+        </p:spPr>
+        <p:txBody>
+          <a:bodyPr/>
+          <a:lstStyle/>
+          <a:p>
+            <a:r>
+              <a:rPr lang="en-GB" dirty="0"/>
+              <a:t>Functional First Programming with F#</a:t>
             </a:r>
           </a:p>
         </p:txBody>
@@ -7913,7 +7911,7 @@
           <p:cNvPr id="3" name="Content Placeholder 2">
             <a:extLst>
               <a:ext uri="{FF2B5EF4-FFF2-40B4-BE49-F238E27FC236}">
-                <a16:creationId xmlns:a16="http://schemas.microsoft.com/office/drawing/2014/main" id="{B5EA96D2-D5D0-435C-AAE4-4ACF7825D090}"/>
+                <a16:creationId xmlns:a16="http://schemas.microsoft.com/office/drawing/2014/main" id="{A5CC9200-C372-4FE5-8C50-BE5E49CA61A2}"/>
               </a:ext>
             </a:extLst>
           </p:cNvPr>
@@ -7926,8 +7924,8 @@
         </p:nvSpPr>
         <p:spPr>
           <a:xfrm>
-            <a:off x="677333" y="2160589"/>
-            <a:ext cx="9363312" cy="3880773"/>
+            <a:off x="677334" y="1473693"/>
+            <a:ext cx="8596668" cy="4567669"/>
           </a:xfrm>
         </p:spPr>
         <p:txBody>
@@ -7938,65 +7936,34 @@
               <a:buNone/>
             </a:pPr>
             <a:r>
-              <a:rPr lang="en-GB" i="1" dirty="0"/>
-              <a:t>“Imperative programming accomplishes tasks by executing a series of commands.</a:t>
-            </a:r>
-            <a:br>
-              <a:rPr lang="en-GB" i="1" dirty="0"/>
-            </a:br>
-            <a:r>
-              <a:rPr lang="en-GB" i="1" dirty="0"/>
-              <a:t>[Control Flow]</a:t>
-            </a:r>
-            <a:br>
-              <a:rPr lang="en-GB" i="1" dirty="0"/>
-            </a:br>
-            <a:r>
-              <a:rPr lang="en-GB" i="1" dirty="0"/>
-              <a:t>Functional programming accomplishes tasks by describing the results with expressions.</a:t>
-            </a:r>
-            <a:br>
-              <a:rPr lang="en-GB" i="1" dirty="0"/>
-            </a:br>
-            <a:r>
-              <a:rPr lang="en-GB" i="1" dirty="0"/>
-              <a:t>[Data Flow]</a:t>
-            </a:r>
-            <a:br>
-              <a:rPr lang="en-GB" i="1" dirty="0"/>
-            </a:br>
-            <a:r>
-              <a:rPr lang="en-GB" i="1" dirty="0"/>
-              <a:t>“</a:t>
-            </a:r>
-          </a:p>
-          <a:p>
-            <a:pPr marL="0" indent="0">
-              <a:buNone/>
-            </a:pPr>
-            <a:br>
-              <a:rPr lang="en-GB" i="1" dirty="0"/>
-            </a:br>
-            <a:r>
-              <a:rPr lang="en-GB" dirty="0">
-                <a:hlinkClick r:id="rId2"/>
-              </a:rPr>
-              <a:t>https://magneticcoredump.squarespace.com/blog/what-is-the-difference-between-functional-and-imperative-programming</a:t>
-            </a:r>
-            <a:r>
-              <a:rPr lang="en-GB" dirty="0"/>
-              <a:t> </a:t>
-            </a:r>
-          </a:p>
-          <a:p>
-            <a:endParaRPr lang="en-GB" dirty="0"/>
+              <a:rPr lang="en-GB" dirty="0"/>
+              <a:t>Issues: </a:t>
+            </a:r>
+          </a:p>
+          <a:p>
+            <a:r>
+              <a:rPr lang="en-GB" dirty="0"/>
+              <a:t>No Type classes (Yet)</a:t>
+            </a:r>
+          </a:p>
+          <a:p>
+            <a:r>
+              <a:rPr lang="en-GB" dirty="0"/>
+              <a:t>Not as good treatment in comparison to C# from Microsoft at the moment, so development setup isn’t perfect at the moment</a:t>
+            </a:r>
+          </a:p>
+          <a:p>
+            <a:r>
+              <a:rPr lang="en-GB" dirty="0"/>
+              <a:t>C# is a really good language</a:t>
+            </a:r>
           </a:p>
         </p:txBody>
       </p:sp>
     </p:spTree>
     <p:extLst>
       <p:ext uri="{BB962C8B-B14F-4D97-AF65-F5344CB8AC3E}">
-        <p14:creationId xmlns:p14="http://schemas.microsoft.com/office/powerpoint/2010/main" val="3813737669"/>
+        <p14:creationId xmlns:p14="http://schemas.microsoft.com/office/powerpoint/2010/main" val="640178609"/>
       </p:ext>
     </p:extLst>
   </p:cSld>
@@ -8028,7 +7995,7 @@
           <p:cNvPr id="2" name="Title 1">
             <a:extLst>
               <a:ext uri="{FF2B5EF4-FFF2-40B4-BE49-F238E27FC236}">
-                <a16:creationId xmlns:a16="http://schemas.microsoft.com/office/drawing/2014/main" id="{81A5BDF8-ABAB-455C-9D2D-7C59AD38FFD5}"/>
+                <a16:creationId xmlns:a16="http://schemas.microsoft.com/office/drawing/2014/main" id="{5BCD6D4A-1CE9-4B21-9F15-722BB6F2168A}"/>
               </a:ext>
             </a:extLst>
           </p:cNvPr>
@@ -8046,17 +8013,17 @@
           <a:p>
             <a:r>
               <a:rPr lang="en-GB" dirty="0"/>
-              <a:t>FP / Declarative vs Imperative</a:t>
-            </a:r>
-          </a:p>
-        </p:txBody>
-      </p:sp>
-      <p:sp>
-        <p:nvSpPr>
-          <p:cNvPr id="3" name="Content Placeholder 2">
+              <a:t>Functional / Declarative vs OO / Imperative breakdown</a:t>
+            </a:r>
+          </a:p>
+        </p:txBody>
+      </p:sp>
+      <p:sp>
+        <p:nvSpPr>
+          <p:cNvPr id="3" name="Text Placeholder 2">
             <a:extLst>
               <a:ext uri="{FF2B5EF4-FFF2-40B4-BE49-F238E27FC236}">
-                <a16:creationId xmlns:a16="http://schemas.microsoft.com/office/drawing/2014/main" id="{896BC6C1-6D16-46D7-85DD-2805DC9458EB}"/>
+                <a16:creationId xmlns:a16="http://schemas.microsoft.com/office/drawing/2014/main" id="{5EBE161B-7F3A-4896-9715-C78A36DEFBAC}"/>
               </a:ext>
             </a:extLst>
           </p:cNvPr>
@@ -8064,17 +8031,17 @@
             <a:spLocks noGrp="1"/>
           </p:cNvSpPr>
           <p:nvPr>
-            <p:ph idx="1"/>
-          </p:nvPr>
-        </p:nvSpPr>
-        <p:spPr/>
-        <p:txBody>
-          <a:bodyPr/>
-          <a:lstStyle/>
-          <a:p>
-            <a:r>
-              <a:rPr lang="en-GB" dirty="0"/>
-              <a:t>To Visual Studio!</a:t>
+            <p:ph type="body" idx="1"/>
+          </p:nvPr>
+        </p:nvSpPr>
+        <p:spPr/>
+        <p:txBody>
+          <a:bodyPr/>
+          <a:lstStyle/>
+          <a:p>
+            <a:r>
+              <a:rPr lang="en-GB" dirty="0"/>
+              <a:t>Finally some code!</a:t>
             </a:r>
           </a:p>
         </p:txBody>
@@ -8082,7 +8049,7 @@
     </p:spTree>
     <p:extLst>
       <p:ext uri="{BB962C8B-B14F-4D97-AF65-F5344CB8AC3E}">
-        <p14:creationId xmlns:p14="http://schemas.microsoft.com/office/powerpoint/2010/main" val="1629119169"/>
+        <p14:creationId xmlns:p14="http://schemas.microsoft.com/office/powerpoint/2010/main" val="1351044412"/>
       </p:ext>
     </p:extLst>
   </p:cSld>
@@ -8114,7 +8081,7 @@
           <p:cNvPr id="2" name="Title 1">
             <a:extLst>
               <a:ext uri="{FF2B5EF4-FFF2-40B4-BE49-F238E27FC236}">
-                <a16:creationId xmlns:a16="http://schemas.microsoft.com/office/drawing/2014/main" id="{81A5BDF8-ABAB-455C-9D2D-7C59AD38FFD5}"/>
+                <a16:creationId xmlns:a16="http://schemas.microsoft.com/office/drawing/2014/main" id="{DBF56B8E-2F55-4DA2-9AA6-3828B040BF41}"/>
               </a:ext>
             </a:extLst>
           </p:cNvPr>
@@ -8132,7 +8099,7 @@
           <a:p>
             <a:r>
               <a:rPr lang="en-GB" dirty="0"/>
-              <a:t>FP / Declarative vs OO</a:t>
+              <a:t>FP / Declarative vs Imperative</a:t>
             </a:r>
           </a:p>
         </p:txBody>
@@ -8142,7 +8109,7 @@
           <p:cNvPr id="3" name="Content Placeholder 2">
             <a:extLst>
               <a:ext uri="{FF2B5EF4-FFF2-40B4-BE49-F238E27FC236}">
-                <a16:creationId xmlns:a16="http://schemas.microsoft.com/office/drawing/2014/main" id="{896BC6C1-6D16-46D7-85DD-2805DC9458EB}"/>
+                <a16:creationId xmlns:a16="http://schemas.microsoft.com/office/drawing/2014/main" id="{B5EA96D2-D5D0-435C-AAE4-4ACF7825D090}"/>
               </a:ext>
             </a:extLst>
           </p:cNvPr>
@@ -8153,7 +8120,12 @@
             <p:ph idx="1"/>
           </p:nvPr>
         </p:nvSpPr>
-        <p:spPr/>
+        <p:spPr>
+          <a:xfrm>
+            <a:off x="677333" y="2160589"/>
+            <a:ext cx="9363312" cy="3880773"/>
+          </a:xfrm>
+        </p:spPr>
         <p:txBody>
           <a:bodyPr/>
           <a:lstStyle/>
@@ -8163,18 +8135,56 @@
             </a:pPr>
             <a:r>
               <a:rPr lang="en-GB" i="1" dirty="0"/>
-              <a:t>"OO makes code understandable by encapsulating moving parts. FP makes code understandable by minimizing moving parts." </a:t>
-            </a:r>
-          </a:p>
-          <a:p>
-            <a:r>
-              <a:rPr lang="en-GB" dirty="0"/>
-              <a:t>Michael Feathers @</a:t>
-            </a:r>
-            <a:r>
-              <a:rPr lang="en-GB" dirty="0" err="1"/>
-              <a:t>mfeathers</a:t>
-            </a:r>
+              <a:t>“Imperative programming accomplishes tasks by executing a series of commands.</a:t>
+            </a:r>
+            <a:br>
+              <a:rPr lang="en-GB" i="1" dirty="0"/>
+            </a:br>
+            <a:r>
+              <a:rPr lang="en-GB" i="1" dirty="0"/>
+              <a:t>[Control Flow]</a:t>
+            </a:r>
+            <a:br>
+              <a:rPr lang="en-GB" i="1" dirty="0"/>
+            </a:br>
+            <a:r>
+              <a:rPr lang="en-GB" i="1" dirty="0"/>
+              <a:t>Functional programming accomplishes tasks by describing the results with expressions.</a:t>
+            </a:r>
+            <a:br>
+              <a:rPr lang="en-GB" i="1" dirty="0"/>
+            </a:br>
+            <a:r>
+              <a:rPr lang="en-GB" i="1" dirty="0"/>
+              <a:t>[Data Flow]</a:t>
+            </a:r>
+            <a:br>
+              <a:rPr lang="en-GB" i="1" dirty="0"/>
+            </a:br>
+            <a:r>
+              <a:rPr lang="en-GB" i="1" dirty="0"/>
+              <a:t>“</a:t>
+            </a:r>
+          </a:p>
+          <a:p>
+            <a:pPr marL="0" indent="0">
+              <a:buNone/>
+            </a:pPr>
+            <a:br>
+              <a:rPr lang="en-GB" i="1" dirty="0"/>
+            </a:br>
+            <a:r>
+              <a:rPr lang="en-GB" dirty="0">
+                <a:hlinkClick r:id="rId2"/>
+              </a:rPr>
+              <a:t>https://magneticcoredump.squarespace.com/blog/what-is-the-difference-between-functional-and-imperative-programming</a:t>
+            </a:r>
+            <a:r>
+              <a:rPr lang="en-GB" dirty="0"/>
+              <a:t> </a:t>
+            </a:r>
+          </a:p>
+          <a:p>
             <a:endParaRPr lang="en-GB" dirty="0"/>
           </a:p>
         </p:txBody>
@@ -8182,7 +8192,7 @@
     </p:spTree>
     <p:extLst>
       <p:ext uri="{BB962C8B-B14F-4D97-AF65-F5344CB8AC3E}">
-        <p14:creationId xmlns:p14="http://schemas.microsoft.com/office/powerpoint/2010/main" val="608596680"/>
+        <p14:creationId xmlns:p14="http://schemas.microsoft.com/office/powerpoint/2010/main" val="3813737669"/>
       </p:ext>
     </p:extLst>
   </p:cSld>
@@ -8232,7 +8242,7 @@
           <a:p>
             <a:r>
               <a:rPr lang="en-GB" dirty="0"/>
-              <a:t>FP / Declarative vs OO</a:t>
+              <a:t>FP / Declarative vs Imperative</a:t>
             </a:r>
           </a:p>
         </p:txBody>
@@ -8260,13 +8270,7 @@
           <a:p>
             <a:r>
               <a:rPr lang="en-GB" dirty="0"/>
-              <a:t>OO: Data and methods / functions are bound together. State is hidden through encapsulation, and objects work together by calling methods on other objects (Basically messaging)</a:t>
-            </a:r>
-          </a:p>
-          <a:p>
-            <a:r>
-              <a:rPr lang="en-GB" dirty="0"/>
-              <a:t>FP: Data and functions are separated.  State is made more explicit, and we aim to control and minimise the number of ways that state can change. </a:t>
+              <a:t>To Visual Studio!</a:t>
             </a:r>
           </a:p>
         </p:txBody>
@@ -8274,7 +8278,7 @@
     </p:spTree>
     <p:extLst>
       <p:ext uri="{BB962C8B-B14F-4D97-AF65-F5344CB8AC3E}">
-        <p14:creationId xmlns:p14="http://schemas.microsoft.com/office/powerpoint/2010/main" val="3204509496"/>
+        <p14:creationId xmlns:p14="http://schemas.microsoft.com/office/powerpoint/2010/main" val="1629119169"/>
       </p:ext>
     </p:extLst>
   </p:cSld>
@@ -8350,23 +8354,31 @@
           <a:bodyPr/>
           <a:lstStyle/>
           <a:p>
-            <a:r>
-              <a:rPr lang="en-GB" dirty="0"/>
-              <a:t>For FP in the purest sense, there are no side effects. However, for a useful program we need them! </a:t>
-            </a:r>
-          </a:p>
-          <a:p>
-            <a:r>
-              <a:rPr lang="en-GB" dirty="0"/>
-              <a:t>So, we aim to constrain where side effects happen so that things are easier to reason about. </a:t>
-            </a:r>
+            <a:pPr marL="0" indent="0">
+              <a:buNone/>
+            </a:pPr>
+            <a:r>
+              <a:rPr lang="en-GB" i="1" dirty="0"/>
+              <a:t>"OO makes code understandable by encapsulating moving parts. FP makes code understandable by minimizing moving parts." </a:t>
+            </a:r>
+          </a:p>
+          <a:p>
+            <a:r>
+              <a:rPr lang="en-GB" dirty="0"/>
+              <a:t>Michael Feathers @</a:t>
+            </a:r>
+            <a:r>
+              <a:rPr lang="en-GB" dirty="0" err="1"/>
+              <a:t>mfeathers</a:t>
+            </a:r>
+            <a:endParaRPr lang="en-GB" dirty="0"/>
           </a:p>
         </p:txBody>
       </p:sp>
     </p:spTree>
     <p:extLst>
       <p:ext uri="{BB962C8B-B14F-4D97-AF65-F5344CB8AC3E}">
-        <p14:creationId xmlns:p14="http://schemas.microsoft.com/office/powerpoint/2010/main" val="3950671963"/>
+        <p14:creationId xmlns:p14="http://schemas.microsoft.com/office/powerpoint/2010/main" val="608596680"/>
       </p:ext>
     </p:extLst>
   </p:cSld>
@@ -8444,7 +8456,13 @@
           <a:p>
             <a:r>
               <a:rPr lang="en-GB" dirty="0"/>
-              <a:t>To Visual Studio!</a:t>
+              <a:t>OO: Data and methods / functions are bound together. State is hidden through encapsulation, and objects work together by calling methods on other objects (Basically messaging)</a:t>
+            </a:r>
+          </a:p>
+          <a:p>
+            <a:r>
+              <a:rPr lang="en-GB" dirty="0"/>
+              <a:t>FP: Data and functions are separated.  State is made more explicit, and we aim to control and minimise the number of ways that state can change. </a:t>
             </a:r>
           </a:p>
         </p:txBody>
@@ -8452,7 +8470,7 @@
     </p:spTree>
     <p:extLst>
       <p:ext uri="{BB962C8B-B14F-4D97-AF65-F5344CB8AC3E}">
-        <p14:creationId xmlns:p14="http://schemas.microsoft.com/office/powerpoint/2010/main" val="3388810031"/>
+        <p14:creationId xmlns:p14="http://schemas.microsoft.com/office/powerpoint/2010/main" val="3204509496"/>
       </p:ext>
     </p:extLst>
   </p:cSld>
@@ -8567,7 +8585,7 @@
           <p:cNvPr id="2" name="Title 1">
             <a:extLst>
               <a:ext uri="{FF2B5EF4-FFF2-40B4-BE49-F238E27FC236}">
-                <a16:creationId xmlns:a16="http://schemas.microsoft.com/office/drawing/2014/main" id="{5619B2FC-BFE2-45AC-8473-A5D0B9F8AA56}"/>
+                <a16:creationId xmlns:a16="http://schemas.microsoft.com/office/drawing/2014/main" id="{81A5BDF8-ABAB-455C-9D2D-7C59AD38FFD5}"/>
               </a:ext>
             </a:extLst>
           </p:cNvPr>
@@ -8585,7 +8603,7 @@
           <a:p>
             <a:r>
               <a:rPr lang="en-GB" dirty="0"/>
-              <a:t>Refactoring from Imperative</a:t>
+              <a:t>FP / Declarative vs OO</a:t>
             </a:r>
           </a:p>
         </p:txBody>
@@ -8595,7 +8613,7 @@
           <p:cNvPr id="3" name="Content Placeholder 2">
             <a:extLst>
               <a:ext uri="{FF2B5EF4-FFF2-40B4-BE49-F238E27FC236}">
-                <a16:creationId xmlns:a16="http://schemas.microsoft.com/office/drawing/2014/main" id="{9082F3DA-CFB7-4056-85DF-AF4932092BE1}"/>
+                <a16:creationId xmlns:a16="http://schemas.microsoft.com/office/drawing/2014/main" id="{896BC6C1-6D16-46D7-85DD-2805DC9458EB}"/>
               </a:ext>
             </a:extLst>
           </p:cNvPr>
@@ -8613,7 +8631,13 @@
           <a:p>
             <a:r>
               <a:rPr lang="en-GB" dirty="0"/>
-              <a:t>Using Filters</a:t>
+              <a:t>For FP in the purest sense, there are no side effects. However, for a useful program we need them! </a:t>
+            </a:r>
+          </a:p>
+          <a:p>
+            <a:r>
+              <a:rPr lang="en-GB" dirty="0"/>
+              <a:t>So, we aim to constrain where side effects happen so that things are easier to reason about. </a:t>
             </a:r>
           </a:p>
         </p:txBody>
@@ -8621,7 +8645,7 @@
     </p:spTree>
     <p:extLst>
       <p:ext uri="{BB962C8B-B14F-4D97-AF65-F5344CB8AC3E}">
-        <p14:creationId xmlns:p14="http://schemas.microsoft.com/office/powerpoint/2010/main" val="3643775625"/>
+        <p14:creationId xmlns:p14="http://schemas.microsoft.com/office/powerpoint/2010/main" val="3950671963"/>
       </p:ext>
     </p:extLst>
   </p:cSld>
@@ -8653,7 +8677,7 @@
           <p:cNvPr id="2" name="Title 1">
             <a:extLst>
               <a:ext uri="{FF2B5EF4-FFF2-40B4-BE49-F238E27FC236}">
-                <a16:creationId xmlns:a16="http://schemas.microsoft.com/office/drawing/2014/main" id="{5631F596-C35B-4304-B20B-DDDD081A15F9}"/>
+                <a16:creationId xmlns:a16="http://schemas.microsoft.com/office/drawing/2014/main" id="{81A5BDF8-ABAB-455C-9D2D-7C59AD38FFD5}"/>
               </a:ext>
             </a:extLst>
           </p:cNvPr>
@@ -8664,19 +8688,14 @@
             <p:ph type="title"/>
           </p:nvPr>
         </p:nvSpPr>
-        <p:spPr>
-          <a:xfrm>
-            <a:off x="677334" y="609600"/>
-            <a:ext cx="8596668" cy="899604"/>
-          </a:xfrm>
-        </p:spPr>
-        <p:txBody>
-          <a:bodyPr/>
-          <a:lstStyle/>
-          <a:p>
-            <a:r>
-              <a:rPr lang="en-GB" dirty="0"/>
-              <a:t>Exercise 00 </a:t>
+        <p:spPr/>
+        <p:txBody>
+          <a:bodyPr/>
+          <a:lstStyle/>
+          <a:p>
+            <a:r>
+              <a:rPr lang="en-GB" dirty="0"/>
+              <a:t>FP / Declarative vs OO</a:t>
             </a:r>
           </a:p>
         </p:txBody>
@@ -8686,7 +8705,7 @@
           <p:cNvPr id="3" name="Content Placeholder 2">
             <a:extLst>
               <a:ext uri="{FF2B5EF4-FFF2-40B4-BE49-F238E27FC236}">
-                <a16:creationId xmlns:a16="http://schemas.microsoft.com/office/drawing/2014/main" id="{D8B20300-040F-46A7-9181-4982E34FB03A}"/>
+                <a16:creationId xmlns:a16="http://schemas.microsoft.com/office/drawing/2014/main" id="{896BC6C1-6D16-46D7-85DD-2805DC9458EB}"/>
               </a:ext>
             </a:extLst>
           </p:cNvPr>
@@ -8704,55 +8723,15 @@
           <a:p>
             <a:r>
               <a:rPr lang="en-GB" dirty="0"/>
-              <a:t>Install F#: </a:t>
-            </a:r>
-            <a:r>
-              <a:rPr lang="en-GB" dirty="0">
-                <a:hlinkClick r:id="rId2"/>
-              </a:rPr>
-              <a:t>http://fsharp.org/use/windows/</a:t>
-            </a:r>
-            <a:r>
-              <a:rPr lang="en-GB" dirty="0"/>
-              <a:t> </a:t>
-            </a:r>
-          </a:p>
-          <a:p>
-            <a:r>
-              <a:rPr lang="en-GB" dirty="0"/>
-              <a:t>Install both Visual Studio and VS code and </a:t>
-            </a:r>
-            <a:r>
-              <a:rPr lang="en-GB" dirty="0" err="1"/>
-              <a:t>Ionide</a:t>
-            </a:r>
-            <a:r>
-              <a:rPr lang="en-GB" dirty="0"/>
-              <a:t> (I’m not sure which is best, so we may switch)</a:t>
-            </a:r>
-          </a:p>
-          <a:p>
-            <a:r>
-              <a:rPr lang="en-GB" dirty="0"/>
-              <a:t>Add F# to your path. Should be something like:</a:t>
-            </a:r>
-          </a:p>
-          <a:p>
-            <a:r>
-              <a:rPr lang="nn-NO" dirty="0"/>
-              <a:t>C:\Program Files (x86)\Microsoft SDKs\F#\4.1\Framework\v4.0 </a:t>
-            </a:r>
-            <a:endParaRPr lang="en-GB" dirty="0"/>
-          </a:p>
-          <a:p>
-            <a:endParaRPr lang="en-GB" dirty="0"/>
+              <a:t>To Visual Studio!</a:t>
+            </a:r>
           </a:p>
         </p:txBody>
       </p:sp>
     </p:spTree>
     <p:extLst>
       <p:ext uri="{BB962C8B-B14F-4D97-AF65-F5344CB8AC3E}">
-        <p14:creationId xmlns:p14="http://schemas.microsoft.com/office/powerpoint/2010/main" val="1106240761"/>
+        <p14:creationId xmlns:p14="http://schemas.microsoft.com/office/powerpoint/2010/main" val="3388810031"/>
       </p:ext>
     </p:extLst>
   </p:cSld>
@@ -8784,6 +8763,223 @@
           <p:cNvPr id="2" name="Title 1">
             <a:extLst>
               <a:ext uri="{FF2B5EF4-FFF2-40B4-BE49-F238E27FC236}">
+                <a16:creationId xmlns:a16="http://schemas.microsoft.com/office/drawing/2014/main" id="{5619B2FC-BFE2-45AC-8473-A5D0B9F8AA56}"/>
+              </a:ext>
+            </a:extLst>
+          </p:cNvPr>
+          <p:cNvSpPr>
+            <a:spLocks noGrp="1"/>
+          </p:cNvSpPr>
+          <p:nvPr>
+            <p:ph type="title"/>
+          </p:nvPr>
+        </p:nvSpPr>
+        <p:spPr/>
+        <p:txBody>
+          <a:bodyPr/>
+          <a:lstStyle/>
+          <a:p>
+            <a:r>
+              <a:rPr lang="en-GB" dirty="0"/>
+              <a:t>FP / Declarative vs OO</a:t>
+            </a:r>
+          </a:p>
+        </p:txBody>
+      </p:sp>
+      <p:sp>
+        <p:nvSpPr>
+          <p:cNvPr id="3" name="Content Placeholder 2">
+            <a:extLst>
+              <a:ext uri="{FF2B5EF4-FFF2-40B4-BE49-F238E27FC236}">
+                <a16:creationId xmlns:a16="http://schemas.microsoft.com/office/drawing/2014/main" id="{9082F3DA-CFB7-4056-85DF-AF4932092BE1}"/>
+              </a:ext>
+            </a:extLst>
+          </p:cNvPr>
+          <p:cNvSpPr>
+            <a:spLocks noGrp="1"/>
+          </p:cNvSpPr>
+          <p:nvPr>
+            <p:ph idx="1"/>
+          </p:nvPr>
+        </p:nvSpPr>
+        <p:spPr/>
+        <p:txBody>
+          <a:bodyPr/>
+          <a:lstStyle/>
+          <a:p>
+            <a:r>
+              <a:rPr lang="en-GB" dirty="0"/>
+              <a:t>Using Filters and F#</a:t>
+            </a:r>
+          </a:p>
+        </p:txBody>
+      </p:sp>
+    </p:spTree>
+    <p:extLst>
+      <p:ext uri="{BB962C8B-B14F-4D97-AF65-F5344CB8AC3E}">
+        <p14:creationId xmlns:p14="http://schemas.microsoft.com/office/powerpoint/2010/main" val="3643775625"/>
+      </p:ext>
+    </p:extLst>
+  </p:cSld>
+  <p:clrMapOvr>
+    <a:masterClrMapping/>
+  </p:clrMapOvr>
+</p:sld>
+</file>
+
+<file path=ppt/slides/slide33.xml><?xml version="1.0" encoding="utf-8"?>
+<p:sld xmlns:a="http://schemas.openxmlformats.org/drawingml/2006/main" xmlns:r="http://schemas.openxmlformats.org/officeDocument/2006/relationships" xmlns:p="http://schemas.openxmlformats.org/presentationml/2006/main">
+  <p:cSld>
+    <p:spTree>
+      <p:nvGrpSpPr>
+        <p:cNvPr id="1" name=""/>
+        <p:cNvGrpSpPr/>
+        <p:nvPr/>
+      </p:nvGrpSpPr>
+      <p:grpSpPr>
+        <a:xfrm>
+          <a:off x="0" y="0"/>
+          <a:ext cx="0" cy="0"/>
+          <a:chOff x="0" y="0"/>
+          <a:chExt cx="0" cy="0"/>
+        </a:xfrm>
+      </p:grpSpPr>
+      <p:sp>
+        <p:nvSpPr>
+          <p:cNvPr id="2" name="Title 1">
+            <a:extLst>
+              <a:ext uri="{FF2B5EF4-FFF2-40B4-BE49-F238E27FC236}">
+                <a16:creationId xmlns:a16="http://schemas.microsoft.com/office/drawing/2014/main" id="{5631F596-C35B-4304-B20B-DDDD081A15F9}"/>
+              </a:ext>
+            </a:extLst>
+          </p:cNvPr>
+          <p:cNvSpPr>
+            <a:spLocks noGrp="1"/>
+          </p:cNvSpPr>
+          <p:nvPr>
+            <p:ph type="title"/>
+          </p:nvPr>
+        </p:nvSpPr>
+        <p:spPr>
+          <a:xfrm>
+            <a:off x="677334" y="609600"/>
+            <a:ext cx="8596668" cy="899604"/>
+          </a:xfrm>
+        </p:spPr>
+        <p:txBody>
+          <a:bodyPr/>
+          <a:lstStyle/>
+          <a:p>
+            <a:r>
+              <a:rPr lang="en-GB" dirty="0"/>
+              <a:t>Exercise 00 </a:t>
+            </a:r>
+          </a:p>
+        </p:txBody>
+      </p:sp>
+      <p:sp>
+        <p:nvSpPr>
+          <p:cNvPr id="3" name="Content Placeholder 2">
+            <a:extLst>
+              <a:ext uri="{FF2B5EF4-FFF2-40B4-BE49-F238E27FC236}">
+                <a16:creationId xmlns:a16="http://schemas.microsoft.com/office/drawing/2014/main" id="{D8B20300-040F-46A7-9181-4982E34FB03A}"/>
+              </a:ext>
+            </a:extLst>
+          </p:cNvPr>
+          <p:cNvSpPr>
+            <a:spLocks noGrp="1"/>
+          </p:cNvSpPr>
+          <p:nvPr>
+            <p:ph idx="1"/>
+          </p:nvPr>
+        </p:nvSpPr>
+        <p:spPr/>
+        <p:txBody>
+          <a:bodyPr/>
+          <a:lstStyle/>
+          <a:p>
+            <a:r>
+              <a:rPr lang="en-GB" dirty="0"/>
+              <a:t>Install F#: </a:t>
+            </a:r>
+            <a:r>
+              <a:rPr lang="en-GB" dirty="0">
+                <a:hlinkClick r:id="rId2"/>
+              </a:rPr>
+              <a:t>http://fsharp.org/use/windows/</a:t>
+            </a:r>
+            <a:r>
+              <a:rPr lang="en-GB" dirty="0"/>
+              <a:t> </a:t>
+            </a:r>
+          </a:p>
+          <a:p>
+            <a:r>
+              <a:rPr lang="en-GB" dirty="0"/>
+              <a:t>Install both Visual Studio and VS code and </a:t>
+            </a:r>
+            <a:r>
+              <a:rPr lang="en-GB" dirty="0" err="1"/>
+              <a:t>Ionide</a:t>
+            </a:r>
+            <a:r>
+              <a:rPr lang="en-GB" dirty="0"/>
+              <a:t> (I’m not sure which is best, so we may switch)</a:t>
+            </a:r>
+          </a:p>
+          <a:p>
+            <a:r>
+              <a:rPr lang="en-GB" dirty="0"/>
+              <a:t>Add F# to your path. Should be something like:</a:t>
+            </a:r>
+          </a:p>
+          <a:p>
+            <a:r>
+              <a:rPr lang="nn-NO" dirty="0"/>
+              <a:t>C:\Program Files (x86)\Microsoft SDKs\F#\4.1\Framework\v4.0 </a:t>
+            </a:r>
+            <a:endParaRPr lang="en-GB" dirty="0"/>
+          </a:p>
+          <a:p>
+            <a:endParaRPr lang="en-GB" dirty="0"/>
+          </a:p>
+        </p:txBody>
+      </p:sp>
+    </p:spTree>
+    <p:extLst>
+      <p:ext uri="{BB962C8B-B14F-4D97-AF65-F5344CB8AC3E}">
+        <p14:creationId xmlns:p14="http://schemas.microsoft.com/office/powerpoint/2010/main" val="1106240761"/>
+      </p:ext>
+    </p:extLst>
+  </p:cSld>
+  <p:clrMapOvr>
+    <a:masterClrMapping/>
+  </p:clrMapOvr>
+</p:sld>
+</file>
+
+<file path=ppt/slides/slide34.xml><?xml version="1.0" encoding="utf-8"?>
+<p:sld xmlns:a="http://schemas.openxmlformats.org/drawingml/2006/main" xmlns:r="http://schemas.openxmlformats.org/officeDocument/2006/relationships" xmlns:p="http://schemas.openxmlformats.org/presentationml/2006/main">
+  <p:cSld>
+    <p:spTree>
+      <p:nvGrpSpPr>
+        <p:cNvPr id="1" name=""/>
+        <p:cNvGrpSpPr/>
+        <p:nvPr/>
+      </p:nvGrpSpPr>
+      <p:grpSpPr>
+        <a:xfrm>
+          <a:off x="0" y="0"/>
+          <a:ext cx="0" cy="0"/>
+          <a:chOff x="0" y="0"/>
+          <a:chExt cx="0" cy="0"/>
+        </a:xfrm>
+      </p:grpSpPr>
+      <p:sp>
+        <p:nvSpPr>
+          <p:cNvPr id="2" name="Title 1">
+            <a:extLst>
+              <a:ext uri="{FF2B5EF4-FFF2-40B4-BE49-F238E27FC236}">
                 <a16:creationId xmlns:a16="http://schemas.microsoft.com/office/drawing/2014/main" id="{681FAFFE-9FF8-4BD1-A6F6-7FE578FD4AC1}"/>
               </a:ext>
             </a:extLst>
@@ -8860,7 +9056,7 @@
 </p:sld>
 </file>
 
-<file path=ppt/slides/slide33.xml><?xml version="1.0" encoding="utf-8"?>
+<file path=ppt/slides/slide35.xml><?xml version="1.0" encoding="utf-8"?>
 <p:sld xmlns:a="http://schemas.openxmlformats.org/drawingml/2006/main" xmlns:r="http://schemas.openxmlformats.org/officeDocument/2006/relationships" xmlns:p="http://schemas.openxmlformats.org/presentationml/2006/main">
   <p:cSld>
     <p:spTree>
@@ -9179,6 +9375,16 @@
             </a:r>
           </a:p>
           <a:p>
+            <a:pPr marL="514350" indent="-514350">
+              <a:buFont typeface="+mj-lt"/>
+              <a:buAutoNum type="arabicPeriod"/>
+            </a:pPr>
+            <a:r>
+              <a:rPr lang="en-GB" dirty="0"/>
+              <a:t>For me: I want to get better</a:t>
+            </a:r>
+          </a:p>
+          <a:p>
             <a:endParaRPr lang="en-GB" dirty="0"/>
           </a:p>
         </p:txBody>
@@ -9602,7 +9808,7 @@
           <a:lstStyle/>
           <a:p>
             <a:r>
-              <a:rPr lang="en-GB"/>
+              <a:rPr lang="en-GB" dirty="0"/>
               <a:t>Project at the end? </a:t>
             </a:r>
           </a:p>
